--- a/docs/Training/Scratch_VHDL_Advert.pptx
+++ b/docs/Training/Scratch_VHDL_Advert.pptx
@@ -3854,7 +3854,7 @@
           <a:p>
             <a:fld id="{A793A016-C221-4297-BAF0-C7617808AEA2}" type="datetimeFigureOut">
               <a:rPr lang="en-GB" smtClean="0"/>
-              <a:t>24/05/2023</a:t>
+              <a:t>17/06/2023</a:t>
             </a:fld>
             <a:endParaRPr lang="en-GB"/>
           </a:p>
@@ -4340,7 +4340,7 @@
           <a:p>
             <a:fld id="{93631960-6401-4240-A916-0C0CD9420A18}" type="datetimeFigureOut">
               <a:rPr lang="en-GB" smtClean="0"/>
-              <a:t>24/05/2023</a:t>
+              <a:t>17/06/2023</a:t>
             </a:fld>
             <a:endParaRPr lang="en-GB"/>
           </a:p>
@@ -4510,7 +4510,7 @@
           <a:p>
             <a:fld id="{93631960-6401-4240-A916-0C0CD9420A18}" type="datetimeFigureOut">
               <a:rPr lang="en-GB" smtClean="0"/>
-              <a:t>24/05/2023</a:t>
+              <a:t>17/06/2023</a:t>
             </a:fld>
             <a:endParaRPr lang="en-GB"/>
           </a:p>
@@ -4690,7 +4690,7 @@
           <a:p>
             <a:fld id="{93631960-6401-4240-A916-0C0CD9420A18}" type="datetimeFigureOut">
               <a:rPr lang="en-GB" smtClean="0"/>
-              <a:t>24/05/2023</a:t>
+              <a:t>17/06/2023</a:t>
             </a:fld>
             <a:endParaRPr lang="en-GB"/>
           </a:p>
@@ -4860,7 +4860,7 @@
           <a:p>
             <a:fld id="{93631960-6401-4240-A916-0C0CD9420A18}" type="datetimeFigureOut">
               <a:rPr lang="en-GB" smtClean="0"/>
-              <a:t>24/05/2023</a:t>
+              <a:t>17/06/2023</a:t>
             </a:fld>
             <a:endParaRPr lang="en-GB"/>
           </a:p>
@@ -5106,7 +5106,7 @@
           <a:p>
             <a:fld id="{93631960-6401-4240-A916-0C0CD9420A18}" type="datetimeFigureOut">
               <a:rPr lang="en-GB" smtClean="0"/>
-              <a:t>24/05/2023</a:t>
+              <a:t>17/06/2023</a:t>
             </a:fld>
             <a:endParaRPr lang="en-GB"/>
           </a:p>
@@ -5337,7 +5337,7 @@
           <a:p>
             <a:fld id="{93631960-6401-4240-A916-0C0CD9420A18}" type="datetimeFigureOut">
               <a:rPr lang="en-GB" smtClean="0"/>
-              <a:t>24/05/2023</a:t>
+              <a:t>17/06/2023</a:t>
             </a:fld>
             <a:endParaRPr lang="en-GB"/>
           </a:p>
@@ -5704,7 +5704,7 @@
           <a:p>
             <a:fld id="{93631960-6401-4240-A916-0C0CD9420A18}" type="datetimeFigureOut">
               <a:rPr lang="en-GB" smtClean="0"/>
-              <a:t>24/05/2023</a:t>
+              <a:t>17/06/2023</a:t>
             </a:fld>
             <a:endParaRPr lang="en-GB"/>
           </a:p>
@@ -5822,7 +5822,7 @@
           <a:p>
             <a:fld id="{93631960-6401-4240-A916-0C0CD9420A18}" type="datetimeFigureOut">
               <a:rPr lang="en-GB" smtClean="0"/>
-              <a:t>24/05/2023</a:t>
+              <a:t>17/06/2023</a:t>
             </a:fld>
             <a:endParaRPr lang="en-GB"/>
           </a:p>
@@ -5917,7 +5917,7 @@
           <a:p>
             <a:fld id="{93631960-6401-4240-A916-0C0CD9420A18}" type="datetimeFigureOut">
               <a:rPr lang="en-GB" smtClean="0"/>
-              <a:t>24/05/2023</a:t>
+              <a:t>17/06/2023</a:t>
             </a:fld>
             <a:endParaRPr lang="en-GB"/>
           </a:p>
@@ -6194,7 +6194,7 @@
           <a:p>
             <a:fld id="{93631960-6401-4240-A916-0C0CD9420A18}" type="datetimeFigureOut">
               <a:rPr lang="en-GB" smtClean="0"/>
-              <a:t>24/05/2023</a:t>
+              <a:t>17/06/2023</a:t>
             </a:fld>
             <a:endParaRPr lang="en-GB"/>
           </a:p>
@@ -6451,7 +6451,7 @@
           <a:p>
             <a:fld id="{93631960-6401-4240-A916-0C0CD9420A18}" type="datetimeFigureOut">
               <a:rPr lang="en-GB" smtClean="0"/>
-              <a:t>24/05/2023</a:t>
+              <a:t>17/06/2023</a:t>
             </a:fld>
             <a:endParaRPr lang="en-GB"/>
           </a:p>
@@ -6733,7 +6733,7 @@
           <a:p>
             <a:fld id="{93631960-6401-4240-A916-0C0CD9420A18}" type="datetimeFigureOut">
               <a:rPr lang="en-GB" smtClean="0"/>
-              <a:t>24/05/2023</a:t>
+              <a:t>17/06/2023</a:t>
             </a:fld>
             <a:endParaRPr lang="en-GB"/>
           </a:p>
@@ -7413,36 +7413,6 @@
           </a:p>
         </p:txBody>
       </p:sp>
-      <p:pic>
-        <p:nvPicPr>
-          <p:cNvPr id="6" name="Picture 5">
-            <a:extLst>
-              <a:ext uri="{FF2B5EF4-FFF2-40B4-BE49-F238E27FC236}">
-                <a16:creationId xmlns:a16="http://schemas.microsoft.com/office/drawing/2014/main" id="{D09AAAE0-6E56-DE69-8AB9-847BB488A256}"/>
-              </a:ext>
-            </a:extLst>
-          </p:cNvPr>
-          <p:cNvPicPr>
-            <a:picLocks noChangeAspect="1"/>
-          </p:cNvPicPr>
-          <p:nvPr/>
-        </p:nvPicPr>
-        <p:blipFill>
-          <a:blip r:embed="rId2"/>
-          <a:stretch>
-            <a:fillRect/>
-          </a:stretch>
-        </p:blipFill>
-        <p:spPr>
-          <a:xfrm>
-            <a:off x="6563359" y="1690688"/>
-            <a:ext cx="1429388" cy="5016758"/>
-          </a:xfrm>
-          <a:prstGeom prst="rect">
-            <a:avLst/>
-          </a:prstGeom>
-        </p:spPr>
-      </p:pic>
       <p:sp>
         <p:nvSpPr>
           <p:cNvPr id="7" name="TextBox 6">
@@ -7641,19 +7611,7 @@
                 <a:effectLst/>
                 <a:latin typeface="Consolas" panose="020B0609020204030204" pitchFamily="49" charset="0"/>
               </a:rPr>
-              <a:t>    .s0_loop:</a:t>
-            </a:r>
-          </a:p>
-          <a:p>
-            <a:r>
-              <a:rPr lang="en-GB" sz="800" b="0" dirty="0">
-                <a:solidFill>
-                  <a:srgbClr val="D4D4D4"/>
-                </a:solidFill>
-                <a:effectLst/>
-                <a:latin typeface="Consolas" panose="020B0609020204030204" pitchFamily="49" charset="0"/>
-              </a:rPr>
-              <a:t>      r0 &lt;- </a:t>
+              <a:t>    r0 &lt;- </a:t>
             </a:r>
             <a:r>
               <a:rPr lang="en-GB" sz="800" b="0" dirty="0">
@@ -7702,6 +7660,18 @@
                 <a:effectLst/>
                 <a:latin typeface="Consolas" panose="020B0609020204030204" pitchFamily="49" charset="0"/>
               </a:rPr>
+              <a:t>    .s0_loop:</a:t>
+            </a:r>
+          </a:p>
+          <a:p>
+            <a:r>
+              <a:rPr lang="en-GB" sz="800" b="0" dirty="0">
+                <a:solidFill>
+                  <a:srgbClr val="D4D4D4"/>
+                </a:solidFill>
+                <a:effectLst/>
+                <a:latin typeface="Consolas" panose="020B0609020204030204" pitchFamily="49" charset="0"/>
+              </a:rPr>
               <a:t>      r1 &lt;- </a:t>
             </a:r>
             <a:r>
@@ -8152,7 +8122,7 @@
                 <a:effectLst/>
                 <a:latin typeface="Consolas" panose="020B0609020204030204" pitchFamily="49" charset="0"/>
               </a:rPr>
-              <a:t> </a:t>
+              <a:t>    </a:t>
             </a:r>
             <a:r>
               <a:rPr lang="en-GB" sz="800" b="0" dirty="0">
@@ -8390,19 +8360,7 @@
                 <a:effectLst/>
                 <a:latin typeface="Consolas" panose="020B0609020204030204" pitchFamily="49" charset="0"/>
               </a:rPr>
-              <a:t>    .s6_loop:</a:t>
-            </a:r>
-          </a:p>
-          <a:p>
-            <a:r>
-              <a:rPr lang="en-GB" sz="800" b="0" dirty="0">
-                <a:solidFill>
-                  <a:srgbClr val="D4D4D4"/>
-                </a:solidFill>
-                <a:effectLst/>
-                <a:latin typeface="Consolas" panose="020B0609020204030204" pitchFamily="49" charset="0"/>
-              </a:rPr>
-              <a:t>      r0 &lt;- </a:t>
+              <a:t>    r0 &lt;- </a:t>
             </a:r>
             <a:r>
               <a:rPr lang="en-GB" sz="800" b="0" dirty="0">
@@ -8451,6 +8409,18 @@
                 <a:effectLst/>
                 <a:latin typeface="Consolas" panose="020B0609020204030204" pitchFamily="49" charset="0"/>
               </a:rPr>
+              <a:t>    .s6_loop:</a:t>
+            </a:r>
+          </a:p>
+          <a:p>
+            <a:r>
+              <a:rPr lang="en-GB" sz="800" b="0" dirty="0">
+                <a:solidFill>
+                  <a:srgbClr val="D4D4D4"/>
+                </a:solidFill>
+                <a:effectLst/>
+                <a:latin typeface="Consolas" panose="020B0609020204030204" pitchFamily="49" charset="0"/>
+              </a:rPr>
               <a:t>      r1 &lt;- </a:t>
             </a:r>
             <a:r>
@@ -8711,6 +8681,36 @@
           </a:p>
         </p:txBody>
       </p:sp>
+      <p:pic>
+        <p:nvPicPr>
+          <p:cNvPr id="3" name="Picture 2">
+            <a:extLst>
+              <a:ext uri="{FF2B5EF4-FFF2-40B4-BE49-F238E27FC236}">
+                <a16:creationId xmlns:a16="http://schemas.microsoft.com/office/drawing/2014/main" id="{2199E84C-54BD-9D72-CBD3-452498CC0C02}"/>
+              </a:ext>
+            </a:extLst>
+          </p:cNvPr>
+          <p:cNvPicPr>
+            <a:picLocks noChangeAspect="1"/>
+          </p:cNvPicPr>
+          <p:nvPr/>
+        </p:nvPicPr>
+        <p:blipFill>
+          <a:blip r:embed="rId2"/>
+          <a:stretch>
+            <a:fillRect/>
+          </a:stretch>
+        </p:blipFill>
+        <p:spPr>
+          <a:xfrm>
+            <a:off x="6902797" y="1690686"/>
+            <a:ext cx="1403003" cy="5021411"/>
+          </a:xfrm>
+          <a:prstGeom prst="rect">
+            <a:avLst/>
+          </a:prstGeom>
+        </p:spPr>
+      </p:pic>
     </p:spTree>
     <p:extLst>
       <p:ext uri="{BB962C8B-B14F-4D97-AF65-F5344CB8AC3E}">
@@ -8842,8 +8842,8 @@
         </p:nvSpPr>
         <p:spPr>
           <a:xfrm>
-            <a:off x="5669281" y="983675"/>
-            <a:ext cx="5684519" cy="5509200"/>
+            <a:off x="7585364" y="258901"/>
+            <a:ext cx="4384964" cy="6340197"/>
           </a:xfrm>
           <a:prstGeom prst="rect">
             <a:avLst/>
@@ -8859,7 +8859,7 @@
           <a:lstStyle/>
           <a:p>
             <a:r>
-              <a:rPr lang="en-GB" sz="800" b="0" dirty="0">
+              <a:rPr lang="en-GB" sz="700" b="0" dirty="0">
                 <a:solidFill>
                   <a:srgbClr val="569CD6"/>
                 </a:solidFill>
@@ -8868,7 +8868,7 @@
               </a:rPr>
               <a:t>#once</a:t>
             </a:r>
-            <a:endParaRPr lang="en-GB" sz="800" b="0" dirty="0">
+            <a:endParaRPr lang="en-GB" sz="700" b="0" dirty="0">
               <a:solidFill>
                 <a:srgbClr val="D4D4D4"/>
               </a:solidFill>
@@ -8878,7 +8878,7 @@
           </a:p>
           <a:p>
             <a:r>
-              <a:rPr lang="en-GB" sz="800" b="0" dirty="0">
+              <a:rPr lang="en-GB" sz="700" b="0" dirty="0">
                 <a:solidFill>
                   <a:srgbClr val="569CD6"/>
                 </a:solidFill>
@@ -8888,7 +8888,7 @@
               <a:t>#bits</a:t>
             </a:r>
             <a:r>
-              <a:rPr lang="en-GB" sz="800" b="0" dirty="0">
+              <a:rPr lang="en-GB" sz="700" b="0" dirty="0">
                 <a:solidFill>
                   <a:srgbClr val="D4D4D4"/>
                 </a:solidFill>
@@ -8898,7 +8898,7 @@
               <a:t> </a:t>
             </a:r>
             <a:r>
-              <a:rPr lang="en-GB" sz="800" b="0" dirty="0">
+              <a:rPr lang="en-GB" sz="700" b="0" dirty="0">
                 <a:solidFill>
                   <a:srgbClr val="B5CEA8"/>
                 </a:solidFill>
@@ -8907,7 +8907,7 @@
               </a:rPr>
               <a:t>13</a:t>
             </a:r>
-            <a:endParaRPr lang="en-GB" sz="800" b="0" dirty="0">
+            <a:endParaRPr lang="en-GB" sz="700" b="0" dirty="0">
               <a:solidFill>
                 <a:srgbClr val="D4D4D4"/>
               </a:solidFill>
@@ -8917,7 +8917,7 @@
           </a:p>
           <a:p>
             <a:br>
-              <a:rPr lang="en-GB" sz="800" b="0" dirty="0">
+              <a:rPr lang="en-GB" sz="700" b="0" dirty="0">
                 <a:solidFill>
                   <a:srgbClr val="D4D4D4"/>
                 </a:solidFill>
@@ -8926,7 +8926,7 @@
               </a:rPr>
             </a:br>
             <a:r>
-              <a:rPr lang="en-GB" sz="800" b="0" dirty="0">
+              <a:rPr lang="en-GB" sz="700" b="0" dirty="0">
                 <a:solidFill>
                   <a:srgbClr val="6A9955"/>
                 </a:solidFill>
@@ -8935,7 +8935,7 @@
               </a:rPr>
               <a:t>; Define a register</a:t>
             </a:r>
-            <a:endParaRPr lang="en-GB" sz="800" b="0" dirty="0">
+            <a:endParaRPr lang="en-GB" sz="700" b="0" dirty="0">
               <a:solidFill>
                 <a:srgbClr val="D4D4D4"/>
               </a:solidFill>
@@ -8945,7 +8945,7 @@
           </a:p>
           <a:p>
             <a:r>
-              <a:rPr lang="en-GB" sz="800" b="0" dirty="0">
+              <a:rPr lang="en-GB" sz="700" b="0" dirty="0">
                 <a:solidFill>
                   <a:srgbClr val="569CD6"/>
                 </a:solidFill>
@@ -8955,7 +8955,7 @@
               <a:t>#subruledef</a:t>
             </a:r>
             <a:r>
-              <a:rPr lang="en-GB" sz="800" b="0" dirty="0">
+              <a:rPr lang="en-GB" sz="700" b="0" dirty="0">
                 <a:solidFill>
                   <a:srgbClr val="D4D4D4"/>
                 </a:solidFill>
@@ -8967,7 +8967,7 @@
           </a:p>
           <a:p>
             <a:r>
-              <a:rPr lang="en-GB" sz="800" b="0" dirty="0">
+              <a:rPr lang="en-GB" sz="700" b="0" dirty="0">
                 <a:solidFill>
                   <a:srgbClr val="569CD6"/>
                 </a:solidFill>
@@ -8976,7 +8976,7 @@
               </a:rPr>
               <a:t>{</a:t>
             </a:r>
-            <a:endParaRPr lang="en-GB" sz="800" b="0" dirty="0">
+            <a:endParaRPr lang="en-GB" sz="700" b="0" dirty="0">
               <a:solidFill>
                 <a:srgbClr val="D4D4D4"/>
               </a:solidFill>
@@ -8986,47 +8986,47 @@
           </a:p>
           <a:p>
             <a:r>
-              <a:rPr lang="en-GB" sz="800" b="0" dirty="0">
-                <a:solidFill>
-                  <a:srgbClr val="D4D4D4"/>
-                </a:solidFill>
-                <a:effectLst/>
-                <a:latin typeface="Consolas" panose="020B0609020204030204" pitchFamily="49" charset="0"/>
-              </a:rPr>
-              <a:t>  r</a:t>
-            </a:r>
-            <a:r>
-              <a:rPr lang="en-GB" sz="800" b="0" dirty="0">
+              <a:rPr lang="en-GB" sz="700" b="0" dirty="0">
+                <a:solidFill>
+                  <a:srgbClr val="D4D4D4"/>
+                </a:solidFill>
+                <a:effectLst/>
+                <a:latin typeface="Consolas" panose="020B0609020204030204" pitchFamily="49" charset="0"/>
+              </a:rPr>
+              <a:t>  </a:t>
+            </a:r>
+            <a:r>
+              <a:rPr lang="en-GB" sz="700" b="0" dirty="0" err="1">
+                <a:solidFill>
+                  <a:srgbClr val="D4D4D4"/>
+                </a:solidFill>
+                <a:effectLst/>
+                <a:latin typeface="Consolas" panose="020B0609020204030204" pitchFamily="49" charset="0"/>
+              </a:rPr>
+              <a:t>btns</a:t>
+            </a:r>
+            <a:r>
+              <a:rPr lang="en-GB" sz="700" b="0" dirty="0">
+                <a:solidFill>
+                  <a:srgbClr val="D4D4D4"/>
+                </a:solidFill>
+                <a:effectLst/>
+                <a:latin typeface="Consolas" panose="020B0609020204030204" pitchFamily="49" charset="0"/>
+              </a:rPr>
+              <a:t>    </a:t>
+            </a:r>
+            <a:r>
+              <a:rPr lang="en-GB" sz="700" b="0" dirty="0">
                 <a:solidFill>
                   <a:srgbClr val="569CD6"/>
                 </a:solidFill>
                 <a:effectLst/>
                 <a:latin typeface="Consolas" panose="020B0609020204030204" pitchFamily="49" charset="0"/>
               </a:rPr>
-              <a:t>{</a:t>
-            </a:r>
-            <a:r>
-              <a:rPr lang="en-GB" sz="800" b="0" dirty="0">
-                <a:solidFill>
-                  <a:srgbClr val="D4D4D4"/>
-                </a:solidFill>
-                <a:effectLst/>
-                <a:latin typeface="Consolas" panose="020B0609020204030204" pitchFamily="49" charset="0"/>
-              </a:rPr>
-              <a:t>r:u3</a:t>
-            </a:r>
-            <a:r>
-              <a:rPr lang="en-GB" sz="800" b="0" dirty="0">
-                <a:solidFill>
-                  <a:srgbClr val="569CD6"/>
-                </a:solidFill>
-                <a:effectLst/>
-                <a:latin typeface="Consolas" panose="020B0609020204030204" pitchFamily="49" charset="0"/>
-              </a:rPr>
-              <a:t>}</a:t>
-            </a:r>
-            <a:r>
-              <a:rPr lang="en-GB" sz="800" b="0" dirty="0">
+              <a:t>=&gt;</a:t>
+            </a:r>
+            <a:r>
+              <a:rPr lang="en-GB" sz="700" b="0" dirty="0">
                 <a:solidFill>
                   <a:srgbClr val="D4D4D4"/>
                 </a:solidFill>
@@ -9036,36 +9036,56 @@
               <a:t> </a:t>
             </a:r>
             <a:r>
-              <a:rPr lang="en-GB" sz="800" b="0" dirty="0">
-                <a:solidFill>
-                  <a:srgbClr val="569CD6"/>
-                </a:solidFill>
-                <a:effectLst/>
-                <a:latin typeface="Consolas" panose="020B0609020204030204" pitchFamily="49" charset="0"/>
-              </a:rPr>
-              <a:t>=&gt;</a:t>
-            </a:r>
-            <a:r>
-              <a:rPr lang="en-GB" sz="800" b="0" dirty="0">
-                <a:solidFill>
-                  <a:srgbClr val="D4D4D4"/>
-                </a:solidFill>
-                <a:effectLst/>
-                <a:latin typeface="Consolas" panose="020B0609020204030204" pitchFamily="49" charset="0"/>
-              </a:rPr>
-              <a:t> r`</a:t>
-            </a:r>
-            <a:r>
-              <a:rPr lang="en-GB" sz="800" b="0" dirty="0">
+              <a:rPr lang="en-GB" sz="700" b="0" dirty="0">
                 <a:solidFill>
                   <a:srgbClr val="B5CEA8"/>
                 </a:solidFill>
                 <a:effectLst/>
                 <a:latin typeface="Consolas" panose="020B0609020204030204" pitchFamily="49" charset="0"/>
               </a:rPr>
+              <a:t>6</a:t>
+            </a:r>
+            <a:r>
+              <a:rPr lang="en-GB" sz="700" b="0" dirty="0">
+                <a:solidFill>
+                  <a:srgbClr val="D4D4D4"/>
+                </a:solidFill>
+                <a:effectLst/>
+                <a:latin typeface="Consolas" panose="020B0609020204030204" pitchFamily="49" charset="0"/>
+              </a:rPr>
+              <a:t>`</a:t>
+            </a:r>
+            <a:r>
+              <a:rPr lang="en-GB" sz="700" b="0" dirty="0">
+                <a:solidFill>
+                  <a:srgbClr val="B5CEA8"/>
+                </a:solidFill>
+                <a:effectLst/>
+                <a:latin typeface="Consolas" panose="020B0609020204030204" pitchFamily="49" charset="0"/>
+              </a:rPr>
               <a:t>3</a:t>
             </a:r>
-            <a:endParaRPr lang="en-GB" sz="800" b="0" dirty="0">
+            <a:r>
+              <a:rPr lang="en-GB" sz="700" b="0" dirty="0">
+                <a:solidFill>
+                  <a:srgbClr val="D4D4D4"/>
+                </a:solidFill>
+                <a:effectLst/>
+                <a:latin typeface="Consolas" panose="020B0609020204030204" pitchFamily="49" charset="0"/>
+              </a:rPr>
+              <a:t> </a:t>
+            </a:r>
+            <a:r>
+              <a:rPr lang="en-GB" sz="700" b="0" dirty="0">
+                <a:solidFill>
+                  <a:srgbClr val="6A9955"/>
+                </a:solidFill>
+                <a:effectLst/>
+                <a:latin typeface="Consolas" panose="020B0609020204030204" pitchFamily="49" charset="0"/>
+              </a:rPr>
+              <a:t>; equivalent to r6</a:t>
+            </a:r>
+            <a:endParaRPr lang="en-GB" sz="700" b="0" dirty="0">
               <a:solidFill>
                 <a:srgbClr val="D4D4D4"/>
               </a:solidFill>
@@ -9075,7 +9095,7 @@
           </a:p>
           <a:p>
             <a:r>
-              <a:rPr lang="en-GB" sz="800" b="0" dirty="0">
+              <a:rPr lang="en-GB" sz="700" b="0" dirty="0">
                 <a:solidFill>
                   <a:srgbClr val="D4D4D4"/>
                 </a:solidFill>
@@ -9085,17 +9105,17 @@
               <a:t>  </a:t>
             </a:r>
             <a:r>
-              <a:rPr lang="en-GB" sz="800" b="0" dirty="0" err="1">
-                <a:solidFill>
-                  <a:srgbClr val="D4D4D4"/>
-                </a:solidFill>
-                <a:effectLst/>
-                <a:latin typeface="Consolas" panose="020B0609020204030204" pitchFamily="49" charset="0"/>
-              </a:rPr>
-              <a:t>btns</a:t>
-            </a:r>
-            <a:r>
-              <a:rPr lang="en-GB" sz="800" b="0" dirty="0">
+              <a:rPr lang="en-GB" sz="700" b="0" dirty="0" err="1">
+                <a:solidFill>
+                  <a:srgbClr val="D4D4D4"/>
+                </a:solidFill>
+                <a:effectLst/>
+                <a:latin typeface="Consolas" panose="020B0609020204030204" pitchFamily="49" charset="0"/>
+              </a:rPr>
+              <a:t>leds</a:t>
+            </a:r>
+            <a:r>
+              <a:rPr lang="en-GB" sz="700" b="0" dirty="0">
                 <a:solidFill>
                   <a:srgbClr val="D4D4D4"/>
                 </a:solidFill>
@@ -9105,7 +9125,7 @@
               <a:t>    </a:t>
             </a:r>
             <a:r>
-              <a:rPr lang="en-GB" sz="800" b="0" dirty="0">
+              <a:rPr lang="en-GB" sz="700" b="0" dirty="0">
                 <a:solidFill>
                   <a:srgbClr val="569CD6"/>
                 </a:solidFill>
@@ -9115,7 +9135,7 @@
               <a:t>=&gt;</a:t>
             </a:r>
             <a:r>
-              <a:rPr lang="en-GB" sz="800" b="0" dirty="0">
+              <a:rPr lang="en-GB" sz="700" b="0" dirty="0">
                 <a:solidFill>
                   <a:srgbClr val="D4D4D4"/>
                 </a:solidFill>
@@ -9125,17 +9145,17 @@
               <a:t> </a:t>
             </a:r>
             <a:r>
-              <a:rPr lang="en-GB" sz="800" b="0" dirty="0">
+              <a:rPr lang="en-GB" sz="700" b="0" dirty="0">
                 <a:solidFill>
                   <a:srgbClr val="B5CEA8"/>
                 </a:solidFill>
                 <a:effectLst/>
                 <a:latin typeface="Consolas" panose="020B0609020204030204" pitchFamily="49" charset="0"/>
               </a:rPr>
-              <a:t>6</a:t>
-            </a:r>
-            <a:r>
-              <a:rPr lang="en-GB" sz="800" b="0" dirty="0">
+              <a:t>7</a:t>
+            </a:r>
+            <a:r>
+              <a:rPr lang="en-GB" sz="700" b="0" dirty="0">
                 <a:solidFill>
                   <a:srgbClr val="D4D4D4"/>
                 </a:solidFill>
@@ -9145,7 +9165,7 @@
               <a:t>`</a:t>
             </a:r>
             <a:r>
-              <a:rPr lang="en-GB" sz="800" b="0" dirty="0">
+              <a:rPr lang="en-GB" sz="700" b="0" dirty="0">
                 <a:solidFill>
                   <a:srgbClr val="B5CEA8"/>
                 </a:solidFill>
@@ -9155,7 +9175,7 @@
               <a:t>3</a:t>
             </a:r>
             <a:r>
-              <a:rPr lang="en-GB" sz="800" b="0" dirty="0">
+              <a:rPr lang="en-GB" sz="700" b="0" dirty="0">
                 <a:solidFill>
                   <a:srgbClr val="D4D4D4"/>
                 </a:solidFill>
@@ -9165,16 +9185,16 @@
               <a:t> </a:t>
             </a:r>
             <a:r>
-              <a:rPr lang="en-GB" sz="800" b="0" dirty="0">
+              <a:rPr lang="en-GB" sz="700" b="0" dirty="0">
                 <a:solidFill>
                   <a:srgbClr val="6A9955"/>
                 </a:solidFill>
                 <a:effectLst/>
                 <a:latin typeface="Consolas" panose="020B0609020204030204" pitchFamily="49" charset="0"/>
               </a:rPr>
-              <a:t>; equivalent to r6</a:t>
-            </a:r>
-            <a:endParaRPr lang="en-GB" sz="800" b="0" dirty="0">
+              <a:t>; equivalent to r7</a:t>
+            </a:r>
+            <a:endParaRPr lang="en-GB" sz="700" b="0" dirty="0">
               <a:solidFill>
                 <a:srgbClr val="D4D4D4"/>
               </a:solidFill>
@@ -9184,106 +9204,86 @@
           </a:p>
           <a:p>
             <a:r>
-              <a:rPr lang="en-GB" sz="800" b="0" dirty="0">
-                <a:solidFill>
-                  <a:srgbClr val="D4D4D4"/>
-                </a:solidFill>
-                <a:effectLst/>
-                <a:latin typeface="Consolas" panose="020B0609020204030204" pitchFamily="49" charset="0"/>
-              </a:rPr>
-              <a:t>  </a:t>
-            </a:r>
-            <a:r>
-              <a:rPr lang="en-GB" sz="800" b="0" dirty="0" err="1">
-                <a:solidFill>
-                  <a:srgbClr val="D4D4D4"/>
-                </a:solidFill>
-                <a:effectLst/>
-                <a:latin typeface="Consolas" panose="020B0609020204030204" pitchFamily="49" charset="0"/>
-              </a:rPr>
-              <a:t>leds</a:t>
-            </a:r>
-            <a:r>
-              <a:rPr lang="en-GB" sz="800" b="0" dirty="0">
-                <a:solidFill>
-                  <a:srgbClr val="D4D4D4"/>
-                </a:solidFill>
-                <a:effectLst/>
-                <a:latin typeface="Consolas" panose="020B0609020204030204" pitchFamily="49" charset="0"/>
-              </a:rPr>
-              <a:t>    </a:t>
-            </a:r>
-            <a:r>
-              <a:rPr lang="en-GB" sz="800" b="0" dirty="0">
+              <a:rPr lang="en-GB" sz="700" b="0" dirty="0">
+                <a:solidFill>
+                  <a:srgbClr val="D4D4D4"/>
+                </a:solidFill>
+                <a:effectLst/>
+                <a:latin typeface="Consolas" panose="020B0609020204030204" pitchFamily="49" charset="0"/>
+              </a:rPr>
+              <a:t>  r</a:t>
+            </a:r>
+            <a:r>
+              <a:rPr lang="en-GB" sz="700" b="0" dirty="0">
                 <a:solidFill>
                   <a:srgbClr val="569CD6"/>
                 </a:solidFill>
                 <a:effectLst/>
                 <a:latin typeface="Consolas" panose="020B0609020204030204" pitchFamily="49" charset="0"/>
               </a:rPr>
+              <a:t>{</a:t>
+            </a:r>
+            <a:r>
+              <a:rPr lang="en-GB" sz="700" b="0" dirty="0">
+                <a:solidFill>
+                  <a:srgbClr val="D4D4D4"/>
+                </a:solidFill>
+                <a:effectLst/>
+                <a:latin typeface="Consolas" panose="020B0609020204030204" pitchFamily="49" charset="0"/>
+              </a:rPr>
+              <a:t>r:u3</a:t>
+            </a:r>
+            <a:r>
+              <a:rPr lang="en-GB" sz="700" b="0" dirty="0">
+                <a:solidFill>
+                  <a:srgbClr val="569CD6"/>
+                </a:solidFill>
+                <a:effectLst/>
+                <a:latin typeface="Consolas" panose="020B0609020204030204" pitchFamily="49" charset="0"/>
+              </a:rPr>
+              <a:t>}</a:t>
+            </a:r>
+            <a:r>
+              <a:rPr lang="en-GB" sz="700" b="0" dirty="0">
+                <a:solidFill>
+                  <a:srgbClr val="D4D4D4"/>
+                </a:solidFill>
+                <a:effectLst/>
+                <a:latin typeface="Consolas" panose="020B0609020204030204" pitchFamily="49" charset="0"/>
+              </a:rPr>
+              <a:t> </a:t>
+            </a:r>
+            <a:r>
+              <a:rPr lang="en-GB" sz="700" b="0" dirty="0">
+                <a:solidFill>
+                  <a:srgbClr val="569CD6"/>
+                </a:solidFill>
+                <a:effectLst/>
+                <a:latin typeface="Consolas" panose="020B0609020204030204" pitchFamily="49" charset="0"/>
+              </a:rPr>
               <a:t>=&gt;</a:t>
             </a:r>
             <a:r>
-              <a:rPr lang="en-GB" sz="800" b="0" dirty="0">
-                <a:solidFill>
-                  <a:srgbClr val="D4D4D4"/>
-                </a:solidFill>
-                <a:effectLst/>
-                <a:latin typeface="Consolas" panose="020B0609020204030204" pitchFamily="49" charset="0"/>
-              </a:rPr>
-              <a:t> </a:t>
-            </a:r>
-            <a:r>
-              <a:rPr lang="en-GB" sz="800" b="0" dirty="0">
+              <a:rPr lang="en-GB" sz="700" b="0" dirty="0">
+                <a:solidFill>
+                  <a:srgbClr val="D4D4D4"/>
+                </a:solidFill>
+                <a:effectLst/>
+                <a:latin typeface="Consolas" panose="020B0609020204030204" pitchFamily="49" charset="0"/>
+              </a:rPr>
+              <a:t> r`</a:t>
+            </a:r>
+            <a:r>
+              <a:rPr lang="en-GB" sz="700" b="0" dirty="0">
                 <a:solidFill>
                   <a:srgbClr val="B5CEA8"/>
                 </a:solidFill>
                 <a:effectLst/>
                 <a:latin typeface="Consolas" panose="020B0609020204030204" pitchFamily="49" charset="0"/>
               </a:rPr>
-              <a:t>7</a:t>
-            </a:r>
-            <a:r>
-              <a:rPr lang="en-GB" sz="800" b="0" dirty="0">
-                <a:solidFill>
-                  <a:srgbClr val="D4D4D4"/>
-                </a:solidFill>
-                <a:effectLst/>
-                <a:latin typeface="Consolas" panose="020B0609020204030204" pitchFamily="49" charset="0"/>
-              </a:rPr>
-              <a:t>`</a:t>
-            </a:r>
-            <a:r>
-              <a:rPr lang="en-GB" sz="800" b="0" dirty="0">
-                <a:solidFill>
-                  <a:srgbClr val="B5CEA8"/>
-                </a:solidFill>
-                <a:effectLst/>
-                <a:latin typeface="Consolas" panose="020B0609020204030204" pitchFamily="49" charset="0"/>
-              </a:rPr>
               <a:t>3</a:t>
             </a:r>
-            <a:r>
-              <a:rPr lang="en-GB" sz="800" b="0" dirty="0">
-                <a:solidFill>
-                  <a:srgbClr val="D4D4D4"/>
-                </a:solidFill>
-                <a:effectLst/>
-                <a:latin typeface="Consolas" panose="020B0609020204030204" pitchFamily="49" charset="0"/>
-              </a:rPr>
-              <a:t> </a:t>
-            </a:r>
-            <a:r>
-              <a:rPr lang="en-GB" sz="800" b="0" dirty="0">
-                <a:solidFill>
-                  <a:srgbClr val="6A9955"/>
-                </a:solidFill>
-                <a:effectLst/>
-                <a:latin typeface="Consolas" panose="020B0609020204030204" pitchFamily="49" charset="0"/>
-              </a:rPr>
-              <a:t>; equivalent to r7</a:t>
-            </a:r>
-            <a:endParaRPr lang="en-GB" sz="800" b="0" dirty="0">
+            <a:endParaRPr lang="en-GB" sz="700" b="0" dirty="0">
               <a:solidFill>
                 <a:srgbClr val="D4D4D4"/>
               </a:solidFill>
@@ -9293,7 +9293,7 @@
           </a:p>
           <a:p>
             <a:r>
-              <a:rPr lang="en-GB" sz="800" b="0" dirty="0">
+              <a:rPr lang="en-GB" sz="700" b="0" dirty="0">
                 <a:solidFill>
                   <a:srgbClr val="569CD6"/>
                 </a:solidFill>
@@ -9302,7 +9302,7 @@
               </a:rPr>
               <a:t>}</a:t>
             </a:r>
-            <a:endParaRPr lang="en-GB" sz="800" b="0" dirty="0">
+            <a:endParaRPr lang="en-GB" sz="700" b="0" dirty="0">
               <a:solidFill>
                 <a:srgbClr val="D4D4D4"/>
               </a:solidFill>
@@ -9312,7 +9312,7 @@
           </a:p>
           <a:p>
             <a:br>
-              <a:rPr lang="en-GB" sz="800" b="0" dirty="0">
+              <a:rPr lang="en-GB" sz="700" b="0" dirty="0">
                 <a:solidFill>
                   <a:srgbClr val="D4D4D4"/>
                 </a:solidFill>
@@ -9321,7 +9321,7 @@
               </a:rPr>
             </a:br>
             <a:r>
-              <a:rPr lang="en-GB" sz="800" b="0" dirty="0">
+              <a:rPr lang="en-GB" sz="700" b="0" dirty="0">
                 <a:solidFill>
                   <a:srgbClr val="6A9955"/>
                 </a:solidFill>
@@ -9330,7 +9330,7 @@
               </a:rPr>
               <a:t>; Safely assign the output register, make sure it is not r6, which is</a:t>
             </a:r>
-            <a:endParaRPr lang="en-GB" sz="800" b="0" dirty="0">
+            <a:endParaRPr lang="en-GB" sz="700" b="0" dirty="0">
               <a:solidFill>
                 <a:srgbClr val="D4D4D4"/>
               </a:solidFill>
@@ -9340,7 +9340,7 @@
           </a:p>
           <a:p>
             <a:r>
-              <a:rPr lang="en-GB" sz="800" b="0" dirty="0">
+              <a:rPr lang="en-GB" sz="700" b="0" dirty="0">
                 <a:solidFill>
                   <a:srgbClr val="6A9955"/>
                 </a:solidFill>
@@ -9349,7 +9349,7 @@
               </a:rPr>
               <a:t>; read-only for the buttons inputs.</a:t>
             </a:r>
-            <a:endParaRPr lang="en-GB" sz="800" b="0" dirty="0">
+            <a:endParaRPr lang="en-GB" sz="700" b="0" dirty="0">
               <a:solidFill>
                 <a:srgbClr val="D4D4D4"/>
               </a:solidFill>
@@ -9359,7 +9359,7 @@
           </a:p>
           <a:p>
             <a:r>
-              <a:rPr lang="en-GB" sz="800" b="0" dirty="0">
+              <a:rPr lang="en-GB" sz="700" b="0" dirty="0">
                 <a:solidFill>
                   <a:srgbClr val="569CD6"/>
                 </a:solidFill>
@@ -9369,7 +9369,7 @@
               <a:t>#subruledef</a:t>
             </a:r>
             <a:r>
-              <a:rPr lang="en-GB" sz="800" b="0" dirty="0">
+              <a:rPr lang="en-GB" sz="700" b="0" dirty="0">
                 <a:solidFill>
                   <a:srgbClr val="D4D4D4"/>
                 </a:solidFill>
@@ -9379,7 +9379,7 @@
               <a:t> </a:t>
             </a:r>
             <a:r>
-              <a:rPr lang="en-GB" sz="800" b="0" dirty="0" err="1">
+              <a:rPr lang="en-GB" sz="700" b="0" dirty="0" err="1">
                 <a:solidFill>
                   <a:srgbClr val="D4D4D4"/>
                 </a:solidFill>
@@ -9388,7 +9388,7 @@
               </a:rPr>
               <a:t>sreg</a:t>
             </a:r>
-            <a:endParaRPr lang="en-GB" sz="800" b="0" dirty="0">
+            <a:endParaRPr lang="en-GB" sz="700" b="0" dirty="0">
               <a:solidFill>
                 <a:srgbClr val="D4D4D4"/>
               </a:solidFill>
@@ -9398,7 +9398,7 @@
           </a:p>
           <a:p>
             <a:r>
-              <a:rPr lang="en-GB" sz="800" b="0" dirty="0">
+              <a:rPr lang="en-GB" sz="700" b="0" dirty="0">
                 <a:solidFill>
                   <a:srgbClr val="569CD6"/>
                 </a:solidFill>
@@ -9407,7 +9407,7 @@
               </a:rPr>
               <a:t>{</a:t>
             </a:r>
-            <a:endParaRPr lang="en-GB" sz="800" b="0" dirty="0">
+            <a:endParaRPr lang="en-GB" sz="700" b="0" dirty="0">
               <a:solidFill>
                 <a:srgbClr val="D4D4D4"/>
               </a:solidFill>
@@ -9417,7 +9417,7 @@
           </a:p>
           <a:p>
             <a:r>
-              <a:rPr lang="en-GB" sz="800" b="0" dirty="0">
+              <a:rPr lang="en-GB" sz="700" b="0" dirty="0">
                 <a:solidFill>
                   <a:srgbClr val="D4D4D4"/>
                 </a:solidFill>
@@ -9427,7 +9427,7 @@
               <a:t>  </a:t>
             </a:r>
             <a:r>
-              <a:rPr lang="en-GB" sz="800" b="0" dirty="0">
+              <a:rPr lang="en-GB" sz="700" b="0" dirty="0">
                 <a:solidFill>
                   <a:srgbClr val="569CD6"/>
                 </a:solidFill>
@@ -9437,7 +9437,7 @@
               <a:t>{</a:t>
             </a:r>
             <a:r>
-              <a:rPr lang="en-GB" sz="800" b="0" dirty="0" err="1">
+              <a:rPr lang="en-GB" sz="700" b="0" dirty="0" err="1">
                 <a:solidFill>
                   <a:srgbClr val="D4D4D4"/>
                 </a:solidFill>
@@ -9447,7 +9447,7 @@
               <a:t>o:reg</a:t>
             </a:r>
             <a:r>
-              <a:rPr lang="en-GB" sz="800" b="0" dirty="0">
+              <a:rPr lang="en-GB" sz="700" b="0" dirty="0">
                 <a:solidFill>
                   <a:srgbClr val="569CD6"/>
                 </a:solidFill>
@@ -9457,7 +9457,7 @@
               <a:t>}</a:t>
             </a:r>
             <a:r>
-              <a:rPr lang="en-GB" sz="800" b="0" dirty="0">
+              <a:rPr lang="en-GB" sz="700" b="0" dirty="0">
                 <a:solidFill>
                   <a:srgbClr val="D4D4D4"/>
                 </a:solidFill>
@@ -9467,7 +9467,7 @@
               <a:t> </a:t>
             </a:r>
             <a:r>
-              <a:rPr lang="en-GB" sz="800" b="0" dirty="0">
+              <a:rPr lang="en-GB" sz="700" b="0" dirty="0">
                 <a:solidFill>
                   <a:srgbClr val="569CD6"/>
                 </a:solidFill>
@@ -9477,7 +9477,7 @@
               <a:t>=&gt;</a:t>
             </a:r>
             <a:r>
-              <a:rPr lang="en-GB" sz="800" b="0" dirty="0">
+              <a:rPr lang="en-GB" sz="700" b="0" dirty="0">
                 <a:solidFill>
                   <a:srgbClr val="D4D4D4"/>
                 </a:solidFill>
@@ -9487,7 +9487,7 @@
               <a:t> </a:t>
             </a:r>
             <a:r>
-              <a:rPr lang="en-GB" sz="800" b="0" dirty="0">
+              <a:rPr lang="en-GB" sz="700" b="0" dirty="0">
                 <a:solidFill>
                   <a:srgbClr val="569CD6"/>
                 </a:solidFill>
@@ -9496,7 +9496,7 @@
               </a:rPr>
               <a:t>{</a:t>
             </a:r>
-            <a:endParaRPr lang="en-GB" sz="800" b="0" dirty="0">
+            <a:endParaRPr lang="en-GB" sz="700" b="0" dirty="0">
               <a:solidFill>
                 <a:srgbClr val="D4D4D4"/>
               </a:solidFill>
@@ -9506,7 +9506,7 @@
           </a:p>
           <a:p>
             <a:r>
-              <a:rPr lang="en-GB" sz="800" b="0" dirty="0">
+              <a:rPr lang="en-GB" sz="700" b="0" dirty="0">
                 <a:solidFill>
                   <a:srgbClr val="D4D4D4"/>
                 </a:solidFill>
@@ -9516,7 +9516,7 @@
               <a:t>    assert(o != </a:t>
             </a:r>
             <a:r>
-              <a:rPr lang="en-GB" sz="800" b="0" dirty="0">
+              <a:rPr lang="en-GB" sz="700" b="0" dirty="0">
                 <a:solidFill>
                   <a:srgbClr val="B5CEA8"/>
                 </a:solidFill>
@@ -9526,7 +9526,7 @@
               <a:t>6</a:t>
             </a:r>
             <a:r>
-              <a:rPr lang="en-GB" sz="800" b="0" dirty="0">
+              <a:rPr lang="en-GB" sz="700" b="0" dirty="0">
                 <a:solidFill>
                   <a:srgbClr val="D4D4D4"/>
                 </a:solidFill>
@@ -9538,7 +9538,7 @@
           </a:p>
           <a:p>
             <a:r>
-              <a:rPr lang="en-GB" sz="800" b="0" dirty="0">
+              <a:rPr lang="en-GB" sz="700" b="0" dirty="0">
                 <a:solidFill>
                   <a:srgbClr val="D4D4D4"/>
                 </a:solidFill>
@@ -9548,7 +9548,7 @@
               <a:t>    o`</a:t>
             </a:r>
             <a:r>
-              <a:rPr lang="en-GB" sz="800" b="0" dirty="0">
+              <a:rPr lang="en-GB" sz="700" b="0" dirty="0">
                 <a:solidFill>
                   <a:srgbClr val="B5CEA8"/>
                 </a:solidFill>
@@ -9557,7 +9557,7 @@
               </a:rPr>
               <a:t>3</a:t>
             </a:r>
-            <a:endParaRPr lang="en-GB" sz="800" b="0" dirty="0">
+            <a:endParaRPr lang="en-GB" sz="700" b="0" dirty="0">
               <a:solidFill>
                 <a:srgbClr val="D4D4D4"/>
               </a:solidFill>
@@ -9567,7 +9567,7 @@
           </a:p>
           <a:p>
             <a:r>
-              <a:rPr lang="en-GB" sz="800" b="0" dirty="0">
+              <a:rPr lang="en-GB" sz="700" b="0" dirty="0">
                 <a:solidFill>
                   <a:srgbClr val="D4D4D4"/>
                 </a:solidFill>
@@ -9577,7 +9577,7 @@
               <a:t>  </a:t>
             </a:r>
             <a:r>
-              <a:rPr lang="en-GB" sz="800" b="0" dirty="0">
+              <a:rPr lang="en-GB" sz="700" b="0" dirty="0">
                 <a:solidFill>
                   <a:srgbClr val="569CD6"/>
                 </a:solidFill>
@@ -9586,7 +9586,7 @@
               </a:rPr>
               <a:t>}</a:t>
             </a:r>
-            <a:endParaRPr lang="en-GB" sz="800" b="0" dirty="0">
+            <a:endParaRPr lang="en-GB" sz="700" b="0" dirty="0">
               <a:solidFill>
                 <a:srgbClr val="D4D4D4"/>
               </a:solidFill>
@@ -9596,7 +9596,7 @@
           </a:p>
           <a:p>
             <a:r>
-              <a:rPr lang="en-GB" sz="800" b="0" dirty="0">
+              <a:rPr lang="en-GB" sz="700" b="0" dirty="0">
                 <a:solidFill>
                   <a:srgbClr val="569CD6"/>
                 </a:solidFill>
@@ -9605,7 +9605,7 @@
               </a:rPr>
               <a:t>}</a:t>
             </a:r>
-            <a:endParaRPr lang="en-GB" sz="800" b="0" dirty="0">
+            <a:endParaRPr lang="en-GB" sz="700" b="0" dirty="0">
               <a:solidFill>
                 <a:srgbClr val="D4D4D4"/>
               </a:solidFill>
@@ -9615,7 +9615,7 @@
           </a:p>
           <a:p>
             <a:br>
-              <a:rPr lang="en-GB" sz="800" b="0" dirty="0">
+              <a:rPr lang="en-GB" sz="700" b="0" dirty="0">
                 <a:solidFill>
                   <a:srgbClr val="D4D4D4"/>
                 </a:solidFill>
@@ -9624,36 +9624,36 @@
               </a:rPr>
             </a:br>
             <a:r>
-              <a:rPr lang="en-GB" sz="800" b="0" dirty="0">
+              <a:rPr lang="en-GB" sz="700" b="0" dirty="0">
+                <a:solidFill>
+                  <a:srgbClr val="569CD6"/>
+                </a:solidFill>
+                <a:effectLst/>
+                <a:latin typeface="Consolas" panose="020B0609020204030204" pitchFamily="49" charset="0"/>
+              </a:rPr>
+              <a:t>#subruledef</a:t>
+            </a:r>
+            <a:r>
+              <a:rPr lang="en-GB" sz="700" b="0" dirty="0">
+                <a:solidFill>
+                  <a:srgbClr val="D4D4D4"/>
+                </a:solidFill>
+                <a:effectLst/>
+                <a:latin typeface="Consolas" panose="020B0609020204030204" pitchFamily="49" charset="0"/>
+              </a:rPr>
+              <a:t> condition               </a:t>
+            </a:r>
+            <a:r>
+              <a:rPr lang="en-GB" sz="700" b="0" dirty="0">
                 <a:solidFill>
                   <a:srgbClr val="6A9955"/>
                 </a:solidFill>
                 <a:effectLst/>
                 <a:latin typeface="Consolas" panose="020B0609020204030204" pitchFamily="49" charset="0"/>
               </a:rPr>
-              <a:t>; In general: o = </a:t>
-            </a:r>
-            <a:r>
-              <a:rPr lang="en-GB" sz="800" b="0" dirty="0" err="1">
-                <a:solidFill>
-                  <a:srgbClr val="6A9955"/>
-                </a:solidFill>
-                <a:effectLst/>
-                <a:latin typeface="Consolas" panose="020B0609020204030204" pitchFamily="49" charset="0"/>
-              </a:rPr>
-              <a:t>fn</a:t>
-            </a:r>
-            <a:r>
-              <a:rPr lang="en-GB" sz="800" b="0" dirty="0">
-                <a:solidFill>
-                  <a:srgbClr val="6A9955"/>
-                </a:solidFill>
-                <a:effectLst/>
-                <a:latin typeface="Consolas" panose="020B0609020204030204" pitchFamily="49" charset="0"/>
-              </a:rPr>
-              <a:t>(a, b)</a:t>
-            </a:r>
-            <a:endParaRPr lang="en-GB" sz="800" b="0" dirty="0">
+              <a:t>;      VHDL references</a:t>
+            </a:r>
+            <a:endParaRPr lang="en-GB" sz="700" b="0" dirty="0">
               <a:solidFill>
                 <a:srgbClr val="D4D4D4"/>
               </a:solidFill>
@@ -9663,16 +9663,56 @@
           </a:p>
           <a:p>
             <a:r>
-              <a:rPr lang="en-GB" sz="800" b="0" dirty="0">
+              <a:rPr lang="en-GB" sz="700" b="0" dirty="0">
+                <a:solidFill>
+                  <a:srgbClr val="569CD6"/>
+                </a:solidFill>
+                <a:effectLst/>
+                <a:latin typeface="Consolas" panose="020B0609020204030204" pitchFamily="49" charset="0"/>
+              </a:rPr>
+              <a:t>{</a:t>
+            </a:r>
+            <a:r>
+              <a:rPr lang="en-GB" sz="700" b="0" dirty="0">
+                <a:solidFill>
+                  <a:srgbClr val="D4D4D4"/>
+                </a:solidFill>
+                <a:effectLst/>
+                <a:latin typeface="Consolas" panose="020B0609020204030204" pitchFamily="49" charset="0"/>
+              </a:rPr>
+              <a:t>                                   </a:t>
+            </a:r>
+            <a:r>
+              <a:rPr lang="en-GB" sz="700" b="0" dirty="0">
                 <a:solidFill>
                   <a:srgbClr val="6A9955"/>
                 </a:solidFill>
                 <a:effectLst/>
                 <a:latin typeface="Consolas" panose="020B0609020204030204" pitchFamily="49" charset="0"/>
               </a:rPr>
-              <a:t>;</a:t>
-            </a:r>
-            <a:endParaRPr lang="en-GB" sz="800" b="0" dirty="0">
+              <a:t>;  op @ </a:t>
+            </a:r>
+            <a:r>
+              <a:rPr lang="en-GB" sz="700" b="0" dirty="0" err="1">
+                <a:solidFill>
+                  <a:srgbClr val="6A9955"/>
+                </a:solidFill>
+                <a:effectLst/>
+                <a:latin typeface="Consolas" panose="020B0609020204030204" pitchFamily="49" charset="0"/>
+              </a:rPr>
+              <a:t>dest</a:t>
+            </a:r>
+            <a:r>
+              <a:rPr lang="en-GB" sz="700" b="0" dirty="0">
+                <a:solidFill>
+                  <a:srgbClr val="6A9955"/>
+                </a:solidFill>
+                <a:effectLst/>
+                <a:latin typeface="Consolas" panose="020B0609020204030204" pitchFamily="49" charset="0"/>
+              </a:rPr>
+              <a:t> @ src1 @ src2</a:t>
+            </a:r>
+            <a:endParaRPr lang="en-GB" sz="700" b="0" dirty="0">
               <a:solidFill>
                 <a:srgbClr val="D4D4D4"/>
               </a:solidFill>
@@ -9682,36 +9722,276 @@
           </a:p>
           <a:p>
             <a:r>
-              <a:rPr lang="en-GB" sz="800" b="0" dirty="0">
+              <a:rPr lang="en-GB" sz="700" b="0" dirty="0">
+                <a:solidFill>
+                  <a:srgbClr val="D4D4D4"/>
+                </a:solidFill>
+                <a:effectLst/>
+                <a:latin typeface="Consolas" panose="020B0609020204030204" pitchFamily="49" charset="0"/>
+              </a:rPr>
+              <a:t>  </a:t>
+            </a:r>
+            <a:r>
+              <a:rPr lang="en-GB" sz="700" b="0" dirty="0">
                 <a:solidFill>
                   <a:srgbClr val="569CD6"/>
                 </a:solidFill>
                 <a:effectLst/>
                 <a:latin typeface="Consolas" panose="020B0609020204030204" pitchFamily="49" charset="0"/>
               </a:rPr>
-              <a:t>#ruledef</a:t>
-            </a:r>
-            <a:r>
-              <a:rPr lang="en-GB" sz="800" b="0" dirty="0">
-                <a:solidFill>
-                  <a:srgbClr val="D4D4D4"/>
-                </a:solidFill>
-                <a:effectLst/>
-                <a:latin typeface="Consolas" panose="020B0609020204030204" pitchFamily="49" charset="0"/>
-              </a:rPr>
-              <a:t>                           </a:t>
-            </a:r>
-            <a:r>
-              <a:rPr lang="en-GB" sz="800" b="0" dirty="0">
+              <a:t>{</a:t>
+            </a:r>
+            <a:r>
+              <a:rPr lang="en-GB" sz="700" b="0" dirty="0" err="1">
+                <a:solidFill>
+                  <a:srgbClr val="D4D4D4"/>
+                </a:solidFill>
+                <a:effectLst/>
+                <a:latin typeface="Consolas" panose="020B0609020204030204" pitchFamily="49" charset="0"/>
+              </a:rPr>
+              <a:t>a:reg</a:t>
+            </a:r>
+            <a:r>
+              <a:rPr lang="en-GB" sz="700" b="0" dirty="0">
+                <a:solidFill>
+                  <a:srgbClr val="569CD6"/>
+                </a:solidFill>
+                <a:effectLst/>
+                <a:latin typeface="Consolas" panose="020B0609020204030204" pitchFamily="49" charset="0"/>
+              </a:rPr>
+              <a:t>}</a:t>
+            </a:r>
+            <a:r>
+              <a:rPr lang="en-GB" sz="700" b="0" dirty="0">
+                <a:solidFill>
+                  <a:srgbClr val="D4D4D4"/>
+                </a:solidFill>
+                <a:effectLst/>
+                <a:latin typeface="Consolas" panose="020B0609020204030204" pitchFamily="49" charset="0"/>
+              </a:rPr>
+              <a:t>[</a:t>
+            </a:r>
+            <a:r>
+              <a:rPr lang="en-GB" sz="700" b="0" dirty="0">
+                <a:solidFill>
+                  <a:srgbClr val="569CD6"/>
+                </a:solidFill>
+                <a:effectLst/>
+                <a:latin typeface="Consolas" panose="020B0609020204030204" pitchFamily="49" charset="0"/>
+              </a:rPr>
+              <a:t>{</a:t>
+            </a:r>
+            <a:r>
+              <a:rPr lang="en-GB" sz="700" b="0" dirty="0">
+                <a:solidFill>
+                  <a:srgbClr val="D4D4D4"/>
+                </a:solidFill>
+                <a:effectLst/>
+                <a:latin typeface="Consolas" panose="020B0609020204030204" pitchFamily="49" charset="0"/>
+              </a:rPr>
+              <a:t>b:u2</a:t>
+            </a:r>
+            <a:r>
+              <a:rPr lang="en-GB" sz="700" b="0" dirty="0">
+                <a:solidFill>
+                  <a:srgbClr val="569CD6"/>
+                </a:solidFill>
+                <a:effectLst/>
+                <a:latin typeface="Consolas" panose="020B0609020204030204" pitchFamily="49" charset="0"/>
+              </a:rPr>
+              <a:t>}</a:t>
+            </a:r>
+            <a:r>
+              <a:rPr lang="en-GB" sz="700" b="0" dirty="0">
+                <a:solidFill>
+                  <a:srgbClr val="D4D4D4"/>
+                </a:solidFill>
+                <a:effectLst/>
+                <a:latin typeface="Consolas" panose="020B0609020204030204" pitchFamily="49" charset="0"/>
+              </a:rPr>
+              <a:t>]                  </a:t>
+            </a:r>
+            <a:r>
+              <a:rPr lang="en-GB" sz="700" b="0" dirty="0">
+                <a:solidFill>
+                  <a:srgbClr val="569CD6"/>
+                </a:solidFill>
+                <a:effectLst/>
+                <a:latin typeface="Consolas" panose="020B0609020204030204" pitchFamily="49" charset="0"/>
+              </a:rPr>
+              <a:t>=&gt;</a:t>
+            </a:r>
+            <a:r>
+              <a:rPr lang="en-GB" sz="700" b="0" dirty="0">
+                <a:solidFill>
+                  <a:srgbClr val="D4D4D4"/>
+                </a:solidFill>
+                <a:effectLst/>
+                <a:latin typeface="Consolas" panose="020B0609020204030204" pitchFamily="49" charset="0"/>
+              </a:rPr>
+              <a:t> </a:t>
+            </a:r>
+            <a:r>
+              <a:rPr lang="en-GB" sz="700" b="0" dirty="0">
+                <a:solidFill>
+                  <a:srgbClr val="B5CEA8"/>
+                </a:solidFill>
+                <a:effectLst/>
+                <a:latin typeface="Consolas" panose="020B0609020204030204" pitchFamily="49" charset="0"/>
+              </a:rPr>
+              <a:t>0xa</a:t>
+            </a:r>
+            <a:r>
+              <a:rPr lang="en-GB" sz="700" b="0" dirty="0">
+                <a:solidFill>
+                  <a:srgbClr val="D4D4D4"/>
+                </a:solidFill>
+                <a:effectLst/>
+                <a:latin typeface="Consolas" panose="020B0609020204030204" pitchFamily="49" charset="0"/>
+              </a:rPr>
+              <a:t> @  </a:t>
+            </a:r>
+            <a:r>
+              <a:rPr lang="en-GB" sz="700" b="0" dirty="0">
+                <a:solidFill>
+                  <a:srgbClr val="B5CEA8"/>
+                </a:solidFill>
+                <a:effectLst/>
+                <a:latin typeface="Consolas" panose="020B0609020204030204" pitchFamily="49" charset="0"/>
+              </a:rPr>
+              <a:t>0</a:t>
+            </a:r>
+            <a:r>
+              <a:rPr lang="en-GB" sz="700" b="0" dirty="0">
+                <a:solidFill>
+                  <a:srgbClr val="D4D4D4"/>
+                </a:solidFill>
+                <a:effectLst/>
+                <a:latin typeface="Consolas" panose="020B0609020204030204" pitchFamily="49" charset="0"/>
+              </a:rPr>
+              <a:t>`</a:t>
+            </a:r>
+            <a:r>
+              <a:rPr lang="en-GB" sz="700" b="0" dirty="0">
+                <a:solidFill>
+                  <a:srgbClr val="B5CEA8"/>
+                </a:solidFill>
+                <a:effectLst/>
+                <a:latin typeface="Consolas" panose="020B0609020204030204" pitchFamily="49" charset="0"/>
+              </a:rPr>
+              <a:t>3</a:t>
+            </a:r>
+            <a:r>
+              <a:rPr lang="en-GB" sz="700" b="0" dirty="0">
+                <a:solidFill>
+                  <a:srgbClr val="D4D4D4"/>
+                </a:solidFill>
+                <a:effectLst/>
+                <a:latin typeface="Consolas" panose="020B0609020204030204" pitchFamily="49" charset="0"/>
+              </a:rPr>
+              <a:t> @  a`</a:t>
+            </a:r>
+            <a:r>
+              <a:rPr lang="en-GB" sz="700" b="0" dirty="0">
+                <a:solidFill>
+                  <a:srgbClr val="B5CEA8"/>
+                </a:solidFill>
+                <a:effectLst/>
+                <a:latin typeface="Consolas" panose="020B0609020204030204" pitchFamily="49" charset="0"/>
+              </a:rPr>
+              <a:t>3</a:t>
+            </a:r>
+            <a:r>
+              <a:rPr lang="en-GB" sz="700" b="0" dirty="0">
+                <a:solidFill>
+                  <a:srgbClr val="D4D4D4"/>
+                </a:solidFill>
+                <a:effectLst/>
+                <a:latin typeface="Consolas" panose="020B0609020204030204" pitchFamily="49" charset="0"/>
+              </a:rPr>
+              <a:t> @  </a:t>
+            </a:r>
+            <a:r>
+              <a:rPr lang="en-GB" sz="700" b="0" dirty="0">
+                <a:solidFill>
+                  <a:srgbClr val="B5CEA8"/>
+                </a:solidFill>
+                <a:effectLst/>
+                <a:latin typeface="Consolas" panose="020B0609020204030204" pitchFamily="49" charset="0"/>
+              </a:rPr>
+              <a:t>0</a:t>
+            </a:r>
+            <a:r>
+              <a:rPr lang="en-GB" sz="700" b="0" dirty="0">
+                <a:solidFill>
+                  <a:srgbClr val="D4D4D4"/>
+                </a:solidFill>
+                <a:effectLst/>
+                <a:latin typeface="Consolas" panose="020B0609020204030204" pitchFamily="49" charset="0"/>
+              </a:rPr>
+              <a:t>`</a:t>
+            </a:r>
+            <a:r>
+              <a:rPr lang="en-GB" sz="700" b="0" dirty="0">
+                <a:solidFill>
+                  <a:srgbClr val="B5CEA8"/>
+                </a:solidFill>
+                <a:effectLst/>
+                <a:latin typeface="Consolas" panose="020B0609020204030204" pitchFamily="49" charset="0"/>
+              </a:rPr>
+              <a:t>1</a:t>
+            </a:r>
+            <a:r>
+              <a:rPr lang="en-GB" sz="700" b="0" dirty="0">
+                <a:solidFill>
+                  <a:srgbClr val="D4D4D4"/>
+                </a:solidFill>
+                <a:effectLst/>
+                <a:latin typeface="Consolas" panose="020B0609020204030204" pitchFamily="49" charset="0"/>
+              </a:rPr>
+              <a:t> @ b`</a:t>
+            </a:r>
+            <a:r>
+              <a:rPr lang="en-GB" sz="700" b="0" dirty="0">
+                <a:solidFill>
+                  <a:srgbClr val="B5CEA8"/>
+                </a:solidFill>
+                <a:effectLst/>
+                <a:latin typeface="Consolas" panose="020B0609020204030204" pitchFamily="49" charset="0"/>
+              </a:rPr>
+              <a:t>2</a:t>
+            </a:r>
+            <a:r>
+              <a:rPr lang="en-GB" sz="700" b="0" dirty="0">
+                <a:solidFill>
+                  <a:srgbClr val="D4D4D4"/>
+                </a:solidFill>
+                <a:effectLst/>
+                <a:latin typeface="Consolas" panose="020B0609020204030204" pitchFamily="49" charset="0"/>
+              </a:rPr>
+              <a:t> </a:t>
+            </a:r>
+            <a:r>
+              <a:rPr lang="en-GB" sz="700" b="0" dirty="0">
                 <a:solidFill>
                   <a:srgbClr val="6A9955"/>
                 </a:solidFill>
                 <a:effectLst/>
                 <a:latin typeface="Consolas" panose="020B0609020204030204" pitchFamily="49" charset="0"/>
               </a:rPr>
-              <a:t>;      VHDL references</a:t>
-            </a:r>
-            <a:endParaRPr lang="en-GB" sz="800" b="0" dirty="0">
+              <a:t>; </a:t>
+            </a:r>
+            <a:r>
+              <a:rPr lang="en-GB" sz="700" b="0" dirty="0" err="1">
+                <a:solidFill>
+                  <a:srgbClr val="6A9955"/>
+                </a:solidFill>
+                <a:effectLst/>
+                <a:latin typeface="Consolas" panose="020B0609020204030204" pitchFamily="49" charset="0"/>
+              </a:rPr>
+              <a:t>op_ifbit</a:t>
+            </a:r>
+            <a:endParaRPr lang="en-GB" sz="700" b="0" dirty="0">
               <a:solidFill>
                 <a:srgbClr val="D4D4D4"/>
               </a:solidFill>
@@ -9721,7 +10001,17 @@
           </a:p>
           <a:p>
             <a:r>
-              <a:rPr lang="en-GB" sz="800" b="0" dirty="0">
+              <a:rPr lang="en-GB" sz="700" b="0" dirty="0">
+                <a:solidFill>
+                  <a:srgbClr val="D4D4D4"/>
+                </a:solidFill>
+                <a:effectLst/>
+                <a:latin typeface="Consolas" panose="020B0609020204030204" pitchFamily="49" charset="0"/>
+              </a:rPr>
+              <a:t>  </a:t>
+            </a:r>
+            <a:r>
+              <a:rPr lang="en-GB" sz="700" b="0" dirty="0">
                 <a:solidFill>
                   <a:srgbClr val="569CD6"/>
                 </a:solidFill>
@@ -9731,46 +10021,236 @@
               <a:t>{</a:t>
             </a:r>
             <a:r>
-              <a:rPr lang="en-GB" sz="800" b="0" dirty="0">
-                <a:solidFill>
-                  <a:srgbClr val="D4D4D4"/>
-                </a:solidFill>
-                <a:effectLst/>
-                <a:latin typeface="Consolas" panose="020B0609020204030204" pitchFamily="49" charset="0"/>
-              </a:rPr>
-              <a:t>                                  </a:t>
-            </a:r>
-            <a:r>
-              <a:rPr lang="en-GB" sz="800" b="0" dirty="0">
+              <a:rPr lang="en-GB" sz="700" b="0" dirty="0" err="1">
+                <a:solidFill>
+                  <a:srgbClr val="D4D4D4"/>
+                </a:solidFill>
+                <a:effectLst/>
+                <a:latin typeface="Consolas" panose="020B0609020204030204" pitchFamily="49" charset="0"/>
+              </a:rPr>
+              <a:t>a:reg</a:t>
+            </a:r>
+            <a:r>
+              <a:rPr lang="en-GB" sz="700" b="0" dirty="0">
+                <a:solidFill>
+                  <a:srgbClr val="569CD6"/>
+                </a:solidFill>
+                <a:effectLst/>
+                <a:latin typeface="Consolas" panose="020B0609020204030204" pitchFamily="49" charset="0"/>
+              </a:rPr>
+              <a:t>}</a:t>
+            </a:r>
+            <a:r>
+              <a:rPr lang="en-GB" sz="700" b="0" dirty="0">
+                <a:solidFill>
+                  <a:srgbClr val="D4D4D4"/>
+                </a:solidFill>
+                <a:effectLst/>
+                <a:latin typeface="Consolas" panose="020B0609020204030204" pitchFamily="49" charset="0"/>
+              </a:rPr>
+              <a:t> </a:t>
+            </a:r>
+            <a:r>
+              <a:rPr lang="en-GB" sz="700" b="0" dirty="0" err="1">
+                <a:solidFill>
+                  <a:srgbClr val="D4D4D4"/>
+                </a:solidFill>
+                <a:effectLst/>
+                <a:latin typeface="Consolas" panose="020B0609020204030204" pitchFamily="49" charset="0"/>
+              </a:rPr>
+              <a:t>eq</a:t>
+            </a:r>
+            <a:r>
+              <a:rPr lang="en-GB" sz="700" b="0" dirty="0">
+                <a:solidFill>
+                  <a:srgbClr val="D4D4D4"/>
+                </a:solidFill>
+                <a:effectLst/>
+                <a:latin typeface="Consolas" panose="020B0609020204030204" pitchFamily="49" charset="0"/>
+              </a:rPr>
+              <a:t> </a:t>
+            </a:r>
+            <a:r>
+              <a:rPr lang="en-GB" sz="700" b="0" dirty="0">
+                <a:solidFill>
+                  <a:srgbClr val="569CD6"/>
+                </a:solidFill>
+                <a:effectLst/>
+                <a:latin typeface="Consolas" panose="020B0609020204030204" pitchFamily="49" charset="0"/>
+              </a:rPr>
+              <a:t>{</a:t>
+            </a:r>
+            <a:r>
+              <a:rPr lang="en-GB" sz="700" b="0" dirty="0" err="1">
+                <a:solidFill>
+                  <a:srgbClr val="D4D4D4"/>
+                </a:solidFill>
+                <a:effectLst/>
+                <a:latin typeface="Consolas" panose="020B0609020204030204" pitchFamily="49" charset="0"/>
+              </a:rPr>
+              <a:t>b:reg</a:t>
+            </a:r>
+            <a:r>
+              <a:rPr lang="en-GB" sz="700" b="0" dirty="0">
+                <a:solidFill>
+                  <a:srgbClr val="569CD6"/>
+                </a:solidFill>
+                <a:effectLst/>
+                <a:latin typeface="Consolas" panose="020B0609020204030204" pitchFamily="49" charset="0"/>
+              </a:rPr>
+              <a:t>}</a:t>
+            </a:r>
+            <a:r>
+              <a:rPr lang="en-GB" sz="700" b="0" dirty="0">
+                <a:solidFill>
+                  <a:srgbClr val="D4D4D4"/>
+                </a:solidFill>
+                <a:effectLst/>
+                <a:latin typeface="Consolas" panose="020B0609020204030204" pitchFamily="49" charset="0"/>
+              </a:rPr>
+              <a:t>               </a:t>
+            </a:r>
+            <a:r>
+              <a:rPr lang="en-GB" sz="700" b="0" dirty="0">
+                <a:solidFill>
+                  <a:srgbClr val="569CD6"/>
+                </a:solidFill>
+                <a:effectLst/>
+                <a:latin typeface="Consolas" panose="020B0609020204030204" pitchFamily="49" charset="0"/>
+              </a:rPr>
+              <a:t>=&gt;</a:t>
+            </a:r>
+            <a:r>
+              <a:rPr lang="en-GB" sz="700" b="0" dirty="0">
+                <a:solidFill>
+                  <a:srgbClr val="D4D4D4"/>
+                </a:solidFill>
+                <a:effectLst/>
+                <a:latin typeface="Consolas" panose="020B0609020204030204" pitchFamily="49" charset="0"/>
+              </a:rPr>
+              <a:t> </a:t>
+            </a:r>
+            <a:r>
+              <a:rPr lang="en-GB" sz="700" b="0" dirty="0">
+                <a:solidFill>
+                  <a:srgbClr val="B5CEA8"/>
+                </a:solidFill>
+                <a:effectLst/>
+                <a:latin typeface="Consolas" panose="020B0609020204030204" pitchFamily="49" charset="0"/>
+              </a:rPr>
+              <a:t>0xb</a:t>
+            </a:r>
+            <a:r>
+              <a:rPr lang="en-GB" sz="700" b="0" dirty="0">
+                <a:solidFill>
+                  <a:srgbClr val="D4D4D4"/>
+                </a:solidFill>
+                <a:effectLst/>
+                <a:latin typeface="Consolas" panose="020B0609020204030204" pitchFamily="49" charset="0"/>
+              </a:rPr>
+              <a:t> @  </a:t>
+            </a:r>
+            <a:r>
+              <a:rPr lang="en-GB" sz="700" b="0" dirty="0">
+                <a:solidFill>
+                  <a:srgbClr val="B5CEA8"/>
+                </a:solidFill>
+                <a:effectLst/>
+                <a:latin typeface="Consolas" panose="020B0609020204030204" pitchFamily="49" charset="0"/>
+              </a:rPr>
+              <a:t>0</a:t>
+            </a:r>
+            <a:r>
+              <a:rPr lang="en-GB" sz="700" b="0" dirty="0">
+                <a:solidFill>
+                  <a:srgbClr val="D4D4D4"/>
+                </a:solidFill>
+                <a:effectLst/>
+                <a:latin typeface="Consolas" panose="020B0609020204030204" pitchFamily="49" charset="0"/>
+              </a:rPr>
+              <a:t>`</a:t>
+            </a:r>
+            <a:r>
+              <a:rPr lang="en-GB" sz="700" b="0" dirty="0">
+                <a:solidFill>
+                  <a:srgbClr val="B5CEA8"/>
+                </a:solidFill>
+                <a:effectLst/>
+                <a:latin typeface="Consolas" panose="020B0609020204030204" pitchFamily="49" charset="0"/>
+              </a:rPr>
+              <a:t>3</a:t>
+            </a:r>
+            <a:r>
+              <a:rPr lang="en-GB" sz="700" b="0" dirty="0">
+                <a:solidFill>
+                  <a:srgbClr val="D4D4D4"/>
+                </a:solidFill>
+                <a:effectLst/>
+                <a:latin typeface="Consolas" panose="020B0609020204030204" pitchFamily="49" charset="0"/>
+              </a:rPr>
+              <a:t> @  a`</a:t>
+            </a:r>
+            <a:r>
+              <a:rPr lang="en-GB" sz="700" b="0" dirty="0">
+                <a:solidFill>
+                  <a:srgbClr val="B5CEA8"/>
+                </a:solidFill>
+                <a:effectLst/>
+                <a:latin typeface="Consolas" panose="020B0609020204030204" pitchFamily="49" charset="0"/>
+              </a:rPr>
+              <a:t>3</a:t>
+            </a:r>
+            <a:r>
+              <a:rPr lang="en-GB" sz="700" b="0" dirty="0">
+                <a:solidFill>
+                  <a:srgbClr val="D4D4D4"/>
+                </a:solidFill>
+                <a:effectLst/>
+                <a:latin typeface="Consolas" panose="020B0609020204030204" pitchFamily="49" charset="0"/>
+              </a:rPr>
+              <a:t> @  b`</a:t>
+            </a:r>
+            <a:r>
+              <a:rPr lang="en-GB" sz="700" b="0" dirty="0">
+                <a:solidFill>
+                  <a:srgbClr val="B5CEA8"/>
+                </a:solidFill>
+                <a:effectLst/>
+                <a:latin typeface="Consolas" panose="020B0609020204030204" pitchFamily="49" charset="0"/>
+              </a:rPr>
+              <a:t>3</a:t>
+            </a:r>
+            <a:r>
+              <a:rPr lang="en-GB" sz="700" b="0" dirty="0">
+                <a:solidFill>
+                  <a:srgbClr val="D4D4D4"/>
+                </a:solidFill>
+                <a:effectLst/>
+                <a:latin typeface="Consolas" panose="020B0609020204030204" pitchFamily="49" charset="0"/>
+              </a:rPr>
+              <a:t>       </a:t>
+            </a:r>
+            <a:r>
+              <a:rPr lang="en-GB" sz="700" b="0" dirty="0">
                 <a:solidFill>
                   <a:srgbClr val="6A9955"/>
                 </a:solidFill>
                 <a:effectLst/>
                 <a:latin typeface="Consolas" panose="020B0609020204030204" pitchFamily="49" charset="0"/>
               </a:rPr>
-              <a:t>;  op @ </a:t>
-            </a:r>
-            <a:r>
-              <a:rPr lang="en-GB" sz="800" b="0" dirty="0" err="1">
+              <a:t>; </a:t>
+            </a:r>
+            <a:r>
+              <a:rPr lang="en-GB" sz="700" b="0" dirty="0" err="1">
                 <a:solidFill>
                   <a:srgbClr val="6A9955"/>
                 </a:solidFill>
                 <a:effectLst/>
                 <a:latin typeface="Consolas" panose="020B0609020204030204" pitchFamily="49" charset="0"/>
               </a:rPr>
-              <a:t>dest</a:t>
-            </a:r>
-            <a:r>
-              <a:rPr lang="en-GB" sz="800" b="0" dirty="0">
-                <a:solidFill>
-                  <a:srgbClr val="6A9955"/>
-                </a:solidFill>
-                <a:effectLst/>
-                <a:latin typeface="Consolas" panose="020B0609020204030204" pitchFamily="49" charset="0"/>
-              </a:rPr>
-              <a:t> @ src1 @ src2</a:t>
-            </a:r>
-            <a:endParaRPr lang="en-GB" sz="800" b="0" dirty="0">
+              <a:t>op_ifeq</a:t>
+            </a:r>
+            <a:endParaRPr lang="en-GB" sz="700" b="0" dirty="0">
               <a:solidFill>
                 <a:srgbClr val="D4D4D4"/>
               </a:solidFill>
@@ -9780,27 +10260,127 @@
           </a:p>
           <a:p>
             <a:r>
-              <a:rPr lang="en-GB" sz="800" b="0" dirty="0">
-                <a:solidFill>
-                  <a:srgbClr val="D4D4D4"/>
-                </a:solidFill>
-                <a:effectLst/>
-                <a:latin typeface="Consolas" panose="020B0609020204030204" pitchFamily="49" charset="0"/>
-              </a:rPr>
-              <a:t>  noop                            </a:t>
-            </a:r>
-            <a:r>
-              <a:rPr lang="en-GB" sz="800" b="0" dirty="0">
+              <a:rPr lang="en-GB" sz="700" b="0" dirty="0">
+                <a:solidFill>
+                  <a:srgbClr val="D4D4D4"/>
+                </a:solidFill>
+                <a:effectLst/>
+                <a:latin typeface="Consolas" panose="020B0609020204030204" pitchFamily="49" charset="0"/>
+              </a:rPr>
+              <a:t>  </a:t>
+            </a:r>
+            <a:r>
+              <a:rPr lang="en-GB" sz="700" b="0" dirty="0">
                 <a:solidFill>
                   <a:srgbClr val="569CD6"/>
                 </a:solidFill>
                 <a:effectLst/>
                 <a:latin typeface="Consolas" panose="020B0609020204030204" pitchFamily="49" charset="0"/>
               </a:rPr>
+              <a:t>{</a:t>
+            </a:r>
+            <a:r>
+              <a:rPr lang="en-GB" sz="700" b="0" dirty="0" err="1">
+                <a:solidFill>
+                  <a:srgbClr val="D4D4D4"/>
+                </a:solidFill>
+                <a:effectLst/>
+                <a:latin typeface="Consolas" panose="020B0609020204030204" pitchFamily="49" charset="0"/>
+              </a:rPr>
+              <a:t>a:reg</a:t>
+            </a:r>
+            <a:r>
+              <a:rPr lang="en-GB" sz="700" b="0" dirty="0">
+                <a:solidFill>
+                  <a:srgbClr val="569CD6"/>
+                </a:solidFill>
+                <a:effectLst/>
+                <a:latin typeface="Consolas" panose="020B0609020204030204" pitchFamily="49" charset="0"/>
+              </a:rPr>
+              <a:t>}</a:t>
+            </a:r>
+            <a:r>
+              <a:rPr lang="en-GB" sz="700" b="0" dirty="0">
+                <a:solidFill>
+                  <a:srgbClr val="D4D4D4"/>
+                </a:solidFill>
+                <a:effectLst/>
+                <a:latin typeface="Consolas" panose="020B0609020204030204" pitchFamily="49" charset="0"/>
+              </a:rPr>
+              <a:t> </a:t>
+            </a:r>
+            <a:r>
+              <a:rPr lang="en-GB" sz="700" b="0" dirty="0" err="1">
+                <a:solidFill>
+                  <a:srgbClr val="D4D4D4"/>
+                </a:solidFill>
+                <a:effectLst/>
+                <a:latin typeface="Consolas" panose="020B0609020204030204" pitchFamily="49" charset="0"/>
+              </a:rPr>
+              <a:t>gt</a:t>
+            </a:r>
+            <a:r>
+              <a:rPr lang="en-GB" sz="700" b="0" dirty="0">
+                <a:solidFill>
+                  <a:srgbClr val="D4D4D4"/>
+                </a:solidFill>
+                <a:effectLst/>
+                <a:latin typeface="Consolas" panose="020B0609020204030204" pitchFamily="49" charset="0"/>
+              </a:rPr>
+              <a:t> </a:t>
+            </a:r>
+            <a:r>
+              <a:rPr lang="en-GB" sz="700" b="0" dirty="0">
+                <a:solidFill>
+                  <a:srgbClr val="569CD6"/>
+                </a:solidFill>
+                <a:effectLst/>
+                <a:latin typeface="Consolas" panose="020B0609020204030204" pitchFamily="49" charset="0"/>
+              </a:rPr>
+              <a:t>{</a:t>
+            </a:r>
+            <a:r>
+              <a:rPr lang="en-GB" sz="700" b="0" dirty="0" err="1">
+                <a:solidFill>
+                  <a:srgbClr val="D4D4D4"/>
+                </a:solidFill>
+                <a:effectLst/>
+                <a:latin typeface="Consolas" panose="020B0609020204030204" pitchFamily="49" charset="0"/>
+              </a:rPr>
+              <a:t>b:reg</a:t>
+            </a:r>
+            <a:r>
+              <a:rPr lang="en-GB" sz="700" b="0" dirty="0">
+                <a:solidFill>
+                  <a:srgbClr val="569CD6"/>
+                </a:solidFill>
+                <a:effectLst/>
+                <a:latin typeface="Consolas" panose="020B0609020204030204" pitchFamily="49" charset="0"/>
+              </a:rPr>
+              <a:t>}</a:t>
+            </a:r>
+            <a:r>
+              <a:rPr lang="en-GB" sz="700" b="0" dirty="0">
+                <a:solidFill>
+                  <a:srgbClr val="D4D4D4"/>
+                </a:solidFill>
+                <a:effectLst/>
+                <a:latin typeface="Consolas" panose="020B0609020204030204" pitchFamily="49" charset="0"/>
+              </a:rPr>
+              <a:t>               </a:t>
+            </a:r>
+            <a:r>
+              <a:rPr lang="en-GB" sz="700" b="0" dirty="0">
+                <a:solidFill>
+                  <a:srgbClr val="569CD6"/>
+                </a:solidFill>
+                <a:effectLst/>
+                <a:latin typeface="Consolas" panose="020B0609020204030204" pitchFamily="49" charset="0"/>
+              </a:rPr>
               <a:t>=&gt;</a:t>
             </a:r>
             <a:r>
-              <a:rPr lang="en-GB" sz="800" b="0" dirty="0">
+              <a:rPr lang="en-GB" sz="700" b="0" dirty="0">
                 <a:solidFill>
                   <a:srgbClr val="D4D4D4"/>
                 </a:solidFill>
@@ -9810,27 +10390,27 @@
               <a:t> </a:t>
             </a:r>
             <a:r>
-              <a:rPr lang="en-GB" sz="800" b="0" dirty="0">
+              <a:rPr lang="en-GB" sz="700" b="0" dirty="0">
                 <a:solidFill>
                   <a:srgbClr val="B5CEA8"/>
                 </a:solidFill>
                 <a:effectLst/>
                 <a:latin typeface="Consolas" panose="020B0609020204030204" pitchFamily="49" charset="0"/>
               </a:rPr>
-              <a:t>0x0</a:t>
-            </a:r>
-            <a:r>
-              <a:rPr lang="en-GB" sz="800" b="0" dirty="0">
-                <a:solidFill>
-                  <a:srgbClr val="D4D4D4"/>
-                </a:solidFill>
-                <a:effectLst/>
-                <a:latin typeface="Consolas" panose="020B0609020204030204" pitchFamily="49" charset="0"/>
-              </a:rPr>
-              <a:t> @         </a:t>
-            </a:r>
-            <a:r>
-              <a:rPr lang="en-GB" sz="800" b="0" dirty="0">
+              <a:t>0xc</a:t>
+            </a:r>
+            <a:r>
+              <a:rPr lang="en-GB" sz="700" b="0" dirty="0">
+                <a:solidFill>
+                  <a:srgbClr val="D4D4D4"/>
+                </a:solidFill>
+                <a:effectLst/>
+                <a:latin typeface="Consolas" panose="020B0609020204030204" pitchFamily="49" charset="0"/>
+              </a:rPr>
+              <a:t> @  </a:t>
+            </a:r>
+            <a:r>
+              <a:rPr lang="en-GB" sz="700" b="0" dirty="0">
                 <a:solidFill>
                   <a:srgbClr val="B5CEA8"/>
                 </a:solidFill>
@@ -9840,7 +10420,7 @@
               <a:t>0</a:t>
             </a:r>
             <a:r>
-              <a:rPr lang="en-GB" sz="800" b="0" dirty="0">
+              <a:rPr lang="en-GB" sz="700" b="0" dirty="0">
                 <a:solidFill>
                   <a:srgbClr val="D4D4D4"/>
                 </a:solidFill>
@@ -9850,36 +10430,86 @@
               <a:t>`</a:t>
             </a:r>
             <a:r>
-              <a:rPr lang="en-GB" sz="800" b="0" dirty="0">
+              <a:rPr lang="en-GB" sz="700" b="0" dirty="0">
                 <a:solidFill>
                   <a:srgbClr val="B5CEA8"/>
                 </a:solidFill>
                 <a:effectLst/>
                 <a:latin typeface="Consolas" panose="020B0609020204030204" pitchFamily="49" charset="0"/>
               </a:rPr>
-              <a:t>9</a:t>
-            </a:r>
-            <a:r>
-              <a:rPr lang="en-GB" sz="800" b="0" dirty="0">
-                <a:solidFill>
-                  <a:srgbClr val="D4D4D4"/>
-                </a:solidFill>
-                <a:effectLst/>
-                <a:latin typeface="Consolas" panose="020B0609020204030204" pitchFamily="49" charset="0"/>
-              </a:rPr>
-              <a:t>              </a:t>
-            </a:r>
-            <a:r>
-              <a:rPr lang="en-GB" sz="800" b="0" dirty="0">
+              <a:t>3</a:t>
+            </a:r>
+            <a:r>
+              <a:rPr lang="en-GB" sz="700" b="0" dirty="0">
+                <a:solidFill>
+                  <a:srgbClr val="D4D4D4"/>
+                </a:solidFill>
+                <a:effectLst/>
+                <a:latin typeface="Consolas" panose="020B0609020204030204" pitchFamily="49" charset="0"/>
+              </a:rPr>
+              <a:t> @  a`</a:t>
+            </a:r>
+            <a:r>
+              <a:rPr lang="en-GB" sz="700" b="0" dirty="0">
+                <a:solidFill>
+                  <a:srgbClr val="B5CEA8"/>
+                </a:solidFill>
+                <a:effectLst/>
+                <a:latin typeface="Consolas" panose="020B0609020204030204" pitchFamily="49" charset="0"/>
+              </a:rPr>
+              <a:t>3</a:t>
+            </a:r>
+            <a:r>
+              <a:rPr lang="en-GB" sz="700" b="0" dirty="0">
+                <a:solidFill>
+                  <a:srgbClr val="D4D4D4"/>
+                </a:solidFill>
+                <a:effectLst/>
+                <a:latin typeface="Consolas" panose="020B0609020204030204" pitchFamily="49" charset="0"/>
+              </a:rPr>
+              <a:t> @  b`</a:t>
+            </a:r>
+            <a:r>
+              <a:rPr lang="en-GB" sz="700" b="0" dirty="0">
+                <a:solidFill>
+                  <a:srgbClr val="B5CEA8"/>
+                </a:solidFill>
+                <a:effectLst/>
+                <a:latin typeface="Consolas" panose="020B0609020204030204" pitchFamily="49" charset="0"/>
+              </a:rPr>
+              <a:t>3</a:t>
+            </a:r>
+            <a:r>
+              <a:rPr lang="en-GB" sz="700" b="0" dirty="0">
+                <a:solidFill>
+                  <a:srgbClr val="D4D4D4"/>
+                </a:solidFill>
+                <a:effectLst/>
+                <a:latin typeface="Consolas" panose="020B0609020204030204" pitchFamily="49" charset="0"/>
+              </a:rPr>
+              <a:t>       </a:t>
+            </a:r>
+            <a:r>
+              <a:rPr lang="en-GB" sz="700" b="0" dirty="0">
                 <a:solidFill>
                   <a:srgbClr val="6A9955"/>
                 </a:solidFill>
                 <a:effectLst/>
                 <a:latin typeface="Consolas" panose="020B0609020204030204" pitchFamily="49" charset="0"/>
               </a:rPr>
-              <a:t>; noop</a:t>
-            </a:r>
-            <a:endParaRPr lang="en-GB" sz="800" b="0" dirty="0">
+              <a:t>; </a:t>
+            </a:r>
+            <a:r>
+              <a:rPr lang="en-GB" sz="700" b="0" dirty="0" err="1">
+                <a:solidFill>
+                  <a:srgbClr val="6A9955"/>
+                </a:solidFill>
+                <a:effectLst/>
+                <a:latin typeface="Consolas" panose="020B0609020204030204" pitchFamily="49" charset="0"/>
+              </a:rPr>
+              <a:t>op_ifgt</a:t>
+            </a:r>
+            <a:endParaRPr lang="en-GB" sz="700" b="0" dirty="0">
               <a:solidFill>
                 <a:srgbClr val="D4D4D4"/>
               </a:solidFill>
@@ -9889,7 +10519,7 @@
           </a:p>
           <a:p>
             <a:r>
-              <a:rPr lang="en-GB" sz="800" b="0" dirty="0">
+              <a:rPr lang="en-GB" sz="700" b="0" dirty="0">
                 <a:solidFill>
                   <a:srgbClr val="D4D4D4"/>
                 </a:solidFill>
@@ -9899,7 +10529,7 @@
               <a:t>  </a:t>
             </a:r>
             <a:r>
-              <a:rPr lang="en-GB" sz="800" b="0" dirty="0">
+              <a:rPr lang="en-GB" sz="700" b="0" dirty="0">
                 <a:solidFill>
                   <a:srgbClr val="569CD6"/>
                 </a:solidFill>
@@ -9909,17 +10539,17 @@
               <a:t>{</a:t>
             </a:r>
             <a:r>
-              <a:rPr lang="en-GB" sz="800" b="0" dirty="0" err="1">
-                <a:solidFill>
-                  <a:srgbClr val="D4D4D4"/>
-                </a:solidFill>
-                <a:effectLst/>
-                <a:latin typeface="Consolas" panose="020B0609020204030204" pitchFamily="49" charset="0"/>
-              </a:rPr>
-              <a:t>o:sreg</a:t>
-            </a:r>
-            <a:r>
-              <a:rPr lang="en-GB" sz="800" b="0" dirty="0">
+              <a:rPr lang="en-GB" sz="700" b="0" dirty="0" err="1">
+                <a:solidFill>
+                  <a:srgbClr val="D4D4D4"/>
+                </a:solidFill>
+                <a:effectLst/>
+                <a:latin typeface="Consolas" panose="020B0609020204030204" pitchFamily="49" charset="0"/>
+              </a:rPr>
+              <a:t>a:reg</a:t>
+            </a:r>
+            <a:r>
+              <a:rPr lang="en-GB" sz="700" b="0" dirty="0">
                 <a:solidFill>
                   <a:srgbClr val="569CD6"/>
                 </a:solidFill>
@@ -9929,17 +10559,37 @@
               <a:t>}</a:t>
             </a:r>
             <a:r>
-              <a:rPr lang="en-GB" sz="800" b="0" dirty="0">
-                <a:solidFill>
-                  <a:srgbClr val="D4D4D4"/>
-                </a:solidFill>
-                <a:effectLst/>
-                <a:latin typeface="Consolas" panose="020B0609020204030204" pitchFamily="49" charset="0"/>
-              </a:rPr>
-              <a:t> &lt;- </a:t>
-            </a:r>
-            <a:r>
-              <a:rPr lang="en-GB" sz="800" b="0" dirty="0">
+              <a:rPr lang="en-GB" sz="700" b="0" dirty="0">
+                <a:solidFill>
+                  <a:srgbClr val="D4D4D4"/>
+                </a:solidFill>
+                <a:effectLst/>
+                <a:latin typeface="Consolas" panose="020B0609020204030204" pitchFamily="49" charset="0"/>
+              </a:rPr>
+              <a:t> </a:t>
+            </a:r>
+            <a:r>
+              <a:rPr lang="en-GB" sz="700" b="0" dirty="0" err="1">
+                <a:solidFill>
+                  <a:srgbClr val="D4D4D4"/>
+                </a:solidFill>
+                <a:effectLst/>
+                <a:latin typeface="Consolas" panose="020B0609020204030204" pitchFamily="49" charset="0"/>
+              </a:rPr>
+              <a:t>ge</a:t>
+            </a:r>
+            <a:r>
+              <a:rPr lang="en-GB" sz="700" b="0" dirty="0">
+                <a:solidFill>
+                  <a:srgbClr val="D4D4D4"/>
+                </a:solidFill>
+                <a:effectLst/>
+                <a:latin typeface="Consolas" panose="020B0609020204030204" pitchFamily="49" charset="0"/>
+              </a:rPr>
+              <a:t> </a:t>
+            </a:r>
+            <a:r>
+              <a:rPr lang="en-GB" sz="700" b="0" dirty="0">
                 <a:solidFill>
                   <a:srgbClr val="569CD6"/>
                 </a:solidFill>
@@ -9949,17 +10599,17 @@
               <a:t>{</a:t>
             </a:r>
             <a:r>
-              <a:rPr lang="en-GB" sz="800" b="0" dirty="0">
-                <a:solidFill>
-                  <a:srgbClr val="D4D4D4"/>
-                </a:solidFill>
-                <a:effectLst/>
-                <a:latin typeface="Consolas" panose="020B0609020204030204" pitchFamily="49" charset="0"/>
-              </a:rPr>
-              <a:t>v:u4</a:t>
-            </a:r>
-            <a:r>
-              <a:rPr lang="en-GB" sz="800" b="0" dirty="0">
+              <a:rPr lang="en-GB" sz="700" b="0" dirty="0" err="1">
+                <a:solidFill>
+                  <a:srgbClr val="D4D4D4"/>
+                </a:solidFill>
+                <a:effectLst/>
+                <a:latin typeface="Consolas" panose="020B0609020204030204" pitchFamily="49" charset="0"/>
+              </a:rPr>
+              <a:t>b:reg</a:t>
+            </a:r>
+            <a:r>
+              <a:rPr lang="en-GB" sz="700" b="0" dirty="0">
                 <a:solidFill>
                   <a:srgbClr val="569CD6"/>
                 </a:solidFill>
@@ -9969,17 +10619,17 @@
               <a:t>}</a:t>
             </a:r>
             <a:r>
-              <a:rPr lang="en-GB" sz="800" b="0" dirty="0">
-                <a:solidFill>
-                  <a:srgbClr val="D4D4D4"/>
-                </a:solidFill>
-                <a:effectLst/>
-                <a:latin typeface="Consolas" panose="020B0609020204030204" pitchFamily="49" charset="0"/>
-              </a:rPr>
-              <a:t>              </a:t>
-            </a:r>
-            <a:r>
-              <a:rPr lang="en-GB" sz="800" b="0" dirty="0">
+              <a:rPr lang="en-GB" sz="700" b="0" dirty="0">
+                <a:solidFill>
+                  <a:srgbClr val="D4D4D4"/>
+                </a:solidFill>
+                <a:effectLst/>
+                <a:latin typeface="Consolas" panose="020B0609020204030204" pitchFamily="49" charset="0"/>
+              </a:rPr>
+              <a:t>               </a:t>
+            </a:r>
+            <a:r>
+              <a:rPr lang="en-GB" sz="700" b="0" dirty="0">
                 <a:solidFill>
                   <a:srgbClr val="569CD6"/>
                 </a:solidFill>
@@ -9989,7 +10639,7 @@
               <a:t>=&gt;</a:t>
             </a:r>
             <a:r>
-              <a:rPr lang="en-GB" sz="800" b="0" dirty="0">
+              <a:rPr lang="en-GB" sz="700" b="0" dirty="0">
                 <a:solidFill>
                   <a:srgbClr val="D4D4D4"/>
                 </a:solidFill>
@@ -9999,97 +10649,97 @@
               <a:t> </a:t>
             </a:r>
             <a:r>
-              <a:rPr lang="en-GB" sz="800" b="0" dirty="0">
+              <a:rPr lang="en-GB" sz="700" b="0" dirty="0">
                 <a:solidFill>
                   <a:srgbClr val="B5CEA8"/>
                 </a:solidFill>
                 <a:effectLst/>
                 <a:latin typeface="Consolas" panose="020B0609020204030204" pitchFamily="49" charset="0"/>
               </a:rPr>
-              <a:t>0x1</a:t>
-            </a:r>
-            <a:r>
-              <a:rPr lang="en-GB" sz="800" b="0" dirty="0">
-                <a:solidFill>
-                  <a:srgbClr val="D4D4D4"/>
-                </a:solidFill>
-                <a:effectLst/>
-                <a:latin typeface="Consolas" panose="020B0609020204030204" pitchFamily="49" charset="0"/>
-              </a:rPr>
-              <a:t> @  o`</a:t>
-            </a:r>
-            <a:r>
-              <a:rPr lang="en-GB" sz="800" b="0" dirty="0">
+              <a:t>0xd</a:t>
+            </a:r>
+            <a:r>
+              <a:rPr lang="en-GB" sz="700" b="0" dirty="0">
+                <a:solidFill>
+                  <a:srgbClr val="D4D4D4"/>
+                </a:solidFill>
+                <a:effectLst/>
+                <a:latin typeface="Consolas" panose="020B0609020204030204" pitchFamily="49" charset="0"/>
+              </a:rPr>
+              <a:t> @  </a:t>
+            </a:r>
+            <a:r>
+              <a:rPr lang="en-GB" sz="700" b="0" dirty="0">
                 <a:solidFill>
                   <a:srgbClr val="B5CEA8"/>
                 </a:solidFill>
                 <a:effectLst/>
                 <a:latin typeface="Consolas" panose="020B0609020204030204" pitchFamily="49" charset="0"/>
               </a:rPr>
+              <a:t>0</a:t>
+            </a:r>
+            <a:r>
+              <a:rPr lang="en-GB" sz="700" b="0" dirty="0">
+                <a:solidFill>
+                  <a:srgbClr val="D4D4D4"/>
+                </a:solidFill>
+                <a:effectLst/>
+                <a:latin typeface="Consolas" panose="020B0609020204030204" pitchFamily="49" charset="0"/>
+              </a:rPr>
+              <a:t>`</a:t>
+            </a:r>
+            <a:r>
+              <a:rPr lang="en-GB" sz="700" b="0" dirty="0">
+                <a:solidFill>
+                  <a:srgbClr val="B5CEA8"/>
+                </a:solidFill>
+                <a:effectLst/>
+                <a:latin typeface="Consolas" panose="020B0609020204030204" pitchFamily="49" charset="0"/>
+              </a:rPr>
               <a:t>3</a:t>
             </a:r>
             <a:r>
-              <a:rPr lang="en-GB" sz="800" b="0" dirty="0">
-                <a:solidFill>
-                  <a:srgbClr val="D4D4D4"/>
-                </a:solidFill>
-                <a:effectLst/>
-                <a:latin typeface="Consolas" panose="020B0609020204030204" pitchFamily="49" charset="0"/>
-              </a:rPr>
-              <a:t> @  </a:t>
-            </a:r>
-            <a:r>
-              <a:rPr lang="en-GB" sz="800" b="0" dirty="0">
+              <a:rPr lang="en-GB" sz="700" b="0" dirty="0">
+                <a:solidFill>
+                  <a:srgbClr val="D4D4D4"/>
+                </a:solidFill>
+                <a:effectLst/>
+                <a:latin typeface="Consolas" panose="020B0609020204030204" pitchFamily="49" charset="0"/>
+              </a:rPr>
+              <a:t> @  a`</a:t>
+            </a:r>
+            <a:r>
+              <a:rPr lang="en-GB" sz="700" b="0" dirty="0">
                 <a:solidFill>
                   <a:srgbClr val="B5CEA8"/>
                 </a:solidFill>
                 <a:effectLst/>
                 <a:latin typeface="Consolas" panose="020B0609020204030204" pitchFamily="49" charset="0"/>
               </a:rPr>
-              <a:t>0</a:t>
-            </a:r>
-            <a:r>
-              <a:rPr lang="en-GB" sz="800" b="0" dirty="0">
-                <a:solidFill>
-                  <a:srgbClr val="D4D4D4"/>
-                </a:solidFill>
-                <a:effectLst/>
-                <a:latin typeface="Consolas" panose="020B0609020204030204" pitchFamily="49" charset="0"/>
-              </a:rPr>
-              <a:t>`</a:t>
-            </a:r>
-            <a:r>
-              <a:rPr lang="en-GB" sz="800" b="0" dirty="0">
+              <a:t>3</a:t>
+            </a:r>
+            <a:r>
+              <a:rPr lang="en-GB" sz="700" b="0" dirty="0">
+                <a:solidFill>
+                  <a:srgbClr val="D4D4D4"/>
+                </a:solidFill>
+                <a:effectLst/>
+                <a:latin typeface="Consolas" panose="020B0609020204030204" pitchFamily="49" charset="0"/>
+              </a:rPr>
+              <a:t> @  b`</a:t>
+            </a:r>
+            <a:r>
+              <a:rPr lang="en-GB" sz="700" b="0" dirty="0">
                 <a:solidFill>
                   <a:srgbClr val="B5CEA8"/>
                 </a:solidFill>
                 <a:effectLst/>
                 <a:latin typeface="Consolas" panose="020B0609020204030204" pitchFamily="49" charset="0"/>
               </a:rPr>
-              <a:t>2</a:t>
-            </a:r>
-            <a:r>
-              <a:rPr lang="en-GB" sz="800" b="0" dirty="0">
-                <a:solidFill>
-                  <a:srgbClr val="D4D4D4"/>
-                </a:solidFill>
-                <a:effectLst/>
-                <a:latin typeface="Consolas" panose="020B0609020204030204" pitchFamily="49" charset="0"/>
-              </a:rPr>
-              <a:t> @  v`</a:t>
-            </a:r>
-            <a:r>
-              <a:rPr lang="en-GB" sz="800" b="0" dirty="0">
-                <a:solidFill>
-                  <a:srgbClr val="B5CEA8"/>
-                </a:solidFill>
-                <a:effectLst/>
-                <a:latin typeface="Consolas" panose="020B0609020204030204" pitchFamily="49" charset="0"/>
-              </a:rPr>
-              <a:t>4</a:t>
-            </a:r>
-            <a:r>
-              <a:rPr lang="en-GB" sz="800" b="0" dirty="0">
+              <a:t>3</a:t>
+            </a:r>
+            <a:r>
+              <a:rPr lang="en-GB" sz="700" b="0" dirty="0">
                 <a:solidFill>
                   <a:srgbClr val="D4D4D4"/>
                 </a:solidFill>
@@ -10099,7 +10749,7 @@
               <a:t>       </a:t>
             </a:r>
             <a:r>
-              <a:rPr lang="en-GB" sz="800" b="0" dirty="0">
+              <a:rPr lang="en-GB" sz="700" b="0" dirty="0">
                 <a:solidFill>
                   <a:srgbClr val="6A9955"/>
                 </a:solidFill>
@@ -10109,16 +10759,16 @@
               <a:t>; </a:t>
             </a:r>
             <a:r>
-              <a:rPr lang="en-GB" sz="800" b="0" dirty="0" err="1">
+              <a:rPr lang="en-GB" sz="700" b="0" dirty="0" err="1">
                 <a:solidFill>
                   <a:srgbClr val="6A9955"/>
                 </a:solidFill>
                 <a:effectLst/>
                 <a:latin typeface="Consolas" panose="020B0609020204030204" pitchFamily="49" charset="0"/>
               </a:rPr>
-              <a:t>op_set</a:t>
-            </a:r>
-            <a:endParaRPr lang="en-GB" sz="800" b="0" dirty="0">
+              <a:t>op_ifge</a:t>
+            </a:r>
+            <a:endParaRPr lang="en-GB" sz="700" b="0" dirty="0">
               <a:solidFill>
                 <a:srgbClr val="D4D4D4"/>
               </a:solidFill>
@@ -10128,236 +10778,16 @@
           </a:p>
           <a:p>
             <a:r>
-              <a:rPr lang="en-GB" sz="800" b="0" dirty="0">
-                <a:solidFill>
-                  <a:srgbClr val="D4D4D4"/>
-                </a:solidFill>
-                <a:effectLst/>
-                <a:latin typeface="Consolas" panose="020B0609020204030204" pitchFamily="49" charset="0"/>
-              </a:rPr>
-              <a:t>  </a:t>
-            </a:r>
-            <a:r>
-              <a:rPr lang="en-GB" sz="800" b="0" dirty="0">
+              <a:rPr lang="en-GB" sz="700" b="0" dirty="0">
                 <a:solidFill>
                   <a:srgbClr val="569CD6"/>
                 </a:solidFill>
                 <a:effectLst/>
                 <a:latin typeface="Consolas" panose="020B0609020204030204" pitchFamily="49" charset="0"/>
               </a:rPr>
-              <a:t>{</a:t>
-            </a:r>
-            <a:r>
-              <a:rPr lang="en-GB" sz="800" b="0" dirty="0" err="1">
-                <a:solidFill>
-                  <a:srgbClr val="D4D4D4"/>
-                </a:solidFill>
-                <a:effectLst/>
-                <a:latin typeface="Consolas" panose="020B0609020204030204" pitchFamily="49" charset="0"/>
-              </a:rPr>
-              <a:t>o:sreg</a:t>
-            </a:r>
-            <a:r>
-              <a:rPr lang="en-GB" sz="800" b="0" dirty="0">
-                <a:solidFill>
-                  <a:srgbClr val="569CD6"/>
-                </a:solidFill>
-                <a:effectLst/>
-                <a:latin typeface="Consolas" panose="020B0609020204030204" pitchFamily="49" charset="0"/>
-              </a:rPr>
               <a:t>}</a:t>
             </a:r>
-            <a:r>
-              <a:rPr lang="en-GB" sz="800" b="0" dirty="0">
-                <a:solidFill>
-                  <a:srgbClr val="D4D4D4"/>
-                </a:solidFill>
-                <a:effectLst/>
-                <a:latin typeface="Consolas" panose="020B0609020204030204" pitchFamily="49" charset="0"/>
-              </a:rPr>
-              <a:t> &lt;- </a:t>
-            </a:r>
-            <a:r>
-              <a:rPr lang="en-GB" sz="800" b="0" dirty="0">
-                <a:solidFill>
-                  <a:srgbClr val="569CD6"/>
-                </a:solidFill>
-                <a:effectLst/>
-                <a:latin typeface="Consolas" panose="020B0609020204030204" pitchFamily="49" charset="0"/>
-              </a:rPr>
-              <a:t>{</a:t>
-            </a:r>
-            <a:r>
-              <a:rPr lang="en-GB" sz="800" b="0" dirty="0" err="1">
-                <a:solidFill>
-                  <a:srgbClr val="D4D4D4"/>
-                </a:solidFill>
-                <a:effectLst/>
-                <a:latin typeface="Consolas" panose="020B0609020204030204" pitchFamily="49" charset="0"/>
-              </a:rPr>
-              <a:t>a:reg</a:t>
-            </a:r>
-            <a:r>
-              <a:rPr lang="en-GB" sz="800" b="0" dirty="0">
-                <a:solidFill>
-                  <a:srgbClr val="569CD6"/>
-                </a:solidFill>
-                <a:effectLst/>
-                <a:latin typeface="Consolas" panose="020B0609020204030204" pitchFamily="49" charset="0"/>
-              </a:rPr>
-              <a:t>}</a:t>
-            </a:r>
-            <a:r>
-              <a:rPr lang="en-GB" sz="800" b="0" dirty="0">
-                <a:solidFill>
-                  <a:srgbClr val="D4D4D4"/>
-                </a:solidFill>
-                <a:effectLst/>
-                <a:latin typeface="Consolas" panose="020B0609020204030204" pitchFamily="49" charset="0"/>
-              </a:rPr>
-              <a:t>             </a:t>
-            </a:r>
-            <a:r>
-              <a:rPr lang="en-GB" sz="800" b="0" dirty="0">
-                <a:solidFill>
-                  <a:srgbClr val="569CD6"/>
-                </a:solidFill>
-                <a:effectLst/>
-                <a:latin typeface="Consolas" panose="020B0609020204030204" pitchFamily="49" charset="0"/>
-              </a:rPr>
-              <a:t>=&gt;</a:t>
-            </a:r>
-            <a:r>
-              <a:rPr lang="en-GB" sz="800" b="0" dirty="0">
-                <a:solidFill>
-                  <a:srgbClr val="D4D4D4"/>
-                </a:solidFill>
-                <a:effectLst/>
-                <a:latin typeface="Consolas" panose="020B0609020204030204" pitchFamily="49" charset="0"/>
-              </a:rPr>
-              <a:t> </a:t>
-            </a:r>
-            <a:r>
-              <a:rPr lang="en-GB" sz="800" b="0" dirty="0">
-                <a:solidFill>
-                  <a:srgbClr val="B5CEA8"/>
-                </a:solidFill>
-                <a:effectLst/>
-                <a:latin typeface="Consolas" panose="020B0609020204030204" pitchFamily="49" charset="0"/>
-              </a:rPr>
-              <a:t>0x2</a:t>
-            </a:r>
-            <a:r>
-              <a:rPr lang="en-GB" sz="800" b="0" dirty="0">
-                <a:solidFill>
-                  <a:srgbClr val="D4D4D4"/>
-                </a:solidFill>
-                <a:effectLst/>
-                <a:latin typeface="Consolas" panose="020B0609020204030204" pitchFamily="49" charset="0"/>
-              </a:rPr>
-              <a:t> @  o`</a:t>
-            </a:r>
-            <a:r>
-              <a:rPr lang="en-GB" sz="800" b="0" dirty="0">
-                <a:solidFill>
-                  <a:srgbClr val="B5CEA8"/>
-                </a:solidFill>
-                <a:effectLst/>
-                <a:latin typeface="Consolas" panose="020B0609020204030204" pitchFamily="49" charset="0"/>
-              </a:rPr>
-              <a:t>3</a:t>
-            </a:r>
-            <a:r>
-              <a:rPr lang="en-GB" sz="800" b="0" dirty="0">
-                <a:solidFill>
-                  <a:srgbClr val="D4D4D4"/>
-                </a:solidFill>
-                <a:effectLst/>
-                <a:latin typeface="Consolas" panose="020B0609020204030204" pitchFamily="49" charset="0"/>
-              </a:rPr>
-              <a:t> @  a`</a:t>
-            </a:r>
-            <a:r>
-              <a:rPr lang="en-GB" sz="800" b="0" dirty="0">
-                <a:solidFill>
-                  <a:srgbClr val="B5CEA8"/>
-                </a:solidFill>
-                <a:effectLst/>
-                <a:latin typeface="Consolas" panose="020B0609020204030204" pitchFamily="49" charset="0"/>
-              </a:rPr>
-              <a:t>3</a:t>
-            </a:r>
-            <a:r>
-              <a:rPr lang="en-GB" sz="800" b="0" dirty="0">
-                <a:solidFill>
-                  <a:srgbClr val="D4D4D4"/>
-                </a:solidFill>
-                <a:effectLst/>
-                <a:latin typeface="Consolas" panose="020B0609020204030204" pitchFamily="49" charset="0"/>
-              </a:rPr>
-              <a:t> @  </a:t>
-            </a:r>
-            <a:r>
-              <a:rPr lang="en-GB" sz="800" b="0" dirty="0">
-                <a:solidFill>
-                  <a:srgbClr val="B5CEA8"/>
-                </a:solidFill>
-                <a:effectLst/>
-                <a:latin typeface="Consolas" panose="020B0609020204030204" pitchFamily="49" charset="0"/>
-              </a:rPr>
-              <a:t>0</a:t>
-            </a:r>
-            <a:r>
-              <a:rPr lang="en-GB" sz="800" b="0" dirty="0">
-                <a:solidFill>
-                  <a:srgbClr val="D4D4D4"/>
-                </a:solidFill>
-                <a:effectLst/>
-                <a:latin typeface="Consolas" panose="020B0609020204030204" pitchFamily="49" charset="0"/>
-              </a:rPr>
-              <a:t>`</a:t>
-            </a:r>
-            <a:r>
-              <a:rPr lang="en-GB" sz="800" b="0" dirty="0">
-                <a:solidFill>
-                  <a:srgbClr val="B5CEA8"/>
-                </a:solidFill>
-                <a:effectLst/>
-                <a:latin typeface="Consolas" panose="020B0609020204030204" pitchFamily="49" charset="0"/>
-              </a:rPr>
-              <a:t>3</a:t>
-            </a:r>
-            <a:r>
-              <a:rPr lang="en-GB" sz="800" b="0" dirty="0">
-                <a:solidFill>
-                  <a:srgbClr val="D4D4D4"/>
-                </a:solidFill>
-                <a:effectLst/>
-                <a:latin typeface="Consolas" panose="020B0609020204030204" pitchFamily="49" charset="0"/>
-              </a:rPr>
-              <a:t>       </a:t>
-            </a:r>
-            <a:r>
-              <a:rPr lang="en-GB" sz="800" b="0" dirty="0">
-                <a:solidFill>
-                  <a:srgbClr val="6A9955"/>
-                </a:solidFill>
-                <a:effectLst/>
-                <a:latin typeface="Consolas" panose="020B0609020204030204" pitchFamily="49" charset="0"/>
-              </a:rPr>
-              <a:t>; </a:t>
-            </a:r>
-            <a:r>
-              <a:rPr lang="en-GB" sz="800" b="0" dirty="0" err="1">
-                <a:solidFill>
-                  <a:srgbClr val="6A9955"/>
-                </a:solidFill>
-                <a:effectLst/>
-                <a:latin typeface="Consolas" panose="020B0609020204030204" pitchFamily="49" charset="0"/>
-              </a:rPr>
-              <a:t>op_copy</a:t>
-            </a:r>
-            <a:endParaRPr lang="en-GB" sz="800" b="0" dirty="0">
+            <a:endParaRPr lang="en-GB" sz="700" b="0" dirty="0">
               <a:solidFill>
                 <a:srgbClr val="D4D4D4"/>
               </a:solidFill>
@@ -10366,257 +10796,46 @@
             </a:endParaRPr>
           </a:p>
           <a:p>
-            <a:r>
-              <a:rPr lang="en-GB" sz="800" b="0" dirty="0">
-                <a:solidFill>
-                  <a:srgbClr val="D4D4D4"/>
-                </a:solidFill>
-                <a:effectLst/>
-                <a:latin typeface="Consolas" panose="020B0609020204030204" pitchFamily="49" charset="0"/>
-              </a:rPr>
-              <a:t>  </a:t>
-            </a:r>
-            <a:r>
-              <a:rPr lang="en-GB" sz="800" b="0" dirty="0">
-                <a:solidFill>
-                  <a:srgbClr val="569CD6"/>
-                </a:solidFill>
-                <a:effectLst/>
-                <a:latin typeface="Consolas" panose="020B0609020204030204" pitchFamily="49" charset="0"/>
-              </a:rPr>
-              <a:t>{</a:t>
-            </a:r>
-            <a:r>
-              <a:rPr lang="en-GB" sz="800" b="0" dirty="0" err="1">
-                <a:solidFill>
-                  <a:srgbClr val="D4D4D4"/>
-                </a:solidFill>
-                <a:effectLst/>
-                <a:latin typeface="Consolas" panose="020B0609020204030204" pitchFamily="49" charset="0"/>
-              </a:rPr>
-              <a:t>o:sreg</a:t>
-            </a:r>
-            <a:r>
-              <a:rPr lang="en-GB" sz="800" b="0" dirty="0">
-                <a:solidFill>
-                  <a:srgbClr val="569CD6"/>
-                </a:solidFill>
-                <a:effectLst/>
-                <a:latin typeface="Consolas" panose="020B0609020204030204" pitchFamily="49" charset="0"/>
-              </a:rPr>
-              <a:t>}</a:t>
-            </a:r>
-            <a:r>
-              <a:rPr lang="en-GB" sz="800" b="0" dirty="0">
-                <a:solidFill>
-                  <a:srgbClr val="D4D4D4"/>
-                </a:solidFill>
-                <a:effectLst/>
-                <a:latin typeface="Consolas" panose="020B0609020204030204" pitchFamily="49" charset="0"/>
-              </a:rPr>
-              <a:t> &lt;- </a:t>
-            </a:r>
-            <a:r>
-              <a:rPr lang="en-GB" sz="800" b="0" dirty="0">
-                <a:solidFill>
-                  <a:srgbClr val="569CD6"/>
-                </a:solidFill>
-                <a:effectLst/>
-                <a:latin typeface="Consolas" panose="020B0609020204030204" pitchFamily="49" charset="0"/>
-              </a:rPr>
-              <a:t>{</a:t>
-            </a:r>
-            <a:r>
-              <a:rPr lang="en-GB" sz="800" b="0" dirty="0" err="1">
-                <a:solidFill>
-                  <a:srgbClr val="D4D4D4"/>
-                </a:solidFill>
-                <a:effectLst/>
-                <a:latin typeface="Consolas" panose="020B0609020204030204" pitchFamily="49" charset="0"/>
-              </a:rPr>
-              <a:t>a:reg</a:t>
-            </a:r>
-            <a:r>
-              <a:rPr lang="en-GB" sz="800" b="0" dirty="0">
-                <a:solidFill>
-                  <a:srgbClr val="569CD6"/>
-                </a:solidFill>
-                <a:effectLst/>
-                <a:latin typeface="Consolas" panose="020B0609020204030204" pitchFamily="49" charset="0"/>
-              </a:rPr>
-              <a:t>}</a:t>
-            </a:r>
-            <a:r>
-              <a:rPr lang="en-GB" sz="800" b="0" dirty="0">
-                <a:solidFill>
-                  <a:srgbClr val="D4D4D4"/>
-                </a:solidFill>
-                <a:effectLst/>
-                <a:latin typeface="Consolas" panose="020B0609020204030204" pitchFamily="49" charset="0"/>
-              </a:rPr>
-              <a:t> and </a:t>
-            </a:r>
-            <a:r>
-              <a:rPr lang="en-GB" sz="800" b="0" dirty="0">
-                <a:solidFill>
-                  <a:srgbClr val="569CD6"/>
-                </a:solidFill>
-                <a:effectLst/>
-                <a:latin typeface="Consolas" panose="020B0609020204030204" pitchFamily="49" charset="0"/>
-              </a:rPr>
-              <a:t>{</a:t>
-            </a:r>
-            <a:r>
-              <a:rPr lang="en-GB" sz="800" b="0" dirty="0" err="1">
-                <a:solidFill>
-                  <a:srgbClr val="D4D4D4"/>
-                </a:solidFill>
-                <a:effectLst/>
-                <a:latin typeface="Consolas" panose="020B0609020204030204" pitchFamily="49" charset="0"/>
-              </a:rPr>
-              <a:t>b:reg</a:t>
-            </a:r>
-            <a:r>
-              <a:rPr lang="en-GB" sz="800" b="0" dirty="0">
-                <a:solidFill>
-                  <a:srgbClr val="569CD6"/>
-                </a:solidFill>
-                <a:effectLst/>
-                <a:latin typeface="Consolas" panose="020B0609020204030204" pitchFamily="49" charset="0"/>
-              </a:rPr>
-              <a:t>}</a:t>
-            </a:r>
-            <a:r>
-              <a:rPr lang="en-GB" sz="800" b="0" dirty="0">
-                <a:solidFill>
-                  <a:srgbClr val="D4D4D4"/>
-                </a:solidFill>
-                <a:effectLst/>
-                <a:latin typeface="Consolas" panose="020B0609020204030204" pitchFamily="49" charset="0"/>
-              </a:rPr>
-              <a:t> </a:t>
-            </a:r>
-            <a:r>
-              <a:rPr lang="en-GB" sz="800" b="0" dirty="0">
-                <a:solidFill>
-                  <a:srgbClr val="569CD6"/>
-                </a:solidFill>
-                <a:effectLst/>
-                <a:latin typeface="Consolas" panose="020B0609020204030204" pitchFamily="49" charset="0"/>
-              </a:rPr>
-              <a:t>=&gt;</a:t>
-            </a:r>
-            <a:r>
-              <a:rPr lang="en-GB" sz="800" b="0" dirty="0">
-                <a:solidFill>
-                  <a:srgbClr val="D4D4D4"/>
-                </a:solidFill>
-                <a:effectLst/>
-                <a:latin typeface="Consolas" panose="020B0609020204030204" pitchFamily="49" charset="0"/>
-              </a:rPr>
-              <a:t> </a:t>
-            </a:r>
-            <a:r>
-              <a:rPr lang="en-GB" sz="800" b="0" dirty="0">
-                <a:solidFill>
-                  <a:srgbClr val="B5CEA8"/>
-                </a:solidFill>
-                <a:effectLst/>
-                <a:latin typeface="Consolas" panose="020B0609020204030204" pitchFamily="49" charset="0"/>
-              </a:rPr>
-              <a:t>0x3</a:t>
-            </a:r>
-            <a:r>
-              <a:rPr lang="en-GB" sz="800" b="0" dirty="0">
-                <a:solidFill>
-                  <a:srgbClr val="D4D4D4"/>
-                </a:solidFill>
-                <a:effectLst/>
-                <a:latin typeface="Consolas" panose="020B0609020204030204" pitchFamily="49" charset="0"/>
-              </a:rPr>
-              <a:t> @  o`</a:t>
-            </a:r>
-            <a:r>
-              <a:rPr lang="en-GB" sz="800" b="0" dirty="0">
-                <a:solidFill>
-                  <a:srgbClr val="B5CEA8"/>
-                </a:solidFill>
-                <a:effectLst/>
-                <a:latin typeface="Consolas" panose="020B0609020204030204" pitchFamily="49" charset="0"/>
-              </a:rPr>
-              <a:t>3</a:t>
-            </a:r>
-            <a:r>
-              <a:rPr lang="en-GB" sz="800" b="0" dirty="0">
-                <a:solidFill>
-                  <a:srgbClr val="D4D4D4"/>
-                </a:solidFill>
-                <a:effectLst/>
-                <a:latin typeface="Consolas" panose="020B0609020204030204" pitchFamily="49" charset="0"/>
-              </a:rPr>
-              <a:t> @  a`</a:t>
-            </a:r>
-            <a:r>
-              <a:rPr lang="en-GB" sz="800" b="0" dirty="0">
-                <a:solidFill>
-                  <a:srgbClr val="B5CEA8"/>
-                </a:solidFill>
-                <a:effectLst/>
-                <a:latin typeface="Consolas" panose="020B0609020204030204" pitchFamily="49" charset="0"/>
-              </a:rPr>
-              <a:t>3</a:t>
-            </a:r>
-            <a:r>
-              <a:rPr lang="en-GB" sz="800" b="0" dirty="0">
-                <a:solidFill>
-                  <a:srgbClr val="D4D4D4"/>
-                </a:solidFill>
-                <a:effectLst/>
-                <a:latin typeface="Consolas" panose="020B0609020204030204" pitchFamily="49" charset="0"/>
-              </a:rPr>
-              <a:t> @  b`</a:t>
-            </a:r>
-            <a:r>
-              <a:rPr lang="en-GB" sz="800" b="0" dirty="0">
-                <a:solidFill>
-                  <a:srgbClr val="B5CEA8"/>
-                </a:solidFill>
-                <a:effectLst/>
-                <a:latin typeface="Consolas" panose="020B0609020204030204" pitchFamily="49" charset="0"/>
-              </a:rPr>
-              <a:t>3</a:t>
-            </a:r>
-            <a:r>
-              <a:rPr lang="en-GB" sz="800" b="0" dirty="0">
-                <a:solidFill>
-                  <a:srgbClr val="D4D4D4"/>
-                </a:solidFill>
-                <a:effectLst/>
-                <a:latin typeface="Consolas" panose="020B0609020204030204" pitchFamily="49" charset="0"/>
-              </a:rPr>
-              <a:t>       </a:t>
-            </a:r>
-            <a:r>
-              <a:rPr lang="en-GB" sz="800" b="0" dirty="0">
+            <a:br>
+              <a:rPr lang="en-GB" sz="700" b="0" dirty="0">
+                <a:solidFill>
+                  <a:srgbClr val="D4D4D4"/>
+                </a:solidFill>
+                <a:effectLst/>
+                <a:latin typeface="Consolas" panose="020B0609020204030204" pitchFamily="49" charset="0"/>
+              </a:rPr>
+            </a:br>
+            <a:r>
+              <a:rPr lang="en-GB" sz="700" b="0" dirty="0">
                 <a:solidFill>
                   <a:srgbClr val="6A9955"/>
                 </a:solidFill>
                 <a:effectLst/>
                 <a:latin typeface="Consolas" panose="020B0609020204030204" pitchFamily="49" charset="0"/>
               </a:rPr>
-              <a:t>; </a:t>
-            </a:r>
-            <a:r>
-              <a:rPr lang="en-GB" sz="800" b="0" dirty="0" err="1">
+              <a:t>; In general: o = </a:t>
+            </a:r>
+            <a:r>
+              <a:rPr lang="en-GB" sz="700" b="0" dirty="0" err="1">
                 <a:solidFill>
                   <a:srgbClr val="6A9955"/>
                 </a:solidFill>
                 <a:effectLst/>
                 <a:latin typeface="Consolas" panose="020B0609020204030204" pitchFamily="49" charset="0"/>
               </a:rPr>
-              <a:t>op_and</a:t>
-            </a:r>
-            <a:endParaRPr lang="en-GB" sz="800" b="0" dirty="0">
+              <a:t>fn</a:t>
+            </a:r>
+            <a:r>
+              <a:rPr lang="en-GB" sz="700" b="0" dirty="0">
+                <a:solidFill>
+                  <a:srgbClr val="6A9955"/>
+                </a:solidFill>
+                <a:effectLst/>
+                <a:latin typeface="Consolas" panose="020B0609020204030204" pitchFamily="49" charset="0"/>
+              </a:rPr>
+              <a:t>(a, b)</a:t>
+            </a:r>
+            <a:endParaRPr lang="en-GB" sz="700" b="0" dirty="0">
               <a:solidFill>
                 <a:srgbClr val="D4D4D4"/>
               </a:solidFill>
@@ -10626,256 +10845,16 @@
           </a:p>
           <a:p>
             <a:r>
-              <a:rPr lang="en-GB" sz="800" b="0" dirty="0">
-                <a:solidFill>
-                  <a:srgbClr val="D4D4D4"/>
-                </a:solidFill>
-                <a:effectLst/>
-                <a:latin typeface="Consolas" panose="020B0609020204030204" pitchFamily="49" charset="0"/>
-              </a:rPr>
-              <a:t>  </a:t>
-            </a:r>
-            <a:r>
-              <a:rPr lang="en-GB" sz="800" b="0" dirty="0">
-                <a:solidFill>
-                  <a:srgbClr val="569CD6"/>
-                </a:solidFill>
-                <a:effectLst/>
-                <a:latin typeface="Consolas" panose="020B0609020204030204" pitchFamily="49" charset="0"/>
-              </a:rPr>
-              <a:t>{</a:t>
-            </a:r>
-            <a:r>
-              <a:rPr lang="en-GB" sz="800" b="0" dirty="0" err="1">
-                <a:solidFill>
-                  <a:srgbClr val="D4D4D4"/>
-                </a:solidFill>
-                <a:effectLst/>
-                <a:latin typeface="Consolas" panose="020B0609020204030204" pitchFamily="49" charset="0"/>
-              </a:rPr>
-              <a:t>o:sreg</a:t>
-            </a:r>
-            <a:r>
-              <a:rPr lang="en-GB" sz="800" b="0" dirty="0">
-                <a:solidFill>
-                  <a:srgbClr val="569CD6"/>
-                </a:solidFill>
-                <a:effectLst/>
-                <a:latin typeface="Consolas" panose="020B0609020204030204" pitchFamily="49" charset="0"/>
-              </a:rPr>
-              <a:t>}</a:t>
-            </a:r>
-            <a:r>
-              <a:rPr lang="en-GB" sz="800" b="0" dirty="0">
-                <a:solidFill>
-                  <a:srgbClr val="D4D4D4"/>
-                </a:solidFill>
-                <a:effectLst/>
-                <a:latin typeface="Consolas" panose="020B0609020204030204" pitchFamily="49" charset="0"/>
-              </a:rPr>
-              <a:t> &lt;- </a:t>
-            </a:r>
-            <a:r>
-              <a:rPr lang="en-GB" sz="800" b="0" dirty="0">
-                <a:solidFill>
-                  <a:srgbClr val="569CD6"/>
-                </a:solidFill>
-                <a:effectLst/>
-                <a:latin typeface="Consolas" panose="020B0609020204030204" pitchFamily="49" charset="0"/>
-              </a:rPr>
-              <a:t>{</a:t>
-            </a:r>
-            <a:r>
-              <a:rPr lang="en-GB" sz="800" b="0" dirty="0" err="1">
-                <a:solidFill>
-                  <a:srgbClr val="D4D4D4"/>
-                </a:solidFill>
-                <a:effectLst/>
-                <a:latin typeface="Consolas" panose="020B0609020204030204" pitchFamily="49" charset="0"/>
-              </a:rPr>
-              <a:t>a:reg</a:t>
-            </a:r>
-            <a:r>
-              <a:rPr lang="en-GB" sz="800" b="0" dirty="0">
-                <a:solidFill>
-                  <a:srgbClr val="569CD6"/>
-                </a:solidFill>
-                <a:effectLst/>
-                <a:latin typeface="Consolas" panose="020B0609020204030204" pitchFamily="49" charset="0"/>
-              </a:rPr>
-              <a:t>}</a:t>
-            </a:r>
-            <a:r>
-              <a:rPr lang="en-GB" sz="800" b="0" dirty="0">
-                <a:solidFill>
-                  <a:srgbClr val="D4D4D4"/>
-                </a:solidFill>
-                <a:effectLst/>
-                <a:latin typeface="Consolas" panose="020B0609020204030204" pitchFamily="49" charset="0"/>
-              </a:rPr>
-              <a:t> or  </a:t>
-            </a:r>
-            <a:r>
-              <a:rPr lang="en-GB" sz="800" b="0" dirty="0">
-                <a:solidFill>
-                  <a:srgbClr val="569CD6"/>
-                </a:solidFill>
-                <a:effectLst/>
-                <a:latin typeface="Consolas" panose="020B0609020204030204" pitchFamily="49" charset="0"/>
-              </a:rPr>
-              <a:t>{</a:t>
-            </a:r>
-            <a:r>
-              <a:rPr lang="en-GB" sz="800" b="0" dirty="0" err="1">
-                <a:solidFill>
-                  <a:srgbClr val="D4D4D4"/>
-                </a:solidFill>
-                <a:effectLst/>
-                <a:latin typeface="Consolas" panose="020B0609020204030204" pitchFamily="49" charset="0"/>
-              </a:rPr>
-              <a:t>b:reg</a:t>
-            </a:r>
-            <a:r>
-              <a:rPr lang="en-GB" sz="800" b="0" dirty="0">
-                <a:solidFill>
-                  <a:srgbClr val="569CD6"/>
-                </a:solidFill>
-                <a:effectLst/>
-                <a:latin typeface="Consolas" panose="020B0609020204030204" pitchFamily="49" charset="0"/>
-              </a:rPr>
-              <a:t>}</a:t>
-            </a:r>
-            <a:r>
-              <a:rPr lang="en-GB" sz="800" b="0" dirty="0">
-                <a:solidFill>
-                  <a:srgbClr val="D4D4D4"/>
-                </a:solidFill>
-                <a:effectLst/>
-                <a:latin typeface="Consolas" panose="020B0609020204030204" pitchFamily="49" charset="0"/>
-              </a:rPr>
-              <a:t> </a:t>
-            </a:r>
-            <a:r>
-              <a:rPr lang="en-GB" sz="800" b="0" dirty="0">
-                <a:solidFill>
-                  <a:srgbClr val="569CD6"/>
-                </a:solidFill>
-                <a:effectLst/>
-                <a:latin typeface="Consolas" panose="020B0609020204030204" pitchFamily="49" charset="0"/>
-              </a:rPr>
-              <a:t>=&gt;</a:t>
-            </a:r>
-            <a:r>
-              <a:rPr lang="en-GB" sz="800" b="0" dirty="0">
-                <a:solidFill>
-                  <a:srgbClr val="D4D4D4"/>
-                </a:solidFill>
-                <a:effectLst/>
-                <a:latin typeface="Consolas" panose="020B0609020204030204" pitchFamily="49" charset="0"/>
-              </a:rPr>
-              <a:t> </a:t>
-            </a:r>
-            <a:r>
-              <a:rPr lang="en-GB" sz="800" b="0" dirty="0">
-                <a:solidFill>
-                  <a:srgbClr val="B5CEA8"/>
-                </a:solidFill>
-                <a:effectLst/>
-                <a:latin typeface="Consolas" panose="020B0609020204030204" pitchFamily="49" charset="0"/>
-              </a:rPr>
-              <a:t>0x4</a:t>
-            </a:r>
-            <a:r>
-              <a:rPr lang="en-GB" sz="800" b="0" dirty="0">
-                <a:solidFill>
-                  <a:srgbClr val="D4D4D4"/>
-                </a:solidFill>
-                <a:effectLst/>
-                <a:latin typeface="Consolas" panose="020B0609020204030204" pitchFamily="49" charset="0"/>
-              </a:rPr>
-              <a:t> @  o`</a:t>
-            </a:r>
-            <a:r>
-              <a:rPr lang="en-GB" sz="800" b="0" dirty="0">
-                <a:solidFill>
-                  <a:srgbClr val="B5CEA8"/>
-                </a:solidFill>
-                <a:effectLst/>
-                <a:latin typeface="Consolas" panose="020B0609020204030204" pitchFamily="49" charset="0"/>
-              </a:rPr>
-              <a:t>3</a:t>
-            </a:r>
-            <a:r>
-              <a:rPr lang="en-GB" sz="800" b="0" dirty="0">
-                <a:solidFill>
-                  <a:srgbClr val="D4D4D4"/>
-                </a:solidFill>
-                <a:effectLst/>
-                <a:latin typeface="Consolas" panose="020B0609020204030204" pitchFamily="49" charset="0"/>
-              </a:rPr>
-              <a:t> @  a`</a:t>
-            </a:r>
-            <a:r>
-              <a:rPr lang="en-GB" sz="800" b="0" dirty="0">
-                <a:solidFill>
-                  <a:srgbClr val="B5CEA8"/>
-                </a:solidFill>
-                <a:effectLst/>
-                <a:latin typeface="Consolas" panose="020B0609020204030204" pitchFamily="49" charset="0"/>
-              </a:rPr>
-              <a:t>3</a:t>
-            </a:r>
-            <a:r>
-              <a:rPr lang="en-GB" sz="800" b="0" dirty="0">
-                <a:solidFill>
-                  <a:srgbClr val="D4D4D4"/>
-                </a:solidFill>
-                <a:effectLst/>
-                <a:latin typeface="Consolas" panose="020B0609020204030204" pitchFamily="49" charset="0"/>
-              </a:rPr>
-              <a:t> @  b`</a:t>
-            </a:r>
-            <a:r>
-              <a:rPr lang="en-GB" sz="800" b="0" dirty="0">
-                <a:solidFill>
-                  <a:srgbClr val="B5CEA8"/>
-                </a:solidFill>
-                <a:effectLst/>
-                <a:latin typeface="Consolas" panose="020B0609020204030204" pitchFamily="49" charset="0"/>
-              </a:rPr>
-              <a:t>3</a:t>
-            </a:r>
-            <a:r>
-              <a:rPr lang="en-GB" sz="800" b="0" dirty="0">
-                <a:solidFill>
-                  <a:srgbClr val="D4D4D4"/>
-                </a:solidFill>
-                <a:effectLst/>
-                <a:latin typeface="Consolas" panose="020B0609020204030204" pitchFamily="49" charset="0"/>
-              </a:rPr>
-              <a:t>       </a:t>
-            </a:r>
-            <a:r>
-              <a:rPr lang="en-GB" sz="800" b="0" dirty="0">
+              <a:rPr lang="en-GB" sz="700" b="0" dirty="0">
                 <a:solidFill>
                   <a:srgbClr val="6A9955"/>
                 </a:solidFill>
                 <a:effectLst/>
                 <a:latin typeface="Consolas" panose="020B0609020204030204" pitchFamily="49" charset="0"/>
               </a:rPr>
-              <a:t>; </a:t>
-            </a:r>
-            <a:r>
-              <a:rPr lang="en-GB" sz="800" b="0" dirty="0" err="1">
-                <a:solidFill>
-                  <a:srgbClr val="6A9955"/>
-                </a:solidFill>
-                <a:effectLst/>
-                <a:latin typeface="Consolas" panose="020B0609020204030204" pitchFamily="49" charset="0"/>
-              </a:rPr>
-              <a:t>op_or</a:t>
-            </a:r>
-            <a:endParaRPr lang="en-GB" sz="800" b="0" dirty="0">
+              <a:t>;</a:t>
+            </a:r>
+            <a:endParaRPr lang="en-GB" sz="700" b="0" dirty="0">
               <a:solidFill>
                 <a:srgbClr val="D4D4D4"/>
               </a:solidFill>
@@ -10885,236 +10864,36 @@
           </a:p>
           <a:p>
             <a:r>
-              <a:rPr lang="en-GB" sz="800" b="0" dirty="0">
-                <a:solidFill>
-                  <a:srgbClr val="D4D4D4"/>
-                </a:solidFill>
-                <a:effectLst/>
-                <a:latin typeface="Consolas" panose="020B0609020204030204" pitchFamily="49" charset="0"/>
-              </a:rPr>
-              <a:t>  </a:t>
-            </a:r>
-            <a:r>
-              <a:rPr lang="en-GB" sz="800" b="0" dirty="0">
+              <a:rPr lang="en-GB" sz="700" b="0" dirty="0">
                 <a:solidFill>
                   <a:srgbClr val="569CD6"/>
                 </a:solidFill>
                 <a:effectLst/>
                 <a:latin typeface="Consolas" panose="020B0609020204030204" pitchFamily="49" charset="0"/>
               </a:rPr>
-              <a:t>{</a:t>
-            </a:r>
-            <a:r>
-              <a:rPr lang="en-GB" sz="800" b="0" dirty="0" err="1">
-                <a:solidFill>
-                  <a:srgbClr val="D4D4D4"/>
-                </a:solidFill>
-                <a:effectLst/>
-                <a:latin typeface="Consolas" panose="020B0609020204030204" pitchFamily="49" charset="0"/>
-              </a:rPr>
-              <a:t>o:sreg</a:t>
-            </a:r>
-            <a:r>
-              <a:rPr lang="en-GB" sz="800" b="0" dirty="0">
-                <a:solidFill>
-                  <a:srgbClr val="569CD6"/>
-                </a:solidFill>
-                <a:effectLst/>
-                <a:latin typeface="Consolas" panose="020B0609020204030204" pitchFamily="49" charset="0"/>
-              </a:rPr>
-              <a:t>}</a:t>
-            </a:r>
-            <a:r>
-              <a:rPr lang="en-GB" sz="800" b="0" dirty="0">
-                <a:solidFill>
-                  <a:srgbClr val="D4D4D4"/>
-                </a:solidFill>
-                <a:effectLst/>
-                <a:latin typeface="Consolas" panose="020B0609020204030204" pitchFamily="49" charset="0"/>
-              </a:rPr>
-              <a:t> &lt;- not </a:t>
-            </a:r>
-            <a:r>
-              <a:rPr lang="en-GB" sz="800" b="0" dirty="0">
-                <a:solidFill>
-                  <a:srgbClr val="569CD6"/>
-                </a:solidFill>
-                <a:effectLst/>
-                <a:latin typeface="Consolas" panose="020B0609020204030204" pitchFamily="49" charset="0"/>
-              </a:rPr>
-              <a:t>{</a:t>
-            </a:r>
-            <a:r>
-              <a:rPr lang="en-GB" sz="800" b="0" dirty="0" err="1">
-                <a:solidFill>
-                  <a:srgbClr val="D4D4D4"/>
-                </a:solidFill>
-                <a:effectLst/>
-                <a:latin typeface="Consolas" panose="020B0609020204030204" pitchFamily="49" charset="0"/>
-              </a:rPr>
-              <a:t>a:reg</a:t>
-            </a:r>
-            <a:r>
-              <a:rPr lang="en-GB" sz="800" b="0" dirty="0">
-                <a:solidFill>
-                  <a:srgbClr val="569CD6"/>
-                </a:solidFill>
-                <a:effectLst/>
-                <a:latin typeface="Consolas" panose="020B0609020204030204" pitchFamily="49" charset="0"/>
-              </a:rPr>
-              <a:t>}</a:t>
-            </a:r>
-            <a:r>
-              <a:rPr lang="en-GB" sz="800" b="0" dirty="0">
-                <a:solidFill>
-                  <a:srgbClr val="D4D4D4"/>
-                </a:solidFill>
-                <a:effectLst/>
-                <a:latin typeface="Consolas" panose="020B0609020204030204" pitchFamily="49" charset="0"/>
-              </a:rPr>
-              <a:t>         </a:t>
-            </a:r>
-            <a:r>
-              <a:rPr lang="en-GB" sz="800" b="0" dirty="0">
-                <a:solidFill>
-                  <a:srgbClr val="569CD6"/>
-                </a:solidFill>
-                <a:effectLst/>
-                <a:latin typeface="Consolas" panose="020B0609020204030204" pitchFamily="49" charset="0"/>
-              </a:rPr>
-              <a:t>=&gt;</a:t>
-            </a:r>
-            <a:r>
-              <a:rPr lang="en-GB" sz="800" b="0" dirty="0">
-                <a:solidFill>
-                  <a:srgbClr val="D4D4D4"/>
-                </a:solidFill>
-                <a:effectLst/>
-                <a:latin typeface="Consolas" panose="020B0609020204030204" pitchFamily="49" charset="0"/>
-              </a:rPr>
-              <a:t> </a:t>
-            </a:r>
-            <a:r>
-              <a:rPr lang="en-GB" sz="800" b="0" dirty="0">
-                <a:solidFill>
-                  <a:srgbClr val="B5CEA8"/>
-                </a:solidFill>
-                <a:effectLst/>
-                <a:latin typeface="Consolas" panose="020B0609020204030204" pitchFamily="49" charset="0"/>
-              </a:rPr>
-              <a:t>0x5</a:t>
-            </a:r>
-            <a:r>
-              <a:rPr lang="en-GB" sz="800" b="0" dirty="0">
-                <a:solidFill>
-                  <a:srgbClr val="D4D4D4"/>
-                </a:solidFill>
-                <a:effectLst/>
-                <a:latin typeface="Consolas" panose="020B0609020204030204" pitchFamily="49" charset="0"/>
-              </a:rPr>
-              <a:t> @  o`</a:t>
-            </a:r>
-            <a:r>
-              <a:rPr lang="en-GB" sz="800" b="0" dirty="0">
-                <a:solidFill>
-                  <a:srgbClr val="B5CEA8"/>
-                </a:solidFill>
-                <a:effectLst/>
-                <a:latin typeface="Consolas" panose="020B0609020204030204" pitchFamily="49" charset="0"/>
-              </a:rPr>
-              <a:t>3</a:t>
-            </a:r>
-            <a:r>
-              <a:rPr lang="en-GB" sz="800" b="0" dirty="0">
-                <a:solidFill>
-                  <a:srgbClr val="D4D4D4"/>
-                </a:solidFill>
-                <a:effectLst/>
-                <a:latin typeface="Consolas" panose="020B0609020204030204" pitchFamily="49" charset="0"/>
-              </a:rPr>
-              <a:t> @  a`</a:t>
-            </a:r>
-            <a:r>
-              <a:rPr lang="en-GB" sz="800" b="0" dirty="0">
-                <a:solidFill>
-                  <a:srgbClr val="B5CEA8"/>
-                </a:solidFill>
-                <a:effectLst/>
-                <a:latin typeface="Consolas" panose="020B0609020204030204" pitchFamily="49" charset="0"/>
-              </a:rPr>
-              <a:t>3</a:t>
-            </a:r>
-            <a:r>
-              <a:rPr lang="en-GB" sz="800" b="0" dirty="0">
-                <a:solidFill>
-                  <a:srgbClr val="D4D4D4"/>
-                </a:solidFill>
-                <a:effectLst/>
-                <a:latin typeface="Consolas" panose="020B0609020204030204" pitchFamily="49" charset="0"/>
-              </a:rPr>
-              <a:t> @  </a:t>
-            </a:r>
-            <a:r>
-              <a:rPr lang="en-GB" sz="800" b="0" dirty="0">
-                <a:solidFill>
-                  <a:srgbClr val="B5CEA8"/>
-                </a:solidFill>
-                <a:effectLst/>
-                <a:latin typeface="Consolas" panose="020B0609020204030204" pitchFamily="49" charset="0"/>
-              </a:rPr>
-              <a:t>0</a:t>
-            </a:r>
-            <a:r>
-              <a:rPr lang="en-GB" sz="800" b="0" dirty="0">
-                <a:solidFill>
-                  <a:srgbClr val="D4D4D4"/>
-                </a:solidFill>
-                <a:effectLst/>
-                <a:latin typeface="Consolas" panose="020B0609020204030204" pitchFamily="49" charset="0"/>
-              </a:rPr>
-              <a:t>`</a:t>
-            </a:r>
-            <a:r>
-              <a:rPr lang="en-GB" sz="800" b="0" dirty="0">
-                <a:solidFill>
-                  <a:srgbClr val="B5CEA8"/>
-                </a:solidFill>
-                <a:effectLst/>
-                <a:latin typeface="Consolas" panose="020B0609020204030204" pitchFamily="49" charset="0"/>
-              </a:rPr>
-              <a:t>3</a:t>
-            </a:r>
-            <a:r>
-              <a:rPr lang="en-GB" sz="800" b="0" dirty="0">
-                <a:solidFill>
-                  <a:srgbClr val="D4D4D4"/>
-                </a:solidFill>
-                <a:effectLst/>
-                <a:latin typeface="Consolas" panose="020B0609020204030204" pitchFamily="49" charset="0"/>
-              </a:rPr>
-              <a:t>       </a:t>
-            </a:r>
-            <a:r>
-              <a:rPr lang="en-GB" sz="800" b="0" dirty="0">
+              <a:t>#ruledef</a:t>
+            </a:r>
+            <a:r>
+              <a:rPr lang="en-GB" sz="700" b="0" dirty="0">
+                <a:solidFill>
+                  <a:srgbClr val="D4D4D4"/>
+                </a:solidFill>
+                <a:effectLst/>
+                <a:latin typeface="Consolas" panose="020B0609020204030204" pitchFamily="49" charset="0"/>
+              </a:rPr>
+              <a:t>                            </a:t>
+            </a:r>
+            <a:r>
+              <a:rPr lang="en-GB" sz="700" b="0" dirty="0">
                 <a:solidFill>
                   <a:srgbClr val="6A9955"/>
                 </a:solidFill>
                 <a:effectLst/>
                 <a:latin typeface="Consolas" panose="020B0609020204030204" pitchFamily="49" charset="0"/>
               </a:rPr>
-              <a:t>; </a:t>
-            </a:r>
-            <a:r>
-              <a:rPr lang="en-GB" sz="800" b="0" dirty="0" err="1">
-                <a:solidFill>
-                  <a:srgbClr val="6A9955"/>
-                </a:solidFill>
-                <a:effectLst/>
-                <a:latin typeface="Consolas" panose="020B0609020204030204" pitchFamily="49" charset="0"/>
-              </a:rPr>
-              <a:t>op_not</a:t>
-            </a:r>
-            <a:endParaRPr lang="en-GB" sz="800" b="0" dirty="0">
+              <a:t>;      VHDL references</a:t>
+            </a:r>
+            <a:endParaRPr lang="en-GB" sz="700" b="0" dirty="0">
               <a:solidFill>
                 <a:srgbClr val="D4D4D4"/>
               </a:solidFill>
@@ -11124,17 +10903,7 @@
           </a:p>
           <a:p>
             <a:r>
-              <a:rPr lang="en-GB" sz="800" b="0" dirty="0">
-                <a:solidFill>
-                  <a:srgbClr val="D4D4D4"/>
-                </a:solidFill>
-                <a:effectLst/>
-                <a:latin typeface="Consolas" panose="020B0609020204030204" pitchFamily="49" charset="0"/>
-              </a:rPr>
-              <a:t>  </a:t>
-            </a:r>
-            <a:r>
-              <a:rPr lang="en-GB" sz="800" b="0" dirty="0">
+              <a:rPr lang="en-GB" sz="700" b="0" dirty="0">
                 <a:solidFill>
                   <a:srgbClr val="569CD6"/>
                 </a:solidFill>
@@ -11144,236 +10913,46 @@
               <a:t>{</a:t>
             </a:r>
             <a:r>
-              <a:rPr lang="en-GB" sz="800" b="0" dirty="0" err="1">
-                <a:solidFill>
-                  <a:srgbClr val="D4D4D4"/>
-                </a:solidFill>
-                <a:effectLst/>
-                <a:latin typeface="Consolas" panose="020B0609020204030204" pitchFamily="49" charset="0"/>
-              </a:rPr>
-              <a:t>o:sreg</a:t>
-            </a:r>
-            <a:r>
-              <a:rPr lang="en-GB" sz="800" b="0" dirty="0">
-                <a:solidFill>
-                  <a:srgbClr val="569CD6"/>
-                </a:solidFill>
-                <a:effectLst/>
-                <a:latin typeface="Consolas" panose="020B0609020204030204" pitchFamily="49" charset="0"/>
-              </a:rPr>
-              <a:t>}</a:t>
-            </a:r>
-            <a:r>
-              <a:rPr lang="en-GB" sz="800" b="0" dirty="0">
-                <a:solidFill>
-                  <a:srgbClr val="D4D4D4"/>
-                </a:solidFill>
-                <a:effectLst/>
-                <a:latin typeface="Consolas" panose="020B0609020204030204" pitchFamily="49" charset="0"/>
-              </a:rPr>
-              <a:t> &lt;- </a:t>
-            </a:r>
-            <a:r>
-              <a:rPr lang="en-GB" sz="800" b="0" dirty="0">
-                <a:solidFill>
-                  <a:srgbClr val="569CD6"/>
-                </a:solidFill>
-                <a:effectLst/>
-                <a:latin typeface="Consolas" panose="020B0609020204030204" pitchFamily="49" charset="0"/>
-              </a:rPr>
-              <a:t>{</a:t>
-            </a:r>
-            <a:r>
-              <a:rPr lang="en-GB" sz="800" b="0" dirty="0" err="1">
-                <a:solidFill>
-                  <a:srgbClr val="D4D4D4"/>
-                </a:solidFill>
-                <a:effectLst/>
-                <a:latin typeface="Consolas" panose="020B0609020204030204" pitchFamily="49" charset="0"/>
-              </a:rPr>
-              <a:t>a:reg</a:t>
-            </a:r>
-            <a:r>
-              <a:rPr lang="en-GB" sz="800" b="0" dirty="0">
-                <a:solidFill>
-                  <a:srgbClr val="569CD6"/>
-                </a:solidFill>
-                <a:effectLst/>
-                <a:latin typeface="Consolas" panose="020B0609020204030204" pitchFamily="49" charset="0"/>
-              </a:rPr>
-              <a:t>}</a:t>
-            </a:r>
-            <a:r>
-              <a:rPr lang="en-GB" sz="800" b="0" dirty="0">
-                <a:solidFill>
-                  <a:srgbClr val="D4D4D4"/>
-                </a:solidFill>
-                <a:effectLst/>
-                <a:latin typeface="Consolas" panose="020B0609020204030204" pitchFamily="49" charset="0"/>
-              </a:rPr>
-              <a:t>  +  </a:t>
-            </a:r>
-            <a:r>
-              <a:rPr lang="en-GB" sz="800" b="0" dirty="0">
-                <a:solidFill>
-                  <a:srgbClr val="569CD6"/>
-                </a:solidFill>
-                <a:effectLst/>
-                <a:latin typeface="Consolas" panose="020B0609020204030204" pitchFamily="49" charset="0"/>
-              </a:rPr>
-              <a:t>{</a:t>
-            </a:r>
-            <a:r>
-              <a:rPr lang="en-GB" sz="800" b="0" dirty="0" err="1">
-                <a:solidFill>
-                  <a:srgbClr val="D4D4D4"/>
-                </a:solidFill>
-                <a:effectLst/>
-                <a:latin typeface="Consolas" panose="020B0609020204030204" pitchFamily="49" charset="0"/>
-              </a:rPr>
-              <a:t>b:reg</a:t>
-            </a:r>
-            <a:r>
-              <a:rPr lang="en-GB" sz="800" b="0" dirty="0">
-                <a:solidFill>
-                  <a:srgbClr val="569CD6"/>
-                </a:solidFill>
-                <a:effectLst/>
-                <a:latin typeface="Consolas" panose="020B0609020204030204" pitchFamily="49" charset="0"/>
-              </a:rPr>
-              <a:t>}</a:t>
-            </a:r>
-            <a:r>
-              <a:rPr lang="en-GB" sz="800" b="0" dirty="0">
-                <a:solidFill>
-                  <a:srgbClr val="D4D4D4"/>
-                </a:solidFill>
-                <a:effectLst/>
-                <a:latin typeface="Consolas" panose="020B0609020204030204" pitchFamily="49" charset="0"/>
-              </a:rPr>
-              <a:t> </a:t>
-            </a:r>
-            <a:r>
-              <a:rPr lang="en-GB" sz="800" b="0" dirty="0">
-                <a:solidFill>
-                  <a:srgbClr val="569CD6"/>
-                </a:solidFill>
-                <a:effectLst/>
-                <a:latin typeface="Consolas" panose="020B0609020204030204" pitchFamily="49" charset="0"/>
-              </a:rPr>
-              <a:t>=&gt;</a:t>
-            </a:r>
-            <a:r>
-              <a:rPr lang="en-GB" sz="800" b="0" dirty="0">
-                <a:solidFill>
-                  <a:srgbClr val="D4D4D4"/>
-                </a:solidFill>
-                <a:effectLst/>
-                <a:latin typeface="Consolas" panose="020B0609020204030204" pitchFamily="49" charset="0"/>
-              </a:rPr>
-              <a:t> </a:t>
-            </a:r>
-            <a:r>
-              <a:rPr lang="en-GB" sz="800" b="0" dirty="0">
-                <a:solidFill>
-                  <a:srgbClr val="B5CEA8"/>
-                </a:solidFill>
-                <a:effectLst/>
-                <a:latin typeface="Consolas" panose="020B0609020204030204" pitchFamily="49" charset="0"/>
-              </a:rPr>
-              <a:t>0x6</a:t>
-            </a:r>
-            <a:r>
-              <a:rPr lang="en-GB" sz="800" b="0" dirty="0">
-                <a:solidFill>
-                  <a:srgbClr val="D4D4D4"/>
-                </a:solidFill>
-                <a:effectLst/>
-                <a:latin typeface="Consolas" panose="020B0609020204030204" pitchFamily="49" charset="0"/>
-              </a:rPr>
-              <a:t> @  o`</a:t>
-            </a:r>
-            <a:r>
-              <a:rPr lang="en-GB" sz="800" b="0" dirty="0">
-                <a:solidFill>
-                  <a:srgbClr val="B5CEA8"/>
-                </a:solidFill>
-                <a:effectLst/>
-                <a:latin typeface="Consolas" panose="020B0609020204030204" pitchFamily="49" charset="0"/>
-              </a:rPr>
-              <a:t>3</a:t>
-            </a:r>
-            <a:r>
-              <a:rPr lang="en-GB" sz="800" b="0" dirty="0">
-                <a:solidFill>
-                  <a:srgbClr val="D4D4D4"/>
-                </a:solidFill>
-                <a:effectLst/>
-                <a:latin typeface="Consolas" panose="020B0609020204030204" pitchFamily="49" charset="0"/>
-              </a:rPr>
-              <a:t> @  a`</a:t>
-            </a:r>
-            <a:r>
-              <a:rPr lang="en-GB" sz="800" b="0" dirty="0">
-                <a:solidFill>
-                  <a:srgbClr val="B5CEA8"/>
-                </a:solidFill>
-                <a:effectLst/>
-                <a:latin typeface="Consolas" panose="020B0609020204030204" pitchFamily="49" charset="0"/>
-              </a:rPr>
-              <a:t>3</a:t>
-            </a:r>
-            <a:r>
-              <a:rPr lang="en-GB" sz="800" b="0" dirty="0">
-                <a:solidFill>
-                  <a:srgbClr val="D4D4D4"/>
-                </a:solidFill>
-                <a:effectLst/>
-                <a:latin typeface="Consolas" panose="020B0609020204030204" pitchFamily="49" charset="0"/>
-              </a:rPr>
-              <a:t> @  b`</a:t>
-            </a:r>
-            <a:r>
-              <a:rPr lang="en-GB" sz="800" b="0" dirty="0">
-                <a:solidFill>
-                  <a:srgbClr val="B5CEA8"/>
-                </a:solidFill>
-                <a:effectLst/>
-                <a:latin typeface="Consolas" panose="020B0609020204030204" pitchFamily="49" charset="0"/>
-              </a:rPr>
-              <a:t>3</a:t>
-            </a:r>
-            <a:r>
-              <a:rPr lang="en-GB" sz="800" b="0" dirty="0">
-                <a:solidFill>
-                  <a:srgbClr val="D4D4D4"/>
-                </a:solidFill>
-                <a:effectLst/>
-                <a:latin typeface="Consolas" panose="020B0609020204030204" pitchFamily="49" charset="0"/>
-              </a:rPr>
-              <a:t>       </a:t>
-            </a:r>
-            <a:r>
-              <a:rPr lang="en-GB" sz="800" b="0" dirty="0">
+              <a:rPr lang="en-GB" sz="700" b="0" dirty="0">
+                <a:solidFill>
+                  <a:srgbClr val="D4D4D4"/>
+                </a:solidFill>
+                <a:effectLst/>
+                <a:latin typeface="Consolas" panose="020B0609020204030204" pitchFamily="49" charset="0"/>
+              </a:rPr>
+              <a:t>                                   </a:t>
+            </a:r>
+            <a:r>
+              <a:rPr lang="en-GB" sz="700" b="0" dirty="0">
                 <a:solidFill>
                   <a:srgbClr val="6A9955"/>
                 </a:solidFill>
                 <a:effectLst/>
                 <a:latin typeface="Consolas" panose="020B0609020204030204" pitchFamily="49" charset="0"/>
               </a:rPr>
-              <a:t>; </a:t>
-            </a:r>
-            <a:r>
-              <a:rPr lang="en-GB" sz="800" b="0" dirty="0" err="1">
+              <a:t>;  op @ </a:t>
+            </a:r>
+            <a:r>
+              <a:rPr lang="en-GB" sz="700" b="0" dirty="0" err="1">
                 <a:solidFill>
                   <a:srgbClr val="6A9955"/>
                 </a:solidFill>
                 <a:effectLst/>
                 <a:latin typeface="Consolas" panose="020B0609020204030204" pitchFamily="49" charset="0"/>
               </a:rPr>
-              <a:t>op_add</a:t>
-            </a:r>
-            <a:endParaRPr lang="en-GB" sz="800" b="0" dirty="0">
+              <a:t>dest</a:t>
+            </a:r>
+            <a:r>
+              <a:rPr lang="en-GB" sz="700" b="0" dirty="0">
+                <a:solidFill>
+                  <a:srgbClr val="6A9955"/>
+                </a:solidFill>
+                <a:effectLst/>
+                <a:latin typeface="Consolas" panose="020B0609020204030204" pitchFamily="49" charset="0"/>
+              </a:rPr>
+              <a:t> @ src1 @ src2</a:t>
+            </a:r>
+            <a:endParaRPr lang="en-GB" sz="700" b="0" dirty="0">
               <a:solidFill>
                 <a:srgbClr val="D4D4D4"/>
               </a:solidFill>
@@ -11383,127 +10962,27 @@
           </a:p>
           <a:p>
             <a:r>
-              <a:rPr lang="en-GB" sz="800" b="0" dirty="0">
-                <a:solidFill>
-                  <a:srgbClr val="D4D4D4"/>
-                </a:solidFill>
-                <a:effectLst/>
-                <a:latin typeface="Consolas" panose="020B0609020204030204" pitchFamily="49" charset="0"/>
-              </a:rPr>
-              <a:t>  </a:t>
-            </a:r>
-            <a:r>
-              <a:rPr lang="en-GB" sz="800" b="0" dirty="0">
+              <a:rPr lang="en-GB" sz="700" b="0" dirty="0">
+                <a:solidFill>
+                  <a:srgbClr val="D4D4D4"/>
+                </a:solidFill>
+                <a:effectLst/>
+                <a:latin typeface="Consolas" panose="020B0609020204030204" pitchFamily="49" charset="0"/>
+              </a:rPr>
+              <a:t>  noop                             </a:t>
+            </a:r>
+            <a:r>
+              <a:rPr lang="en-GB" sz="700" b="0" dirty="0">
                 <a:solidFill>
                   <a:srgbClr val="569CD6"/>
                 </a:solidFill>
                 <a:effectLst/>
                 <a:latin typeface="Consolas" panose="020B0609020204030204" pitchFamily="49" charset="0"/>
               </a:rPr>
-              <a:t>{</a:t>
-            </a:r>
-            <a:r>
-              <a:rPr lang="en-GB" sz="800" b="0" dirty="0" err="1">
-                <a:solidFill>
-                  <a:srgbClr val="D4D4D4"/>
-                </a:solidFill>
-                <a:effectLst/>
-                <a:latin typeface="Consolas" panose="020B0609020204030204" pitchFamily="49" charset="0"/>
-              </a:rPr>
-              <a:t>o:sreg</a:t>
-            </a:r>
-            <a:r>
-              <a:rPr lang="en-GB" sz="800" b="0" dirty="0">
-                <a:solidFill>
-                  <a:srgbClr val="569CD6"/>
-                </a:solidFill>
-                <a:effectLst/>
-                <a:latin typeface="Consolas" panose="020B0609020204030204" pitchFamily="49" charset="0"/>
-              </a:rPr>
-              <a:t>}</a:t>
-            </a:r>
-            <a:r>
-              <a:rPr lang="en-GB" sz="800" b="0" dirty="0">
-                <a:solidFill>
-                  <a:srgbClr val="D4D4D4"/>
-                </a:solidFill>
-                <a:effectLst/>
-                <a:latin typeface="Consolas" panose="020B0609020204030204" pitchFamily="49" charset="0"/>
-              </a:rPr>
-              <a:t> &lt;- </a:t>
-            </a:r>
-            <a:r>
-              <a:rPr lang="en-GB" sz="800" b="0" dirty="0">
-                <a:solidFill>
-                  <a:srgbClr val="569CD6"/>
-                </a:solidFill>
-                <a:effectLst/>
-                <a:latin typeface="Consolas" panose="020B0609020204030204" pitchFamily="49" charset="0"/>
-              </a:rPr>
-              <a:t>{</a:t>
-            </a:r>
-            <a:r>
-              <a:rPr lang="en-GB" sz="800" b="0" dirty="0" err="1">
-                <a:solidFill>
-                  <a:srgbClr val="D4D4D4"/>
-                </a:solidFill>
-                <a:effectLst/>
-                <a:latin typeface="Consolas" panose="020B0609020204030204" pitchFamily="49" charset="0"/>
-              </a:rPr>
-              <a:t>a:reg</a:t>
-            </a:r>
-            <a:r>
-              <a:rPr lang="en-GB" sz="800" b="0" dirty="0">
-                <a:solidFill>
-                  <a:srgbClr val="569CD6"/>
-                </a:solidFill>
-                <a:effectLst/>
-                <a:latin typeface="Consolas" panose="020B0609020204030204" pitchFamily="49" charset="0"/>
-              </a:rPr>
-              <a:t>}</a:t>
-            </a:r>
-            <a:r>
-              <a:rPr lang="en-GB" sz="800" b="0" dirty="0">
-                <a:solidFill>
-                  <a:srgbClr val="D4D4D4"/>
-                </a:solidFill>
-                <a:effectLst/>
-                <a:latin typeface="Consolas" panose="020B0609020204030204" pitchFamily="49" charset="0"/>
-              </a:rPr>
-              <a:t>  -  </a:t>
-            </a:r>
-            <a:r>
-              <a:rPr lang="en-GB" sz="800" b="0" dirty="0">
-                <a:solidFill>
-                  <a:srgbClr val="569CD6"/>
-                </a:solidFill>
-                <a:effectLst/>
-                <a:latin typeface="Consolas" panose="020B0609020204030204" pitchFamily="49" charset="0"/>
-              </a:rPr>
-              <a:t>{</a:t>
-            </a:r>
-            <a:r>
-              <a:rPr lang="en-GB" sz="800" b="0" dirty="0" err="1">
-                <a:solidFill>
-                  <a:srgbClr val="D4D4D4"/>
-                </a:solidFill>
-                <a:effectLst/>
-                <a:latin typeface="Consolas" panose="020B0609020204030204" pitchFamily="49" charset="0"/>
-              </a:rPr>
-              <a:t>b:reg</a:t>
-            </a:r>
-            <a:r>
-              <a:rPr lang="en-GB" sz="800" b="0" dirty="0">
-                <a:solidFill>
-                  <a:srgbClr val="569CD6"/>
-                </a:solidFill>
-                <a:effectLst/>
-                <a:latin typeface="Consolas" panose="020B0609020204030204" pitchFamily="49" charset="0"/>
-              </a:rPr>
-              <a:t>}</a:t>
-            </a:r>
-            <a:r>
-              <a:rPr lang="en-GB" sz="800" b="0" dirty="0">
+              <a:t>=&gt;</a:t>
+            </a:r>
+            <a:r>
+              <a:rPr lang="en-GB" sz="700" b="0" dirty="0">
                 <a:solidFill>
                   <a:srgbClr val="D4D4D4"/>
                 </a:solidFill>
@@ -11513,126 +10992,76 @@
               <a:t> </a:t>
             </a:r>
             <a:r>
-              <a:rPr lang="en-GB" sz="800" b="0" dirty="0">
-                <a:solidFill>
-                  <a:srgbClr val="569CD6"/>
-                </a:solidFill>
-                <a:effectLst/>
-                <a:latin typeface="Consolas" panose="020B0609020204030204" pitchFamily="49" charset="0"/>
-              </a:rPr>
-              <a:t>=&gt;</a:t>
-            </a:r>
-            <a:r>
-              <a:rPr lang="en-GB" sz="800" b="0" dirty="0">
-                <a:solidFill>
-                  <a:srgbClr val="D4D4D4"/>
-                </a:solidFill>
-                <a:effectLst/>
-                <a:latin typeface="Consolas" panose="020B0609020204030204" pitchFamily="49" charset="0"/>
-              </a:rPr>
-              <a:t> </a:t>
-            </a:r>
-            <a:r>
-              <a:rPr lang="en-GB" sz="800" b="0" dirty="0">
+              <a:rPr lang="en-GB" sz="700" b="0" dirty="0">
                 <a:solidFill>
                   <a:srgbClr val="B5CEA8"/>
                 </a:solidFill>
                 <a:effectLst/>
                 <a:latin typeface="Consolas" panose="020B0609020204030204" pitchFamily="49" charset="0"/>
               </a:rPr>
-              <a:t>0x7</a:t>
-            </a:r>
-            <a:r>
-              <a:rPr lang="en-GB" sz="800" b="0" dirty="0">
-                <a:solidFill>
-                  <a:srgbClr val="D4D4D4"/>
-                </a:solidFill>
-                <a:effectLst/>
-                <a:latin typeface="Consolas" panose="020B0609020204030204" pitchFamily="49" charset="0"/>
-              </a:rPr>
-              <a:t> @  o`</a:t>
-            </a:r>
-            <a:r>
-              <a:rPr lang="en-GB" sz="800" b="0" dirty="0">
+              <a:t>0x0</a:t>
+            </a:r>
+            <a:r>
+              <a:rPr lang="en-GB" sz="700" b="0" dirty="0">
+                <a:solidFill>
+                  <a:srgbClr val="D4D4D4"/>
+                </a:solidFill>
+                <a:effectLst/>
+                <a:latin typeface="Consolas" panose="020B0609020204030204" pitchFamily="49" charset="0"/>
+              </a:rPr>
+              <a:t> @         </a:t>
+            </a:r>
+            <a:r>
+              <a:rPr lang="en-GB" sz="700" b="0" dirty="0">
                 <a:solidFill>
                   <a:srgbClr val="B5CEA8"/>
                 </a:solidFill>
                 <a:effectLst/>
                 <a:latin typeface="Consolas" panose="020B0609020204030204" pitchFamily="49" charset="0"/>
               </a:rPr>
-              <a:t>3</a:t>
-            </a:r>
-            <a:r>
-              <a:rPr lang="en-GB" sz="800" b="0" dirty="0">
-                <a:solidFill>
-                  <a:srgbClr val="D4D4D4"/>
-                </a:solidFill>
-                <a:effectLst/>
-                <a:latin typeface="Consolas" panose="020B0609020204030204" pitchFamily="49" charset="0"/>
-              </a:rPr>
-              <a:t> @  a`</a:t>
-            </a:r>
-            <a:r>
-              <a:rPr lang="en-GB" sz="800" b="0" dirty="0">
+              <a:t>0</a:t>
+            </a:r>
+            <a:r>
+              <a:rPr lang="en-GB" sz="700" b="0" dirty="0">
+                <a:solidFill>
+                  <a:srgbClr val="D4D4D4"/>
+                </a:solidFill>
+                <a:effectLst/>
+                <a:latin typeface="Consolas" panose="020B0609020204030204" pitchFamily="49" charset="0"/>
+              </a:rPr>
+              <a:t>`</a:t>
+            </a:r>
+            <a:r>
+              <a:rPr lang="en-GB" sz="700" b="0" dirty="0">
                 <a:solidFill>
                   <a:srgbClr val="B5CEA8"/>
                 </a:solidFill>
                 <a:effectLst/>
                 <a:latin typeface="Consolas" panose="020B0609020204030204" pitchFamily="49" charset="0"/>
               </a:rPr>
-              <a:t>3</a:t>
-            </a:r>
-            <a:r>
-              <a:rPr lang="en-GB" sz="800" b="0" dirty="0">
-                <a:solidFill>
-                  <a:srgbClr val="D4D4D4"/>
-                </a:solidFill>
-                <a:effectLst/>
-                <a:latin typeface="Consolas" panose="020B0609020204030204" pitchFamily="49" charset="0"/>
-              </a:rPr>
-              <a:t> @  b`</a:t>
-            </a:r>
-            <a:r>
-              <a:rPr lang="en-GB" sz="800" b="0" dirty="0">
-                <a:solidFill>
-                  <a:srgbClr val="B5CEA8"/>
-                </a:solidFill>
-                <a:effectLst/>
-                <a:latin typeface="Consolas" panose="020B0609020204030204" pitchFamily="49" charset="0"/>
-              </a:rPr>
-              <a:t>3</a:t>
-            </a:r>
-            <a:r>
-              <a:rPr lang="en-GB" sz="800" b="0" dirty="0">
-                <a:solidFill>
-                  <a:srgbClr val="D4D4D4"/>
-                </a:solidFill>
-                <a:effectLst/>
-                <a:latin typeface="Consolas" panose="020B0609020204030204" pitchFamily="49" charset="0"/>
-              </a:rPr>
-              <a:t>       </a:t>
-            </a:r>
-            <a:r>
-              <a:rPr lang="en-GB" sz="800" b="0" dirty="0">
+              <a:t>9</a:t>
+            </a:r>
+            <a:r>
+              <a:rPr lang="en-GB" sz="700" b="0" dirty="0">
+                <a:solidFill>
+                  <a:srgbClr val="D4D4D4"/>
+                </a:solidFill>
+                <a:effectLst/>
+                <a:latin typeface="Consolas" panose="020B0609020204030204" pitchFamily="49" charset="0"/>
+              </a:rPr>
+              <a:t>              </a:t>
+            </a:r>
+            <a:r>
+              <a:rPr lang="en-GB" sz="700" b="0" dirty="0">
                 <a:solidFill>
                   <a:srgbClr val="6A9955"/>
                 </a:solidFill>
                 <a:effectLst/>
                 <a:latin typeface="Consolas" panose="020B0609020204030204" pitchFamily="49" charset="0"/>
               </a:rPr>
-              <a:t>; </a:t>
-            </a:r>
-            <a:r>
-              <a:rPr lang="en-GB" sz="800" b="0" dirty="0" err="1">
-                <a:solidFill>
-                  <a:srgbClr val="6A9955"/>
-                </a:solidFill>
-                <a:effectLst/>
-                <a:latin typeface="Consolas" panose="020B0609020204030204" pitchFamily="49" charset="0"/>
-              </a:rPr>
-              <a:t>op_sub</a:t>
-            </a:r>
-            <a:endParaRPr lang="en-GB" sz="800" b="0" dirty="0">
+              <a:t>; noop</a:t>
+            </a:r>
+            <a:endParaRPr lang="en-GB" sz="700" b="0" dirty="0">
               <a:solidFill>
                 <a:srgbClr val="D4D4D4"/>
               </a:solidFill>
@@ -11642,7 +11071,7 @@
           </a:p>
           <a:p>
             <a:r>
-              <a:rPr lang="en-GB" sz="800" b="0" dirty="0">
+              <a:rPr lang="en-GB" sz="700" b="0" dirty="0">
                 <a:solidFill>
                   <a:srgbClr val="D4D4D4"/>
                 </a:solidFill>
@@ -11652,7 +11081,7 @@
               <a:t>  </a:t>
             </a:r>
             <a:r>
-              <a:rPr lang="en-GB" sz="800" b="0" dirty="0">
+              <a:rPr lang="en-GB" sz="700" b="0" dirty="0">
                 <a:solidFill>
                   <a:srgbClr val="569CD6"/>
                 </a:solidFill>
@@ -11662,7 +11091,7 @@
               <a:t>{</a:t>
             </a:r>
             <a:r>
-              <a:rPr lang="en-GB" sz="800" b="0" dirty="0" err="1">
+              <a:rPr lang="en-GB" sz="700" b="0" dirty="0" err="1">
                 <a:solidFill>
                   <a:srgbClr val="D4D4D4"/>
                 </a:solidFill>
@@ -11672,7 +11101,7 @@
               <a:t>o:sreg</a:t>
             </a:r>
             <a:r>
-              <a:rPr lang="en-GB" sz="800" b="0" dirty="0">
+              <a:rPr lang="en-GB" sz="700" b="0" dirty="0">
                 <a:solidFill>
                   <a:srgbClr val="569CD6"/>
                 </a:solidFill>
@@ -11682,7 +11111,7 @@
               <a:t>}</a:t>
             </a:r>
             <a:r>
-              <a:rPr lang="en-GB" sz="800" b="0" dirty="0">
+              <a:rPr lang="en-GB" sz="700" b="0" dirty="0">
                 <a:solidFill>
                   <a:srgbClr val="D4D4D4"/>
                 </a:solidFill>
@@ -11692,7 +11121,7 @@
               <a:t> &lt;- </a:t>
             </a:r>
             <a:r>
-              <a:rPr lang="en-GB" sz="800" b="0" dirty="0">
+              <a:rPr lang="en-GB" sz="700" b="0" dirty="0">
                 <a:solidFill>
                   <a:srgbClr val="569CD6"/>
                 </a:solidFill>
@@ -11702,17 +11131,17 @@
               <a:t>{</a:t>
             </a:r>
             <a:r>
-              <a:rPr lang="en-GB" sz="800" b="0" dirty="0">
-                <a:solidFill>
-                  <a:srgbClr val="D4D4D4"/>
-                </a:solidFill>
-                <a:effectLst/>
-                <a:latin typeface="Consolas" panose="020B0609020204030204" pitchFamily="49" charset="0"/>
-              </a:rPr>
-              <a:t>b:u1</a:t>
-            </a:r>
-            <a:r>
-              <a:rPr lang="en-GB" sz="800" b="0" dirty="0">
+              <a:rPr lang="en-GB" sz="700" b="0" dirty="0">
+                <a:solidFill>
+                  <a:srgbClr val="D4D4D4"/>
+                </a:solidFill>
+                <a:effectLst/>
+                <a:latin typeface="Consolas" panose="020B0609020204030204" pitchFamily="49" charset="0"/>
+              </a:rPr>
+              <a:t>v:u4</a:t>
+            </a:r>
+            <a:r>
+              <a:rPr lang="en-GB" sz="700" b="0" dirty="0">
                 <a:solidFill>
                   <a:srgbClr val="569CD6"/>
                 </a:solidFill>
@@ -11722,67 +11151,27 @@
               <a:t>}</a:t>
             </a:r>
             <a:r>
-              <a:rPr lang="en-GB" sz="800" b="0" dirty="0">
-                <a:solidFill>
-                  <a:srgbClr val="D4D4D4"/>
-                </a:solidFill>
-                <a:effectLst/>
-                <a:latin typeface="Consolas" panose="020B0609020204030204" pitchFamily="49" charset="0"/>
-              </a:rPr>
-              <a:t> &gt; </a:t>
-            </a:r>
-            <a:r>
-              <a:rPr lang="en-GB" sz="800" b="0" dirty="0">
+              <a:rPr lang="en-GB" sz="700" b="0" dirty="0">
+                <a:solidFill>
+                  <a:srgbClr val="D4D4D4"/>
+                </a:solidFill>
+                <a:effectLst/>
+                <a:latin typeface="Consolas" panose="020B0609020204030204" pitchFamily="49" charset="0"/>
+              </a:rPr>
+              <a:t>               </a:t>
+            </a:r>
+            <a:r>
+              <a:rPr lang="en-GB" sz="700" b="0" dirty="0">
                 <a:solidFill>
                   <a:srgbClr val="569CD6"/>
                 </a:solidFill>
                 <a:effectLst/>
                 <a:latin typeface="Consolas" panose="020B0609020204030204" pitchFamily="49" charset="0"/>
               </a:rPr>
-              <a:t>{</a:t>
-            </a:r>
-            <a:r>
-              <a:rPr lang="en-GB" sz="800" b="0" dirty="0" err="1">
-                <a:solidFill>
-                  <a:srgbClr val="D4D4D4"/>
-                </a:solidFill>
-                <a:effectLst/>
-                <a:latin typeface="Consolas" panose="020B0609020204030204" pitchFamily="49" charset="0"/>
-              </a:rPr>
-              <a:t>a:reg</a:t>
-            </a:r>
-            <a:r>
-              <a:rPr lang="en-GB" sz="800" b="0" dirty="0">
-                <a:solidFill>
-                  <a:srgbClr val="569CD6"/>
-                </a:solidFill>
-                <a:effectLst/>
-                <a:latin typeface="Consolas" panose="020B0609020204030204" pitchFamily="49" charset="0"/>
-              </a:rPr>
-              <a:t>}</a:t>
-            </a:r>
-            <a:r>
-              <a:rPr lang="en-GB" sz="800" b="0" dirty="0">
-                <a:solidFill>
-                  <a:srgbClr val="D4D4D4"/>
-                </a:solidFill>
-                <a:effectLst/>
-                <a:latin typeface="Consolas" panose="020B0609020204030204" pitchFamily="49" charset="0"/>
-              </a:rPr>
-              <a:t>    </a:t>
-            </a:r>
-            <a:r>
-              <a:rPr lang="en-GB" sz="800" b="0" dirty="0">
-                <a:solidFill>
-                  <a:srgbClr val="569CD6"/>
-                </a:solidFill>
-                <a:effectLst/>
-                <a:latin typeface="Consolas" panose="020B0609020204030204" pitchFamily="49" charset="0"/>
-              </a:rPr>
               <a:t>=&gt;</a:t>
             </a:r>
             <a:r>
-              <a:rPr lang="en-GB" sz="800" b="0" dirty="0">
+              <a:rPr lang="en-GB" sz="700" b="0" dirty="0">
                 <a:solidFill>
                   <a:srgbClr val="D4D4D4"/>
                 </a:solidFill>
@@ -11792,17 +11181,17 @@
               <a:t> </a:t>
             </a:r>
             <a:r>
-              <a:rPr lang="en-GB" sz="800" b="0" dirty="0">
+              <a:rPr lang="en-GB" sz="700" b="0" dirty="0">
                 <a:solidFill>
                   <a:srgbClr val="B5CEA8"/>
                 </a:solidFill>
                 <a:effectLst/>
                 <a:latin typeface="Consolas" panose="020B0609020204030204" pitchFamily="49" charset="0"/>
               </a:rPr>
-              <a:t>0x8</a:t>
-            </a:r>
-            <a:r>
-              <a:rPr lang="en-GB" sz="800" b="0" dirty="0">
+              <a:t>0x1</a:t>
+            </a:r>
+            <a:r>
+              <a:rPr lang="en-GB" sz="700" b="0" dirty="0">
                 <a:solidFill>
                   <a:srgbClr val="D4D4D4"/>
                 </a:solidFill>
@@ -11812,7 +11201,7 @@
               <a:t> @  o`</a:t>
             </a:r>
             <a:r>
-              <a:rPr lang="en-GB" sz="800" b="0" dirty="0">
+              <a:rPr lang="en-GB" sz="700" b="0" dirty="0">
                 <a:solidFill>
                   <a:srgbClr val="B5CEA8"/>
                 </a:solidFill>
@@ -11822,97 +11211,77 @@
               <a:t>3</a:t>
             </a:r>
             <a:r>
-              <a:rPr lang="en-GB" sz="800" b="0" dirty="0">
-                <a:solidFill>
-                  <a:srgbClr val="D4D4D4"/>
-                </a:solidFill>
-                <a:effectLst/>
-                <a:latin typeface="Consolas" panose="020B0609020204030204" pitchFamily="49" charset="0"/>
-              </a:rPr>
-              <a:t> @  a`</a:t>
-            </a:r>
-            <a:r>
-              <a:rPr lang="en-GB" sz="800" b="0" dirty="0">
+              <a:rPr lang="en-GB" sz="700" b="0" dirty="0">
+                <a:solidFill>
+                  <a:srgbClr val="D4D4D4"/>
+                </a:solidFill>
+                <a:effectLst/>
+                <a:latin typeface="Consolas" panose="020B0609020204030204" pitchFamily="49" charset="0"/>
+              </a:rPr>
+              <a:t> @  </a:t>
+            </a:r>
+            <a:r>
+              <a:rPr lang="en-GB" sz="700" b="0" dirty="0">
                 <a:solidFill>
                   <a:srgbClr val="B5CEA8"/>
                 </a:solidFill>
                 <a:effectLst/>
                 <a:latin typeface="Consolas" panose="020B0609020204030204" pitchFamily="49" charset="0"/>
               </a:rPr>
-              <a:t>3</a:t>
-            </a:r>
-            <a:r>
-              <a:rPr lang="en-GB" sz="800" b="0" dirty="0">
-                <a:solidFill>
-                  <a:srgbClr val="D4D4D4"/>
-                </a:solidFill>
-                <a:effectLst/>
-                <a:latin typeface="Consolas" panose="020B0609020204030204" pitchFamily="49" charset="0"/>
-              </a:rPr>
-              <a:t> @  </a:t>
-            </a:r>
-            <a:r>
-              <a:rPr lang="en-GB" sz="800" b="0" dirty="0">
+              <a:t>0</a:t>
+            </a:r>
+            <a:r>
+              <a:rPr lang="en-GB" sz="700" b="0" dirty="0">
+                <a:solidFill>
+                  <a:srgbClr val="D4D4D4"/>
+                </a:solidFill>
+                <a:effectLst/>
+                <a:latin typeface="Consolas" panose="020B0609020204030204" pitchFamily="49" charset="0"/>
+              </a:rPr>
+              <a:t>`</a:t>
+            </a:r>
+            <a:r>
+              <a:rPr lang="en-GB" sz="700" b="0" dirty="0">
                 <a:solidFill>
                   <a:srgbClr val="B5CEA8"/>
                 </a:solidFill>
                 <a:effectLst/>
                 <a:latin typeface="Consolas" panose="020B0609020204030204" pitchFamily="49" charset="0"/>
               </a:rPr>
-              <a:t>0</a:t>
-            </a:r>
-            <a:r>
-              <a:rPr lang="en-GB" sz="800" b="0" dirty="0">
-                <a:solidFill>
-                  <a:srgbClr val="D4D4D4"/>
-                </a:solidFill>
-                <a:effectLst/>
-                <a:latin typeface="Consolas" panose="020B0609020204030204" pitchFamily="49" charset="0"/>
-              </a:rPr>
-              <a:t>`</a:t>
-            </a:r>
-            <a:r>
-              <a:rPr lang="en-GB" sz="800" b="0" dirty="0">
+              <a:t>2</a:t>
+            </a:r>
+            <a:r>
+              <a:rPr lang="en-GB" sz="700" b="0" dirty="0">
+                <a:solidFill>
+                  <a:srgbClr val="D4D4D4"/>
+                </a:solidFill>
+                <a:effectLst/>
+                <a:latin typeface="Consolas" panose="020B0609020204030204" pitchFamily="49" charset="0"/>
+              </a:rPr>
+              <a:t> @  v`</a:t>
+            </a:r>
+            <a:r>
+              <a:rPr lang="en-GB" sz="700" b="0" dirty="0">
                 <a:solidFill>
                   <a:srgbClr val="B5CEA8"/>
                 </a:solidFill>
                 <a:effectLst/>
                 <a:latin typeface="Consolas" panose="020B0609020204030204" pitchFamily="49" charset="0"/>
               </a:rPr>
-              <a:t>2</a:t>
-            </a:r>
-            <a:r>
-              <a:rPr lang="en-GB" sz="800" b="0" dirty="0">
-                <a:solidFill>
-                  <a:srgbClr val="D4D4D4"/>
-                </a:solidFill>
-                <a:effectLst/>
-                <a:latin typeface="Consolas" panose="020B0609020204030204" pitchFamily="49" charset="0"/>
-              </a:rPr>
-              <a:t> @ b`</a:t>
-            </a:r>
-            <a:r>
-              <a:rPr lang="en-GB" sz="800" b="0" dirty="0">
-                <a:solidFill>
-                  <a:srgbClr val="B5CEA8"/>
-                </a:solidFill>
-                <a:effectLst/>
-                <a:latin typeface="Consolas" panose="020B0609020204030204" pitchFamily="49" charset="0"/>
-              </a:rPr>
-              <a:t>1</a:t>
-            </a:r>
-            <a:r>
-              <a:rPr lang="en-GB" sz="800" b="0" dirty="0">
-                <a:solidFill>
-                  <a:srgbClr val="D4D4D4"/>
-                </a:solidFill>
-                <a:effectLst/>
-                <a:latin typeface="Consolas" panose="020B0609020204030204" pitchFamily="49" charset="0"/>
-              </a:rPr>
-              <a:t> </a:t>
-            </a:r>
-            <a:r>
-              <a:rPr lang="en-GB" sz="800" b="0" dirty="0">
+              <a:t>4</a:t>
+            </a:r>
+            <a:r>
+              <a:rPr lang="en-GB" sz="700" b="0" dirty="0">
+                <a:solidFill>
+                  <a:srgbClr val="D4D4D4"/>
+                </a:solidFill>
+                <a:effectLst/>
+                <a:latin typeface="Consolas" panose="020B0609020204030204" pitchFamily="49" charset="0"/>
+              </a:rPr>
+              <a:t>       </a:t>
+            </a:r>
+            <a:r>
+              <a:rPr lang="en-GB" sz="700" b="0" dirty="0">
                 <a:solidFill>
                   <a:srgbClr val="6A9955"/>
                 </a:solidFill>
@@ -11922,16 +11291,16 @@
               <a:t>; </a:t>
             </a:r>
             <a:r>
-              <a:rPr lang="en-GB" sz="800" b="0" dirty="0" err="1">
+              <a:rPr lang="en-GB" sz="700" b="0" dirty="0" err="1">
                 <a:solidFill>
                   <a:srgbClr val="6A9955"/>
                 </a:solidFill>
                 <a:effectLst/>
                 <a:latin typeface="Consolas" panose="020B0609020204030204" pitchFamily="49" charset="0"/>
               </a:rPr>
-              <a:t>op_shft</a:t>
-            </a:r>
-            <a:endParaRPr lang="en-GB" sz="800" b="0" dirty="0">
+              <a:t>op_set</a:t>
+            </a:r>
+            <a:endParaRPr lang="en-GB" sz="700" b="0" dirty="0">
               <a:solidFill>
                 <a:srgbClr val="D4D4D4"/>
               </a:solidFill>
@@ -11941,7 +11310,7 @@
           </a:p>
           <a:p>
             <a:r>
-              <a:rPr lang="en-GB" sz="800" b="0" dirty="0">
+              <a:rPr lang="en-GB" sz="700" b="0" dirty="0">
                 <a:solidFill>
                   <a:srgbClr val="D4D4D4"/>
                 </a:solidFill>
@@ -11951,7 +11320,7 @@
               <a:t>  </a:t>
             </a:r>
             <a:r>
-              <a:rPr lang="en-GB" sz="800" b="0" dirty="0">
+              <a:rPr lang="en-GB" sz="700" b="0" dirty="0">
                 <a:solidFill>
                   <a:srgbClr val="569CD6"/>
                 </a:solidFill>
@@ -11961,7 +11330,7 @@
               <a:t>{</a:t>
             </a:r>
             <a:r>
-              <a:rPr lang="en-GB" sz="800" b="0" dirty="0" err="1">
+              <a:rPr lang="en-GB" sz="700" b="0" dirty="0" err="1">
                 <a:solidFill>
                   <a:srgbClr val="D4D4D4"/>
                 </a:solidFill>
@@ -11971,7 +11340,7 @@
               <a:t>o:sreg</a:t>
             </a:r>
             <a:r>
-              <a:rPr lang="en-GB" sz="800" b="0" dirty="0">
+              <a:rPr lang="en-GB" sz="700" b="0" dirty="0">
                 <a:solidFill>
                   <a:srgbClr val="569CD6"/>
                 </a:solidFill>
@@ -11981,7 +11350,7 @@
               <a:t>}</a:t>
             </a:r>
             <a:r>
-              <a:rPr lang="en-GB" sz="800" b="0" dirty="0">
+              <a:rPr lang="en-GB" sz="700" b="0" dirty="0">
                 <a:solidFill>
                   <a:srgbClr val="D4D4D4"/>
                 </a:solidFill>
@@ -11991,7 +11360,7 @@
               <a:t> &lt;- </a:t>
             </a:r>
             <a:r>
-              <a:rPr lang="en-GB" sz="800" b="0" dirty="0">
+              <a:rPr lang="en-GB" sz="700" b="0" dirty="0">
                 <a:solidFill>
                   <a:srgbClr val="569CD6"/>
                 </a:solidFill>
@@ -12001,7 +11370,7 @@
               <a:t>{</a:t>
             </a:r>
             <a:r>
-              <a:rPr lang="en-GB" sz="800" b="0" dirty="0" err="1">
+              <a:rPr lang="en-GB" sz="700" b="0" dirty="0" err="1">
                 <a:solidFill>
                   <a:srgbClr val="D4D4D4"/>
                 </a:solidFill>
@@ -12011,7 +11380,7 @@
               <a:t>a:reg</a:t>
             </a:r>
             <a:r>
-              <a:rPr lang="en-GB" sz="800" b="0" dirty="0">
+              <a:rPr lang="en-GB" sz="700" b="0" dirty="0">
                 <a:solidFill>
                   <a:srgbClr val="569CD6"/>
                 </a:solidFill>
@@ -12021,67 +11390,27 @@
               <a:t>}</a:t>
             </a:r>
             <a:r>
-              <a:rPr lang="en-GB" sz="800" b="0" dirty="0">
-                <a:solidFill>
-                  <a:srgbClr val="D4D4D4"/>
-                </a:solidFill>
-                <a:effectLst/>
-                <a:latin typeface="Consolas" panose="020B0609020204030204" pitchFamily="49" charset="0"/>
-              </a:rPr>
-              <a:t> &lt; </a:t>
-            </a:r>
-            <a:r>
-              <a:rPr lang="en-GB" sz="800" b="0" dirty="0">
+              <a:rPr lang="en-GB" sz="700" b="0" dirty="0">
+                <a:solidFill>
+                  <a:srgbClr val="D4D4D4"/>
+                </a:solidFill>
+                <a:effectLst/>
+                <a:latin typeface="Consolas" panose="020B0609020204030204" pitchFamily="49" charset="0"/>
+              </a:rPr>
+              <a:t>              </a:t>
+            </a:r>
+            <a:r>
+              <a:rPr lang="en-GB" sz="700" b="0" dirty="0">
                 <a:solidFill>
                   <a:srgbClr val="569CD6"/>
                 </a:solidFill>
                 <a:effectLst/>
                 <a:latin typeface="Consolas" panose="020B0609020204030204" pitchFamily="49" charset="0"/>
               </a:rPr>
-              <a:t>{</a:t>
-            </a:r>
-            <a:r>
-              <a:rPr lang="en-GB" sz="800" b="0" dirty="0">
-                <a:solidFill>
-                  <a:srgbClr val="D4D4D4"/>
-                </a:solidFill>
-                <a:effectLst/>
-                <a:latin typeface="Consolas" panose="020B0609020204030204" pitchFamily="49" charset="0"/>
-              </a:rPr>
-              <a:t>b:u1</a:t>
-            </a:r>
-            <a:r>
-              <a:rPr lang="en-GB" sz="800" b="0" dirty="0">
-                <a:solidFill>
-                  <a:srgbClr val="569CD6"/>
-                </a:solidFill>
-                <a:effectLst/>
-                <a:latin typeface="Consolas" panose="020B0609020204030204" pitchFamily="49" charset="0"/>
-              </a:rPr>
-              <a:t>}</a:t>
-            </a:r>
-            <a:r>
-              <a:rPr lang="en-GB" sz="800" b="0" dirty="0">
-                <a:solidFill>
-                  <a:srgbClr val="D4D4D4"/>
-                </a:solidFill>
-                <a:effectLst/>
-                <a:latin typeface="Consolas" panose="020B0609020204030204" pitchFamily="49" charset="0"/>
-              </a:rPr>
-              <a:t>    </a:t>
-            </a:r>
-            <a:r>
-              <a:rPr lang="en-GB" sz="800" b="0" dirty="0">
-                <a:solidFill>
-                  <a:srgbClr val="569CD6"/>
-                </a:solidFill>
-                <a:effectLst/>
-                <a:latin typeface="Consolas" panose="020B0609020204030204" pitchFamily="49" charset="0"/>
-              </a:rPr>
               <a:t>=&gt;</a:t>
             </a:r>
             <a:r>
-              <a:rPr lang="en-GB" sz="800" b="0" dirty="0">
+              <a:rPr lang="en-GB" sz="700" b="0" dirty="0">
                 <a:solidFill>
                   <a:srgbClr val="D4D4D4"/>
                 </a:solidFill>
@@ -12091,17 +11420,17 @@
               <a:t> </a:t>
             </a:r>
             <a:r>
-              <a:rPr lang="en-GB" sz="800" b="0" dirty="0">
+              <a:rPr lang="en-GB" sz="700" b="0" dirty="0">
                 <a:solidFill>
                   <a:srgbClr val="B5CEA8"/>
                 </a:solidFill>
                 <a:effectLst/>
                 <a:latin typeface="Consolas" panose="020B0609020204030204" pitchFamily="49" charset="0"/>
               </a:rPr>
-              <a:t>0x8</a:t>
-            </a:r>
-            <a:r>
-              <a:rPr lang="en-GB" sz="800" b="0" dirty="0">
+              <a:t>0x2</a:t>
+            </a:r>
+            <a:r>
+              <a:rPr lang="en-GB" sz="700" b="0" dirty="0">
                 <a:solidFill>
                   <a:srgbClr val="D4D4D4"/>
                 </a:solidFill>
@@ -12111,7 +11440,7 @@
               <a:t> @  o`</a:t>
             </a:r>
             <a:r>
-              <a:rPr lang="en-GB" sz="800" b="0" dirty="0">
+              <a:rPr lang="en-GB" sz="700" b="0" dirty="0">
                 <a:solidFill>
                   <a:srgbClr val="B5CEA8"/>
                 </a:solidFill>
@@ -12121,7 +11450,7 @@
               <a:t>3</a:t>
             </a:r>
             <a:r>
-              <a:rPr lang="en-GB" sz="800" b="0" dirty="0">
+              <a:rPr lang="en-GB" sz="700" b="0" dirty="0">
                 <a:solidFill>
                   <a:srgbClr val="D4D4D4"/>
                 </a:solidFill>
@@ -12131,7 +11460,7 @@
               <a:t> @  a`</a:t>
             </a:r>
             <a:r>
-              <a:rPr lang="en-GB" sz="800" b="0" dirty="0">
+              <a:rPr lang="en-GB" sz="700" b="0" dirty="0">
                 <a:solidFill>
                   <a:srgbClr val="B5CEA8"/>
                 </a:solidFill>
@@ -12141,7 +11470,7 @@
               <a:t>3</a:t>
             </a:r>
             <a:r>
-              <a:rPr lang="en-GB" sz="800" b="0" dirty="0">
+              <a:rPr lang="en-GB" sz="700" b="0" dirty="0">
                 <a:solidFill>
                   <a:srgbClr val="D4D4D4"/>
                 </a:solidFill>
@@ -12151,17 +11480,17 @@
               <a:t> @  </a:t>
             </a:r>
             <a:r>
-              <a:rPr lang="en-GB" sz="800" b="0" dirty="0">
+              <a:rPr lang="en-GB" sz="700" b="0" dirty="0">
                 <a:solidFill>
                   <a:srgbClr val="B5CEA8"/>
                 </a:solidFill>
                 <a:effectLst/>
                 <a:latin typeface="Consolas" panose="020B0609020204030204" pitchFamily="49" charset="0"/>
               </a:rPr>
-              <a:t>1</a:t>
-            </a:r>
-            <a:r>
-              <a:rPr lang="en-GB" sz="800" b="0" dirty="0">
+              <a:t>0</a:t>
+            </a:r>
+            <a:r>
+              <a:rPr lang="en-GB" sz="700" b="0" dirty="0">
                 <a:solidFill>
                   <a:srgbClr val="D4D4D4"/>
                 </a:solidFill>
@@ -12171,47 +11500,27 @@
               <a:t>`</a:t>
             </a:r>
             <a:r>
-              <a:rPr lang="en-GB" sz="800" b="0" dirty="0">
+              <a:rPr lang="en-GB" sz="700" b="0" dirty="0">
                 <a:solidFill>
                   <a:srgbClr val="B5CEA8"/>
                 </a:solidFill>
                 <a:effectLst/>
                 <a:latin typeface="Consolas" panose="020B0609020204030204" pitchFamily="49" charset="0"/>
               </a:rPr>
-              <a:t>2</a:t>
-            </a:r>
-            <a:r>
-              <a:rPr lang="en-GB" sz="800" b="0" dirty="0">
-                <a:solidFill>
-                  <a:srgbClr val="D4D4D4"/>
-                </a:solidFill>
-                <a:effectLst/>
-                <a:latin typeface="Consolas" panose="020B0609020204030204" pitchFamily="49" charset="0"/>
-              </a:rPr>
-              <a:t> @ b`</a:t>
-            </a:r>
-            <a:r>
-              <a:rPr lang="en-GB" sz="800" b="0" dirty="0">
-                <a:solidFill>
-                  <a:srgbClr val="B5CEA8"/>
-                </a:solidFill>
-                <a:effectLst/>
-                <a:latin typeface="Consolas" panose="020B0609020204030204" pitchFamily="49" charset="0"/>
-              </a:rPr>
-              <a:t>1</a:t>
-            </a:r>
-            <a:r>
-              <a:rPr lang="en-GB" sz="800" b="0" dirty="0">
-                <a:solidFill>
-                  <a:srgbClr val="D4D4D4"/>
-                </a:solidFill>
-                <a:effectLst/>
-                <a:latin typeface="Consolas" panose="020B0609020204030204" pitchFamily="49" charset="0"/>
-              </a:rPr>
-              <a:t> </a:t>
-            </a:r>
-            <a:r>
-              <a:rPr lang="en-GB" sz="800" b="0" dirty="0">
+              <a:t>3</a:t>
+            </a:r>
+            <a:r>
+              <a:rPr lang="en-GB" sz="700" b="0" dirty="0">
+                <a:solidFill>
+                  <a:srgbClr val="D4D4D4"/>
+                </a:solidFill>
+                <a:effectLst/>
+                <a:latin typeface="Consolas" panose="020B0609020204030204" pitchFamily="49" charset="0"/>
+              </a:rPr>
+              <a:t>       </a:t>
+            </a:r>
+            <a:r>
+              <a:rPr lang="en-GB" sz="700" b="0" dirty="0">
                 <a:solidFill>
                   <a:srgbClr val="6A9955"/>
                 </a:solidFill>
@@ -12221,16 +11530,16 @@
               <a:t>; </a:t>
             </a:r>
             <a:r>
-              <a:rPr lang="en-GB" sz="800" b="0" dirty="0" err="1">
+              <a:rPr lang="en-GB" sz="700" b="0" dirty="0" err="1">
                 <a:solidFill>
                   <a:srgbClr val="6A9955"/>
                 </a:solidFill>
                 <a:effectLst/>
                 <a:latin typeface="Consolas" panose="020B0609020204030204" pitchFamily="49" charset="0"/>
               </a:rPr>
-              <a:t>op_shft</a:t>
-            </a:r>
-            <a:endParaRPr lang="en-GB" sz="800" b="0" dirty="0">
+              <a:t>op_copy</a:t>
+            </a:r>
+            <a:endParaRPr lang="en-GB" sz="700" b="0" dirty="0">
               <a:solidFill>
                 <a:srgbClr val="D4D4D4"/>
               </a:solidFill>
@@ -12239,27 +11548,18 @@
             </a:endParaRPr>
           </a:p>
           <a:p>
-            <a:br>
-              <a:rPr lang="en-GB" sz="800" b="0" dirty="0">
-                <a:solidFill>
-                  <a:srgbClr val="D4D4D4"/>
-                </a:solidFill>
-                <a:effectLst/>
-                <a:latin typeface="Consolas" panose="020B0609020204030204" pitchFamily="49" charset="0"/>
-              </a:rPr>
-            </a:br>
-            <a:r>
-              <a:rPr lang="en-GB" sz="800" b="0" dirty="0">
-                <a:solidFill>
-                  <a:srgbClr val="D4D4D4"/>
-                </a:solidFill>
-                <a:effectLst/>
-                <a:latin typeface="Consolas" panose="020B0609020204030204" pitchFamily="49" charset="0"/>
-              </a:rPr>
-              <a:t>  if </a:t>
-            </a:r>
-            <a:r>
-              <a:rPr lang="en-GB" sz="800" b="0" dirty="0">
+            <a:r>
+              <a:rPr lang="en-GB" sz="700" b="0" dirty="0">
+                <a:solidFill>
+                  <a:srgbClr val="D4D4D4"/>
+                </a:solidFill>
+                <a:effectLst/>
+                <a:latin typeface="Consolas" panose="020B0609020204030204" pitchFamily="49" charset="0"/>
+              </a:rPr>
+              <a:t>  </a:t>
+            </a:r>
+            <a:r>
+              <a:rPr lang="en-GB" sz="700" b="0" dirty="0">
                 <a:solidFill>
                   <a:srgbClr val="569CD6"/>
                 </a:solidFill>
@@ -12269,7 +11569,47 @@
               <a:t>{</a:t>
             </a:r>
             <a:r>
-              <a:rPr lang="en-GB" sz="800" b="0" dirty="0" err="1">
+              <a:rPr lang="en-GB" sz="700" b="0" dirty="0" err="1">
+                <a:solidFill>
+                  <a:srgbClr val="D4D4D4"/>
+                </a:solidFill>
+                <a:effectLst/>
+                <a:latin typeface="Consolas" panose="020B0609020204030204" pitchFamily="49" charset="0"/>
+              </a:rPr>
+              <a:t>o:sreg</a:t>
+            </a:r>
+            <a:r>
+              <a:rPr lang="en-GB" sz="700" b="0" dirty="0">
+                <a:solidFill>
+                  <a:srgbClr val="569CD6"/>
+                </a:solidFill>
+                <a:effectLst/>
+                <a:latin typeface="Consolas" panose="020B0609020204030204" pitchFamily="49" charset="0"/>
+              </a:rPr>
+              <a:t>}</a:t>
+            </a:r>
+            <a:r>
+              <a:rPr lang="en-GB" sz="700" b="0" dirty="0">
+                <a:solidFill>
+                  <a:srgbClr val="D4D4D4"/>
+                </a:solidFill>
+                <a:effectLst/>
+                <a:latin typeface="Consolas" panose="020B0609020204030204" pitchFamily="49" charset="0"/>
+              </a:rPr>
+              <a:t> &lt;- </a:t>
+            </a:r>
+            <a:r>
+              <a:rPr lang="en-GB" sz="700" b="0" dirty="0">
+                <a:solidFill>
+                  <a:srgbClr val="569CD6"/>
+                </a:solidFill>
+                <a:effectLst/>
+                <a:latin typeface="Consolas" panose="020B0609020204030204" pitchFamily="49" charset="0"/>
+              </a:rPr>
+              <a:t>{</a:t>
+            </a:r>
+            <a:r>
+              <a:rPr lang="en-GB" sz="700" b="0" dirty="0" err="1">
                 <a:solidFill>
                   <a:srgbClr val="D4D4D4"/>
                 </a:solidFill>
@@ -12279,7 +11619,7 @@
               <a:t>a:reg</a:t>
             </a:r>
             <a:r>
-              <a:rPr lang="en-GB" sz="800" b="0" dirty="0">
+              <a:rPr lang="en-GB" sz="700" b="0" dirty="0">
                 <a:solidFill>
                   <a:srgbClr val="569CD6"/>
                 </a:solidFill>
@@ -12289,7 +11629,67 @@
               <a:t>}</a:t>
             </a:r>
             <a:r>
-              <a:rPr lang="en-GB" sz="800" b="0" dirty="0">
+              <a:rPr lang="en-GB" sz="700" b="0" dirty="0">
+                <a:solidFill>
+                  <a:srgbClr val="D4D4D4"/>
+                </a:solidFill>
+                <a:effectLst/>
+                <a:latin typeface="Consolas" panose="020B0609020204030204" pitchFamily="49" charset="0"/>
+              </a:rPr>
+              <a:t> and </a:t>
+            </a:r>
+            <a:r>
+              <a:rPr lang="en-GB" sz="700" b="0" dirty="0">
+                <a:solidFill>
+                  <a:srgbClr val="569CD6"/>
+                </a:solidFill>
+                <a:effectLst/>
+                <a:latin typeface="Consolas" panose="020B0609020204030204" pitchFamily="49" charset="0"/>
+              </a:rPr>
+              <a:t>{</a:t>
+            </a:r>
+            <a:r>
+              <a:rPr lang="en-GB" sz="700" b="0" dirty="0" err="1">
+                <a:solidFill>
+                  <a:srgbClr val="D4D4D4"/>
+                </a:solidFill>
+                <a:effectLst/>
+                <a:latin typeface="Consolas" panose="020B0609020204030204" pitchFamily="49" charset="0"/>
+              </a:rPr>
+              <a:t>b:reg</a:t>
+            </a:r>
+            <a:r>
+              <a:rPr lang="en-GB" sz="700" b="0" dirty="0">
+                <a:solidFill>
+                  <a:srgbClr val="569CD6"/>
+                </a:solidFill>
+                <a:effectLst/>
+                <a:latin typeface="Consolas" panose="020B0609020204030204" pitchFamily="49" charset="0"/>
+              </a:rPr>
+              <a:t>}</a:t>
+            </a:r>
+            <a:r>
+              <a:rPr lang="en-GB" sz="700" b="0" dirty="0">
+                <a:solidFill>
+                  <a:srgbClr val="D4D4D4"/>
+                </a:solidFill>
+                <a:effectLst/>
+                <a:latin typeface="Consolas" panose="020B0609020204030204" pitchFamily="49" charset="0"/>
+              </a:rPr>
+              <a:t>  </a:t>
+            </a:r>
+            <a:r>
+              <a:rPr lang="en-GB" sz="700" b="0" dirty="0">
+                <a:solidFill>
+                  <a:srgbClr val="569CD6"/>
+                </a:solidFill>
+                <a:effectLst/>
+                <a:latin typeface="Consolas" panose="020B0609020204030204" pitchFamily="49" charset="0"/>
+              </a:rPr>
+              <a:t>=&gt;</a:t>
+            </a:r>
+            <a:r>
+              <a:rPr lang="en-GB" sz="700" b="0" dirty="0">
                 <a:solidFill>
                   <a:srgbClr val="D4D4D4"/>
                 </a:solidFill>
@@ -12299,127 +11699,47 @@
               <a:t> </a:t>
             </a:r>
             <a:r>
-              <a:rPr lang="en-GB" sz="800" b="0" dirty="0" err="1">
-                <a:solidFill>
-                  <a:srgbClr val="D4D4D4"/>
-                </a:solidFill>
-                <a:effectLst/>
-                <a:latin typeface="Consolas" panose="020B0609020204030204" pitchFamily="49" charset="0"/>
-              </a:rPr>
-              <a:t>eq</a:t>
-            </a:r>
-            <a:r>
-              <a:rPr lang="en-GB" sz="800" b="0" dirty="0">
-                <a:solidFill>
-                  <a:srgbClr val="D4D4D4"/>
-                </a:solidFill>
-                <a:effectLst/>
-                <a:latin typeface="Consolas" panose="020B0609020204030204" pitchFamily="49" charset="0"/>
-              </a:rPr>
-              <a:t> </a:t>
-            </a:r>
-            <a:r>
-              <a:rPr lang="en-GB" sz="800" b="0" dirty="0">
-                <a:solidFill>
-                  <a:srgbClr val="569CD6"/>
-                </a:solidFill>
-                <a:effectLst/>
-                <a:latin typeface="Consolas" panose="020B0609020204030204" pitchFamily="49" charset="0"/>
-              </a:rPr>
-              <a:t>{</a:t>
-            </a:r>
-            <a:r>
-              <a:rPr lang="en-GB" sz="800" b="0" dirty="0" err="1">
-                <a:solidFill>
-                  <a:srgbClr val="D4D4D4"/>
-                </a:solidFill>
-                <a:effectLst/>
-                <a:latin typeface="Consolas" panose="020B0609020204030204" pitchFamily="49" charset="0"/>
-              </a:rPr>
-              <a:t>b:reg</a:t>
-            </a:r>
-            <a:r>
-              <a:rPr lang="en-GB" sz="800" b="0" dirty="0">
-                <a:solidFill>
-                  <a:srgbClr val="569CD6"/>
-                </a:solidFill>
-                <a:effectLst/>
-                <a:latin typeface="Consolas" panose="020B0609020204030204" pitchFamily="49" charset="0"/>
-              </a:rPr>
-              <a:t>}</a:t>
-            </a:r>
-            <a:r>
-              <a:rPr lang="en-GB" sz="800" b="0" dirty="0">
-                <a:solidFill>
-                  <a:srgbClr val="D4D4D4"/>
-                </a:solidFill>
-                <a:effectLst/>
-                <a:latin typeface="Consolas" panose="020B0609020204030204" pitchFamily="49" charset="0"/>
-              </a:rPr>
-              <a:t>           </a:t>
-            </a:r>
-            <a:r>
-              <a:rPr lang="en-GB" sz="800" b="0" dirty="0">
-                <a:solidFill>
-                  <a:srgbClr val="569CD6"/>
-                </a:solidFill>
-                <a:effectLst/>
-                <a:latin typeface="Consolas" panose="020B0609020204030204" pitchFamily="49" charset="0"/>
-              </a:rPr>
-              <a:t>=&gt;</a:t>
-            </a:r>
-            <a:r>
-              <a:rPr lang="en-GB" sz="800" b="0" dirty="0">
-                <a:solidFill>
-                  <a:srgbClr val="D4D4D4"/>
-                </a:solidFill>
-                <a:effectLst/>
-                <a:latin typeface="Consolas" panose="020B0609020204030204" pitchFamily="49" charset="0"/>
-              </a:rPr>
-              <a:t> </a:t>
-            </a:r>
-            <a:r>
-              <a:rPr lang="en-GB" sz="800" b="0" dirty="0">
+              <a:rPr lang="en-GB" sz="700" b="0" dirty="0">
                 <a:solidFill>
                   <a:srgbClr val="B5CEA8"/>
                 </a:solidFill>
                 <a:effectLst/>
                 <a:latin typeface="Consolas" panose="020B0609020204030204" pitchFamily="49" charset="0"/>
               </a:rPr>
-              <a:t>0xb</a:t>
-            </a:r>
-            <a:r>
-              <a:rPr lang="en-GB" sz="800" b="0" dirty="0">
-                <a:solidFill>
-                  <a:srgbClr val="D4D4D4"/>
-                </a:solidFill>
-                <a:effectLst/>
-                <a:latin typeface="Consolas" panose="020B0609020204030204" pitchFamily="49" charset="0"/>
-              </a:rPr>
-              <a:t> @  </a:t>
-            </a:r>
-            <a:r>
-              <a:rPr lang="en-GB" sz="800" b="0" dirty="0">
+              <a:t>0x3</a:t>
+            </a:r>
+            <a:r>
+              <a:rPr lang="en-GB" sz="700" b="0" dirty="0">
+                <a:solidFill>
+                  <a:srgbClr val="D4D4D4"/>
+                </a:solidFill>
+                <a:effectLst/>
+                <a:latin typeface="Consolas" panose="020B0609020204030204" pitchFamily="49" charset="0"/>
+              </a:rPr>
+              <a:t> @  o`</a:t>
+            </a:r>
+            <a:r>
+              <a:rPr lang="en-GB" sz="700" b="0" dirty="0">
                 <a:solidFill>
                   <a:srgbClr val="B5CEA8"/>
                 </a:solidFill>
                 <a:effectLst/>
                 <a:latin typeface="Consolas" panose="020B0609020204030204" pitchFamily="49" charset="0"/>
               </a:rPr>
-              <a:t>0</a:t>
-            </a:r>
-            <a:r>
-              <a:rPr lang="en-GB" sz="800" b="0" dirty="0">
-                <a:solidFill>
-                  <a:srgbClr val="D4D4D4"/>
-                </a:solidFill>
-                <a:effectLst/>
-                <a:latin typeface="Consolas" panose="020B0609020204030204" pitchFamily="49" charset="0"/>
-              </a:rPr>
-              <a:t>`</a:t>
-            </a:r>
-            <a:r>
-              <a:rPr lang="en-GB" sz="800" b="0" dirty="0">
+              <a:t>3</a:t>
+            </a:r>
+            <a:r>
+              <a:rPr lang="en-GB" sz="700" b="0" dirty="0">
+                <a:solidFill>
+                  <a:srgbClr val="D4D4D4"/>
+                </a:solidFill>
+                <a:effectLst/>
+                <a:latin typeface="Consolas" panose="020B0609020204030204" pitchFamily="49" charset="0"/>
+              </a:rPr>
+              <a:t> @  a`</a:t>
+            </a:r>
+            <a:r>
+              <a:rPr lang="en-GB" sz="700" b="0" dirty="0">
                 <a:solidFill>
                   <a:srgbClr val="B5CEA8"/>
                 </a:solidFill>
@@ -12429,17 +11749,17 @@
               <a:t>3</a:t>
             </a:r>
             <a:r>
-              <a:rPr lang="en-GB" sz="800" b="0" dirty="0">
-                <a:solidFill>
-                  <a:srgbClr val="D4D4D4"/>
-                </a:solidFill>
-                <a:effectLst/>
-                <a:latin typeface="Consolas" panose="020B0609020204030204" pitchFamily="49" charset="0"/>
-              </a:rPr>
-              <a:t> @  a`</a:t>
-            </a:r>
-            <a:r>
-              <a:rPr lang="en-GB" sz="800" b="0" dirty="0">
+              <a:rPr lang="en-GB" sz="700" b="0" dirty="0">
+                <a:solidFill>
+                  <a:srgbClr val="D4D4D4"/>
+                </a:solidFill>
+                <a:effectLst/>
+                <a:latin typeface="Consolas" panose="020B0609020204030204" pitchFamily="49" charset="0"/>
+              </a:rPr>
+              <a:t> @  b`</a:t>
+            </a:r>
+            <a:r>
+              <a:rPr lang="en-GB" sz="700" b="0" dirty="0">
                 <a:solidFill>
                   <a:srgbClr val="B5CEA8"/>
                 </a:solidFill>
@@ -12449,27 +11769,7 @@
               <a:t>3</a:t>
             </a:r>
             <a:r>
-              <a:rPr lang="en-GB" sz="800" b="0" dirty="0">
-                <a:solidFill>
-                  <a:srgbClr val="D4D4D4"/>
-                </a:solidFill>
-                <a:effectLst/>
-                <a:latin typeface="Consolas" panose="020B0609020204030204" pitchFamily="49" charset="0"/>
-              </a:rPr>
-              <a:t> @  b`</a:t>
-            </a:r>
-            <a:r>
-              <a:rPr lang="en-GB" sz="800" b="0" dirty="0">
-                <a:solidFill>
-                  <a:srgbClr val="B5CEA8"/>
-                </a:solidFill>
-                <a:effectLst/>
-                <a:latin typeface="Consolas" panose="020B0609020204030204" pitchFamily="49" charset="0"/>
-              </a:rPr>
-              <a:t>3</a:t>
-            </a:r>
-            <a:r>
-              <a:rPr lang="en-GB" sz="800" b="0" dirty="0">
+              <a:rPr lang="en-GB" sz="700" b="0" dirty="0">
                 <a:solidFill>
                   <a:srgbClr val="D4D4D4"/>
                 </a:solidFill>
@@ -12479,7 +11779,7 @@
               <a:t>       </a:t>
             </a:r>
             <a:r>
-              <a:rPr lang="en-GB" sz="800" b="0" dirty="0">
+              <a:rPr lang="en-GB" sz="700" b="0" dirty="0">
                 <a:solidFill>
                   <a:srgbClr val="6A9955"/>
                 </a:solidFill>
@@ -12489,16 +11789,16 @@
               <a:t>; </a:t>
             </a:r>
             <a:r>
-              <a:rPr lang="en-GB" sz="800" b="0" dirty="0" err="1">
+              <a:rPr lang="en-GB" sz="700" b="0" dirty="0" err="1">
                 <a:solidFill>
                   <a:srgbClr val="6A9955"/>
                 </a:solidFill>
                 <a:effectLst/>
                 <a:latin typeface="Consolas" panose="020B0609020204030204" pitchFamily="49" charset="0"/>
               </a:rPr>
-              <a:t>op_ifeq</a:t>
-            </a:r>
-            <a:endParaRPr lang="en-GB" sz="800" b="0" dirty="0">
+              <a:t>op_and</a:t>
+            </a:r>
+            <a:endParaRPr lang="en-GB" sz="700" b="0" dirty="0">
               <a:solidFill>
                 <a:srgbClr val="D4D4D4"/>
               </a:solidFill>
@@ -12508,17 +11808,17 @@
           </a:p>
           <a:p>
             <a:r>
-              <a:rPr lang="en-GB" sz="800" b="0" dirty="0">
-                <a:solidFill>
-                  <a:srgbClr val="D4D4D4"/>
-                </a:solidFill>
-                <a:effectLst/>
-                <a:latin typeface="Consolas" panose="020B0609020204030204" pitchFamily="49" charset="0"/>
-              </a:rPr>
-              <a:t>  if </a:t>
-            </a:r>
-            <a:r>
-              <a:rPr lang="en-GB" sz="800" b="0" dirty="0">
+              <a:rPr lang="en-GB" sz="700" b="0" dirty="0">
+                <a:solidFill>
+                  <a:srgbClr val="D4D4D4"/>
+                </a:solidFill>
+                <a:effectLst/>
+                <a:latin typeface="Consolas" panose="020B0609020204030204" pitchFamily="49" charset="0"/>
+              </a:rPr>
+              <a:t>  </a:t>
+            </a:r>
+            <a:r>
+              <a:rPr lang="en-GB" sz="700" b="0" dirty="0">
                 <a:solidFill>
                   <a:srgbClr val="569CD6"/>
                 </a:solidFill>
@@ -12528,7 +11828,47 @@
               <a:t>{</a:t>
             </a:r>
             <a:r>
-              <a:rPr lang="en-GB" sz="800" b="0" dirty="0" err="1">
+              <a:rPr lang="en-GB" sz="700" b="0" dirty="0" err="1">
+                <a:solidFill>
+                  <a:srgbClr val="D4D4D4"/>
+                </a:solidFill>
+                <a:effectLst/>
+                <a:latin typeface="Consolas" panose="020B0609020204030204" pitchFamily="49" charset="0"/>
+              </a:rPr>
+              <a:t>o:sreg</a:t>
+            </a:r>
+            <a:r>
+              <a:rPr lang="en-GB" sz="700" b="0" dirty="0">
+                <a:solidFill>
+                  <a:srgbClr val="569CD6"/>
+                </a:solidFill>
+                <a:effectLst/>
+                <a:latin typeface="Consolas" panose="020B0609020204030204" pitchFamily="49" charset="0"/>
+              </a:rPr>
+              <a:t>}</a:t>
+            </a:r>
+            <a:r>
+              <a:rPr lang="en-GB" sz="700" b="0" dirty="0">
+                <a:solidFill>
+                  <a:srgbClr val="D4D4D4"/>
+                </a:solidFill>
+                <a:effectLst/>
+                <a:latin typeface="Consolas" panose="020B0609020204030204" pitchFamily="49" charset="0"/>
+              </a:rPr>
+              <a:t> &lt;- </a:t>
+            </a:r>
+            <a:r>
+              <a:rPr lang="en-GB" sz="700" b="0" dirty="0">
+                <a:solidFill>
+                  <a:srgbClr val="569CD6"/>
+                </a:solidFill>
+                <a:effectLst/>
+                <a:latin typeface="Consolas" panose="020B0609020204030204" pitchFamily="49" charset="0"/>
+              </a:rPr>
+              <a:t>{</a:t>
+            </a:r>
+            <a:r>
+              <a:rPr lang="en-GB" sz="700" b="0" dirty="0" err="1">
                 <a:solidFill>
                   <a:srgbClr val="D4D4D4"/>
                 </a:solidFill>
@@ -12538,7 +11878,7 @@
               <a:t>a:reg</a:t>
             </a:r>
             <a:r>
-              <a:rPr lang="en-GB" sz="800" b="0" dirty="0">
+              <a:rPr lang="en-GB" sz="700" b="0" dirty="0">
                 <a:solidFill>
                   <a:srgbClr val="569CD6"/>
                 </a:solidFill>
@@ -12548,7 +11888,67 @@
               <a:t>}</a:t>
             </a:r>
             <a:r>
-              <a:rPr lang="en-GB" sz="800" b="0" dirty="0">
+              <a:rPr lang="en-GB" sz="700" b="0" dirty="0">
+                <a:solidFill>
+                  <a:srgbClr val="D4D4D4"/>
+                </a:solidFill>
+                <a:effectLst/>
+                <a:latin typeface="Consolas" panose="020B0609020204030204" pitchFamily="49" charset="0"/>
+              </a:rPr>
+              <a:t> or  </a:t>
+            </a:r>
+            <a:r>
+              <a:rPr lang="en-GB" sz="700" b="0" dirty="0">
+                <a:solidFill>
+                  <a:srgbClr val="569CD6"/>
+                </a:solidFill>
+                <a:effectLst/>
+                <a:latin typeface="Consolas" panose="020B0609020204030204" pitchFamily="49" charset="0"/>
+              </a:rPr>
+              <a:t>{</a:t>
+            </a:r>
+            <a:r>
+              <a:rPr lang="en-GB" sz="700" b="0" dirty="0" err="1">
+                <a:solidFill>
+                  <a:srgbClr val="D4D4D4"/>
+                </a:solidFill>
+                <a:effectLst/>
+                <a:latin typeface="Consolas" panose="020B0609020204030204" pitchFamily="49" charset="0"/>
+              </a:rPr>
+              <a:t>b:reg</a:t>
+            </a:r>
+            <a:r>
+              <a:rPr lang="en-GB" sz="700" b="0" dirty="0">
+                <a:solidFill>
+                  <a:srgbClr val="569CD6"/>
+                </a:solidFill>
+                <a:effectLst/>
+                <a:latin typeface="Consolas" panose="020B0609020204030204" pitchFamily="49" charset="0"/>
+              </a:rPr>
+              <a:t>}</a:t>
+            </a:r>
+            <a:r>
+              <a:rPr lang="en-GB" sz="700" b="0" dirty="0">
+                <a:solidFill>
+                  <a:srgbClr val="D4D4D4"/>
+                </a:solidFill>
+                <a:effectLst/>
+                <a:latin typeface="Consolas" panose="020B0609020204030204" pitchFamily="49" charset="0"/>
+              </a:rPr>
+              <a:t>  </a:t>
+            </a:r>
+            <a:r>
+              <a:rPr lang="en-GB" sz="700" b="0" dirty="0">
+                <a:solidFill>
+                  <a:srgbClr val="569CD6"/>
+                </a:solidFill>
+                <a:effectLst/>
+                <a:latin typeface="Consolas" panose="020B0609020204030204" pitchFamily="49" charset="0"/>
+              </a:rPr>
+              <a:t>=&gt;</a:t>
+            </a:r>
+            <a:r>
+              <a:rPr lang="en-GB" sz="700" b="0" dirty="0">
                 <a:solidFill>
                   <a:srgbClr val="D4D4D4"/>
                 </a:solidFill>
@@ -12558,127 +11958,47 @@
               <a:t> </a:t>
             </a:r>
             <a:r>
-              <a:rPr lang="en-GB" sz="800" b="0" dirty="0" err="1">
-                <a:solidFill>
-                  <a:srgbClr val="D4D4D4"/>
-                </a:solidFill>
-                <a:effectLst/>
-                <a:latin typeface="Consolas" panose="020B0609020204030204" pitchFamily="49" charset="0"/>
-              </a:rPr>
-              <a:t>gt</a:t>
-            </a:r>
-            <a:r>
-              <a:rPr lang="en-GB" sz="800" b="0" dirty="0">
-                <a:solidFill>
-                  <a:srgbClr val="D4D4D4"/>
-                </a:solidFill>
-                <a:effectLst/>
-                <a:latin typeface="Consolas" panose="020B0609020204030204" pitchFamily="49" charset="0"/>
-              </a:rPr>
-              <a:t> </a:t>
-            </a:r>
-            <a:r>
-              <a:rPr lang="en-GB" sz="800" b="0" dirty="0">
-                <a:solidFill>
-                  <a:srgbClr val="569CD6"/>
-                </a:solidFill>
-                <a:effectLst/>
-                <a:latin typeface="Consolas" panose="020B0609020204030204" pitchFamily="49" charset="0"/>
-              </a:rPr>
-              <a:t>{</a:t>
-            </a:r>
-            <a:r>
-              <a:rPr lang="en-GB" sz="800" b="0" dirty="0" err="1">
-                <a:solidFill>
-                  <a:srgbClr val="D4D4D4"/>
-                </a:solidFill>
-                <a:effectLst/>
-                <a:latin typeface="Consolas" panose="020B0609020204030204" pitchFamily="49" charset="0"/>
-              </a:rPr>
-              <a:t>b:reg</a:t>
-            </a:r>
-            <a:r>
-              <a:rPr lang="en-GB" sz="800" b="0" dirty="0">
-                <a:solidFill>
-                  <a:srgbClr val="569CD6"/>
-                </a:solidFill>
-                <a:effectLst/>
-                <a:latin typeface="Consolas" panose="020B0609020204030204" pitchFamily="49" charset="0"/>
-              </a:rPr>
-              <a:t>}</a:t>
-            </a:r>
-            <a:r>
-              <a:rPr lang="en-GB" sz="800" b="0" dirty="0">
-                <a:solidFill>
-                  <a:srgbClr val="D4D4D4"/>
-                </a:solidFill>
-                <a:effectLst/>
-                <a:latin typeface="Consolas" panose="020B0609020204030204" pitchFamily="49" charset="0"/>
-              </a:rPr>
-              <a:t>           </a:t>
-            </a:r>
-            <a:r>
-              <a:rPr lang="en-GB" sz="800" b="0" dirty="0">
-                <a:solidFill>
-                  <a:srgbClr val="569CD6"/>
-                </a:solidFill>
-                <a:effectLst/>
-                <a:latin typeface="Consolas" panose="020B0609020204030204" pitchFamily="49" charset="0"/>
-              </a:rPr>
-              <a:t>=&gt;</a:t>
-            </a:r>
-            <a:r>
-              <a:rPr lang="en-GB" sz="800" b="0" dirty="0">
-                <a:solidFill>
-                  <a:srgbClr val="D4D4D4"/>
-                </a:solidFill>
-                <a:effectLst/>
-                <a:latin typeface="Consolas" panose="020B0609020204030204" pitchFamily="49" charset="0"/>
-              </a:rPr>
-              <a:t> </a:t>
-            </a:r>
-            <a:r>
-              <a:rPr lang="en-GB" sz="800" b="0" dirty="0">
+              <a:rPr lang="en-GB" sz="700" b="0" dirty="0">
                 <a:solidFill>
                   <a:srgbClr val="B5CEA8"/>
                 </a:solidFill>
                 <a:effectLst/>
                 <a:latin typeface="Consolas" panose="020B0609020204030204" pitchFamily="49" charset="0"/>
               </a:rPr>
-              <a:t>0xc</a:t>
-            </a:r>
-            <a:r>
-              <a:rPr lang="en-GB" sz="800" b="0" dirty="0">
-                <a:solidFill>
-                  <a:srgbClr val="D4D4D4"/>
-                </a:solidFill>
-                <a:effectLst/>
-                <a:latin typeface="Consolas" panose="020B0609020204030204" pitchFamily="49" charset="0"/>
-              </a:rPr>
-              <a:t> @  </a:t>
-            </a:r>
-            <a:r>
-              <a:rPr lang="en-GB" sz="800" b="0" dirty="0">
+              <a:t>0x4</a:t>
+            </a:r>
+            <a:r>
+              <a:rPr lang="en-GB" sz="700" b="0" dirty="0">
+                <a:solidFill>
+                  <a:srgbClr val="D4D4D4"/>
+                </a:solidFill>
+                <a:effectLst/>
+                <a:latin typeface="Consolas" panose="020B0609020204030204" pitchFamily="49" charset="0"/>
+              </a:rPr>
+              <a:t> @  o`</a:t>
+            </a:r>
+            <a:r>
+              <a:rPr lang="en-GB" sz="700" b="0" dirty="0">
                 <a:solidFill>
                   <a:srgbClr val="B5CEA8"/>
                 </a:solidFill>
                 <a:effectLst/>
                 <a:latin typeface="Consolas" panose="020B0609020204030204" pitchFamily="49" charset="0"/>
               </a:rPr>
-              <a:t>0</a:t>
-            </a:r>
-            <a:r>
-              <a:rPr lang="en-GB" sz="800" b="0" dirty="0">
-                <a:solidFill>
-                  <a:srgbClr val="D4D4D4"/>
-                </a:solidFill>
-                <a:effectLst/>
-                <a:latin typeface="Consolas" panose="020B0609020204030204" pitchFamily="49" charset="0"/>
-              </a:rPr>
-              <a:t>`</a:t>
-            </a:r>
-            <a:r>
-              <a:rPr lang="en-GB" sz="800" b="0" dirty="0">
+              <a:t>3</a:t>
+            </a:r>
+            <a:r>
+              <a:rPr lang="en-GB" sz="700" b="0" dirty="0">
+                <a:solidFill>
+                  <a:srgbClr val="D4D4D4"/>
+                </a:solidFill>
+                <a:effectLst/>
+                <a:latin typeface="Consolas" panose="020B0609020204030204" pitchFamily="49" charset="0"/>
+              </a:rPr>
+              <a:t> @  a`</a:t>
+            </a:r>
+            <a:r>
+              <a:rPr lang="en-GB" sz="700" b="0" dirty="0">
                 <a:solidFill>
                   <a:srgbClr val="B5CEA8"/>
                 </a:solidFill>
@@ -12688,17 +12008,17 @@
               <a:t>3</a:t>
             </a:r>
             <a:r>
-              <a:rPr lang="en-GB" sz="800" b="0" dirty="0">
-                <a:solidFill>
-                  <a:srgbClr val="D4D4D4"/>
-                </a:solidFill>
-                <a:effectLst/>
-                <a:latin typeface="Consolas" panose="020B0609020204030204" pitchFamily="49" charset="0"/>
-              </a:rPr>
-              <a:t> @  a`</a:t>
-            </a:r>
-            <a:r>
-              <a:rPr lang="en-GB" sz="800" b="0" dirty="0">
+              <a:rPr lang="en-GB" sz="700" b="0" dirty="0">
+                <a:solidFill>
+                  <a:srgbClr val="D4D4D4"/>
+                </a:solidFill>
+                <a:effectLst/>
+                <a:latin typeface="Consolas" panose="020B0609020204030204" pitchFamily="49" charset="0"/>
+              </a:rPr>
+              <a:t> @  b`</a:t>
+            </a:r>
+            <a:r>
+              <a:rPr lang="en-GB" sz="700" b="0" dirty="0">
                 <a:solidFill>
                   <a:srgbClr val="B5CEA8"/>
                 </a:solidFill>
@@ -12708,27 +12028,7 @@
               <a:t>3</a:t>
             </a:r>
             <a:r>
-              <a:rPr lang="en-GB" sz="800" b="0" dirty="0">
-                <a:solidFill>
-                  <a:srgbClr val="D4D4D4"/>
-                </a:solidFill>
-                <a:effectLst/>
-                <a:latin typeface="Consolas" panose="020B0609020204030204" pitchFamily="49" charset="0"/>
-              </a:rPr>
-              <a:t> @  b`</a:t>
-            </a:r>
-            <a:r>
-              <a:rPr lang="en-GB" sz="800" b="0" dirty="0">
-                <a:solidFill>
-                  <a:srgbClr val="B5CEA8"/>
-                </a:solidFill>
-                <a:effectLst/>
-                <a:latin typeface="Consolas" panose="020B0609020204030204" pitchFamily="49" charset="0"/>
-              </a:rPr>
-              <a:t>3</a:t>
-            </a:r>
-            <a:r>
-              <a:rPr lang="en-GB" sz="800" b="0" dirty="0">
+              <a:rPr lang="en-GB" sz="700" b="0" dirty="0">
                 <a:solidFill>
                   <a:srgbClr val="D4D4D4"/>
                 </a:solidFill>
@@ -12738,7 +12038,7 @@
               <a:t>       </a:t>
             </a:r>
             <a:r>
-              <a:rPr lang="en-GB" sz="800" b="0" dirty="0">
+              <a:rPr lang="en-GB" sz="700" b="0" dirty="0">
                 <a:solidFill>
                   <a:srgbClr val="6A9955"/>
                 </a:solidFill>
@@ -12748,16 +12048,16 @@
               <a:t>; </a:t>
             </a:r>
             <a:r>
-              <a:rPr lang="en-GB" sz="800" b="0" dirty="0" err="1">
+              <a:rPr lang="en-GB" sz="700" b="0" dirty="0" err="1">
                 <a:solidFill>
                   <a:srgbClr val="6A9955"/>
                 </a:solidFill>
                 <a:effectLst/>
                 <a:latin typeface="Consolas" panose="020B0609020204030204" pitchFamily="49" charset="0"/>
               </a:rPr>
-              <a:t>op_ifgt</a:t>
-            </a:r>
-            <a:endParaRPr lang="en-GB" sz="800" b="0" dirty="0">
+              <a:t>op_or</a:t>
+            </a:r>
+            <a:endParaRPr lang="en-GB" sz="700" b="0" dirty="0">
               <a:solidFill>
                 <a:srgbClr val="D4D4D4"/>
               </a:solidFill>
@@ -12767,17 +12067,17 @@
           </a:p>
           <a:p>
             <a:r>
-              <a:rPr lang="en-GB" sz="800" b="0" dirty="0">
-                <a:solidFill>
-                  <a:srgbClr val="D4D4D4"/>
-                </a:solidFill>
-                <a:effectLst/>
-                <a:latin typeface="Consolas" panose="020B0609020204030204" pitchFamily="49" charset="0"/>
-              </a:rPr>
-              <a:t>  if </a:t>
-            </a:r>
-            <a:r>
-              <a:rPr lang="en-GB" sz="800" b="0" dirty="0">
+              <a:rPr lang="en-GB" sz="700" b="0" dirty="0">
+                <a:solidFill>
+                  <a:srgbClr val="D4D4D4"/>
+                </a:solidFill>
+                <a:effectLst/>
+                <a:latin typeface="Consolas" panose="020B0609020204030204" pitchFamily="49" charset="0"/>
+              </a:rPr>
+              <a:t>  </a:t>
+            </a:r>
+            <a:r>
+              <a:rPr lang="en-GB" sz="700" b="0" dirty="0">
                 <a:solidFill>
                   <a:srgbClr val="569CD6"/>
                 </a:solidFill>
@@ -12787,7 +12087,47 @@
               <a:t>{</a:t>
             </a:r>
             <a:r>
-              <a:rPr lang="en-GB" sz="800" b="0" dirty="0" err="1">
+              <a:rPr lang="en-GB" sz="700" b="0" dirty="0" err="1">
+                <a:solidFill>
+                  <a:srgbClr val="D4D4D4"/>
+                </a:solidFill>
+                <a:effectLst/>
+                <a:latin typeface="Consolas" panose="020B0609020204030204" pitchFamily="49" charset="0"/>
+              </a:rPr>
+              <a:t>o:sreg</a:t>
+            </a:r>
+            <a:r>
+              <a:rPr lang="en-GB" sz="700" b="0" dirty="0">
+                <a:solidFill>
+                  <a:srgbClr val="569CD6"/>
+                </a:solidFill>
+                <a:effectLst/>
+                <a:latin typeface="Consolas" panose="020B0609020204030204" pitchFamily="49" charset="0"/>
+              </a:rPr>
+              <a:t>}</a:t>
+            </a:r>
+            <a:r>
+              <a:rPr lang="en-GB" sz="700" b="0" dirty="0">
+                <a:solidFill>
+                  <a:srgbClr val="D4D4D4"/>
+                </a:solidFill>
+                <a:effectLst/>
+                <a:latin typeface="Consolas" panose="020B0609020204030204" pitchFamily="49" charset="0"/>
+              </a:rPr>
+              <a:t> &lt;- not </a:t>
+            </a:r>
+            <a:r>
+              <a:rPr lang="en-GB" sz="700" b="0" dirty="0">
+                <a:solidFill>
+                  <a:srgbClr val="569CD6"/>
+                </a:solidFill>
+                <a:effectLst/>
+                <a:latin typeface="Consolas" panose="020B0609020204030204" pitchFamily="49" charset="0"/>
+              </a:rPr>
+              <a:t>{</a:t>
+            </a:r>
+            <a:r>
+              <a:rPr lang="en-GB" sz="700" b="0" dirty="0" err="1">
                 <a:solidFill>
                   <a:srgbClr val="D4D4D4"/>
                 </a:solidFill>
@@ -12797,7 +12137,7 @@
               <a:t>a:reg</a:t>
             </a:r>
             <a:r>
-              <a:rPr lang="en-GB" sz="800" b="0" dirty="0">
+              <a:rPr lang="en-GB" sz="700" b="0" dirty="0">
                 <a:solidFill>
                   <a:srgbClr val="569CD6"/>
                 </a:solidFill>
@@ -12807,7 +12147,27 @@
               <a:t>}</a:t>
             </a:r>
             <a:r>
-              <a:rPr lang="en-GB" sz="800" b="0" dirty="0">
+              <a:rPr lang="en-GB" sz="700" b="0" dirty="0">
+                <a:solidFill>
+                  <a:srgbClr val="D4D4D4"/>
+                </a:solidFill>
+                <a:effectLst/>
+                <a:latin typeface="Consolas" panose="020B0609020204030204" pitchFamily="49" charset="0"/>
+              </a:rPr>
+              <a:t>          </a:t>
+            </a:r>
+            <a:r>
+              <a:rPr lang="en-GB" sz="700" b="0" dirty="0">
+                <a:solidFill>
+                  <a:srgbClr val="569CD6"/>
+                </a:solidFill>
+                <a:effectLst/>
+                <a:latin typeface="Consolas" panose="020B0609020204030204" pitchFamily="49" charset="0"/>
+              </a:rPr>
+              <a:t>=&gt;</a:t>
+            </a:r>
+            <a:r>
+              <a:rPr lang="en-GB" sz="700" b="0" dirty="0">
                 <a:solidFill>
                   <a:srgbClr val="D4D4D4"/>
                 </a:solidFill>
@@ -12817,97 +12177,57 @@
               <a:t> </a:t>
             </a:r>
             <a:r>
-              <a:rPr lang="en-GB" sz="800" b="0" dirty="0" err="1">
-                <a:solidFill>
-                  <a:srgbClr val="D4D4D4"/>
-                </a:solidFill>
-                <a:effectLst/>
-                <a:latin typeface="Consolas" panose="020B0609020204030204" pitchFamily="49" charset="0"/>
-              </a:rPr>
-              <a:t>ge</a:t>
-            </a:r>
-            <a:r>
-              <a:rPr lang="en-GB" sz="800" b="0" dirty="0">
-                <a:solidFill>
-                  <a:srgbClr val="D4D4D4"/>
-                </a:solidFill>
-                <a:effectLst/>
-                <a:latin typeface="Consolas" panose="020B0609020204030204" pitchFamily="49" charset="0"/>
-              </a:rPr>
-              <a:t> </a:t>
-            </a:r>
-            <a:r>
-              <a:rPr lang="en-GB" sz="800" b="0" dirty="0">
-                <a:solidFill>
-                  <a:srgbClr val="569CD6"/>
-                </a:solidFill>
-                <a:effectLst/>
-                <a:latin typeface="Consolas" panose="020B0609020204030204" pitchFamily="49" charset="0"/>
-              </a:rPr>
-              <a:t>{</a:t>
-            </a:r>
-            <a:r>
-              <a:rPr lang="en-GB" sz="800" b="0" dirty="0" err="1">
-                <a:solidFill>
-                  <a:srgbClr val="D4D4D4"/>
-                </a:solidFill>
-                <a:effectLst/>
-                <a:latin typeface="Consolas" panose="020B0609020204030204" pitchFamily="49" charset="0"/>
-              </a:rPr>
-              <a:t>b:reg</a:t>
-            </a:r>
-            <a:r>
-              <a:rPr lang="en-GB" sz="800" b="0" dirty="0">
-                <a:solidFill>
-                  <a:srgbClr val="569CD6"/>
-                </a:solidFill>
-                <a:effectLst/>
-                <a:latin typeface="Consolas" panose="020B0609020204030204" pitchFamily="49" charset="0"/>
-              </a:rPr>
-              <a:t>}</a:t>
-            </a:r>
-            <a:r>
-              <a:rPr lang="en-GB" sz="800" b="0" dirty="0">
-                <a:solidFill>
-                  <a:srgbClr val="D4D4D4"/>
-                </a:solidFill>
-                <a:effectLst/>
-                <a:latin typeface="Consolas" panose="020B0609020204030204" pitchFamily="49" charset="0"/>
-              </a:rPr>
-              <a:t>           </a:t>
-            </a:r>
-            <a:r>
-              <a:rPr lang="en-GB" sz="800" b="0" dirty="0">
-                <a:solidFill>
-                  <a:srgbClr val="569CD6"/>
-                </a:solidFill>
-                <a:effectLst/>
-                <a:latin typeface="Consolas" panose="020B0609020204030204" pitchFamily="49" charset="0"/>
-              </a:rPr>
-              <a:t>=&gt;</a:t>
-            </a:r>
-            <a:r>
-              <a:rPr lang="en-GB" sz="800" b="0" dirty="0">
-                <a:solidFill>
-                  <a:srgbClr val="D4D4D4"/>
-                </a:solidFill>
-                <a:effectLst/>
-                <a:latin typeface="Consolas" panose="020B0609020204030204" pitchFamily="49" charset="0"/>
-              </a:rPr>
-              <a:t> </a:t>
-            </a:r>
-            <a:r>
-              <a:rPr lang="en-GB" sz="800" b="0" dirty="0">
+              <a:rPr lang="en-GB" sz="700" b="0" dirty="0">
                 <a:solidFill>
                   <a:srgbClr val="B5CEA8"/>
                 </a:solidFill>
                 <a:effectLst/>
                 <a:latin typeface="Consolas" panose="020B0609020204030204" pitchFamily="49" charset="0"/>
               </a:rPr>
-              <a:t>0xd</a:t>
-            </a:r>
-            <a:r>
-              <a:rPr lang="en-GB" sz="800" b="0" dirty="0">
+              <a:t>0x5</a:t>
+            </a:r>
+            <a:r>
+              <a:rPr lang="en-GB" sz="700" b="0" dirty="0">
+                <a:solidFill>
+                  <a:srgbClr val="D4D4D4"/>
+                </a:solidFill>
+                <a:effectLst/>
+                <a:latin typeface="Consolas" panose="020B0609020204030204" pitchFamily="49" charset="0"/>
+              </a:rPr>
+              <a:t> @  o`</a:t>
+            </a:r>
+            <a:r>
+              <a:rPr lang="en-GB" sz="700" b="0" dirty="0">
+                <a:solidFill>
+                  <a:srgbClr val="B5CEA8"/>
+                </a:solidFill>
+                <a:effectLst/>
+                <a:latin typeface="Consolas" panose="020B0609020204030204" pitchFamily="49" charset="0"/>
+              </a:rPr>
+              <a:t>3</a:t>
+            </a:r>
+            <a:r>
+              <a:rPr lang="en-GB" sz="700" b="0" dirty="0">
+                <a:solidFill>
+                  <a:srgbClr val="D4D4D4"/>
+                </a:solidFill>
+                <a:effectLst/>
+                <a:latin typeface="Consolas" panose="020B0609020204030204" pitchFamily="49" charset="0"/>
+              </a:rPr>
+              <a:t> @  a`</a:t>
+            </a:r>
+            <a:r>
+              <a:rPr lang="en-GB" sz="700" b="0" dirty="0">
+                <a:solidFill>
+                  <a:srgbClr val="B5CEA8"/>
+                </a:solidFill>
+                <a:effectLst/>
+                <a:latin typeface="Consolas" panose="020B0609020204030204" pitchFamily="49" charset="0"/>
+              </a:rPr>
+              <a:t>3</a:t>
+            </a:r>
+            <a:r>
+              <a:rPr lang="en-GB" sz="700" b="0" dirty="0">
                 <a:solidFill>
                   <a:srgbClr val="D4D4D4"/>
                 </a:solidFill>
@@ -12917,7 +12237,7 @@
               <a:t> @  </a:t>
             </a:r>
             <a:r>
-              <a:rPr lang="en-GB" sz="800" b="0" dirty="0">
+              <a:rPr lang="en-GB" sz="700" b="0" dirty="0">
                 <a:solidFill>
                   <a:srgbClr val="B5CEA8"/>
                 </a:solidFill>
@@ -12927,7 +12247,7 @@
               <a:t>0</a:t>
             </a:r>
             <a:r>
-              <a:rPr lang="en-GB" sz="800" b="0" dirty="0">
+              <a:rPr lang="en-GB" sz="700" b="0" dirty="0">
                 <a:solidFill>
                   <a:srgbClr val="D4D4D4"/>
                 </a:solidFill>
@@ -12937,7 +12257,7 @@
               <a:t>`</a:t>
             </a:r>
             <a:r>
-              <a:rPr lang="en-GB" sz="800" b="0" dirty="0">
+              <a:rPr lang="en-GB" sz="700" b="0" dirty="0">
                 <a:solidFill>
                   <a:srgbClr val="B5CEA8"/>
                 </a:solidFill>
@@ -12947,47 +12267,7 @@
               <a:t>3</a:t>
             </a:r>
             <a:r>
-              <a:rPr lang="en-GB" sz="800" b="0" dirty="0">
-                <a:solidFill>
-                  <a:srgbClr val="D4D4D4"/>
-                </a:solidFill>
-                <a:effectLst/>
-                <a:latin typeface="Consolas" panose="020B0609020204030204" pitchFamily="49" charset="0"/>
-              </a:rPr>
-              <a:t> @  a`</a:t>
-            </a:r>
-            <a:r>
-              <a:rPr lang="en-GB" sz="800" b="0" dirty="0">
-                <a:solidFill>
-                  <a:srgbClr val="B5CEA8"/>
-                </a:solidFill>
-                <a:effectLst/>
-                <a:latin typeface="Consolas" panose="020B0609020204030204" pitchFamily="49" charset="0"/>
-              </a:rPr>
-              <a:t>3</a:t>
-            </a:r>
-            <a:r>
-              <a:rPr lang="en-GB" sz="800" b="0" dirty="0">
-                <a:solidFill>
-                  <a:srgbClr val="D4D4D4"/>
-                </a:solidFill>
-                <a:effectLst/>
-                <a:latin typeface="Consolas" panose="020B0609020204030204" pitchFamily="49" charset="0"/>
-              </a:rPr>
-              <a:t> @  b`</a:t>
-            </a:r>
-            <a:r>
-              <a:rPr lang="en-GB" sz="800" b="0" dirty="0">
-                <a:solidFill>
-                  <a:srgbClr val="B5CEA8"/>
-                </a:solidFill>
-                <a:effectLst/>
-                <a:latin typeface="Consolas" panose="020B0609020204030204" pitchFamily="49" charset="0"/>
-              </a:rPr>
-              <a:t>3</a:t>
-            </a:r>
-            <a:r>
-              <a:rPr lang="en-GB" sz="800" b="0" dirty="0">
+              <a:rPr lang="en-GB" sz="700" b="0" dirty="0">
                 <a:solidFill>
                   <a:srgbClr val="D4D4D4"/>
                 </a:solidFill>
@@ -12997,7 +12277,7 @@
               <a:t>       </a:t>
             </a:r>
             <a:r>
-              <a:rPr lang="en-GB" sz="800" b="0" dirty="0">
+              <a:rPr lang="en-GB" sz="700" b="0" dirty="0">
                 <a:solidFill>
                   <a:srgbClr val="6A9955"/>
                 </a:solidFill>
@@ -13007,16 +12287,16 @@
               <a:t>; </a:t>
             </a:r>
             <a:r>
-              <a:rPr lang="en-GB" sz="800" b="0" dirty="0" err="1">
+              <a:rPr lang="en-GB" sz="700" b="0" dirty="0" err="1">
                 <a:solidFill>
                   <a:srgbClr val="6A9955"/>
                 </a:solidFill>
                 <a:effectLst/>
                 <a:latin typeface="Consolas" panose="020B0609020204030204" pitchFamily="49" charset="0"/>
               </a:rPr>
-              <a:t>op_ifge</a:t>
-            </a:r>
-            <a:endParaRPr lang="en-GB" sz="800" b="0" dirty="0">
+              <a:t>op_not</a:t>
+            </a:r>
+            <a:endParaRPr lang="en-GB" sz="700" b="0" dirty="0">
               <a:solidFill>
                 <a:srgbClr val="D4D4D4"/>
               </a:solidFill>
@@ -13026,7 +12306,7 @@
           </a:p>
           <a:p>
             <a:r>
-              <a:rPr lang="en-GB" sz="800" b="0" dirty="0">
+              <a:rPr lang="en-GB" sz="700" b="0" dirty="0">
                 <a:solidFill>
                   <a:srgbClr val="D4D4D4"/>
                 </a:solidFill>
@@ -13036,17 +12316,137 @@
               <a:t>  </a:t>
             </a:r>
             <a:r>
-              <a:rPr lang="en-GB" sz="800" b="0" dirty="0" err="1">
-                <a:solidFill>
-                  <a:srgbClr val="D4D4D4"/>
-                </a:solidFill>
-                <a:effectLst/>
-                <a:latin typeface="Consolas" panose="020B0609020204030204" pitchFamily="49" charset="0"/>
-              </a:rPr>
-              <a:t>wincr</a:t>
-            </a:r>
-            <a:r>
-              <a:rPr lang="en-GB" sz="800" b="0" dirty="0">
+              <a:rPr lang="en-GB" sz="700" b="0" dirty="0">
+                <a:solidFill>
+                  <a:srgbClr val="569CD6"/>
+                </a:solidFill>
+                <a:effectLst/>
+                <a:latin typeface="Consolas" panose="020B0609020204030204" pitchFamily="49" charset="0"/>
+              </a:rPr>
+              <a:t>{</a:t>
+            </a:r>
+            <a:r>
+              <a:rPr lang="en-GB" sz="700" b="0" dirty="0" err="1">
+                <a:solidFill>
+                  <a:srgbClr val="D4D4D4"/>
+                </a:solidFill>
+                <a:effectLst/>
+                <a:latin typeface="Consolas" panose="020B0609020204030204" pitchFamily="49" charset="0"/>
+              </a:rPr>
+              <a:t>o:sreg</a:t>
+            </a:r>
+            <a:r>
+              <a:rPr lang="en-GB" sz="700" b="0" dirty="0">
+                <a:solidFill>
+                  <a:srgbClr val="569CD6"/>
+                </a:solidFill>
+                <a:effectLst/>
+                <a:latin typeface="Consolas" panose="020B0609020204030204" pitchFamily="49" charset="0"/>
+              </a:rPr>
+              <a:t>}</a:t>
+            </a:r>
+            <a:r>
+              <a:rPr lang="en-GB" sz="700" b="0" dirty="0">
+                <a:solidFill>
+                  <a:srgbClr val="D4D4D4"/>
+                </a:solidFill>
+                <a:effectLst/>
+                <a:latin typeface="Consolas" panose="020B0609020204030204" pitchFamily="49" charset="0"/>
+              </a:rPr>
+              <a:t> &lt;- </a:t>
+            </a:r>
+            <a:r>
+              <a:rPr lang="en-GB" sz="700" b="0" dirty="0">
+                <a:solidFill>
+                  <a:srgbClr val="569CD6"/>
+                </a:solidFill>
+                <a:effectLst/>
+                <a:latin typeface="Consolas" panose="020B0609020204030204" pitchFamily="49" charset="0"/>
+              </a:rPr>
+              <a:t>{</a:t>
+            </a:r>
+            <a:r>
+              <a:rPr lang="en-GB" sz="700" b="0" dirty="0" err="1">
+                <a:solidFill>
+                  <a:srgbClr val="D4D4D4"/>
+                </a:solidFill>
+                <a:effectLst/>
+                <a:latin typeface="Consolas" panose="020B0609020204030204" pitchFamily="49" charset="0"/>
+              </a:rPr>
+              <a:t>a:reg</a:t>
+            </a:r>
+            <a:r>
+              <a:rPr lang="en-GB" sz="700" b="0" dirty="0">
+                <a:solidFill>
+                  <a:srgbClr val="569CD6"/>
+                </a:solidFill>
+                <a:effectLst/>
+                <a:latin typeface="Consolas" panose="020B0609020204030204" pitchFamily="49" charset="0"/>
+              </a:rPr>
+              <a:t>}</a:t>
+            </a:r>
+            <a:r>
+              <a:rPr lang="en-GB" sz="700" b="0" dirty="0">
+                <a:solidFill>
+                  <a:srgbClr val="D4D4D4"/>
+                </a:solidFill>
+                <a:effectLst/>
+                <a:latin typeface="Consolas" panose="020B0609020204030204" pitchFamily="49" charset="0"/>
+              </a:rPr>
+              <a:t>  +  </a:t>
+            </a:r>
+            <a:r>
+              <a:rPr lang="en-GB" sz="700" b="0" dirty="0">
+                <a:solidFill>
+                  <a:srgbClr val="569CD6"/>
+                </a:solidFill>
+                <a:effectLst/>
+                <a:latin typeface="Consolas" panose="020B0609020204030204" pitchFamily="49" charset="0"/>
+              </a:rPr>
+              <a:t>{</a:t>
+            </a:r>
+            <a:r>
+              <a:rPr lang="en-GB" sz="700" b="0" dirty="0" err="1">
+                <a:solidFill>
+                  <a:srgbClr val="D4D4D4"/>
+                </a:solidFill>
+                <a:effectLst/>
+                <a:latin typeface="Consolas" panose="020B0609020204030204" pitchFamily="49" charset="0"/>
+              </a:rPr>
+              <a:t>b:reg</a:t>
+            </a:r>
+            <a:r>
+              <a:rPr lang="en-GB" sz="700" b="0" dirty="0">
+                <a:solidFill>
+                  <a:srgbClr val="569CD6"/>
+                </a:solidFill>
+                <a:effectLst/>
+                <a:latin typeface="Consolas" panose="020B0609020204030204" pitchFamily="49" charset="0"/>
+              </a:rPr>
+              <a:t>}</a:t>
+            </a:r>
+            <a:r>
+              <a:rPr lang="en-GB" sz="700" b="0" dirty="0">
+                <a:solidFill>
+                  <a:srgbClr val="D4D4D4"/>
+                </a:solidFill>
+                <a:effectLst/>
+                <a:latin typeface="Consolas" panose="020B0609020204030204" pitchFamily="49" charset="0"/>
+              </a:rPr>
+              <a:t>  </a:t>
+            </a:r>
+            <a:r>
+              <a:rPr lang="en-GB" sz="700" b="0" dirty="0">
+                <a:solidFill>
+                  <a:srgbClr val="569CD6"/>
+                </a:solidFill>
+                <a:effectLst/>
+                <a:latin typeface="Consolas" panose="020B0609020204030204" pitchFamily="49" charset="0"/>
+              </a:rPr>
+              <a:t>=&gt;</a:t>
+            </a:r>
+            <a:r>
+              <a:rPr lang="en-GB" sz="700" b="0" dirty="0">
                 <a:solidFill>
                   <a:srgbClr val="D4D4D4"/>
                 </a:solidFill>
@@ -13056,107 +12456,87 @@
               <a:t> </a:t>
             </a:r>
             <a:r>
-              <a:rPr lang="en-GB" sz="800" b="0" dirty="0">
-                <a:solidFill>
-                  <a:srgbClr val="569CD6"/>
-                </a:solidFill>
-                <a:effectLst/>
-                <a:latin typeface="Consolas" panose="020B0609020204030204" pitchFamily="49" charset="0"/>
-              </a:rPr>
-              <a:t>{</a:t>
-            </a:r>
-            <a:r>
-              <a:rPr lang="en-GB" sz="800" b="0" dirty="0">
-                <a:solidFill>
-                  <a:srgbClr val="D4D4D4"/>
-                </a:solidFill>
-                <a:effectLst/>
-                <a:latin typeface="Consolas" panose="020B0609020204030204" pitchFamily="49" charset="0"/>
-              </a:rPr>
-              <a:t>l:u9</a:t>
-            </a:r>
-            <a:r>
-              <a:rPr lang="en-GB" sz="800" b="0" dirty="0">
-                <a:solidFill>
-                  <a:srgbClr val="569CD6"/>
-                </a:solidFill>
-                <a:effectLst/>
-                <a:latin typeface="Consolas" panose="020B0609020204030204" pitchFamily="49" charset="0"/>
-              </a:rPr>
-              <a:t>}</a:t>
-            </a:r>
-            <a:r>
-              <a:rPr lang="en-GB" sz="800" b="0" dirty="0">
-                <a:solidFill>
-                  <a:srgbClr val="D4D4D4"/>
-                </a:solidFill>
-                <a:effectLst/>
-                <a:latin typeface="Consolas" panose="020B0609020204030204" pitchFamily="49" charset="0"/>
-              </a:rPr>
-              <a:t>                    </a:t>
-            </a:r>
-            <a:r>
-              <a:rPr lang="en-GB" sz="800" b="0" dirty="0">
-                <a:solidFill>
-                  <a:srgbClr val="569CD6"/>
-                </a:solidFill>
-                <a:effectLst/>
-                <a:latin typeface="Consolas" panose="020B0609020204030204" pitchFamily="49" charset="0"/>
-              </a:rPr>
-              <a:t>=&gt;</a:t>
-            </a:r>
-            <a:r>
-              <a:rPr lang="en-GB" sz="800" b="0" dirty="0">
-                <a:solidFill>
-                  <a:srgbClr val="D4D4D4"/>
-                </a:solidFill>
-                <a:effectLst/>
-                <a:latin typeface="Consolas" panose="020B0609020204030204" pitchFamily="49" charset="0"/>
-              </a:rPr>
-              <a:t> </a:t>
-            </a:r>
-            <a:r>
-              <a:rPr lang="en-GB" sz="800" b="0" dirty="0">
+              <a:rPr lang="en-GB" sz="700" b="0" dirty="0">
                 <a:solidFill>
                   <a:srgbClr val="B5CEA8"/>
                 </a:solidFill>
                 <a:effectLst/>
                 <a:latin typeface="Consolas" panose="020B0609020204030204" pitchFamily="49" charset="0"/>
               </a:rPr>
-              <a:t>0xe</a:t>
-            </a:r>
-            <a:r>
-              <a:rPr lang="en-GB" sz="800" b="0" dirty="0">
-                <a:solidFill>
-                  <a:srgbClr val="D4D4D4"/>
-                </a:solidFill>
-                <a:effectLst/>
-                <a:latin typeface="Consolas" panose="020B0609020204030204" pitchFamily="49" charset="0"/>
-              </a:rPr>
-              <a:t> @         l`</a:t>
-            </a:r>
-            <a:r>
-              <a:rPr lang="en-GB" sz="800" b="0" dirty="0">
+              <a:t>0x6</a:t>
+            </a:r>
+            <a:r>
+              <a:rPr lang="en-GB" sz="700" b="0" dirty="0">
+                <a:solidFill>
+                  <a:srgbClr val="D4D4D4"/>
+                </a:solidFill>
+                <a:effectLst/>
+                <a:latin typeface="Consolas" panose="020B0609020204030204" pitchFamily="49" charset="0"/>
+              </a:rPr>
+              <a:t> @  o`</a:t>
+            </a:r>
+            <a:r>
+              <a:rPr lang="en-GB" sz="700" b="0" dirty="0">
                 <a:solidFill>
                   <a:srgbClr val="B5CEA8"/>
                 </a:solidFill>
                 <a:effectLst/>
                 <a:latin typeface="Consolas" panose="020B0609020204030204" pitchFamily="49" charset="0"/>
               </a:rPr>
-              <a:t>9</a:t>
-            </a:r>
-            <a:r>
-              <a:rPr lang="en-GB" sz="800" b="0" dirty="0">
-                <a:solidFill>
-                  <a:srgbClr val="D4D4D4"/>
-                </a:solidFill>
-                <a:effectLst/>
-                <a:latin typeface="Consolas" panose="020B0609020204030204" pitchFamily="49" charset="0"/>
-              </a:rPr>
-              <a:t>              </a:t>
-            </a:r>
-            <a:r>
-              <a:rPr lang="en-GB" sz="800" b="0" dirty="0">
+              <a:t>3</a:t>
+            </a:r>
+            <a:r>
+              <a:rPr lang="en-GB" sz="700" b="0" dirty="0">
+                <a:solidFill>
+                  <a:srgbClr val="D4D4D4"/>
+                </a:solidFill>
+                <a:effectLst/>
+                <a:latin typeface="Consolas" panose="020B0609020204030204" pitchFamily="49" charset="0"/>
+              </a:rPr>
+              <a:t> @  a`</a:t>
+            </a:r>
+            <a:r>
+              <a:rPr lang="en-GB" sz="700" b="0" dirty="0">
+                <a:solidFill>
+                  <a:srgbClr val="B5CEA8"/>
+                </a:solidFill>
+                <a:effectLst/>
+                <a:latin typeface="Consolas" panose="020B0609020204030204" pitchFamily="49" charset="0"/>
+              </a:rPr>
+              <a:t>3</a:t>
+            </a:r>
+            <a:r>
+              <a:rPr lang="en-GB" sz="700" b="0" dirty="0">
+                <a:solidFill>
+                  <a:srgbClr val="D4D4D4"/>
+                </a:solidFill>
+                <a:effectLst/>
+                <a:latin typeface="Consolas" panose="020B0609020204030204" pitchFamily="49" charset="0"/>
+              </a:rPr>
+              <a:t> @  b`</a:t>
+            </a:r>
+            <a:r>
+              <a:rPr lang="en-GB" sz="700" b="0" dirty="0">
+                <a:solidFill>
+                  <a:srgbClr val="B5CEA8"/>
+                </a:solidFill>
+                <a:effectLst/>
+                <a:latin typeface="Consolas" panose="020B0609020204030204" pitchFamily="49" charset="0"/>
+              </a:rPr>
+              <a:t>3</a:t>
+            </a:r>
+            <a:r>
+              <a:rPr lang="en-GB" sz="700" b="0" dirty="0">
+                <a:solidFill>
+                  <a:srgbClr val="D4D4D4"/>
+                </a:solidFill>
+                <a:effectLst/>
+                <a:latin typeface="Consolas" panose="020B0609020204030204" pitchFamily="49" charset="0"/>
+              </a:rPr>
+              <a:t>       </a:t>
+            </a:r>
+            <a:r>
+              <a:rPr lang="en-GB" sz="700" b="0" dirty="0">
                 <a:solidFill>
                   <a:srgbClr val="6A9955"/>
                 </a:solidFill>
@@ -13166,16 +12546,16 @@
               <a:t>; </a:t>
             </a:r>
             <a:r>
-              <a:rPr lang="en-GB" sz="800" b="0" dirty="0" err="1">
+              <a:rPr lang="en-GB" sz="700" b="0" dirty="0" err="1">
                 <a:solidFill>
                   <a:srgbClr val="6A9955"/>
                 </a:solidFill>
                 <a:effectLst/>
                 <a:latin typeface="Consolas" panose="020B0609020204030204" pitchFamily="49" charset="0"/>
               </a:rPr>
-              <a:t>op_wi</a:t>
-            </a:r>
-            <a:endParaRPr lang="en-GB" sz="800" b="0" dirty="0">
+              <a:t>op_add</a:t>
+            </a:r>
+            <a:endParaRPr lang="en-GB" sz="700" b="0" dirty="0">
               <a:solidFill>
                 <a:srgbClr val="D4D4D4"/>
               </a:solidFill>
@@ -13185,7 +12565,7 @@
           </a:p>
           <a:p>
             <a:r>
-              <a:rPr lang="en-GB" sz="800" b="0" dirty="0">
+              <a:rPr lang="en-GB" sz="700" b="0" dirty="0">
                 <a:solidFill>
                   <a:srgbClr val="D4D4D4"/>
                 </a:solidFill>
@@ -13195,37 +12575,137 @@
               <a:t>  </a:t>
             </a:r>
             <a:r>
-              <a:rPr lang="en-GB" sz="800" b="0" dirty="0" err="1">
-                <a:solidFill>
-                  <a:srgbClr val="D4D4D4"/>
-                </a:solidFill>
-                <a:effectLst/>
-                <a:latin typeface="Consolas" panose="020B0609020204030204" pitchFamily="49" charset="0"/>
-              </a:rPr>
-              <a:t>wincr</a:t>
-            </a:r>
-            <a:r>
-              <a:rPr lang="en-GB" sz="800" b="0" dirty="0">
-                <a:solidFill>
-                  <a:srgbClr val="D4D4D4"/>
-                </a:solidFill>
-                <a:effectLst/>
-                <a:latin typeface="Consolas" panose="020B0609020204030204" pitchFamily="49" charset="0"/>
-              </a:rPr>
-              <a:t>                           </a:t>
-            </a:r>
-            <a:r>
-              <a:rPr lang="en-GB" sz="800" b="0" dirty="0">
+              <a:rPr lang="en-GB" sz="700" b="0" dirty="0">
                 <a:solidFill>
                   <a:srgbClr val="569CD6"/>
                 </a:solidFill>
                 <a:effectLst/>
                 <a:latin typeface="Consolas" panose="020B0609020204030204" pitchFamily="49" charset="0"/>
               </a:rPr>
+              <a:t>{</a:t>
+            </a:r>
+            <a:r>
+              <a:rPr lang="en-GB" sz="700" b="0" dirty="0" err="1">
+                <a:solidFill>
+                  <a:srgbClr val="D4D4D4"/>
+                </a:solidFill>
+                <a:effectLst/>
+                <a:latin typeface="Consolas" panose="020B0609020204030204" pitchFamily="49" charset="0"/>
+              </a:rPr>
+              <a:t>o:sreg</a:t>
+            </a:r>
+            <a:r>
+              <a:rPr lang="en-GB" sz="700" b="0" dirty="0">
+                <a:solidFill>
+                  <a:srgbClr val="569CD6"/>
+                </a:solidFill>
+                <a:effectLst/>
+                <a:latin typeface="Consolas" panose="020B0609020204030204" pitchFamily="49" charset="0"/>
+              </a:rPr>
+              <a:t>}</a:t>
+            </a:r>
+            <a:r>
+              <a:rPr lang="en-GB" sz="700" b="0" dirty="0">
+                <a:solidFill>
+                  <a:srgbClr val="D4D4D4"/>
+                </a:solidFill>
+                <a:effectLst/>
+                <a:latin typeface="Consolas" panose="020B0609020204030204" pitchFamily="49" charset="0"/>
+              </a:rPr>
+              <a:t> &lt;- </a:t>
+            </a:r>
+            <a:r>
+              <a:rPr lang="en-GB" sz="700" b="0" dirty="0">
+                <a:solidFill>
+                  <a:srgbClr val="569CD6"/>
+                </a:solidFill>
+                <a:effectLst/>
+                <a:latin typeface="Consolas" panose="020B0609020204030204" pitchFamily="49" charset="0"/>
+              </a:rPr>
+              <a:t>{</a:t>
+            </a:r>
+            <a:r>
+              <a:rPr lang="en-GB" sz="700" b="0" dirty="0" err="1">
+                <a:solidFill>
+                  <a:srgbClr val="D4D4D4"/>
+                </a:solidFill>
+                <a:effectLst/>
+                <a:latin typeface="Consolas" panose="020B0609020204030204" pitchFamily="49" charset="0"/>
+              </a:rPr>
+              <a:t>a:reg</a:t>
+            </a:r>
+            <a:r>
+              <a:rPr lang="en-GB" sz="700" b="0" dirty="0">
+                <a:solidFill>
+                  <a:srgbClr val="569CD6"/>
+                </a:solidFill>
+                <a:effectLst/>
+                <a:latin typeface="Consolas" panose="020B0609020204030204" pitchFamily="49" charset="0"/>
+              </a:rPr>
+              <a:t>}</a:t>
+            </a:r>
+            <a:r>
+              <a:rPr lang="en-GB" sz="700" b="0" dirty="0">
+                <a:solidFill>
+                  <a:srgbClr val="D4D4D4"/>
+                </a:solidFill>
+                <a:effectLst/>
+                <a:latin typeface="Consolas" panose="020B0609020204030204" pitchFamily="49" charset="0"/>
+              </a:rPr>
+              <a:t>  -  </a:t>
+            </a:r>
+            <a:r>
+              <a:rPr lang="en-GB" sz="700" b="0" dirty="0">
+                <a:solidFill>
+                  <a:srgbClr val="569CD6"/>
+                </a:solidFill>
+                <a:effectLst/>
+                <a:latin typeface="Consolas" panose="020B0609020204030204" pitchFamily="49" charset="0"/>
+              </a:rPr>
+              <a:t>{</a:t>
+            </a:r>
+            <a:r>
+              <a:rPr lang="en-GB" sz="700" b="0" dirty="0" err="1">
+                <a:solidFill>
+                  <a:srgbClr val="D4D4D4"/>
+                </a:solidFill>
+                <a:effectLst/>
+                <a:latin typeface="Consolas" panose="020B0609020204030204" pitchFamily="49" charset="0"/>
+              </a:rPr>
+              <a:t>b:reg</a:t>
+            </a:r>
+            <a:r>
+              <a:rPr lang="en-GB" sz="700" b="0" dirty="0">
+                <a:solidFill>
+                  <a:srgbClr val="569CD6"/>
+                </a:solidFill>
+                <a:effectLst/>
+                <a:latin typeface="Consolas" panose="020B0609020204030204" pitchFamily="49" charset="0"/>
+              </a:rPr>
+              <a:t>}</a:t>
+            </a:r>
+            <a:r>
+              <a:rPr lang="en-GB" sz="700" b="0" dirty="0">
+                <a:solidFill>
+                  <a:srgbClr val="D4D4D4"/>
+                </a:solidFill>
+                <a:effectLst/>
+                <a:latin typeface="Consolas" panose="020B0609020204030204" pitchFamily="49" charset="0"/>
+              </a:rPr>
+              <a:t>  </a:t>
+            </a:r>
+            <a:r>
+              <a:rPr lang="en-GB" sz="700" b="0" dirty="0">
+                <a:solidFill>
+                  <a:srgbClr val="569CD6"/>
+                </a:solidFill>
+                <a:effectLst/>
+                <a:latin typeface="Consolas" panose="020B0609020204030204" pitchFamily="49" charset="0"/>
+              </a:rPr>
               <a:t>=&gt;</a:t>
             </a:r>
             <a:r>
-              <a:rPr lang="en-GB" sz="800" b="0" dirty="0">
+              <a:rPr lang="en-GB" sz="700" b="0" dirty="0">
                 <a:solidFill>
                   <a:srgbClr val="D4D4D4"/>
                 </a:solidFill>
@@ -13235,67 +12715,87 @@
               <a:t> </a:t>
             </a:r>
             <a:r>
-              <a:rPr lang="en-GB" sz="800" b="0" dirty="0">
+              <a:rPr lang="en-GB" sz="700" b="0" dirty="0">
                 <a:solidFill>
                   <a:srgbClr val="B5CEA8"/>
                 </a:solidFill>
                 <a:effectLst/>
                 <a:latin typeface="Consolas" panose="020B0609020204030204" pitchFamily="49" charset="0"/>
               </a:rPr>
-              <a:t>0xe</a:t>
-            </a:r>
-            <a:r>
-              <a:rPr lang="en-GB" sz="800" b="0" dirty="0">
-                <a:solidFill>
-                  <a:srgbClr val="D4D4D4"/>
-                </a:solidFill>
-                <a:effectLst/>
-                <a:latin typeface="Consolas" panose="020B0609020204030204" pitchFamily="49" charset="0"/>
-              </a:rPr>
-              <a:t> @         </a:t>
-            </a:r>
-            <a:r>
-              <a:rPr lang="en-GB" sz="800" b="0" dirty="0">
+              <a:t>0x7</a:t>
+            </a:r>
+            <a:r>
+              <a:rPr lang="en-GB" sz="700" b="0" dirty="0">
+                <a:solidFill>
+                  <a:srgbClr val="D4D4D4"/>
+                </a:solidFill>
+                <a:effectLst/>
+                <a:latin typeface="Consolas" panose="020B0609020204030204" pitchFamily="49" charset="0"/>
+              </a:rPr>
+              <a:t> @  o`</a:t>
+            </a:r>
+            <a:r>
+              <a:rPr lang="en-GB" sz="700" b="0" dirty="0">
                 <a:solidFill>
                   <a:srgbClr val="B5CEA8"/>
                 </a:solidFill>
                 <a:effectLst/>
                 <a:latin typeface="Consolas" panose="020B0609020204030204" pitchFamily="49" charset="0"/>
               </a:rPr>
-              <a:t>1</a:t>
-            </a:r>
-            <a:r>
-              <a:rPr lang="en-GB" sz="800" b="0" dirty="0">
-                <a:solidFill>
-                  <a:srgbClr val="D4D4D4"/>
-                </a:solidFill>
-                <a:effectLst/>
-                <a:latin typeface="Consolas" panose="020B0609020204030204" pitchFamily="49" charset="0"/>
-              </a:rPr>
-              <a:t>`</a:t>
-            </a:r>
-            <a:r>
-              <a:rPr lang="en-GB" sz="800" b="0" dirty="0">
+              <a:t>3</a:t>
+            </a:r>
+            <a:r>
+              <a:rPr lang="en-GB" sz="700" b="0" dirty="0">
+                <a:solidFill>
+                  <a:srgbClr val="D4D4D4"/>
+                </a:solidFill>
+                <a:effectLst/>
+                <a:latin typeface="Consolas" panose="020B0609020204030204" pitchFamily="49" charset="0"/>
+              </a:rPr>
+              <a:t> @  a`</a:t>
+            </a:r>
+            <a:r>
+              <a:rPr lang="en-GB" sz="700" b="0" dirty="0">
                 <a:solidFill>
                   <a:srgbClr val="B5CEA8"/>
                 </a:solidFill>
                 <a:effectLst/>
                 <a:latin typeface="Consolas" panose="020B0609020204030204" pitchFamily="49" charset="0"/>
               </a:rPr>
-              <a:t>9</a:t>
-            </a:r>
-            <a:r>
-              <a:rPr lang="en-GB" sz="800" b="0" dirty="0">
-                <a:solidFill>
-                  <a:srgbClr val="D4D4D4"/>
-                </a:solidFill>
-                <a:effectLst/>
-                <a:latin typeface="Consolas" panose="020B0609020204030204" pitchFamily="49" charset="0"/>
-              </a:rPr>
-              <a:t>              </a:t>
-            </a:r>
-            <a:r>
-              <a:rPr lang="en-GB" sz="800" b="0" dirty="0">
+              <a:t>3</a:t>
+            </a:r>
+            <a:r>
+              <a:rPr lang="en-GB" sz="700" b="0" dirty="0">
+                <a:solidFill>
+                  <a:srgbClr val="D4D4D4"/>
+                </a:solidFill>
+                <a:effectLst/>
+                <a:latin typeface="Consolas" panose="020B0609020204030204" pitchFamily="49" charset="0"/>
+              </a:rPr>
+              <a:t> @  b`</a:t>
+            </a:r>
+            <a:r>
+              <a:rPr lang="en-GB" sz="700" b="0" dirty="0">
+                <a:solidFill>
+                  <a:srgbClr val="B5CEA8"/>
+                </a:solidFill>
+                <a:effectLst/>
+                <a:latin typeface="Consolas" panose="020B0609020204030204" pitchFamily="49" charset="0"/>
+              </a:rPr>
+              <a:t>3</a:t>
+            </a:r>
+            <a:r>
+              <a:rPr lang="en-GB" sz="700" b="0" dirty="0">
+                <a:solidFill>
+                  <a:srgbClr val="D4D4D4"/>
+                </a:solidFill>
+                <a:effectLst/>
+                <a:latin typeface="Consolas" panose="020B0609020204030204" pitchFamily="49" charset="0"/>
+              </a:rPr>
+              <a:t>       </a:t>
+            </a:r>
+            <a:r>
+              <a:rPr lang="en-GB" sz="700" b="0" dirty="0">
                 <a:solidFill>
                   <a:srgbClr val="6A9955"/>
                 </a:solidFill>
@@ -13305,16 +12805,16 @@
               <a:t>; </a:t>
             </a:r>
             <a:r>
-              <a:rPr lang="en-GB" sz="800" b="0" dirty="0" err="1">
+              <a:rPr lang="en-GB" sz="700" b="0" dirty="0" err="1">
                 <a:solidFill>
                   <a:srgbClr val="6A9955"/>
                 </a:solidFill>
                 <a:effectLst/>
                 <a:latin typeface="Consolas" panose="020B0609020204030204" pitchFamily="49" charset="0"/>
               </a:rPr>
-              <a:t>op_wi</a:t>
-            </a:r>
-            <a:endParaRPr lang="en-GB" sz="800" b="0" dirty="0">
+              <a:t>op_sub</a:t>
+            </a:r>
+            <a:endParaRPr lang="en-GB" sz="700" b="0" dirty="0">
               <a:solidFill>
                 <a:srgbClr val="D4D4D4"/>
               </a:solidFill>
@@ -13324,7 +12824,7 @@
           </a:p>
           <a:p>
             <a:r>
-              <a:rPr lang="en-GB" sz="800" b="0" dirty="0">
+              <a:rPr lang="en-GB" sz="700" b="0" dirty="0">
                 <a:solidFill>
                   <a:srgbClr val="D4D4D4"/>
                 </a:solidFill>
@@ -13334,17 +12834,117 @@
               <a:t>  </a:t>
             </a:r>
             <a:r>
-              <a:rPr lang="en-GB" sz="800" b="0" dirty="0" err="1">
-                <a:solidFill>
-                  <a:srgbClr val="D4D4D4"/>
-                </a:solidFill>
-                <a:effectLst/>
-                <a:latin typeface="Consolas" panose="020B0609020204030204" pitchFamily="49" charset="0"/>
-              </a:rPr>
-              <a:t>goto</a:t>
-            </a:r>
-            <a:r>
-              <a:rPr lang="en-GB" sz="800" b="0" dirty="0">
+              <a:rPr lang="en-GB" sz="700" b="0" dirty="0">
+                <a:solidFill>
+                  <a:srgbClr val="569CD6"/>
+                </a:solidFill>
+                <a:effectLst/>
+                <a:latin typeface="Consolas" panose="020B0609020204030204" pitchFamily="49" charset="0"/>
+              </a:rPr>
+              <a:t>{</a:t>
+            </a:r>
+            <a:r>
+              <a:rPr lang="en-GB" sz="700" b="0" dirty="0" err="1">
+                <a:solidFill>
+                  <a:srgbClr val="D4D4D4"/>
+                </a:solidFill>
+                <a:effectLst/>
+                <a:latin typeface="Consolas" panose="020B0609020204030204" pitchFamily="49" charset="0"/>
+              </a:rPr>
+              <a:t>o:sreg</a:t>
+            </a:r>
+            <a:r>
+              <a:rPr lang="en-GB" sz="700" b="0" dirty="0">
+                <a:solidFill>
+                  <a:srgbClr val="569CD6"/>
+                </a:solidFill>
+                <a:effectLst/>
+                <a:latin typeface="Consolas" panose="020B0609020204030204" pitchFamily="49" charset="0"/>
+              </a:rPr>
+              <a:t>}</a:t>
+            </a:r>
+            <a:r>
+              <a:rPr lang="en-GB" sz="700" b="0" dirty="0">
+                <a:solidFill>
+                  <a:srgbClr val="D4D4D4"/>
+                </a:solidFill>
+                <a:effectLst/>
+                <a:latin typeface="Consolas" panose="020B0609020204030204" pitchFamily="49" charset="0"/>
+              </a:rPr>
+              <a:t> &lt;- </a:t>
+            </a:r>
+            <a:r>
+              <a:rPr lang="en-GB" sz="700" b="0" dirty="0">
+                <a:solidFill>
+                  <a:srgbClr val="569CD6"/>
+                </a:solidFill>
+                <a:effectLst/>
+                <a:latin typeface="Consolas" panose="020B0609020204030204" pitchFamily="49" charset="0"/>
+              </a:rPr>
+              <a:t>{</a:t>
+            </a:r>
+            <a:r>
+              <a:rPr lang="en-GB" sz="700" b="0" dirty="0">
+                <a:solidFill>
+                  <a:srgbClr val="D4D4D4"/>
+                </a:solidFill>
+                <a:effectLst/>
+                <a:latin typeface="Consolas" panose="020B0609020204030204" pitchFamily="49" charset="0"/>
+              </a:rPr>
+              <a:t>b:u1</a:t>
+            </a:r>
+            <a:r>
+              <a:rPr lang="en-GB" sz="700" b="0" dirty="0">
+                <a:solidFill>
+                  <a:srgbClr val="569CD6"/>
+                </a:solidFill>
+                <a:effectLst/>
+                <a:latin typeface="Consolas" panose="020B0609020204030204" pitchFamily="49" charset="0"/>
+              </a:rPr>
+              <a:t>}</a:t>
+            </a:r>
+            <a:r>
+              <a:rPr lang="en-GB" sz="700" b="0" dirty="0">
+                <a:solidFill>
+                  <a:srgbClr val="D4D4D4"/>
+                </a:solidFill>
+                <a:effectLst/>
+                <a:latin typeface="Consolas" panose="020B0609020204030204" pitchFamily="49" charset="0"/>
+              </a:rPr>
+              <a:t>   &gt;  </a:t>
+            </a:r>
+            <a:r>
+              <a:rPr lang="en-GB" sz="700" b="0" dirty="0">
+                <a:solidFill>
+                  <a:srgbClr val="569CD6"/>
+                </a:solidFill>
+                <a:effectLst/>
+                <a:latin typeface="Consolas" panose="020B0609020204030204" pitchFamily="49" charset="0"/>
+              </a:rPr>
+              <a:t>{</a:t>
+            </a:r>
+            <a:r>
+              <a:rPr lang="en-GB" sz="700" b="0" dirty="0" err="1">
+                <a:solidFill>
+                  <a:srgbClr val="D4D4D4"/>
+                </a:solidFill>
+                <a:effectLst/>
+                <a:latin typeface="Consolas" panose="020B0609020204030204" pitchFamily="49" charset="0"/>
+              </a:rPr>
+              <a:t>a:reg</a:t>
+            </a:r>
+            <a:r>
+              <a:rPr lang="en-GB" sz="700" b="0" dirty="0">
+                <a:solidFill>
+                  <a:srgbClr val="569CD6"/>
+                </a:solidFill>
+                <a:effectLst/>
+                <a:latin typeface="Consolas" panose="020B0609020204030204" pitchFamily="49" charset="0"/>
+              </a:rPr>
+              <a:t>}</a:t>
+            </a:r>
+            <a:r>
+              <a:rPr lang="en-GB" sz="700" b="0" dirty="0">
                 <a:solidFill>
                   <a:srgbClr val="D4D4D4"/>
                 </a:solidFill>
@@ -13354,57 +12954,17 @@
               <a:t>  </a:t>
             </a:r>
             <a:r>
-              <a:rPr lang="en-GB" sz="800" b="0" dirty="0">
+              <a:rPr lang="en-GB" sz="700" b="0" dirty="0">
                 <a:solidFill>
                   <a:srgbClr val="569CD6"/>
                 </a:solidFill>
                 <a:effectLst/>
                 <a:latin typeface="Consolas" panose="020B0609020204030204" pitchFamily="49" charset="0"/>
               </a:rPr>
-              <a:t>{</a:t>
-            </a:r>
-            <a:r>
-              <a:rPr lang="en-GB" sz="800" b="0" dirty="0">
-                <a:solidFill>
-                  <a:srgbClr val="D4D4D4"/>
-                </a:solidFill>
-                <a:effectLst/>
-                <a:latin typeface="Consolas" panose="020B0609020204030204" pitchFamily="49" charset="0"/>
-              </a:rPr>
-              <a:t>l:u9</a:t>
-            </a:r>
-            <a:r>
-              <a:rPr lang="en-GB" sz="800" b="0" dirty="0">
-                <a:solidFill>
-                  <a:srgbClr val="569CD6"/>
-                </a:solidFill>
-                <a:effectLst/>
-                <a:latin typeface="Consolas" panose="020B0609020204030204" pitchFamily="49" charset="0"/>
-              </a:rPr>
-              <a:t>}</a:t>
-            </a:r>
-            <a:r>
-              <a:rPr lang="en-GB" sz="800" b="0" dirty="0">
-                <a:solidFill>
-                  <a:srgbClr val="D4D4D4"/>
-                </a:solidFill>
-                <a:effectLst/>
-                <a:latin typeface="Consolas" panose="020B0609020204030204" pitchFamily="49" charset="0"/>
-              </a:rPr>
-              <a:t>                    </a:t>
-            </a:r>
-            <a:r>
-              <a:rPr lang="en-GB" sz="800" b="0" dirty="0">
-                <a:solidFill>
-                  <a:srgbClr val="569CD6"/>
-                </a:solidFill>
-                <a:effectLst/>
-                <a:latin typeface="Consolas" panose="020B0609020204030204" pitchFamily="49" charset="0"/>
-              </a:rPr>
               <a:t>=&gt;</a:t>
             </a:r>
             <a:r>
-              <a:rPr lang="en-GB" sz="800" b="0" dirty="0">
+              <a:rPr lang="en-GB" sz="700" b="0" dirty="0">
                 <a:solidFill>
                   <a:srgbClr val="D4D4D4"/>
                 </a:solidFill>
@@ -13414,47 +12974,127 @@
               <a:t> </a:t>
             </a:r>
             <a:r>
-              <a:rPr lang="en-GB" sz="800" b="0" dirty="0">
+              <a:rPr lang="en-GB" sz="700" b="0" dirty="0">
                 <a:solidFill>
                   <a:srgbClr val="B5CEA8"/>
                 </a:solidFill>
                 <a:effectLst/>
                 <a:latin typeface="Consolas" panose="020B0609020204030204" pitchFamily="49" charset="0"/>
               </a:rPr>
-              <a:t>0xf</a:t>
-            </a:r>
-            <a:r>
-              <a:rPr lang="en-GB" sz="800" b="0" dirty="0">
-                <a:solidFill>
-                  <a:srgbClr val="D4D4D4"/>
-                </a:solidFill>
-                <a:effectLst/>
-                <a:latin typeface="Consolas" panose="020B0609020204030204" pitchFamily="49" charset="0"/>
-              </a:rPr>
-              <a:t> @         l`</a:t>
-            </a:r>
-            <a:r>
-              <a:rPr lang="en-GB" sz="800" b="0" dirty="0">
+              <a:t>0x8</a:t>
+            </a:r>
+            <a:r>
+              <a:rPr lang="en-GB" sz="700" b="0" dirty="0">
+                <a:solidFill>
+                  <a:srgbClr val="D4D4D4"/>
+                </a:solidFill>
+                <a:effectLst/>
+                <a:latin typeface="Consolas" panose="020B0609020204030204" pitchFamily="49" charset="0"/>
+              </a:rPr>
+              <a:t> @  o`</a:t>
+            </a:r>
+            <a:r>
+              <a:rPr lang="en-GB" sz="700" b="0" dirty="0">
                 <a:solidFill>
                   <a:srgbClr val="B5CEA8"/>
                 </a:solidFill>
                 <a:effectLst/>
                 <a:latin typeface="Consolas" panose="020B0609020204030204" pitchFamily="49" charset="0"/>
               </a:rPr>
-              <a:t>9</a:t>
-            </a:r>
-            <a:r>
-              <a:rPr lang="en-GB" sz="800" b="0" dirty="0">
-                <a:solidFill>
-                  <a:srgbClr val="D4D4D4"/>
-                </a:solidFill>
-                <a:effectLst/>
-                <a:latin typeface="Consolas" panose="020B0609020204030204" pitchFamily="49" charset="0"/>
-              </a:rPr>
-              <a:t>              </a:t>
-            </a:r>
-            <a:r>
-              <a:rPr lang="en-GB" sz="800" b="0" dirty="0">
+              <a:t>3</a:t>
+            </a:r>
+            <a:r>
+              <a:rPr lang="en-GB" sz="700" b="0" dirty="0">
+                <a:solidFill>
+                  <a:srgbClr val="D4D4D4"/>
+                </a:solidFill>
+                <a:effectLst/>
+                <a:latin typeface="Consolas" panose="020B0609020204030204" pitchFamily="49" charset="0"/>
+              </a:rPr>
+              <a:t> @  a`</a:t>
+            </a:r>
+            <a:r>
+              <a:rPr lang="en-GB" sz="700" b="0" dirty="0">
+                <a:solidFill>
+                  <a:srgbClr val="B5CEA8"/>
+                </a:solidFill>
+                <a:effectLst/>
+                <a:latin typeface="Consolas" panose="020B0609020204030204" pitchFamily="49" charset="0"/>
+              </a:rPr>
+              <a:t>3</a:t>
+            </a:r>
+            <a:r>
+              <a:rPr lang="en-GB" sz="700" b="0" dirty="0">
+                <a:solidFill>
+                  <a:srgbClr val="D4D4D4"/>
+                </a:solidFill>
+                <a:effectLst/>
+                <a:latin typeface="Consolas" panose="020B0609020204030204" pitchFamily="49" charset="0"/>
+              </a:rPr>
+              <a:t> @  </a:t>
+            </a:r>
+            <a:r>
+              <a:rPr lang="en-GB" sz="700" b="0" dirty="0">
+                <a:solidFill>
+                  <a:srgbClr val="B5CEA8"/>
+                </a:solidFill>
+                <a:effectLst/>
+                <a:latin typeface="Consolas" panose="020B0609020204030204" pitchFamily="49" charset="0"/>
+              </a:rPr>
+              <a:t>0</a:t>
+            </a:r>
+            <a:r>
+              <a:rPr lang="en-GB" sz="700" b="0" dirty="0">
+                <a:solidFill>
+                  <a:srgbClr val="D4D4D4"/>
+                </a:solidFill>
+                <a:effectLst/>
+                <a:latin typeface="Consolas" panose="020B0609020204030204" pitchFamily="49" charset="0"/>
+              </a:rPr>
+              <a:t>`</a:t>
+            </a:r>
+            <a:r>
+              <a:rPr lang="en-GB" sz="700" b="0" dirty="0">
+                <a:solidFill>
+                  <a:srgbClr val="B5CEA8"/>
+                </a:solidFill>
+                <a:effectLst/>
+                <a:latin typeface="Consolas" panose="020B0609020204030204" pitchFamily="49" charset="0"/>
+              </a:rPr>
+              <a:t>2</a:t>
+            </a:r>
+            <a:r>
+              <a:rPr lang="en-GB" sz="700" b="0" dirty="0">
+                <a:solidFill>
+                  <a:srgbClr val="D4D4D4"/>
+                </a:solidFill>
+                <a:effectLst/>
+                <a:latin typeface="Consolas" panose="020B0609020204030204" pitchFamily="49" charset="0"/>
+              </a:rPr>
+              <a:t> @ b`</a:t>
+            </a:r>
+            <a:r>
+              <a:rPr lang="en-GB" sz="700" b="0" dirty="0">
+                <a:solidFill>
+                  <a:srgbClr val="B5CEA8"/>
+                </a:solidFill>
+                <a:effectLst/>
+                <a:latin typeface="Consolas" panose="020B0609020204030204" pitchFamily="49" charset="0"/>
+              </a:rPr>
+              <a:t>1</a:t>
+            </a:r>
+            <a:r>
+              <a:rPr lang="en-GB" sz="700" b="0" dirty="0">
+                <a:solidFill>
+                  <a:srgbClr val="D4D4D4"/>
+                </a:solidFill>
+                <a:effectLst/>
+                <a:latin typeface="Consolas" panose="020B0609020204030204" pitchFamily="49" charset="0"/>
+              </a:rPr>
+              <a:t> </a:t>
+            </a:r>
+            <a:r>
+              <a:rPr lang="en-GB" sz="700" b="0" dirty="0">
                 <a:solidFill>
                   <a:srgbClr val="6A9955"/>
                 </a:solidFill>
@@ -13464,16 +13104,16 @@
               <a:t>; </a:t>
             </a:r>
             <a:r>
-              <a:rPr lang="en-GB" sz="800" b="0" dirty="0" err="1">
+              <a:rPr lang="en-GB" sz="700" b="0" dirty="0" err="1">
                 <a:solidFill>
                   <a:srgbClr val="6A9955"/>
                 </a:solidFill>
                 <a:effectLst/>
                 <a:latin typeface="Consolas" panose="020B0609020204030204" pitchFamily="49" charset="0"/>
               </a:rPr>
-              <a:t>op_goto</a:t>
-            </a:r>
-            <a:endParaRPr lang="en-GB" sz="800" b="0" dirty="0">
+              <a:t>op_shft</a:t>
+            </a:r>
+            <a:endParaRPr lang="en-GB" sz="700" b="0" dirty="0">
               <a:solidFill>
                 <a:srgbClr val="D4D4D4"/>
               </a:solidFill>
@@ -13483,16 +13123,1357 @@
           </a:p>
           <a:p>
             <a:r>
-              <a:rPr lang="en-GB" sz="800" b="0" dirty="0">
+              <a:rPr lang="en-GB" sz="700" b="0" dirty="0">
+                <a:solidFill>
+                  <a:srgbClr val="D4D4D4"/>
+                </a:solidFill>
+                <a:effectLst/>
+                <a:latin typeface="Consolas" panose="020B0609020204030204" pitchFamily="49" charset="0"/>
+              </a:rPr>
+              <a:t>  </a:t>
+            </a:r>
+            <a:r>
+              <a:rPr lang="en-GB" sz="700" b="0" dirty="0">
                 <a:solidFill>
                   <a:srgbClr val="569CD6"/>
                 </a:solidFill>
                 <a:effectLst/>
                 <a:latin typeface="Consolas" panose="020B0609020204030204" pitchFamily="49" charset="0"/>
               </a:rPr>
+              <a:t>{</a:t>
+            </a:r>
+            <a:r>
+              <a:rPr lang="en-GB" sz="700" b="0" dirty="0" err="1">
+                <a:solidFill>
+                  <a:srgbClr val="D4D4D4"/>
+                </a:solidFill>
+                <a:effectLst/>
+                <a:latin typeface="Consolas" panose="020B0609020204030204" pitchFamily="49" charset="0"/>
+              </a:rPr>
+              <a:t>o:sreg</a:t>
+            </a:r>
+            <a:r>
+              <a:rPr lang="en-GB" sz="700" b="0" dirty="0">
+                <a:solidFill>
+                  <a:srgbClr val="569CD6"/>
+                </a:solidFill>
+                <a:effectLst/>
+                <a:latin typeface="Consolas" panose="020B0609020204030204" pitchFamily="49" charset="0"/>
+              </a:rPr>
               <a:t>}</a:t>
             </a:r>
-            <a:endParaRPr lang="en-GB" sz="800" b="0" dirty="0">
+            <a:r>
+              <a:rPr lang="en-GB" sz="700" b="0" dirty="0">
+                <a:solidFill>
+                  <a:srgbClr val="D4D4D4"/>
+                </a:solidFill>
+                <a:effectLst/>
+                <a:latin typeface="Consolas" panose="020B0609020204030204" pitchFamily="49" charset="0"/>
+              </a:rPr>
+              <a:t> &lt;- </a:t>
+            </a:r>
+            <a:r>
+              <a:rPr lang="en-GB" sz="700" b="0" dirty="0">
+                <a:solidFill>
+                  <a:srgbClr val="569CD6"/>
+                </a:solidFill>
+                <a:effectLst/>
+                <a:latin typeface="Consolas" panose="020B0609020204030204" pitchFamily="49" charset="0"/>
+              </a:rPr>
+              <a:t>{</a:t>
+            </a:r>
+            <a:r>
+              <a:rPr lang="en-GB" sz="700" b="0" dirty="0" err="1">
+                <a:solidFill>
+                  <a:srgbClr val="D4D4D4"/>
+                </a:solidFill>
+                <a:effectLst/>
+                <a:latin typeface="Consolas" panose="020B0609020204030204" pitchFamily="49" charset="0"/>
+              </a:rPr>
+              <a:t>a:reg</a:t>
+            </a:r>
+            <a:r>
+              <a:rPr lang="en-GB" sz="700" b="0" dirty="0">
+                <a:solidFill>
+                  <a:srgbClr val="569CD6"/>
+                </a:solidFill>
+                <a:effectLst/>
+                <a:latin typeface="Consolas" panose="020B0609020204030204" pitchFamily="49" charset="0"/>
+              </a:rPr>
+              <a:t>}</a:t>
+            </a:r>
+            <a:r>
+              <a:rPr lang="en-GB" sz="700" b="0" dirty="0">
+                <a:solidFill>
+                  <a:srgbClr val="D4D4D4"/>
+                </a:solidFill>
+                <a:effectLst/>
+                <a:latin typeface="Consolas" panose="020B0609020204030204" pitchFamily="49" charset="0"/>
+              </a:rPr>
+              <a:t>  &lt;  </a:t>
+            </a:r>
+            <a:r>
+              <a:rPr lang="en-GB" sz="700" b="0" dirty="0">
+                <a:solidFill>
+                  <a:srgbClr val="569CD6"/>
+                </a:solidFill>
+                <a:effectLst/>
+                <a:latin typeface="Consolas" panose="020B0609020204030204" pitchFamily="49" charset="0"/>
+              </a:rPr>
+              <a:t>{</a:t>
+            </a:r>
+            <a:r>
+              <a:rPr lang="en-GB" sz="700" b="0" dirty="0">
+                <a:solidFill>
+                  <a:srgbClr val="D4D4D4"/>
+                </a:solidFill>
+                <a:effectLst/>
+                <a:latin typeface="Consolas" panose="020B0609020204030204" pitchFamily="49" charset="0"/>
+              </a:rPr>
+              <a:t>b:u1</a:t>
+            </a:r>
+            <a:r>
+              <a:rPr lang="en-GB" sz="700" b="0" dirty="0">
+                <a:solidFill>
+                  <a:srgbClr val="569CD6"/>
+                </a:solidFill>
+                <a:effectLst/>
+                <a:latin typeface="Consolas" panose="020B0609020204030204" pitchFamily="49" charset="0"/>
+              </a:rPr>
+              <a:t>}</a:t>
+            </a:r>
+            <a:r>
+              <a:rPr lang="en-GB" sz="700" b="0" dirty="0">
+                <a:solidFill>
+                  <a:srgbClr val="D4D4D4"/>
+                </a:solidFill>
+                <a:effectLst/>
+                <a:latin typeface="Consolas" panose="020B0609020204030204" pitchFamily="49" charset="0"/>
+              </a:rPr>
+              <a:t>   </a:t>
+            </a:r>
+            <a:r>
+              <a:rPr lang="en-GB" sz="700" b="0" dirty="0">
+                <a:solidFill>
+                  <a:srgbClr val="569CD6"/>
+                </a:solidFill>
+                <a:effectLst/>
+                <a:latin typeface="Consolas" panose="020B0609020204030204" pitchFamily="49" charset="0"/>
+              </a:rPr>
+              <a:t>=&gt;</a:t>
+            </a:r>
+            <a:r>
+              <a:rPr lang="en-GB" sz="700" b="0" dirty="0">
+                <a:solidFill>
+                  <a:srgbClr val="D4D4D4"/>
+                </a:solidFill>
+                <a:effectLst/>
+                <a:latin typeface="Consolas" panose="020B0609020204030204" pitchFamily="49" charset="0"/>
+              </a:rPr>
+              <a:t> </a:t>
+            </a:r>
+            <a:r>
+              <a:rPr lang="en-GB" sz="700" b="0" dirty="0">
+                <a:solidFill>
+                  <a:srgbClr val="B5CEA8"/>
+                </a:solidFill>
+                <a:effectLst/>
+                <a:latin typeface="Consolas" panose="020B0609020204030204" pitchFamily="49" charset="0"/>
+              </a:rPr>
+              <a:t>0x8</a:t>
+            </a:r>
+            <a:r>
+              <a:rPr lang="en-GB" sz="700" b="0" dirty="0">
+                <a:solidFill>
+                  <a:srgbClr val="D4D4D4"/>
+                </a:solidFill>
+                <a:effectLst/>
+                <a:latin typeface="Consolas" panose="020B0609020204030204" pitchFamily="49" charset="0"/>
+              </a:rPr>
+              <a:t> @  o`</a:t>
+            </a:r>
+            <a:r>
+              <a:rPr lang="en-GB" sz="700" b="0" dirty="0">
+                <a:solidFill>
+                  <a:srgbClr val="B5CEA8"/>
+                </a:solidFill>
+                <a:effectLst/>
+                <a:latin typeface="Consolas" panose="020B0609020204030204" pitchFamily="49" charset="0"/>
+              </a:rPr>
+              <a:t>3</a:t>
+            </a:r>
+            <a:r>
+              <a:rPr lang="en-GB" sz="700" b="0" dirty="0">
+                <a:solidFill>
+                  <a:srgbClr val="D4D4D4"/>
+                </a:solidFill>
+                <a:effectLst/>
+                <a:latin typeface="Consolas" panose="020B0609020204030204" pitchFamily="49" charset="0"/>
+              </a:rPr>
+              <a:t> @  a`</a:t>
+            </a:r>
+            <a:r>
+              <a:rPr lang="en-GB" sz="700" b="0" dirty="0">
+                <a:solidFill>
+                  <a:srgbClr val="B5CEA8"/>
+                </a:solidFill>
+                <a:effectLst/>
+                <a:latin typeface="Consolas" panose="020B0609020204030204" pitchFamily="49" charset="0"/>
+              </a:rPr>
+              <a:t>3</a:t>
+            </a:r>
+            <a:r>
+              <a:rPr lang="en-GB" sz="700" b="0" dirty="0">
+                <a:solidFill>
+                  <a:srgbClr val="D4D4D4"/>
+                </a:solidFill>
+                <a:effectLst/>
+                <a:latin typeface="Consolas" panose="020B0609020204030204" pitchFamily="49" charset="0"/>
+              </a:rPr>
+              <a:t> @  </a:t>
+            </a:r>
+            <a:r>
+              <a:rPr lang="en-GB" sz="700" b="0" dirty="0">
+                <a:solidFill>
+                  <a:srgbClr val="B5CEA8"/>
+                </a:solidFill>
+                <a:effectLst/>
+                <a:latin typeface="Consolas" panose="020B0609020204030204" pitchFamily="49" charset="0"/>
+              </a:rPr>
+              <a:t>1</a:t>
+            </a:r>
+            <a:r>
+              <a:rPr lang="en-GB" sz="700" b="0" dirty="0">
+                <a:solidFill>
+                  <a:srgbClr val="D4D4D4"/>
+                </a:solidFill>
+                <a:effectLst/>
+                <a:latin typeface="Consolas" panose="020B0609020204030204" pitchFamily="49" charset="0"/>
+              </a:rPr>
+              <a:t>`</a:t>
+            </a:r>
+            <a:r>
+              <a:rPr lang="en-GB" sz="700" b="0" dirty="0">
+                <a:solidFill>
+                  <a:srgbClr val="B5CEA8"/>
+                </a:solidFill>
+                <a:effectLst/>
+                <a:latin typeface="Consolas" panose="020B0609020204030204" pitchFamily="49" charset="0"/>
+              </a:rPr>
+              <a:t>2</a:t>
+            </a:r>
+            <a:r>
+              <a:rPr lang="en-GB" sz="700" b="0" dirty="0">
+                <a:solidFill>
+                  <a:srgbClr val="D4D4D4"/>
+                </a:solidFill>
+                <a:effectLst/>
+                <a:latin typeface="Consolas" panose="020B0609020204030204" pitchFamily="49" charset="0"/>
+              </a:rPr>
+              <a:t> @ b`</a:t>
+            </a:r>
+            <a:r>
+              <a:rPr lang="en-GB" sz="700" b="0" dirty="0">
+                <a:solidFill>
+                  <a:srgbClr val="B5CEA8"/>
+                </a:solidFill>
+                <a:effectLst/>
+                <a:latin typeface="Consolas" panose="020B0609020204030204" pitchFamily="49" charset="0"/>
+              </a:rPr>
+              <a:t>1</a:t>
+            </a:r>
+            <a:r>
+              <a:rPr lang="en-GB" sz="700" b="0" dirty="0">
+                <a:solidFill>
+                  <a:srgbClr val="D4D4D4"/>
+                </a:solidFill>
+                <a:effectLst/>
+                <a:latin typeface="Consolas" panose="020B0609020204030204" pitchFamily="49" charset="0"/>
+              </a:rPr>
+              <a:t> </a:t>
+            </a:r>
+            <a:r>
+              <a:rPr lang="en-GB" sz="700" b="0" dirty="0">
+                <a:solidFill>
+                  <a:srgbClr val="6A9955"/>
+                </a:solidFill>
+                <a:effectLst/>
+                <a:latin typeface="Consolas" panose="020B0609020204030204" pitchFamily="49" charset="0"/>
+              </a:rPr>
+              <a:t>; </a:t>
+            </a:r>
+            <a:r>
+              <a:rPr lang="en-GB" sz="700" b="0" dirty="0" err="1">
+                <a:solidFill>
+                  <a:srgbClr val="6A9955"/>
+                </a:solidFill>
+                <a:effectLst/>
+                <a:latin typeface="Consolas" panose="020B0609020204030204" pitchFamily="49" charset="0"/>
+              </a:rPr>
+              <a:t>op_shft</a:t>
+            </a:r>
+            <a:endParaRPr lang="en-GB" sz="700" b="0" dirty="0">
+              <a:solidFill>
+                <a:srgbClr val="D4D4D4"/>
+              </a:solidFill>
+              <a:effectLst/>
+              <a:latin typeface="Consolas" panose="020B0609020204030204" pitchFamily="49" charset="0"/>
+            </a:endParaRPr>
+          </a:p>
+          <a:p>
+            <a:r>
+              <a:rPr lang="en-GB" sz="700" b="0" dirty="0">
+                <a:solidFill>
+                  <a:srgbClr val="D4D4D4"/>
+                </a:solidFill>
+                <a:effectLst/>
+                <a:latin typeface="Consolas" panose="020B0609020204030204" pitchFamily="49" charset="0"/>
+              </a:rPr>
+              <a:t>  if </a:t>
+            </a:r>
+            <a:r>
+              <a:rPr lang="en-GB" sz="700" b="0" dirty="0">
+                <a:solidFill>
+                  <a:srgbClr val="569CD6"/>
+                </a:solidFill>
+                <a:effectLst/>
+                <a:latin typeface="Consolas" panose="020B0609020204030204" pitchFamily="49" charset="0"/>
+              </a:rPr>
+              <a:t>{</a:t>
+            </a:r>
+            <a:r>
+              <a:rPr lang="en-GB" sz="700" b="0" dirty="0" err="1">
+                <a:solidFill>
+                  <a:srgbClr val="D4D4D4"/>
+                </a:solidFill>
+                <a:effectLst/>
+                <a:latin typeface="Consolas" panose="020B0609020204030204" pitchFamily="49" charset="0"/>
+              </a:rPr>
+              <a:t>c:condition</a:t>
+            </a:r>
+            <a:r>
+              <a:rPr lang="en-GB" sz="700" b="0" dirty="0">
+                <a:solidFill>
+                  <a:srgbClr val="569CD6"/>
+                </a:solidFill>
+                <a:effectLst/>
+                <a:latin typeface="Consolas" panose="020B0609020204030204" pitchFamily="49" charset="0"/>
+              </a:rPr>
+              <a:t>}</a:t>
+            </a:r>
+            <a:r>
+              <a:rPr lang="en-GB" sz="700" b="0" dirty="0">
+                <a:solidFill>
+                  <a:srgbClr val="D4D4D4"/>
+                </a:solidFill>
+                <a:effectLst/>
+                <a:latin typeface="Consolas" panose="020B0609020204030204" pitchFamily="49" charset="0"/>
+              </a:rPr>
+              <a:t>                 </a:t>
+            </a:r>
+            <a:r>
+              <a:rPr lang="en-GB" sz="700" b="0" dirty="0">
+                <a:solidFill>
+                  <a:srgbClr val="569CD6"/>
+                </a:solidFill>
+                <a:effectLst/>
+                <a:latin typeface="Consolas" panose="020B0609020204030204" pitchFamily="49" charset="0"/>
+              </a:rPr>
+              <a:t>=&gt;</a:t>
+            </a:r>
+            <a:r>
+              <a:rPr lang="en-GB" sz="700" b="0" dirty="0">
+                <a:solidFill>
+                  <a:srgbClr val="D4D4D4"/>
+                </a:solidFill>
+                <a:effectLst/>
+                <a:latin typeface="Consolas" panose="020B0609020204030204" pitchFamily="49" charset="0"/>
+              </a:rPr>
+              <a:t> c`</a:t>
+            </a:r>
+            <a:r>
+              <a:rPr lang="en-GB" sz="700" b="0" dirty="0">
+                <a:solidFill>
+                  <a:srgbClr val="B5CEA8"/>
+                </a:solidFill>
+                <a:effectLst/>
+                <a:latin typeface="Consolas" panose="020B0609020204030204" pitchFamily="49" charset="0"/>
+              </a:rPr>
+              <a:t>13</a:t>
+            </a:r>
+            <a:endParaRPr lang="en-GB" sz="700" b="0" dirty="0">
+              <a:solidFill>
+                <a:srgbClr val="D4D4D4"/>
+              </a:solidFill>
+              <a:effectLst/>
+              <a:latin typeface="Consolas" panose="020B0609020204030204" pitchFamily="49" charset="0"/>
+            </a:endParaRPr>
+          </a:p>
+          <a:p>
+            <a:r>
+              <a:rPr lang="en-GB" sz="700" b="0" dirty="0">
+                <a:solidFill>
+                  <a:srgbClr val="D4D4D4"/>
+                </a:solidFill>
+                <a:effectLst/>
+                <a:latin typeface="Consolas" panose="020B0609020204030204" pitchFamily="49" charset="0"/>
+              </a:rPr>
+              <a:t>  wait until </a:t>
+            </a:r>
+            <a:r>
+              <a:rPr lang="en-GB" sz="700" b="0" dirty="0">
+                <a:solidFill>
+                  <a:srgbClr val="569CD6"/>
+                </a:solidFill>
+                <a:effectLst/>
+                <a:latin typeface="Consolas" panose="020B0609020204030204" pitchFamily="49" charset="0"/>
+              </a:rPr>
+              <a:t>{</a:t>
+            </a:r>
+            <a:r>
+              <a:rPr lang="en-GB" sz="700" b="0" dirty="0" err="1">
+                <a:solidFill>
+                  <a:srgbClr val="D4D4D4"/>
+                </a:solidFill>
+                <a:effectLst/>
+                <a:latin typeface="Consolas" panose="020B0609020204030204" pitchFamily="49" charset="0"/>
+              </a:rPr>
+              <a:t>c:condition</a:t>
+            </a:r>
+            <a:r>
+              <a:rPr lang="en-GB" sz="700" b="0" dirty="0">
+                <a:solidFill>
+                  <a:srgbClr val="569CD6"/>
+                </a:solidFill>
+                <a:effectLst/>
+                <a:latin typeface="Consolas" panose="020B0609020204030204" pitchFamily="49" charset="0"/>
+              </a:rPr>
+              <a:t>}</a:t>
+            </a:r>
+            <a:r>
+              <a:rPr lang="en-GB" sz="700" b="0" dirty="0">
+                <a:solidFill>
+                  <a:srgbClr val="D4D4D4"/>
+                </a:solidFill>
+                <a:effectLst/>
+                <a:latin typeface="Consolas" panose="020B0609020204030204" pitchFamily="49" charset="0"/>
+              </a:rPr>
+              <a:t> </a:t>
+            </a:r>
+            <a:r>
+              <a:rPr lang="en-GB" sz="700" b="0" dirty="0">
+                <a:solidFill>
+                  <a:srgbClr val="569CD6"/>
+                </a:solidFill>
+                <a:effectLst/>
+                <a:latin typeface="Consolas" panose="020B0609020204030204" pitchFamily="49" charset="0"/>
+              </a:rPr>
+              <a:t>=&gt;</a:t>
+            </a:r>
+            <a:r>
+              <a:rPr lang="en-GB" sz="700" b="0" dirty="0">
+                <a:solidFill>
+                  <a:srgbClr val="D4D4D4"/>
+                </a:solidFill>
+                <a:effectLst/>
+                <a:latin typeface="Consolas" panose="020B0609020204030204" pitchFamily="49" charset="0"/>
+              </a:rPr>
+              <a:t> </a:t>
+            </a:r>
+            <a:r>
+              <a:rPr lang="en-GB" sz="700" b="0" dirty="0" err="1">
+                <a:solidFill>
+                  <a:srgbClr val="D4D4D4"/>
+                </a:solidFill>
+                <a:effectLst/>
+                <a:latin typeface="Consolas" panose="020B0609020204030204" pitchFamily="49" charset="0"/>
+              </a:rPr>
+              <a:t>asm</a:t>
+            </a:r>
+            <a:r>
+              <a:rPr lang="en-GB" sz="700" b="0" dirty="0">
+                <a:solidFill>
+                  <a:srgbClr val="D4D4D4"/>
+                </a:solidFill>
+                <a:effectLst/>
+                <a:latin typeface="Consolas" panose="020B0609020204030204" pitchFamily="49" charset="0"/>
+              </a:rPr>
+              <a:t> </a:t>
+            </a:r>
+            <a:r>
+              <a:rPr lang="en-GB" sz="700" b="0" dirty="0">
+                <a:solidFill>
+                  <a:srgbClr val="569CD6"/>
+                </a:solidFill>
+                <a:effectLst/>
+                <a:latin typeface="Consolas" panose="020B0609020204030204" pitchFamily="49" charset="0"/>
+              </a:rPr>
+              <a:t>{</a:t>
+            </a:r>
+            <a:endParaRPr lang="en-GB" sz="700" b="0" dirty="0">
+              <a:solidFill>
+                <a:srgbClr val="D4D4D4"/>
+              </a:solidFill>
+              <a:effectLst/>
+              <a:latin typeface="Consolas" panose="020B0609020204030204" pitchFamily="49" charset="0"/>
+            </a:endParaRPr>
+          </a:p>
+          <a:p>
+            <a:r>
+              <a:rPr lang="en-GB" sz="700" b="0" dirty="0">
+                <a:solidFill>
+                  <a:srgbClr val="D4D4D4"/>
+                </a:solidFill>
+                <a:effectLst/>
+                <a:latin typeface="Consolas" panose="020B0609020204030204" pitchFamily="49" charset="0"/>
+              </a:rPr>
+              <a:t>    if </a:t>
+            </a:r>
+            <a:r>
+              <a:rPr lang="en-GB" sz="700" b="0" dirty="0">
+                <a:solidFill>
+                  <a:srgbClr val="569CD6"/>
+                </a:solidFill>
+                <a:effectLst/>
+                <a:latin typeface="Consolas" panose="020B0609020204030204" pitchFamily="49" charset="0"/>
+              </a:rPr>
+              <a:t>{</a:t>
+            </a:r>
+            <a:r>
+              <a:rPr lang="en-GB" sz="700" b="0" dirty="0">
+                <a:solidFill>
+                  <a:srgbClr val="D4D4D4"/>
+                </a:solidFill>
+                <a:effectLst/>
+                <a:latin typeface="Consolas" panose="020B0609020204030204" pitchFamily="49" charset="0"/>
+              </a:rPr>
+              <a:t>c</a:t>
+            </a:r>
+            <a:r>
+              <a:rPr lang="en-GB" sz="700" b="0" dirty="0">
+                <a:solidFill>
+                  <a:srgbClr val="569CD6"/>
+                </a:solidFill>
+                <a:effectLst/>
+                <a:latin typeface="Consolas" panose="020B0609020204030204" pitchFamily="49" charset="0"/>
+              </a:rPr>
+              <a:t>}</a:t>
+            </a:r>
+            <a:endParaRPr lang="en-GB" sz="700" b="0" dirty="0">
+              <a:solidFill>
+                <a:srgbClr val="D4D4D4"/>
+              </a:solidFill>
+              <a:effectLst/>
+              <a:latin typeface="Consolas" panose="020B0609020204030204" pitchFamily="49" charset="0"/>
+            </a:endParaRPr>
+          </a:p>
+          <a:p>
+            <a:r>
+              <a:rPr lang="en-GB" sz="700" b="0" dirty="0">
+                <a:solidFill>
+                  <a:srgbClr val="D4D4D4"/>
+                </a:solidFill>
+                <a:effectLst/>
+                <a:latin typeface="Consolas" panose="020B0609020204030204" pitchFamily="49" charset="0"/>
+              </a:rPr>
+              <a:t>      noop</a:t>
+            </a:r>
+          </a:p>
+          <a:p>
+            <a:r>
+              <a:rPr lang="en-GB" sz="700" b="0" dirty="0">
+                <a:solidFill>
+                  <a:srgbClr val="D4D4D4"/>
+                </a:solidFill>
+                <a:effectLst/>
+                <a:latin typeface="Consolas" panose="020B0609020204030204" pitchFamily="49" charset="0"/>
+              </a:rPr>
+              <a:t>      </a:t>
+            </a:r>
+            <a:r>
+              <a:rPr lang="en-GB" sz="700" b="0" dirty="0" err="1">
+                <a:solidFill>
+                  <a:srgbClr val="D4D4D4"/>
+                </a:solidFill>
+                <a:effectLst/>
+                <a:latin typeface="Consolas" panose="020B0609020204030204" pitchFamily="49" charset="0"/>
+              </a:rPr>
+              <a:t>goto</a:t>
+            </a:r>
+            <a:r>
+              <a:rPr lang="en-GB" sz="700" b="0" dirty="0">
+                <a:solidFill>
+                  <a:srgbClr val="D4D4D4"/>
+                </a:solidFill>
+                <a:effectLst/>
+                <a:latin typeface="Consolas" panose="020B0609020204030204" pitchFamily="49" charset="0"/>
+              </a:rPr>
+              <a:t> $ - </a:t>
+            </a:r>
+            <a:r>
+              <a:rPr lang="en-GB" sz="700" b="0" dirty="0">
+                <a:solidFill>
+                  <a:srgbClr val="B5CEA8"/>
+                </a:solidFill>
+                <a:effectLst/>
+                <a:latin typeface="Consolas" panose="020B0609020204030204" pitchFamily="49" charset="0"/>
+              </a:rPr>
+              <a:t>2</a:t>
+            </a:r>
+            <a:endParaRPr lang="en-GB" sz="700" b="0" dirty="0">
+              <a:solidFill>
+                <a:srgbClr val="D4D4D4"/>
+              </a:solidFill>
+              <a:effectLst/>
+              <a:latin typeface="Consolas" panose="020B0609020204030204" pitchFamily="49" charset="0"/>
+            </a:endParaRPr>
+          </a:p>
+          <a:p>
+            <a:r>
+              <a:rPr lang="en-GB" sz="700" b="0" dirty="0">
+                <a:solidFill>
+                  <a:srgbClr val="D4D4D4"/>
+                </a:solidFill>
+                <a:effectLst/>
+                <a:latin typeface="Consolas" panose="020B0609020204030204" pitchFamily="49" charset="0"/>
+              </a:rPr>
+              <a:t>  </a:t>
+            </a:r>
+            <a:r>
+              <a:rPr lang="en-GB" sz="700" b="0" dirty="0">
+                <a:solidFill>
+                  <a:srgbClr val="569CD6"/>
+                </a:solidFill>
+                <a:effectLst/>
+                <a:latin typeface="Consolas" panose="020B0609020204030204" pitchFamily="49" charset="0"/>
+              </a:rPr>
+              <a:t>}</a:t>
+            </a:r>
+            <a:endParaRPr lang="en-GB" sz="700" b="0" dirty="0">
+              <a:solidFill>
+                <a:srgbClr val="D4D4D4"/>
+              </a:solidFill>
+              <a:effectLst/>
+              <a:latin typeface="Consolas" panose="020B0609020204030204" pitchFamily="49" charset="0"/>
+            </a:endParaRPr>
+          </a:p>
+          <a:p>
+            <a:r>
+              <a:rPr lang="en-GB" sz="700" b="0" dirty="0">
+                <a:solidFill>
+                  <a:srgbClr val="D4D4D4"/>
+                </a:solidFill>
+                <a:effectLst/>
+                <a:latin typeface="Consolas" panose="020B0609020204030204" pitchFamily="49" charset="0"/>
+              </a:rPr>
+              <a:t>  wait while </a:t>
+            </a:r>
+            <a:r>
+              <a:rPr lang="en-GB" sz="700" b="0" dirty="0">
+                <a:solidFill>
+                  <a:srgbClr val="569CD6"/>
+                </a:solidFill>
+                <a:effectLst/>
+                <a:latin typeface="Consolas" panose="020B0609020204030204" pitchFamily="49" charset="0"/>
+              </a:rPr>
+              <a:t>{</a:t>
+            </a:r>
+            <a:r>
+              <a:rPr lang="en-GB" sz="700" b="0" dirty="0" err="1">
+                <a:solidFill>
+                  <a:srgbClr val="D4D4D4"/>
+                </a:solidFill>
+                <a:effectLst/>
+                <a:latin typeface="Consolas" panose="020B0609020204030204" pitchFamily="49" charset="0"/>
+              </a:rPr>
+              <a:t>c:condition</a:t>
+            </a:r>
+            <a:r>
+              <a:rPr lang="en-GB" sz="700" b="0" dirty="0">
+                <a:solidFill>
+                  <a:srgbClr val="569CD6"/>
+                </a:solidFill>
+                <a:effectLst/>
+                <a:latin typeface="Consolas" panose="020B0609020204030204" pitchFamily="49" charset="0"/>
+              </a:rPr>
+              <a:t>}</a:t>
+            </a:r>
+            <a:r>
+              <a:rPr lang="en-GB" sz="700" b="0" dirty="0">
+                <a:solidFill>
+                  <a:srgbClr val="D4D4D4"/>
+                </a:solidFill>
+                <a:effectLst/>
+                <a:latin typeface="Consolas" panose="020B0609020204030204" pitchFamily="49" charset="0"/>
+              </a:rPr>
+              <a:t> </a:t>
+            </a:r>
+            <a:r>
+              <a:rPr lang="en-GB" sz="700" b="0" dirty="0">
+                <a:solidFill>
+                  <a:srgbClr val="569CD6"/>
+                </a:solidFill>
+                <a:effectLst/>
+                <a:latin typeface="Consolas" panose="020B0609020204030204" pitchFamily="49" charset="0"/>
+              </a:rPr>
+              <a:t>=&gt;</a:t>
+            </a:r>
+            <a:r>
+              <a:rPr lang="en-GB" sz="700" b="0" dirty="0">
+                <a:solidFill>
+                  <a:srgbClr val="D4D4D4"/>
+                </a:solidFill>
+                <a:effectLst/>
+                <a:latin typeface="Consolas" panose="020B0609020204030204" pitchFamily="49" charset="0"/>
+              </a:rPr>
+              <a:t> </a:t>
+            </a:r>
+            <a:r>
+              <a:rPr lang="en-GB" sz="700" b="0" dirty="0" err="1">
+                <a:solidFill>
+                  <a:srgbClr val="D4D4D4"/>
+                </a:solidFill>
+                <a:effectLst/>
+                <a:latin typeface="Consolas" panose="020B0609020204030204" pitchFamily="49" charset="0"/>
+              </a:rPr>
+              <a:t>asm</a:t>
+            </a:r>
+            <a:r>
+              <a:rPr lang="en-GB" sz="700" b="0" dirty="0">
+                <a:solidFill>
+                  <a:srgbClr val="D4D4D4"/>
+                </a:solidFill>
+                <a:effectLst/>
+                <a:latin typeface="Consolas" panose="020B0609020204030204" pitchFamily="49" charset="0"/>
+              </a:rPr>
+              <a:t> </a:t>
+            </a:r>
+            <a:r>
+              <a:rPr lang="en-GB" sz="700" b="0" dirty="0">
+                <a:solidFill>
+                  <a:srgbClr val="569CD6"/>
+                </a:solidFill>
+                <a:effectLst/>
+                <a:latin typeface="Consolas" panose="020B0609020204030204" pitchFamily="49" charset="0"/>
+              </a:rPr>
+              <a:t>{</a:t>
+            </a:r>
+            <a:endParaRPr lang="en-GB" sz="700" b="0" dirty="0">
+              <a:solidFill>
+                <a:srgbClr val="D4D4D4"/>
+              </a:solidFill>
+              <a:effectLst/>
+              <a:latin typeface="Consolas" panose="020B0609020204030204" pitchFamily="49" charset="0"/>
+            </a:endParaRPr>
+          </a:p>
+          <a:p>
+            <a:r>
+              <a:rPr lang="en-GB" sz="700" b="0" dirty="0">
+                <a:solidFill>
+                  <a:srgbClr val="D4D4D4"/>
+                </a:solidFill>
+                <a:effectLst/>
+                <a:latin typeface="Consolas" panose="020B0609020204030204" pitchFamily="49" charset="0"/>
+              </a:rPr>
+              <a:t>    if </a:t>
+            </a:r>
+            <a:r>
+              <a:rPr lang="en-GB" sz="700" b="0" dirty="0">
+                <a:solidFill>
+                  <a:srgbClr val="569CD6"/>
+                </a:solidFill>
+                <a:effectLst/>
+                <a:latin typeface="Consolas" panose="020B0609020204030204" pitchFamily="49" charset="0"/>
+              </a:rPr>
+              <a:t>{</a:t>
+            </a:r>
+            <a:r>
+              <a:rPr lang="en-GB" sz="700" b="0" dirty="0">
+                <a:solidFill>
+                  <a:srgbClr val="D4D4D4"/>
+                </a:solidFill>
+                <a:effectLst/>
+                <a:latin typeface="Consolas" panose="020B0609020204030204" pitchFamily="49" charset="0"/>
+              </a:rPr>
+              <a:t>c</a:t>
+            </a:r>
+            <a:r>
+              <a:rPr lang="en-GB" sz="700" b="0" dirty="0">
+                <a:solidFill>
+                  <a:srgbClr val="569CD6"/>
+                </a:solidFill>
+                <a:effectLst/>
+                <a:latin typeface="Consolas" panose="020B0609020204030204" pitchFamily="49" charset="0"/>
+              </a:rPr>
+              <a:t>}</a:t>
+            </a:r>
+            <a:endParaRPr lang="en-GB" sz="700" b="0" dirty="0">
+              <a:solidFill>
+                <a:srgbClr val="D4D4D4"/>
+              </a:solidFill>
+              <a:effectLst/>
+              <a:latin typeface="Consolas" panose="020B0609020204030204" pitchFamily="49" charset="0"/>
+            </a:endParaRPr>
+          </a:p>
+          <a:p>
+            <a:r>
+              <a:rPr lang="en-GB" sz="700" b="0" dirty="0">
+                <a:solidFill>
+                  <a:srgbClr val="D4D4D4"/>
+                </a:solidFill>
+                <a:effectLst/>
+                <a:latin typeface="Consolas" panose="020B0609020204030204" pitchFamily="49" charset="0"/>
+              </a:rPr>
+              <a:t>      </a:t>
+            </a:r>
+            <a:r>
+              <a:rPr lang="en-GB" sz="700" b="0" dirty="0" err="1">
+                <a:solidFill>
+                  <a:srgbClr val="D4D4D4"/>
+                </a:solidFill>
+                <a:effectLst/>
+                <a:latin typeface="Consolas" panose="020B0609020204030204" pitchFamily="49" charset="0"/>
+              </a:rPr>
+              <a:t>goto</a:t>
+            </a:r>
+            <a:r>
+              <a:rPr lang="en-GB" sz="700" b="0" dirty="0">
+                <a:solidFill>
+                  <a:srgbClr val="D4D4D4"/>
+                </a:solidFill>
+                <a:effectLst/>
+                <a:latin typeface="Consolas" panose="020B0609020204030204" pitchFamily="49" charset="0"/>
+              </a:rPr>
+              <a:t> $ - </a:t>
+            </a:r>
+            <a:r>
+              <a:rPr lang="en-GB" sz="700" b="0" dirty="0">
+                <a:solidFill>
+                  <a:srgbClr val="B5CEA8"/>
+                </a:solidFill>
+                <a:effectLst/>
+                <a:latin typeface="Consolas" panose="020B0609020204030204" pitchFamily="49" charset="0"/>
+              </a:rPr>
+              <a:t>1</a:t>
+            </a:r>
+            <a:endParaRPr lang="en-GB" sz="700" b="0" dirty="0">
+              <a:solidFill>
+                <a:srgbClr val="D4D4D4"/>
+              </a:solidFill>
+              <a:effectLst/>
+              <a:latin typeface="Consolas" panose="020B0609020204030204" pitchFamily="49" charset="0"/>
+            </a:endParaRPr>
+          </a:p>
+          <a:p>
+            <a:r>
+              <a:rPr lang="en-GB" sz="700" b="0" dirty="0">
+                <a:solidFill>
+                  <a:srgbClr val="D4D4D4"/>
+                </a:solidFill>
+                <a:effectLst/>
+                <a:latin typeface="Consolas" panose="020B0609020204030204" pitchFamily="49" charset="0"/>
+              </a:rPr>
+              <a:t>      noop</a:t>
+            </a:r>
+          </a:p>
+          <a:p>
+            <a:r>
+              <a:rPr lang="en-GB" sz="700" b="0" dirty="0">
+                <a:solidFill>
+                  <a:srgbClr val="D4D4D4"/>
+                </a:solidFill>
+                <a:effectLst/>
+                <a:latin typeface="Consolas" panose="020B0609020204030204" pitchFamily="49" charset="0"/>
+              </a:rPr>
+              <a:t>  </a:t>
+            </a:r>
+            <a:r>
+              <a:rPr lang="en-GB" sz="700" b="0" dirty="0">
+                <a:solidFill>
+                  <a:srgbClr val="569CD6"/>
+                </a:solidFill>
+                <a:effectLst/>
+                <a:latin typeface="Consolas" panose="020B0609020204030204" pitchFamily="49" charset="0"/>
+              </a:rPr>
+              <a:t>}</a:t>
+            </a:r>
+            <a:endParaRPr lang="en-GB" sz="700" b="0" dirty="0">
+              <a:solidFill>
+                <a:srgbClr val="D4D4D4"/>
+              </a:solidFill>
+              <a:effectLst/>
+              <a:latin typeface="Consolas" panose="020B0609020204030204" pitchFamily="49" charset="0"/>
+            </a:endParaRPr>
+          </a:p>
+          <a:p>
+            <a:r>
+              <a:rPr lang="en-GB" sz="700" b="0" dirty="0">
+                <a:solidFill>
+                  <a:srgbClr val="D4D4D4"/>
+                </a:solidFill>
+                <a:effectLst/>
+                <a:latin typeface="Consolas" panose="020B0609020204030204" pitchFamily="49" charset="0"/>
+              </a:rPr>
+              <a:t>  </a:t>
+            </a:r>
+            <a:r>
+              <a:rPr lang="en-GB" sz="700" b="0" dirty="0" err="1">
+                <a:solidFill>
+                  <a:srgbClr val="D4D4D4"/>
+                </a:solidFill>
+                <a:effectLst/>
+                <a:latin typeface="Consolas" panose="020B0609020204030204" pitchFamily="49" charset="0"/>
+              </a:rPr>
+              <a:t>wincr</a:t>
+            </a:r>
+            <a:r>
+              <a:rPr lang="en-GB" sz="700" b="0" dirty="0">
+                <a:solidFill>
+                  <a:srgbClr val="D4D4D4"/>
+                </a:solidFill>
+                <a:effectLst/>
+                <a:latin typeface="Consolas" panose="020B0609020204030204" pitchFamily="49" charset="0"/>
+              </a:rPr>
+              <a:t>                            </a:t>
+            </a:r>
+            <a:r>
+              <a:rPr lang="en-GB" sz="700" b="0" dirty="0">
+                <a:solidFill>
+                  <a:srgbClr val="569CD6"/>
+                </a:solidFill>
+                <a:effectLst/>
+                <a:latin typeface="Consolas" panose="020B0609020204030204" pitchFamily="49" charset="0"/>
+              </a:rPr>
+              <a:t>=&gt;</a:t>
+            </a:r>
+            <a:r>
+              <a:rPr lang="en-GB" sz="700" b="0" dirty="0">
+                <a:solidFill>
+                  <a:srgbClr val="D4D4D4"/>
+                </a:solidFill>
+                <a:effectLst/>
+                <a:latin typeface="Consolas" panose="020B0609020204030204" pitchFamily="49" charset="0"/>
+              </a:rPr>
+              <a:t> </a:t>
+            </a:r>
+            <a:r>
+              <a:rPr lang="en-GB" sz="700" b="0" dirty="0">
+                <a:solidFill>
+                  <a:srgbClr val="B5CEA8"/>
+                </a:solidFill>
+                <a:effectLst/>
+                <a:latin typeface="Consolas" panose="020B0609020204030204" pitchFamily="49" charset="0"/>
+              </a:rPr>
+              <a:t>0xe</a:t>
+            </a:r>
+            <a:r>
+              <a:rPr lang="en-GB" sz="700" b="0" dirty="0">
+                <a:solidFill>
+                  <a:srgbClr val="D4D4D4"/>
+                </a:solidFill>
+                <a:effectLst/>
+                <a:latin typeface="Consolas" panose="020B0609020204030204" pitchFamily="49" charset="0"/>
+              </a:rPr>
+              <a:t> @         </a:t>
+            </a:r>
+            <a:r>
+              <a:rPr lang="en-GB" sz="700" b="0" dirty="0">
+                <a:solidFill>
+                  <a:srgbClr val="B5CEA8"/>
+                </a:solidFill>
+                <a:effectLst/>
+                <a:latin typeface="Consolas" panose="020B0609020204030204" pitchFamily="49" charset="0"/>
+              </a:rPr>
+              <a:t>1</a:t>
+            </a:r>
+            <a:r>
+              <a:rPr lang="en-GB" sz="700" b="0" dirty="0">
+                <a:solidFill>
+                  <a:srgbClr val="D4D4D4"/>
+                </a:solidFill>
+                <a:effectLst/>
+                <a:latin typeface="Consolas" panose="020B0609020204030204" pitchFamily="49" charset="0"/>
+              </a:rPr>
+              <a:t>`</a:t>
+            </a:r>
+            <a:r>
+              <a:rPr lang="en-GB" sz="700" b="0" dirty="0">
+                <a:solidFill>
+                  <a:srgbClr val="B5CEA8"/>
+                </a:solidFill>
+                <a:effectLst/>
+                <a:latin typeface="Consolas" panose="020B0609020204030204" pitchFamily="49" charset="0"/>
+              </a:rPr>
+              <a:t>9</a:t>
+            </a:r>
+            <a:r>
+              <a:rPr lang="en-GB" sz="700" b="0" dirty="0">
+                <a:solidFill>
+                  <a:srgbClr val="D4D4D4"/>
+                </a:solidFill>
+                <a:effectLst/>
+                <a:latin typeface="Consolas" panose="020B0609020204030204" pitchFamily="49" charset="0"/>
+              </a:rPr>
+              <a:t>              </a:t>
+            </a:r>
+            <a:r>
+              <a:rPr lang="en-GB" sz="700" b="0" dirty="0">
+                <a:solidFill>
+                  <a:srgbClr val="6A9955"/>
+                </a:solidFill>
+                <a:effectLst/>
+                <a:latin typeface="Consolas" panose="020B0609020204030204" pitchFamily="49" charset="0"/>
+              </a:rPr>
+              <a:t>; </a:t>
+            </a:r>
+            <a:r>
+              <a:rPr lang="en-GB" sz="700" b="0" dirty="0" err="1">
+                <a:solidFill>
+                  <a:srgbClr val="6A9955"/>
+                </a:solidFill>
+                <a:effectLst/>
+                <a:latin typeface="Consolas" panose="020B0609020204030204" pitchFamily="49" charset="0"/>
+              </a:rPr>
+              <a:t>op_wi</a:t>
+            </a:r>
+            <a:endParaRPr lang="en-GB" sz="700" b="0" dirty="0">
+              <a:solidFill>
+                <a:srgbClr val="D4D4D4"/>
+              </a:solidFill>
+              <a:effectLst/>
+              <a:latin typeface="Consolas" panose="020B0609020204030204" pitchFamily="49" charset="0"/>
+            </a:endParaRPr>
+          </a:p>
+          <a:p>
+            <a:r>
+              <a:rPr lang="en-GB" sz="700" b="0" dirty="0">
+                <a:solidFill>
+                  <a:srgbClr val="D4D4D4"/>
+                </a:solidFill>
+                <a:effectLst/>
+                <a:latin typeface="Consolas" panose="020B0609020204030204" pitchFamily="49" charset="0"/>
+              </a:rPr>
+              <a:t>  </a:t>
+            </a:r>
+            <a:r>
+              <a:rPr lang="en-GB" sz="700" b="0" dirty="0" err="1">
+                <a:solidFill>
+                  <a:srgbClr val="D4D4D4"/>
+                </a:solidFill>
+                <a:effectLst/>
+                <a:latin typeface="Consolas" panose="020B0609020204030204" pitchFamily="49" charset="0"/>
+              </a:rPr>
+              <a:t>wincr</a:t>
+            </a:r>
+            <a:r>
+              <a:rPr lang="en-GB" sz="700" b="0" dirty="0">
+                <a:solidFill>
+                  <a:srgbClr val="D4D4D4"/>
+                </a:solidFill>
+                <a:effectLst/>
+                <a:latin typeface="Consolas" panose="020B0609020204030204" pitchFamily="49" charset="0"/>
+              </a:rPr>
+              <a:t> </a:t>
+            </a:r>
+            <a:r>
+              <a:rPr lang="en-GB" sz="700" b="0" dirty="0">
+                <a:solidFill>
+                  <a:srgbClr val="569CD6"/>
+                </a:solidFill>
+                <a:effectLst/>
+                <a:latin typeface="Consolas" panose="020B0609020204030204" pitchFamily="49" charset="0"/>
+              </a:rPr>
+              <a:t>{</a:t>
+            </a:r>
+            <a:r>
+              <a:rPr lang="en-GB" sz="700" b="0" dirty="0">
+                <a:solidFill>
+                  <a:srgbClr val="D4D4D4"/>
+                </a:solidFill>
+                <a:effectLst/>
+                <a:latin typeface="Consolas" panose="020B0609020204030204" pitchFamily="49" charset="0"/>
+              </a:rPr>
+              <a:t>l:u9</a:t>
+            </a:r>
+            <a:r>
+              <a:rPr lang="en-GB" sz="700" b="0" dirty="0">
+                <a:solidFill>
+                  <a:srgbClr val="569CD6"/>
+                </a:solidFill>
+                <a:effectLst/>
+                <a:latin typeface="Consolas" panose="020B0609020204030204" pitchFamily="49" charset="0"/>
+              </a:rPr>
+              <a:t>}</a:t>
+            </a:r>
+            <a:r>
+              <a:rPr lang="en-GB" sz="700" b="0" dirty="0">
+                <a:solidFill>
+                  <a:srgbClr val="D4D4D4"/>
+                </a:solidFill>
+                <a:effectLst/>
+                <a:latin typeface="Consolas" panose="020B0609020204030204" pitchFamily="49" charset="0"/>
+              </a:rPr>
+              <a:t>                     </a:t>
+            </a:r>
+            <a:r>
+              <a:rPr lang="en-GB" sz="700" b="0" dirty="0">
+                <a:solidFill>
+                  <a:srgbClr val="569CD6"/>
+                </a:solidFill>
+                <a:effectLst/>
+                <a:latin typeface="Consolas" panose="020B0609020204030204" pitchFamily="49" charset="0"/>
+              </a:rPr>
+              <a:t>=&gt;</a:t>
+            </a:r>
+            <a:r>
+              <a:rPr lang="en-GB" sz="700" b="0" dirty="0">
+                <a:solidFill>
+                  <a:srgbClr val="D4D4D4"/>
+                </a:solidFill>
+                <a:effectLst/>
+                <a:latin typeface="Consolas" panose="020B0609020204030204" pitchFamily="49" charset="0"/>
+              </a:rPr>
+              <a:t> </a:t>
+            </a:r>
+            <a:r>
+              <a:rPr lang="en-GB" sz="700" b="0" dirty="0">
+                <a:solidFill>
+                  <a:srgbClr val="B5CEA8"/>
+                </a:solidFill>
+                <a:effectLst/>
+                <a:latin typeface="Consolas" panose="020B0609020204030204" pitchFamily="49" charset="0"/>
+              </a:rPr>
+              <a:t>0xe</a:t>
+            </a:r>
+            <a:r>
+              <a:rPr lang="en-GB" sz="700" b="0" dirty="0">
+                <a:solidFill>
+                  <a:srgbClr val="D4D4D4"/>
+                </a:solidFill>
+                <a:effectLst/>
+                <a:latin typeface="Consolas" panose="020B0609020204030204" pitchFamily="49" charset="0"/>
+              </a:rPr>
+              <a:t> @         l`</a:t>
+            </a:r>
+            <a:r>
+              <a:rPr lang="en-GB" sz="700" b="0" dirty="0">
+                <a:solidFill>
+                  <a:srgbClr val="B5CEA8"/>
+                </a:solidFill>
+                <a:effectLst/>
+                <a:latin typeface="Consolas" panose="020B0609020204030204" pitchFamily="49" charset="0"/>
+              </a:rPr>
+              <a:t>9</a:t>
+            </a:r>
+            <a:r>
+              <a:rPr lang="en-GB" sz="700" b="0" dirty="0">
+                <a:solidFill>
+                  <a:srgbClr val="D4D4D4"/>
+                </a:solidFill>
+                <a:effectLst/>
+                <a:latin typeface="Consolas" panose="020B0609020204030204" pitchFamily="49" charset="0"/>
+              </a:rPr>
+              <a:t>              </a:t>
+            </a:r>
+            <a:r>
+              <a:rPr lang="en-GB" sz="700" b="0" dirty="0">
+                <a:solidFill>
+                  <a:srgbClr val="6A9955"/>
+                </a:solidFill>
+                <a:effectLst/>
+                <a:latin typeface="Consolas" panose="020B0609020204030204" pitchFamily="49" charset="0"/>
+              </a:rPr>
+              <a:t>; </a:t>
+            </a:r>
+            <a:r>
+              <a:rPr lang="en-GB" sz="700" b="0" dirty="0" err="1">
+                <a:solidFill>
+                  <a:srgbClr val="6A9955"/>
+                </a:solidFill>
+                <a:effectLst/>
+                <a:latin typeface="Consolas" panose="020B0609020204030204" pitchFamily="49" charset="0"/>
+              </a:rPr>
+              <a:t>op_wi</a:t>
+            </a:r>
+            <a:endParaRPr lang="en-GB" sz="700" b="0" dirty="0">
+              <a:solidFill>
+                <a:srgbClr val="D4D4D4"/>
+              </a:solidFill>
+              <a:effectLst/>
+              <a:latin typeface="Consolas" panose="020B0609020204030204" pitchFamily="49" charset="0"/>
+            </a:endParaRPr>
+          </a:p>
+          <a:p>
+            <a:r>
+              <a:rPr lang="en-GB" sz="700" b="0" dirty="0">
+                <a:solidFill>
+                  <a:srgbClr val="D4D4D4"/>
+                </a:solidFill>
+                <a:effectLst/>
+                <a:latin typeface="Consolas" panose="020B0609020204030204" pitchFamily="49" charset="0"/>
+              </a:rPr>
+              <a:t>  </a:t>
+            </a:r>
+            <a:r>
+              <a:rPr lang="en-GB" sz="700" b="0" dirty="0" err="1">
+                <a:solidFill>
+                  <a:srgbClr val="D4D4D4"/>
+                </a:solidFill>
+                <a:effectLst/>
+                <a:latin typeface="Consolas" panose="020B0609020204030204" pitchFamily="49" charset="0"/>
+              </a:rPr>
+              <a:t>goto</a:t>
+            </a:r>
+            <a:r>
+              <a:rPr lang="en-GB" sz="700" b="0" dirty="0">
+                <a:solidFill>
+                  <a:srgbClr val="D4D4D4"/>
+                </a:solidFill>
+                <a:effectLst/>
+                <a:latin typeface="Consolas" panose="020B0609020204030204" pitchFamily="49" charset="0"/>
+              </a:rPr>
+              <a:t>  </a:t>
+            </a:r>
+            <a:r>
+              <a:rPr lang="en-GB" sz="700" b="0" dirty="0">
+                <a:solidFill>
+                  <a:srgbClr val="569CD6"/>
+                </a:solidFill>
+                <a:effectLst/>
+                <a:latin typeface="Consolas" panose="020B0609020204030204" pitchFamily="49" charset="0"/>
+              </a:rPr>
+              <a:t>{</a:t>
+            </a:r>
+            <a:r>
+              <a:rPr lang="en-GB" sz="700" b="0" dirty="0">
+                <a:solidFill>
+                  <a:srgbClr val="D4D4D4"/>
+                </a:solidFill>
+                <a:effectLst/>
+                <a:latin typeface="Consolas" panose="020B0609020204030204" pitchFamily="49" charset="0"/>
+              </a:rPr>
+              <a:t>l:u9</a:t>
+            </a:r>
+            <a:r>
+              <a:rPr lang="en-GB" sz="700" b="0" dirty="0">
+                <a:solidFill>
+                  <a:srgbClr val="569CD6"/>
+                </a:solidFill>
+                <a:effectLst/>
+                <a:latin typeface="Consolas" panose="020B0609020204030204" pitchFamily="49" charset="0"/>
+              </a:rPr>
+              <a:t>}</a:t>
+            </a:r>
+            <a:r>
+              <a:rPr lang="en-GB" sz="700" b="0" dirty="0">
+                <a:solidFill>
+                  <a:srgbClr val="D4D4D4"/>
+                </a:solidFill>
+                <a:effectLst/>
+                <a:latin typeface="Consolas" panose="020B0609020204030204" pitchFamily="49" charset="0"/>
+              </a:rPr>
+              <a:t>                     </a:t>
+            </a:r>
+            <a:r>
+              <a:rPr lang="en-GB" sz="700" b="0" dirty="0">
+                <a:solidFill>
+                  <a:srgbClr val="569CD6"/>
+                </a:solidFill>
+                <a:effectLst/>
+                <a:latin typeface="Consolas" panose="020B0609020204030204" pitchFamily="49" charset="0"/>
+              </a:rPr>
+              <a:t>=&gt;</a:t>
+            </a:r>
+            <a:r>
+              <a:rPr lang="en-GB" sz="700" b="0" dirty="0">
+                <a:solidFill>
+                  <a:srgbClr val="D4D4D4"/>
+                </a:solidFill>
+                <a:effectLst/>
+                <a:latin typeface="Consolas" panose="020B0609020204030204" pitchFamily="49" charset="0"/>
+              </a:rPr>
+              <a:t> </a:t>
+            </a:r>
+            <a:r>
+              <a:rPr lang="en-GB" sz="700" b="0" dirty="0">
+                <a:solidFill>
+                  <a:srgbClr val="B5CEA8"/>
+                </a:solidFill>
+                <a:effectLst/>
+                <a:latin typeface="Consolas" panose="020B0609020204030204" pitchFamily="49" charset="0"/>
+              </a:rPr>
+              <a:t>0xf</a:t>
+            </a:r>
+            <a:r>
+              <a:rPr lang="en-GB" sz="700" b="0" dirty="0">
+                <a:solidFill>
+                  <a:srgbClr val="D4D4D4"/>
+                </a:solidFill>
+                <a:effectLst/>
+                <a:latin typeface="Consolas" panose="020B0609020204030204" pitchFamily="49" charset="0"/>
+              </a:rPr>
+              <a:t> @         l`</a:t>
+            </a:r>
+            <a:r>
+              <a:rPr lang="en-GB" sz="700" b="0" dirty="0">
+                <a:solidFill>
+                  <a:srgbClr val="B5CEA8"/>
+                </a:solidFill>
+                <a:effectLst/>
+                <a:latin typeface="Consolas" panose="020B0609020204030204" pitchFamily="49" charset="0"/>
+              </a:rPr>
+              <a:t>9</a:t>
+            </a:r>
+            <a:r>
+              <a:rPr lang="en-GB" sz="700" b="0" dirty="0">
+                <a:solidFill>
+                  <a:srgbClr val="D4D4D4"/>
+                </a:solidFill>
+                <a:effectLst/>
+                <a:latin typeface="Consolas" panose="020B0609020204030204" pitchFamily="49" charset="0"/>
+              </a:rPr>
+              <a:t>              </a:t>
+            </a:r>
+            <a:r>
+              <a:rPr lang="en-GB" sz="700" b="0" dirty="0">
+                <a:solidFill>
+                  <a:srgbClr val="6A9955"/>
+                </a:solidFill>
+                <a:effectLst/>
+                <a:latin typeface="Consolas" panose="020B0609020204030204" pitchFamily="49" charset="0"/>
+              </a:rPr>
+              <a:t>; </a:t>
+            </a:r>
+            <a:r>
+              <a:rPr lang="en-GB" sz="700" b="0" dirty="0" err="1">
+                <a:solidFill>
+                  <a:srgbClr val="6A9955"/>
+                </a:solidFill>
+                <a:effectLst/>
+                <a:latin typeface="Consolas" panose="020B0609020204030204" pitchFamily="49" charset="0"/>
+              </a:rPr>
+              <a:t>op_goto</a:t>
+            </a:r>
+            <a:endParaRPr lang="en-GB" sz="700" b="0" dirty="0">
+              <a:solidFill>
+                <a:srgbClr val="D4D4D4"/>
+              </a:solidFill>
+              <a:effectLst/>
+              <a:latin typeface="Consolas" panose="020B0609020204030204" pitchFamily="49" charset="0"/>
+            </a:endParaRPr>
+          </a:p>
+          <a:p>
+            <a:r>
+              <a:rPr lang="en-GB" sz="700" b="0" dirty="0">
+                <a:solidFill>
+                  <a:srgbClr val="569CD6"/>
+                </a:solidFill>
+                <a:effectLst/>
+                <a:latin typeface="Consolas" panose="020B0609020204030204" pitchFamily="49" charset="0"/>
+              </a:rPr>
+              <a:t>}</a:t>
+            </a:r>
+            <a:endParaRPr lang="en-GB" sz="700" b="0" dirty="0">
               <a:solidFill>
                 <a:srgbClr val="D4D4D4"/>
               </a:solidFill>

--- a/docs/Training/Scratch_VHDL_Advert.pptx
+++ b/docs/Training/Scratch_VHDL_Advert.pptx
@@ -5,13 +5,13 @@
     <p:sldMasterId id="2147483720" r:id="rId1"/>
   </p:sldMasterIdLst>
   <p:notesMasterIdLst>
-    <p:notesMasterId r:id="rId17"/>
+    <p:notesMasterId r:id="rId16"/>
   </p:notesMasterIdLst>
   <p:sldIdLst>
     <p:sldId id="274" r:id="rId2"/>
     <p:sldId id="273" r:id="rId3"/>
     <p:sldId id="265" r:id="rId4"/>
-    <p:sldId id="266" r:id="rId5"/>
+    <p:sldId id="257" r:id="rId5"/>
     <p:sldId id="260" r:id="rId6"/>
     <p:sldId id="262" r:id="rId7"/>
     <p:sldId id="261" r:id="rId8"/>
@@ -22,7 +22,6 @@
     <p:sldId id="269" r:id="rId13"/>
     <p:sldId id="272" r:id="rId14"/>
     <p:sldId id="258" r:id="rId15"/>
-    <p:sldId id="257" r:id="rId16"/>
   </p:sldIdLst>
   <p:sldSz cx="12192000" cy="6858000"/>
   <p:notesSz cx="6858000" cy="9144000"/>
@@ -3854,7 +3853,7 @@
           <a:p>
             <a:fld id="{A793A016-C221-4297-BAF0-C7617808AEA2}" type="datetimeFigureOut">
               <a:rPr lang="en-GB" smtClean="0"/>
-              <a:t>17/06/2023</a:t>
+              <a:t>22/08/2023</a:t>
             </a:fld>
             <a:endParaRPr lang="en-GB"/>
           </a:p>
@@ -4340,7 +4339,7 @@
           <a:p>
             <a:fld id="{93631960-6401-4240-A916-0C0CD9420A18}" type="datetimeFigureOut">
               <a:rPr lang="en-GB" smtClean="0"/>
-              <a:t>17/06/2023</a:t>
+              <a:t>22/08/2023</a:t>
             </a:fld>
             <a:endParaRPr lang="en-GB"/>
           </a:p>
@@ -4510,7 +4509,7 @@
           <a:p>
             <a:fld id="{93631960-6401-4240-A916-0C0CD9420A18}" type="datetimeFigureOut">
               <a:rPr lang="en-GB" smtClean="0"/>
-              <a:t>17/06/2023</a:t>
+              <a:t>22/08/2023</a:t>
             </a:fld>
             <a:endParaRPr lang="en-GB"/>
           </a:p>
@@ -4690,7 +4689,7 @@
           <a:p>
             <a:fld id="{93631960-6401-4240-A916-0C0CD9420A18}" type="datetimeFigureOut">
               <a:rPr lang="en-GB" smtClean="0"/>
-              <a:t>17/06/2023</a:t>
+              <a:t>22/08/2023</a:t>
             </a:fld>
             <a:endParaRPr lang="en-GB"/>
           </a:p>
@@ -4860,7 +4859,7 @@
           <a:p>
             <a:fld id="{93631960-6401-4240-A916-0C0CD9420A18}" type="datetimeFigureOut">
               <a:rPr lang="en-GB" smtClean="0"/>
-              <a:t>17/06/2023</a:t>
+              <a:t>22/08/2023</a:t>
             </a:fld>
             <a:endParaRPr lang="en-GB"/>
           </a:p>
@@ -5106,7 +5105,7 @@
           <a:p>
             <a:fld id="{93631960-6401-4240-A916-0C0CD9420A18}" type="datetimeFigureOut">
               <a:rPr lang="en-GB" smtClean="0"/>
-              <a:t>17/06/2023</a:t>
+              <a:t>22/08/2023</a:t>
             </a:fld>
             <a:endParaRPr lang="en-GB"/>
           </a:p>
@@ -5337,7 +5336,7 @@
           <a:p>
             <a:fld id="{93631960-6401-4240-A916-0C0CD9420A18}" type="datetimeFigureOut">
               <a:rPr lang="en-GB" smtClean="0"/>
-              <a:t>17/06/2023</a:t>
+              <a:t>22/08/2023</a:t>
             </a:fld>
             <a:endParaRPr lang="en-GB"/>
           </a:p>
@@ -5704,7 +5703,7 @@
           <a:p>
             <a:fld id="{93631960-6401-4240-A916-0C0CD9420A18}" type="datetimeFigureOut">
               <a:rPr lang="en-GB" smtClean="0"/>
-              <a:t>17/06/2023</a:t>
+              <a:t>22/08/2023</a:t>
             </a:fld>
             <a:endParaRPr lang="en-GB"/>
           </a:p>
@@ -5822,7 +5821,7 @@
           <a:p>
             <a:fld id="{93631960-6401-4240-A916-0C0CD9420A18}" type="datetimeFigureOut">
               <a:rPr lang="en-GB" smtClean="0"/>
-              <a:t>17/06/2023</a:t>
+              <a:t>22/08/2023</a:t>
             </a:fld>
             <a:endParaRPr lang="en-GB"/>
           </a:p>
@@ -5917,7 +5916,7 @@
           <a:p>
             <a:fld id="{93631960-6401-4240-A916-0C0CD9420A18}" type="datetimeFigureOut">
               <a:rPr lang="en-GB" smtClean="0"/>
-              <a:t>17/06/2023</a:t>
+              <a:t>22/08/2023</a:t>
             </a:fld>
             <a:endParaRPr lang="en-GB"/>
           </a:p>
@@ -6194,7 +6193,7 @@
           <a:p>
             <a:fld id="{93631960-6401-4240-A916-0C0CD9420A18}" type="datetimeFigureOut">
               <a:rPr lang="en-GB" smtClean="0"/>
-              <a:t>17/06/2023</a:t>
+              <a:t>22/08/2023</a:t>
             </a:fld>
             <a:endParaRPr lang="en-GB"/>
           </a:p>
@@ -6451,7 +6450,7 @@
           <a:p>
             <a:fld id="{93631960-6401-4240-A916-0C0CD9420A18}" type="datetimeFigureOut">
               <a:rPr lang="en-GB" smtClean="0"/>
-              <a:t>17/06/2023</a:t>
+              <a:t>22/08/2023</a:t>
             </a:fld>
             <a:endParaRPr lang="en-GB"/>
           </a:p>
@@ -6733,7 +6732,7 @@
           <a:p>
             <a:fld id="{93631960-6401-4240-A916-0C0CD9420A18}" type="datetimeFigureOut">
               <a:rPr lang="en-GB" smtClean="0"/>
-              <a:t>17/06/2023</a:t>
+              <a:t>22/08/2023</a:t>
             </a:fld>
             <a:endParaRPr lang="en-GB"/>
           </a:p>
@@ -16715,8 +16714,2009 @@
 </p:sld>
 </file>
 
-<file path=ppt/slides/slide15.xml><?xml version="1.0" encoding="utf-8"?>
-<p:sld xmlns:a="http://schemas.openxmlformats.org/drawingml/2006/main" xmlns:r="http://schemas.openxmlformats.org/officeDocument/2006/relationships" xmlns:p="http://schemas.openxmlformats.org/presentationml/2006/main" show="0">
+<file path=ppt/slides/slide2.xml><?xml version="1.0" encoding="utf-8"?>
+<p:sld xmlns:a="http://schemas.openxmlformats.org/drawingml/2006/main" xmlns:r="http://schemas.openxmlformats.org/officeDocument/2006/relationships" xmlns:p="http://schemas.openxmlformats.org/presentationml/2006/main">
+  <p:cSld>
+    <p:bg>
+      <p:bgPr>
+        <a:solidFill>
+          <a:schemeClr val="bg1"/>
+        </a:solidFill>
+        <a:effectLst/>
+      </p:bgPr>
+    </p:bg>
+    <p:spTree>
+      <p:nvGrpSpPr>
+        <p:cNvPr id="1" name=""/>
+        <p:cNvGrpSpPr/>
+        <p:nvPr/>
+      </p:nvGrpSpPr>
+      <p:grpSpPr>
+        <a:xfrm>
+          <a:off x="0" y="0"/>
+          <a:ext cx="0" cy="0"/>
+          <a:chOff x="0" y="0"/>
+          <a:chExt cx="0" cy="0"/>
+        </a:xfrm>
+      </p:grpSpPr>
+      <p:sp>
+        <p:nvSpPr>
+          <p:cNvPr id="2" name="Title 1">
+            <a:extLst>
+              <a:ext uri="{FF2B5EF4-FFF2-40B4-BE49-F238E27FC236}">
+                <a16:creationId xmlns:a16="http://schemas.microsoft.com/office/drawing/2014/main" id="{94D6D855-6FE2-CF2C-20F3-20CFB3656DFE}"/>
+              </a:ext>
+            </a:extLst>
+          </p:cNvPr>
+          <p:cNvSpPr>
+            <a:spLocks noGrp="1"/>
+          </p:cNvSpPr>
+          <p:nvPr>
+            <p:ph type="title"/>
+          </p:nvPr>
+        </p:nvSpPr>
+        <p:spPr/>
+        <p:txBody>
+          <a:bodyPr/>
+          <a:lstStyle/>
+          <a:p>
+            <a:r>
+              <a:rPr lang="en-US"/>
+              <a:t>Design Process</a:t>
+            </a:r>
+          </a:p>
+        </p:txBody>
+      </p:sp>
+      <p:graphicFrame>
+        <p:nvGraphicFramePr>
+          <p:cNvPr id="4" name="Content Placeholder 3">
+            <a:extLst>
+              <a:ext uri="{FF2B5EF4-FFF2-40B4-BE49-F238E27FC236}">
+                <a16:creationId xmlns:a16="http://schemas.microsoft.com/office/drawing/2014/main" id="{8F3699D8-43D1-9EC4-AE8A-B1C75E56BA7B}"/>
+              </a:ext>
+            </a:extLst>
+          </p:cNvPr>
+          <p:cNvGraphicFramePr>
+            <a:graphicFrameLocks noGrp="1"/>
+          </p:cNvGraphicFramePr>
+          <p:nvPr>
+            <p:ph idx="1"/>
+            <p:extLst>
+              <p:ext uri="{D42A27DB-BD31-4B8C-83A1-F6EECF244321}">
+                <p14:modId xmlns:p14="http://schemas.microsoft.com/office/powerpoint/2010/main" val="2130687436"/>
+              </p:ext>
+            </p:extLst>
+          </p:nvPr>
+        </p:nvGraphicFramePr>
+        <p:xfrm>
+          <a:off x="838200" y="1825625"/>
+          <a:ext cx="10515600" cy="4351338"/>
+        </p:xfrm>
+        <a:graphic>
+          <a:graphicData uri="http://schemas.openxmlformats.org/drawingml/2006/diagram">
+            <dgm:relIds xmlns:dgm="http://schemas.openxmlformats.org/drawingml/2006/diagram" xmlns:r="http://schemas.openxmlformats.org/officeDocument/2006/relationships" r:dm="rId3" r:lo="rId4" r:qs="rId5" r:cs="rId6"/>
+          </a:graphicData>
+        </a:graphic>
+      </p:graphicFrame>
+      <p:sp>
+        <p:nvSpPr>
+          <p:cNvPr id="21" name="TextBox 20">
+            <a:extLst>
+              <a:ext uri="{FF2B5EF4-FFF2-40B4-BE49-F238E27FC236}">
+                <a16:creationId xmlns:a16="http://schemas.microsoft.com/office/drawing/2014/main" id="{F43CA5DC-89C8-01D1-B218-392BF9FE9004}"/>
+              </a:ext>
+            </a:extLst>
+          </p:cNvPr>
+          <p:cNvSpPr txBox="1"/>
+          <p:nvPr/>
+        </p:nvSpPr>
+        <p:spPr>
+          <a:xfrm>
+            <a:off x="1821656" y="5942568"/>
+            <a:ext cx="8548687" cy="369332"/>
+          </a:xfrm>
+          <a:prstGeom prst="rect">
+            <a:avLst/>
+          </a:prstGeom>
+          <a:noFill/>
+        </p:spPr>
+        <p:txBody>
+          <a:bodyPr wrap="none" rtlCol="0">
+            <a:spAutoFit/>
+          </a:bodyPr>
+          <a:lstStyle/>
+          <a:p>
+            <a:pPr algn="ctr"/>
+            <a:r>
+              <a:rPr lang="en-GB" b="1" dirty="0"/>
+              <a:t>Experience the end-to-end design entry and build process without having to learn VHDL</a:t>
+            </a:r>
+          </a:p>
+        </p:txBody>
+      </p:sp>
+    </p:spTree>
+    <p:extLst>
+      <p:ext uri="{BB962C8B-B14F-4D97-AF65-F5344CB8AC3E}">
+        <p14:creationId xmlns:p14="http://schemas.microsoft.com/office/powerpoint/2010/main" val="3631409919"/>
+      </p:ext>
+    </p:extLst>
+  </p:cSld>
+  <p:clrMapOvr>
+    <a:masterClrMapping/>
+  </p:clrMapOvr>
+</p:sld>
+</file>
+
+<file path=ppt/slides/slide3.xml><?xml version="1.0" encoding="utf-8"?>
+<p:sld xmlns:a="http://schemas.openxmlformats.org/drawingml/2006/main" xmlns:r="http://schemas.openxmlformats.org/officeDocument/2006/relationships" xmlns:p="http://schemas.openxmlformats.org/presentationml/2006/main">
+  <p:cSld>
+    <p:spTree>
+      <p:nvGrpSpPr>
+        <p:cNvPr id="1" name=""/>
+        <p:cNvGrpSpPr/>
+        <p:nvPr/>
+      </p:nvGrpSpPr>
+      <p:grpSpPr>
+        <a:xfrm>
+          <a:off x="0" y="0"/>
+          <a:ext cx="0" cy="0"/>
+          <a:chOff x="0" y="0"/>
+          <a:chExt cx="0" cy="0"/>
+        </a:xfrm>
+      </p:grpSpPr>
+      <p:sp>
+        <p:nvSpPr>
+          <p:cNvPr id="2" name="Title 1">
+            <a:extLst>
+              <a:ext uri="{FF2B5EF4-FFF2-40B4-BE49-F238E27FC236}">
+                <a16:creationId xmlns:a16="http://schemas.microsoft.com/office/drawing/2014/main" id="{0D6C12FA-016A-1C15-E70B-5D5E33942DE5}"/>
+              </a:ext>
+            </a:extLst>
+          </p:cNvPr>
+          <p:cNvSpPr>
+            <a:spLocks noGrp="1"/>
+          </p:cNvSpPr>
+          <p:nvPr>
+            <p:ph type="title"/>
+          </p:nvPr>
+        </p:nvSpPr>
+        <p:spPr/>
+        <p:txBody>
+          <a:bodyPr/>
+          <a:lstStyle/>
+          <a:p>
+            <a:r>
+              <a:rPr lang="en-GB"/>
+              <a:t>Design Entry – Scratch in VSCode</a:t>
+            </a:r>
+            <a:endParaRPr lang="en-GB" dirty="0"/>
+          </a:p>
+        </p:txBody>
+      </p:sp>
+      <p:sp>
+        <p:nvSpPr>
+          <p:cNvPr id="5" name="TextBox 4">
+            <a:extLst>
+              <a:ext uri="{FF2B5EF4-FFF2-40B4-BE49-F238E27FC236}">
+                <a16:creationId xmlns:a16="http://schemas.microsoft.com/office/drawing/2014/main" id="{479AD1F1-F345-916D-06E5-8FF699516323}"/>
+              </a:ext>
+            </a:extLst>
+          </p:cNvPr>
+          <p:cNvSpPr txBox="1"/>
+          <p:nvPr/>
+        </p:nvSpPr>
+        <p:spPr>
+          <a:xfrm>
+            <a:off x="7609100" y="1690688"/>
+            <a:ext cx="3744700" cy="5262979"/>
+          </a:xfrm>
+          <a:prstGeom prst="rect">
+            <a:avLst/>
+          </a:prstGeom>
+          <a:solidFill>
+            <a:srgbClr val="1E1E1E"/>
+          </a:solidFill>
+        </p:spPr>
+        <p:txBody>
+          <a:bodyPr wrap="square" rtlCol="0">
+            <a:spAutoFit/>
+          </a:bodyPr>
+          <a:lstStyle/>
+          <a:p>
+            <a:r>
+              <a:rPr lang="en-GB" sz="800" b="0">
+                <a:solidFill>
+                  <a:srgbClr val="569CD6"/>
+                </a:solidFill>
+                <a:effectLst/>
+                <a:latin typeface="Consolas" panose="020B0609020204030204" pitchFamily="49" charset="0"/>
+              </a:rPr>
+              <a:t>library</a:t>
+            </a:r>
+            <a:r>
+              <a:rPr lang="en-GB" sz="800" b="0">
+                <a:solidFill>
+                  <a:srgbClr val="D4D4D4"/>
+                </a:solidFill>
+                <a:effectLst/>
+                <a:latin typeface="Consolas" panose="020B0609020204030204" pitchFamily="49" charset="0"/>
+              </a:rPr>
+              <a:t> ieee;</a:t>
+            </a:r>
+          </a:p>
+          <a:p>
+            <a:r>
+              <a:rPr lang="en-GB" sz="800" b="0">
+                <a:solidFill>
+                  <a:srgbClr val="D4D4D4"/>
+                </a:solidFill>
+                <a:effectLst/>
+                <a:latin typeface="Consolas" panose="020B0609020204030204" pitchFamily="49" charset="0"/>
+              </a:rPr>
+              <a:t>  </a:t>
+            </a:r>
+            <a:r>
+              <a:rPr lang="en-GB" sz="800" b="0">
+                <a:solidFill>
+                  <a:srgbClr val="569CD6"/>
+                </a:solidFill>
+                <a:effectLst/>
+                <a:latin typeface="Consolas" panose="020B0609020204030204" pitchFamily="49" charset="0"/>
+              </a:rPr>
+              <a:t>use</a:t>
+            </a:r>
+            <a:r>
+              <a:rPr lang="en-GB" sz="800" b="0">
+                <a:solidFill>
+                  <a:srgbClr val="D4D4D4"/>
+                </a:solidFill>
+                <a:effectLst/>
+                <a:latin typeface="Consolas" panose="020B0609020204030204" pitchFamily="49" charset="0"/>
+              </a:rPr>
+              <a:t> ieee.std_logic_1164.</a:t>
+            </a:r>
+            <a:r>
+              <a:rPr lang="en-GB" sz="800" b="0">
+                <a:solidFill>
+                  <a:srgbClr val="569CD6"/>
+                </a:solidFill>
+                <a:effectLst/>
+                <a:latin typeface="Consolas" panose="020B0609020204030204" pitchFamily="49" charset="0"/>
+              </a:rPr>
+              <a:t>all</a:t>
+            </a:r>
+            <a:r>
+              <a:rPr lang="en-GB" sz="800" b="0">
+                <a:solidFill>
+                  <a:srgbClr val="D4D4D4"/>
+                </a:solidFill>
+                <a:effectLst/>
+                <a:latin typeface="Consolas" panose="020B0609020204030204" pitchFamily="49" charset="0"/>
+              </a:rPr>
+              <a:t>;</a:t>
+            </a:r>
+          </a:p>
+          <a:p>
+            <a:br>
+              <a:rPr lang="en-GB" sz="800" b="0">
+                <a:solidFill>
+                  <a:srgbClr val="D4D4D4"/>
+                </a:solidFill>
+                <a:effectLst/>
+                <a:latin typeface="Consolas" panose="020B0609020204030204" pitchFamily="49" charset="0"/>
+              </a:rPr>
+            </a:br>
+            <a:r>
+              <a:rPr lang="en-GB" sz="800" b="0">
+                <a:solidFill>
+                  <a:srgbClr val="569CD6"/>
+                </a:solidFill>
+                <a:effectLst/>
+                <a:latin typeface="Consolas" panose="020B0609020204030204" pitchFamily="49" charset="0"/>
+              </a:rPr>
+              <a:t>architecture</a:t>
+            </a:r>
+            <a:r>
+              <a:rPr lang="en-GB" sz="800" b="0">
+                <a:solidFill>
+                  <a:srgbClr val="D4D4D4"/>
+                </a:solidFill>
+                <a:effectLst/>
+                <a:latin typeface="Consolas" panose="020B0609020204030204" pitchFamily="49" charset="0"/>
+              </a:rPr>
+              <a:t> scratch </a:t>
+            </a:r>
+            <a:r>
+              <a:rPr lang="en-GB" sz="800" b="0">
+                <a:solidFill>
+                  <a:srgbClr val="569CD6"/>
+                </a:solidFill>
+                <a:effectLst/>
+                <a:latin typeface="Consolas" panose="020B0609020204030204" pitchFamily="49" charset="0"/>
+              </a:rPr>
+              <a:t>of</a:t>
+            </a:r>
+            <a:r>
+              <a:rPr lang="en-GB" sz="800" b="0">
+                <a:solidFill>
+                  <a:srgbClr val="D4D4D4"/>
+                </a:solidFill>
+                <a:effectLst/>
+                <a:latin typeface="Consolas" panose="020B0609020204030204" pitchFamily="49" charset="0"/>
+              </a:rPr>
+              <a:t> led4_button4 </a:t>
+            </a:r>
+            <a:r>
+              <a:rPr lang="en-GB" sz="800" b="0">
+                <a:solidFill>
+                  <a:srgbClr val="569CD6"/>
+                </a:solidFill>
+                <a:effectLst/>
+                <a:latin typeface="Consolas" panose="020B0609020204030204" pitchFamily="49" charset="0"/>
+              </a:rPr>
+              <a:t>is</a:t>
+            </a:r>
+            <a:endParaRPr lang="en-GB" sz="800" b="0">
+              <a:solidFill>
+                <a:srgbClr val="D4D4D4"/>
+              </a:solidFill>
+              <a:effectLst/>
+              <a:latin typeface="Consolas" panose="020B0609020204030204" pitchFamily="49" charset="0"/>
+            </a:endParaRPr>
+          </a:p>
+          <a:p>
+            <a:br>
+              <a:rPr lang="en-GB" sz="800" b="0">
+                <a:solidFill>
+                  <a:srgbClr val="D4D4D4"/>
+                </a:solidFill>
+                <a:effectLst/>
+                <a:latin typeface="Consolas" panose="020B0609020204030204" pitchFamily="49" charset="0"/>
+              </a:rPr>
+            </a:br>
+            <a:r>
+              <a:rPr lang="en-GB" sz="800" b="0">
+                <a:solidFill>
+                  <a:srgbClr val="D4D4D4"/>
+                </a:solidFill>
+                <a:effectLst/>
+                <a:latin typeface="Consolas" panose="020B0609020204030204" pitchFamily="49" charset="0"/>
+              </a:rPr>
+              <a:t>  </a:t>
+            </a:r>
+            <a:r>
+              <a:rPr lang="en-GB" sz="800" b="0">
+                <a:solidFill>
+                  <a:srgbClr val="569CD6"/>
+                </a:solidFill>
+                <a:effectLst/>
+                <a:latin typeface="Consolas" panose="020B0609020204030204" pitchFamily="49" charset="0"/>
+              </a:rPr>
+              <a:t>constant</a:t>
+            </a:r>
+            <a:r>
+              <a:rPr lang="en-GB" sz="800" b="0">
+                <a:solidFill>
+                  <a:srgbClr val="D4D4D4"/>
+                </a:solidFill>
+                <a:effectLst/>
+                <a:latin typeface="Consolas" panose="020B0609020204030204" pitchFamily="49" charset="0"/>
+              </a:rPr>
+              <a:t> button_tab_c : natural := </a:t>
+            </a:r>
+            <a:r>
+              <a:rPr lang="en-GB" sz="800" b="0">
+                <a:solidFill>
+                  <a:srgbClr val="B5CEA8"/>
+                </a:solidFill>
+                <a:effectLst/>
+                <a:latin typeface="Consolas" panose="020B0609020204030204" pitchFamily="49" charset="0"/>
+              </a:rPr>
+              <a:t>1</a:t>
+            </a:r>
+            <a:r>
+              <a:rPr lang="en-GB" sz="800" b="0">
+                <a:solidFill>
+                  <a:srgbClr val="D4D4D4"/>
+                </a:solidFill>
+                <a:effectLst/>
+                <a:latin typeface="Consolas" panose="020B0609020204030204" pitchFamily="49" charset="0"/>
+              </a:rPr>
+              <a:t>;</a:t>
+            </a:r>
+          </a:p>
+          <a:p>
+            <a:br>
+              <a:rPr lang="en-GB" sz="800" b="0">
+                <a:solidFill>
+                  <a:srgbClr val="D4D4D4"/>
+                </a:solidFill>
+                <a:effectLst/>
+                <a:latin typeface="Consolas" panose="020B0609020204030204" pitchFamily="49" charset="0"/>
+              </a:rPr>
+            </a:br>
+            <a:r>
+              <a:rPr lang="en-GB" sz="800" b="0">
+                <a:solidFill>
+                  <a:srgbClr val="D4D4D4"/>
+                </a:solidFill>
+                <a:effectLst/>
+                <a:latin typeface="Consolas" panose="020B0609020204030204" pitchFamily="49" charset="0"/>
+              </a:rPr>
+              <a:t>  </a:t>
+            </a:r>
+            <a:r>
+              <a:rPr lang="en-GB" sz="800" b="0">
+                <a:solidFill>
+                  <a:srgbClr val="569CD6"/>
+                </a:solidFill>
+                <a:effectLst/>
+                <a:latin typeface="Consolas" panose="020B0609020204030204" pitchFamily="49" charset="0"/>
+              </a:rPr>
+              <a:t>signal</a:t>
+            </a:r>
+            <a:r>
+              <a:rPr lang="en-GB" sz="800" b="0">
+                <a:solidFill>
+                  <a:srgbClr val="D4D4D4"/>
+                </a:solidFill>
+                <a:effectLst/>
+                <a:latin typeface="Consolas" panose="020B0609020204030204" pitchFamily="49" charset="0"/>
+              </a:rPr>
+              <a:t> run : std_logic;</a:t>
+            </a:r>
+          </a:p>
+          <a:p>
+            <a:r>
+              <a:rPr lang="en-GB" sz="800" b="0">
+                <a:solidFill>
+                  <a:srgbClr val="D4D4D4"/>
+                </a:solidFill>
+                <a:effectLst/>
+                <a:latin typeface="Consolas" panose="020B0609020204030204" pitchFamily="49" charset="0"/>
+              </a:rPr>
+              <a:t>  </a:t>
+            </a:r>
+            <a:r>
+              <a:rPr lang="en-GB" sz="800" b="0">
+                <a:solidFill>
+                  <a:srgbClr val="569CD6"/>
+                </a:solidFill>
+                <a:effectLst/>
+                <a:latin typeface="Consolas" panose="020B0609020204030204" pitchFamily="49" charset="0"/>
+              </a:rPr>
+              <a:t>signal</a:t>
+            </a:r>
+            <a:r>
+              <a:rPr lang="en-GB" sz="800" b="0">
+                <a:solidFill>
+                  <a:srgbClr val="D4D4D4"/>
+                </a:solidFill>
+                <a:effectLst/>
+                <a:latin typeface="Consolas" panose="020B0609020204030204" pitchFamily="49" charset="0"/>
+              </a:rPr>
+              <a:t> state : integer </a:t>
+            </a:r>
+            <a:r>
+              <a:rPr lang="en-GB" sz="800" b="0">
+                <a:solidFill>
+                  <a:srgbClr val="569CD6"/>
+                </a:solidFill>
+                <a:effectLst/>
+                <a:latin typeface="Consolas" panose="020B0609020204030204" pitchFamily="49" charset="0"/>
+              </a:rPr>
+              <a:t>range</a:t>
+            </a:r>
+            <a:r>
+              <a:rPr lang="en-GB" sz="800" b="0">
+                <a:solidFill>
+                  <a:srgbClr val="D4D4D4"/>
+                </a:solidFill>
+                <a:effectLst/>
+                <a:latin typeface="Consolas" panose="020B0609020204030204" pitchFamily="49" charset="0"/>
+              </a:rPr>
+              <a:t> </a:t>
+            </a:r>
+            <a:r>
+              <a:rPr lang="en-GB" sz="800" b="0">
+                <a:solidFill>
+                  <a:srgbClr val="B5CEA8"/>
+                </a:solidFill>
+                <a:effectLst/>
+                <a:latin typeface="Consolas" panose="020B0609020204030204" pitchFamily="49" charset="0"/>
+              </a:rPr>
+              <a:t>0</a:t>
+            </a:r>
+            <a:r>
+              <a:rPr lang="en-GB" sz="800" b="0">
+                <a:solidFill>
+                  <a:srgbClr val="D4D4D4"/>
+                </a:solidFill>
+                <a:effectLst/>
+                <a:latin typeface="Consolas" panose="020B0609020204030204" pitchFamily="49" charset="0"/>
+              </a:rPr>
+              <a:t> </a:t>
+            </a:r>
+            <a:r>
+              <a:rPr lang="en-GB" sz="800" b="0">
+                <a:solidFill>
+                  <a:srgbClr val="569CD6"/>
+                </a:solidFill>
+                <a:effectLst/>
+                <a:latin typeface="Consolas" panose="020B0609020204030204" pitchFamily="49" charset="0"/>
+              </a:rPr>
+              <a:t>to</a:t>
+            </a:r>
+            <a:r>
+              <a:rPr lang="en-GB" sz="800" b="0">
+                <a:solidFill>
+                  <a:srgbClr val="D4D4D4"/>
+                </a:solidFill>
+                <a:effectLst/>
+                <a:latin typeface="Consolas" panose="020B0609020204030204" pitchFamily="49" charset="0"/>
+              </a:rPr>
+              <a:t> </a:t>
+            </a:r>
+            <a:r>
+              <a:rPr lang="en-GB" sz="800" b="0">
+                <a:solidFill>
+                  <a:srgbClr val="B5CEA8"/>
+                </a:solidFill>
+                <a:effectLst/>
+                <a:latin typeface="Consolas" panose="020B0609020204030204" pitchFamily="49" charset="0"/>
+              </a:rPr>
+              <a:t>5</a:t>
+            </a:r>
+            <a:r>
+              <a:rPr lang="en-GB" sz="800" b="0">
+                <a:solidFill>
+                  <a:srgbClr val="D4D4D4"/>
+                </a:solidFill>
+                <a:effectLst/>
+                <a:latin typeface="Consolas" panose="020B0609020204030204" pitchFamily="49" charset="0"/>
+              </a:rPr>
+              <a:t> := </a:t>
+            </a:r>
+            <a:r>
+              <a:rPr lang="en-GB" sz="800" b="0">
+                <a:solidFill>
+                  <a:srgbClr val="B5CEA8"/>
+                </a:solidFill>
+                <a:effectLst/>
+                <a:latin typeface="Consolas" panose="020B0609020204030204" pitchFamily="49" charset="0"/>
+              </a:rPr>
+              <a:t>0</a:t>
+            </a:r>
+            <a:r>
+              <a:rPr lang="en-GB" sz="800" b="0">
+                <a:solidFill>
+                  <a:srgbClr val="D4D4D4"/>
+                </a:solidFill>
+                <a:effectLst/>
+                <a:latin typeface="Consolas" panose="020B0609020204030204" pitchFamily="49" charset="0"/>
+              </a:rPr>
+              <a:t>;</a:t>
+            </a:r>
+          </a:p>
+          <a:p>
+            <a:br>
+              <a:rPr lang="en-GB" sz="800" b="0">
+                <a:solidFill>
+                  <a:srgbClr val="D4D4D4"/>
+                </a:solidFill>
+                <a:effectLst/>
+                <a:latin typeface="Consolas" panose="020B0609020204030204" pitchFamily="49" charset="0"/>
+              </a:rPr>
+            </a:br>
+            <a:r>
+              <a:rPr lang="en-GB" sz="800" b="0">
+                <a:solidFill>
+                  <a:srgbClr val="D4D4D4"/>
+                </a:solidFill>
+                <a:effectLst/>
+                <a:latin typeface="Consolas" panose="020B0609020204030204" pitchFamily="49" charset="0"/>
+              </a:rPr>
+              <a:t>  </a:t>
+            </a:r>
+            <a:r>
+              <a:rPr lang="en-GB" sz="800" b="0">
+                <a:solidFill>
+                  <a:srgbClr val="569CD6"/>
+                </a:solidFill>
+                <a:effectLst/>
+                <a:latin typeface="Consolas" panose="020B0609020204030204" pitchFamily="49" charset="0"/>
+              </a:rPr>
+              <a:t>alias</a:t>
+            </a:r>
+            <a:r>
+              <a:rPr lang="en-GB" sz="800" b="0">
+                <a:solidFill>
+                  <a:srgbClr val="D4D4D4"/>
+                </a:solidFill>
+                <a:effectLst/>
+                <a:latin typeface="Consolas" panose="020B0609020204030204" pitchFamily="49" charset="0"/>
+              </a:rPr>
+              <a:t> start </a:t>
+            </a:r>
+            <a:r>
+              <a:rPr lang="en-GB" sz="800" b="0">
+                <a:solidFill>
+                  <a:srgbClr val="569CD6"/>
+                </a:solidFill>
+                <a:effectLst/>
+                <a:latin typeface="Consolas" panose="020B0609020204030204" pitchFamily="49" charset="0"/>
+              </a:rPr>
+              <a:t>is</a:t>
+            </a:r>
+            <a:r>
+              <a:rPr lang="en-GB" sz="800" b="0">
+                <a:solidFill>
+                  <a:srgbClr val="D4D4D4"/>
+                </a:solidFill>
+                <a:effectLst/>
+                <a:latin typeface="Consolas" panose="020B0609020204030204" pitchFamily="49" charset="0"/>
+              </a:rPr>
+              <a:t> buttons(</a:t>
+            </a:r>
+            <a:r>
+              <a:rPr lang="en-GB" sz="800" b="0">
+                <a:solidFill>
+                  <a:srgbClr val="B5CEA8"/>
+                </a:solidFill>
+                <a:effectLst/>
+                <a:latin typeface="Consolas" panose="020B0609020204030204" pitchFamily="49" charset="0"/>
+              </a:rPr>
+              <a:t>0</a:t>
+            </a:r>
+            <a:r>
+              <a:rPr lang="en-GB" sz="800" b="0">
+                <a:solidFill>
+                  <a:srgbClr val="D4D4D4"/>
+                </a:solidFill>
+                <a:effectLst/>
+                <a:latin typeface="Consolas" panose="020B0609020204030204" pitchFamily="49" charset="0"/>
+              </a:rPr>
+              <a:t>);</a:t>
+            </a:r>
+          </a:p>
+          <a:p>
+            <a:r>
+              <a:rPr lang="en-GB" sz="800" b="0">
+                <a:solidFill>
+                  <a:srgbClr val="D4D4D4"/>
+                </a:solidFill>
+                <a:effectLst/>
+                <a:latin typeface="Consolas" panose="020B0609020204030204" pitchFamily="49" charset="0"/>
+              </a:rPr>
+              <a:t>  </a:t>
+            </a:r>
+            <a:r>
+              <a:rPr lang="en-GB" sz="800" b="0">
+                <a:solidFill>
+                  <a:srgbClr val="569CD6"/>
+                </a:solidFill>
+                <a:effectLst/>
+                <a:latin typeface="Consolas" panose="020B0609020204030204" pitchFamily="49" charset="0"/>
+              </a:rPr>
+              <a:t>alias</a:t>
+            </a:r>
+            <a:r>
+              <a:rPr lang="en-GB" sz="800" b="0">
+                <a:solidFill>
+                  <a:srgbClr val="D4D4D4"/>
+                </a:solidFill>
+                <a:effectLst/>
+                <a:latin typeface="Consolas" panose="020B0609020204030204" pitchFamily="49" charset="0"/>
+              </a:rPr>
+              <a:t> stop </a:t>
+            </a:r>
+            <a:r>
+              <a:rPr lang="en-GB" sz="800" b="0">
+                <a:solidFill>
+                  <a:srgbClr val="569CD6"/>
+                </a:solidFill>
+                <a:effectLst/>
+                <a:latin typeface="Consolas" panose="020B0609020204030204" pitchFamily="49" charset="0"/>
+              </a:rPr>
+              <a:t>is</a:t>
+            </a:r>
+            <a:r>
+              <a:rPr lang="en-GB" sz="800" b="0">
+                <a:solidFill>
+                  <a:srgbClr val="D4D4D4"/>
+                </a:solidFill>
+                <a:effectLst/>
+                <a:latin typeface="Consolas" panose="020B0609020204030204" pitchFamily="49" charset="0"/>
+              </a:rPr>
+              <a:t> buttons(</a:t>
+            </a:r>
+            <a:r>
+              <a:rPr lang="en-GB" sz="800" b="0">
+                <a:solidFill>
+                  <a:srgbClr val="B5CEA8"/>
+                </a:solidFill>
+                <a:effectLst/>
+                <a:latin typeface="Consolas" panose="020B0609020204030204" pitchFamily="49" charset="0"/>
+              </a:rPr>
+              <a:t>1</a:t>
+            </a:r>
+            <a:r>
+              <a:rPr lang="en-GB" sz="800" b="0">
+                <a:solidFill>
+                  <a:srgbClr val="D4D4D4"/>
+                </a:solidFill>
+                <a:effectLst/>
+                <a:latin typeface="Consolas" panose="020B0609020204030204" pitchFamily="49" charset="0"/>
+              </a:rPr>
+              <a:t>);</a:t>
+            </a:r>
+          </a:p>
+          <a:p>
+            <a:br>
+              <a:rPr lang="en-GB" sz="800" b="0">
+                <a:solidFill>
+                  <a:srgbClr val="D4D4D4"/>
+                </a:solidFill>
+                <a:effectLst/>
+                <a:latin typeface="Consolas" panose="020B0609020204030204" pitchFamily="49" charset="0"/>
+              </a:rPr>
+            </a:br>
+            <a:r>
+              <a:rPr lang="en-GB" sz="800" b="0">
+                <a:solidFill>
+                  <a:srgbClr val="569CD6"/>
+                </a:solidFill>
+                <a:effectLst/>
+                <a:latin typeface="Consolas" panose="020B0609020204030204" pitchFamily="49" charset="0"/>
+              </a:rPr>
+              <a:t>begin</a:t>
+            </a:r>
+            <a:endParaRPr lang="en-GB" sz="800" b="0">
+              <a:solidFill>
+                <a:srgbClr val="D4D4D4"/>
+              </a:solidFill>
+              <a:effectLst/>
+              <a:latin typeface="Consolas" panose="020B0609020204030204" pitchFamily="49" charset="0"/>
+            </a:endParaRPr>
+          </a:p>
+          <a:p>
+            <a:br>
+              <a:rPr lang="en-GB" sz="800" b="0">
+                <a:solidFill>
+                  <a:srgbClr val="D4D4D4"/>
+                </a:solidFill>
+                <a:effectLst/>
+                <a:latin typeface="Consolas" panose="020B0609020204030204" pitchFamily="49" charset="0"/>
+              </a:rPr>
+            </a:br>
+            <a:r>
+              <a:rPr lang="en-GB" sz="800" b="0">
+                <a:solidFill>
+                  <a:srgbClr val="D4D4D4"/>
+                </a:solidFill>
+                <a:effectLst/>
+                <a:latin typeface="Consolas" panose="020B0609020204030204" pitchFamily="49" charset="0"/>
+              </a:rPr>
+              <a:t>  </a:t>
+            </a:r>
+            <a:r>
+              <a:rPr lang="en-GB" sz="800" b="0">
+                <a:solidFill>
+                  <a:srgbClr val="569CD6"/>
+                </a:solidFill>
+                <a:effectLst/>
+                <a:latin typeface="Consolas" panose="020B0609020204030204" pitchFamily="49" charset="0"/>
+              </a:rPr>
+              <a:t>process</a:t>
+            </a:r>
+            <a:r>
+              <a:rPr lang="en-GB" sz="800" b="0">
+                <a:solidFill>
+                  <a:srgbClr val="D4D4D4"/>
+                </a:solidFill>
+                <a:effectLst/>
+                <a:latin typeface="Consolas" panose="020B0609020204030204" pitchFamily="49" charset="0"/>
+              </a:rPr>
+              <a:t>(clk)</a:t>
+            </a:r>
+          </a:p>
+          <a:p>
+            <a:r>
+              <a:rPr lang="en-GB" sz="800" b="0">
+                <a:solidFill>
+                  <a:srgbClr val="D4D4D4"/>
+                </a:solidFill>
+                <a:effectLst/>
+                <a:latin typeface="Consolas" panose="020B0609020204030204" pitchFamily="49" charset="0"/>
+              </a:rPr>
+              <a:t>  </a:t>
+            </a:r>
+            <a:r>
+              <a:rPr lang="en-GB" sz="800" b="0">
+                <a:solidFill>
+                  <a:srgbClr val="569CD6"/>
+                </a:solidFill>
+                <a:effectLst/>
+                <a:latin typeface="Consolas" panose="020B0609020204030204" pitchFamily="49" charset="0"/>
+              </a:rPr>
+              <a:t>begin</a:t>
+            </a:r>
+            <a:endParaRPr lang="en-GB" sz="800" b="0">
+              <a:solidFill>
+                <a:srgbClr val="D4D4D4"/>
+              </a:solidFill>
+              <a:effectLst/>
+              <a:latin typeface="Consolas" panose="020B0609020204030204" pitchFamily="49" charset="0"/>
+            </a:endParaRPr>
+          </a:p>
+          <a:p>
+            <a:r>
+              <a:rPr lang="en-GB" sz="800" b="0">
+                <a:solidFill>
+                  <a:srgbClr val="D4D4D4"/>
+                </a:solidFill>
+                <a:effectLst/>
+                <a:latin typeface="Consolas" panose="020B0609020204030204" pitchFamily="49" charset="0"/>
+              </a:rPr>
+              <a:t>    </a:t>
+            </a:r>
+            <a:r>
+              <a:rPr lang="en-GB" sz="800" b="0">
+                <a:solidFill>
+                  <a:srgbClr val="569CD6"/>
+                </a:solidFill>
+                <a:effectLst/>
+                <a:latin typeface="Consolas" panose="020B0609020204030204" pitchFamily="49" charset="0"/>
+              </a:rPr>
+              <a:t>if</a:t>
+            </a:r>
+            <a:r>
+              <a:rPr lang="en-GB" sz="800" b="0">
+                <a:solidFill>
+                  <a:srgbClr val="D4D4D4"/>
+                </a:solidFill>
+                <a:effectLst/>
+                <a:latin typeface="Consolas" panose="020B0609020204030204" pitchFamily="49" charset="0"/>
+              </a:rPr>
+              <a:t> rising_edge(clk) </a:t>
+            </a:r>
+            <a:r>
+              <a:rPr lang="en-GB" sz="800" b="0">
+                <a:solidFill>
+                  <a:srgbClr val="569CD6"/>
+                </a:solidFill>
+                <a:effectLst/>
+                <a:latin typeface="Consolas" panose="020B0609020204030204" pitchFamily="49" charset="0"/>
+              </a:rPr>
+              <a:t>then</a:t>
+            </a:r>
+            <a:endParaRPr lang="en-GB" sz="800" b="0">
+              <a:solidFill>
+                <a:srgbClr val="D4D4D4"/>
+              </a:solidFill>
+              <a:effectLst/>
+              <a:latin typeface="Consolas" panose="020B0609020204030204" pitchFamily="49" charset="0"/>
+            </a:endParaRPr>
+          </a:p>
+          <a:p>
+            <a:r>
+              <a:rPr lang="en-GB" sz="800" b="0">
+                <a:solidFill>
+                  <a:srgbClr val="D4D4D4"/>
+                </a:solidFill>
+                <a:effectLst/>
+                <a:latin typeface="Consolas" panose="020B0609020204030204" pitchFamily="49" charset="0"/>
+              </a:rPr>
+              <a:t>      </a:t>
+            </a:r>
+            <a:r>
+              <a:rPr lang="en-GB" sz="800" b="0">
+                <a:solidFill>
+                  <a:srgbClr val="569CD6"/>
+                </a:solidFill>
+                <a:effectLst/>
+                <a:latin typeface="Consolas" panose="020B0609020204030204" pitchFamily="49" charset="0"/>
+              </a:rPr>
+              <a:t>if</a:t>
+            </a:r>
+            <a:r>
+              <a:rPr lang="en-GB" sz="800" b="0">
+                <a:solidFill>
+                  <a:srgbClr val="D4D4D4"/>
+                </a:solidFill>
+                <a:effectLst/>
+                <a:latin typeface="Consolas" panose="020B0609020204030204" pitchFamily="49" charset="0"/>
+              </a:rPr>
+              <a:t> reset = </a:t>
+            </a:r>
+            <a:r>
+              <a:rPr lang="en-GB" sz="800" b="0">
+                <a:solidFill>
+                  <a:srgbClr val="CE9178"/>
+                </a:solidFill>
+                <a:effectLst/>
+                <a:latin typeface="Consolas" panose="020B0609020204030204" pitchFamily="49" charset="0"/>
+              </a:rPr>
+              <a:t>'1'</a:t>
+            </a:r>
+            <a:r>
+              <a:rPr lang="en-GB" sz="800" b="0">
+                <a:solidFill>
+                  <a:srgbClr val="D4D4D4"/>
+                </a:solidFill>
+                <a:effectLst/>
+                <a:latin typeface="Consolas" panose="020B0609020204030204" pitchFamily="49" charset="0"/>
+              </a:rPr>
+              <a:t> </a:t>
+            </a:r>
+            <a:r>
+              <a:rPr lang="en-GB" sz="800" b="0">
+                <a:solidFill>
+                  <a:srgbClr val="569CD6"/>
+                </a:solidFill>
+                <a:effectLst/>
+                <a:latin typeface="Consolas" panose="020B0609020204030204" pitchFamily="49" charset="0"/>
+              </a:rPr>
+              <a:t>then</a:t>
+            </a:r>
+            <a:endParaRPr lang="en-GB" sz="800" b="0">
+              <a:solidFill>
+                <a:srgbClr val="D4D4D4"/>
+              </a:solidFill>
+              <a:effectLst/>
+              <a:latin typeface="Consolas" panose="020B0609020204030204" pitchFamily="49" charset="0"/>
+            </a:endParaRPr>
+          </a:p>
+          <a:p>
+            <a:r>
+              <a:rPr lang="en-GB" sz="800" b="0">
+                <a:solidFill>
+                  <a:srgbClr val="D4D4D4"/>
+                </a:solidFill>
+                <a:effectLst/>
+                <a:latin typeface="Consolas" panose="020B0609020204030204" pitchFamily="49" charset="0"/>
+              </a:rPr>
+              <a:t>        run &lt;= </a:t>
+            </a:r>
+            <a:r>
+              <a:rPr lang="en-GB" sz="800" b="0">
+                <a:solidFill>
+                  <a:srgbClr val="CE9178"/>
+                </a:solidFill>
+                <a:effectLst/>
+                <a:latin typeface="Consolas" panose="020B0609020204030204" pitchFamily="49" charset="0"/>
+              </a:rPr>
+              <a:t>'0'</a:t>
+            </a:r>
+            <a:r>
+              <a:rPr lang="en-GB" sz="800" b="0">
+                <a:solidFill>
+                  <a:srgbClr val="D4D4D4"/>
+                </a:solidFill>
+                <a:effectLst/>
+                <a:latin typeface="Consolas" panose="020B0609020204030204" pitchFamily="49" charset="0"/>
+              </a:rPr>
+              <a:t>;</a:t>
+            </a:r>
+          </a:p>
+          <a:p>
+            <a:r>
+              <a:rPr lang="en-GB" sz="800" b="0">
+                <a:solidFill>
+                  <a:srgbClr val="D4D4D4"/>
+                </a:solidFill>
+                <a:effectLst/>
+                <a:latin typeface="Consolas" panose="020B0609020204030204" pitchFamily="49" charset="0"/>
+              </a:rPr>
+              <a:t>        state &lt;= </a:t>
+            </a:r>
+            <a:r>
+              <a:rPr lang="en-GB" sz="800" b="0">
+                <a:solidFill>
+                  <a:srgbClr val="B5CEA8"/>
+                </a:solidFill>
+                <a:effectLst/>
+                <a:latin typeface="Consolas" panose="020B0609020204030204" pitchFamily="49" charset="0"/>
+              </a:rPr>
+              <a:t>0</a:t>
+            </a:r>
+            <a:r>
+              <a:rPr lang="en-GB" sz="800" b="0">
+                <a:solidFill>
+                  <a:srgbClr val="D4D4D4"/>
+                </a:solidFill>
+                <a:effectLst/>
+                <a:latin typeface="Consolas" panose="020B0609020204030204" pitchFamily="49" charset="0"/>
+              </a:rPr>
+              <a:t>;</a:t>
+            </a:r>
+          </a:p>
+          <a:p>
+            <a:r>
+              <a:rPr lang="en-GB" sz="800" b="0">
+                <a:solidFill>
+                  <a:srgbClr val="D4D4D4"/>
+                </a:solidFill>
+                <a:effectLst/>
+                <a:latin typeface="Consolas" panose="020B0609020204030204" pitchFamily="49" charset="0"/>
+              </a:rPr>
+              <a:t>        leds &lt;= </a:t>
+            </a:r>
+            <a:r>
+              <a:rPr lang="en-GB" sz="800" b="0">
+                <a:solidFill>
+                  <a:srgbClr val="CE9178"/>
+                </a:solidFill>
+                <a:effectLst/>
+                <a:latin typeface="Consolas" panose="020B0609020204030204" pitchFamily="49" charset="0"/>
+              </a:rPr>
+              <a:t>"0000"</a:t>
+            </a:r>
+            <a:r>
+              <a:rPr lang="en-GB" sz="800" b="0">
+                <a:solidFill>
+                  <a:srgbClr val="D4D4D4"/>
+                </a:solidFill>
+                <a:effectLst/>
+                <a:latin typeface="Consolas" panose="020B0609020204030204" pitchFamily="49" charset="0"/>
+              </a:rPr>
+              <a:t>;</a:t>
+            </a:r>
+          </a:p>
+          <a:p>
+            <a:r>
+              <a:rPr lang="en-GB" sz="800" b="0">
+                <a:solidFill>
+                  <a:srgbClr val="D4D4D4"/>
+                </a:solidFill>
+                <a:effectLst/>
+                <a:latin typeface="Consolas" panose="020B0609020204030204" pitchFamily="49" charset="0"/>
+              </a:rPr>
+              <a:t>      </a:t>
+            </a:r>
+            <a:r>
+              <a:rPr lang="en-GB" sz="800" b="0">
+                <a:solidFill>
+                  <a:srgbClr val="569CD6"/>
+                </a:solidFill>
+                <a:effectLst/>
+                <a:latin typeface="Consolas" panose="020B0609020204030204" pitchFamily="49" charset="0"/>
+              </a:rPr>
+              <a:t>else</a:t>
+            </a:r>
+            <a:endParaRPr lang="en-GB" sz="800" b="0">
+              <a:solidFill>
+                <a:srgbClr val="D4D4D4"/>
+              </a:solidFill>
+              <a:effectLst/>
+              <a:latin typeface="Consolas" panose="020B0609020204030204" pitchFamily="49" charset="0"/>
+            </a:endParaRPr>
+          </a:p>
+          <a:p>
+            <a:r>
+              <a:rPr lang="en-GB" sz="800" b="0">
+                <a:solidFill>
+                  <a:srgbClr val="D4D4D4"/>
+                </a:solidFill>
+                <a:effectLst/>
+                <a:latin typeface="Consolas" panose="020B0609020204030204" pitchFamily="49" charset="0"/>
+              </a:rPr>
+              <a:t>        </a:t>
+            </a:r>
+            <a:r>
+              <a:rPr lang="en-GB" sz="800" b="0">
+                <a:solidFill>
+                  <a:srgbClr val="569CD6"/>
+                </a:solidFill>
+                <a:effectLst/>
+                <a:latin typeface="Consolas" panose="020B0609020204030204" pitchFamily="49" charset="0"/>
+              </a:rPr>
+              <a:t>if</a:t>
+            </a:r>
+            <a:r>
+              <a:rPr lang="en-GB" sz="800" b="0">
+                <a:solidFill>
+                  <a:srgbClr val="D4D4D4"/>
+                </a:solidFill>
+                <a:effectLst/>
+                <a:latin typeface="Consolas" panose="020B0609020204030204" pitchFamily="49" charset="0"/>
+              </a:rPr>
+              <a:t> start = </a:t>
+            </a:r>
+            <a:r>
+              <a:rPr lang="en-GB" sz="800" b="0">
+                <a:solidFill>
+                  <a:srgbClr val="CE9178"/>
+                </a:solidFill>
+                <a:effectLst/>
+                <a:latin typeface="Consolas" panose="020B0609020204030204" pitchFamily="49" charset="0"/>
+              </a:rPr>
+              <a:t>'1'</a:t>
+            </a:r>
+            <a:r>
+              <a:rPr lang="en-GB" sz="800" b="0">
+                <a:solidFill>
+                  <a:srgbClr val="D4D4D4"/>
+                </a:solidFill>
+                <a:effectLst/>
+                <a:latin typeface="Consolas" panose="020B0609020204030204" pitchFamily="49" charset="0"/>
+              </a:rPr>
+              <a:t> </a:t>
+            </a:r>
+            <a:r>
+              <a:rPr lang="en-GB" sz="800" b="0">
+                <a:solidFill>
+                  <a:srgbClr val="569CD6"/>
+                </a:solidFill>
+                <a:effectLst/>
+                <a:latin typeface="Consolas" panose="020B0609020204030204" pitchFamily="49" charset="0"/>
+              </a:rPr>
+              <a:t>then</a:t>
+            </a:r>
+            <a:endParaRPr lang="en-GB" sz="800" b="0">
+              <a:solidFill>
+                <a:srgbClr val="D4D4D4"/>
+              </a:solidFill>
+              <a:effectLst/>
+              <a:latin typeface="Consolas" panose="020B0609020204030204" pitchFamily="49" charset="0"/>
+            </a:endParaRPr>
+          </a:p>
+          <a:p>
+            <a:r>
+              <a:rPr lang="en-GB" sz="800" b="0">
+                <a:solidFill>
+                  <a:srgbClr val="D4D4D4"/>
+                </a:solidFill>
+                <a:effectLst/>
+                <a:latin typeface="Consolas" panose="020B0609020204030204" pitchFamily="49" charset="0"/>
+              </a:rPr>
+              <a:t>          run &lt;= </a:t>
+            </a:r>
+            <a:r>
+              <a:rPr lang="en-GB" sz="800" b="0">
+                <a:solidFill>
+                  <a:srgbClr val="CE9178"/>
+                </a:solidFill>
+                <a:effectLst/>
+                <a:latin typeface="Consolas" panose="020B0609020204030204" pitchFamily="49" charset="0"/>
+              </a:rPr>
+              <a:t>'1'</a:t>
+            </a:r>
+            <a:r>
+              <a:rPr lang="en-GB" sz="800" b="0">
+                <a:solidFill>
+                  <a:srgbClr val="D4D4D4"/>
+                </a:solidFill>
+                <a:effectLst/>
+                <a:latin typeface="Consolas" panose="020B0609020204030204" pitchFamily="49" charset="0"/>
+              </a:rPr>
+              <a:t>;</a:t>
+            </a:r>
+          </a:p>
+          <a:p>
+            <a:r>
+              <a:rPr lang="en-GB" sz="800" b="0">
+                <a:solidFill>
+                  <a:srgbClr val="D4D4D4"/>
+                </a:solidFill>
+                <a:effectLst/>
+                <a:latin typeface="Consolas" panose="020B0609020204030204" pitchFamily="49" charset="0"/>
+              </a:rPr>
+              <a:t>        </a:t>
+            </a:r>
+            <a:r>
+              <a:rPr lang="en-GB" sz="800" b="0">
+                <a:solidFill>
+                  <a:srgbClr val="569CD6"/>
+                </a:solidFill>
+                <a:effectLst/>
+                <a:latin typeface="Consolas" panose="020B0609020204030204" pitchFamily="49" charset="0"/>
+              </a:rPr>
+              <a:t>elsif</a:t>
+            </a:r>
+            <a:r>
+              <a:rPr lang="en-GB" sz="800" b="0">
+                <a:solidFill>
+                  <a:srgbClr val="D4D4D4"/>
+                </a:solidFill>
+                <a:effectLst/>
+                <a:latin typeface="Consolas" panose="020B0609020204030204" pitchFamily="49" charset="0"/>
+              </a:rPr>
+              <a:t> stop = </a:t>
+            </a:r>
+            <a:r>
+              <a:rPr lang="en-GB" sz="800" b="0">
+                <a:solidFill>
+                  <a:srgbClr val="CE9178"/>
+                </a:solidFill>
+                <a:effectLst/>
+                <a:latin typeface="Consolas" panose="020B0609020204030204" pitchFamily="49" charset="0"/>
+              </a:rPr>
+              <a:t>'1'</a:t>
+            </a:r>
+            <a:r>
+              <a:rPr lang="en-GB" sz="800" b="0">
+                <a:solidFill>
+                  <a:srgbClr val="D4D4D4"/>
+                </a:solidFill>
+                <a:effectLst/>
+                <a:latin typeface="Consolas" panose="020B0609020204030204" pitchFamily="49" charset="0"/>
+              </a:rPr>
+              <a:t> </a:t>
+            </a:r>
+            <a:r>
+              <a:rPr lang="en-GB" sz="800" b="0">
+                <a:solidFill>
+                  <a:srgbClr val="569CD6"/>
+                </a:solidFill>
+                <a:effectLst/>
+                <a:latin typeface="Consolas" panose="020B0609020204030204" pitchFamily="49" charset="0"/>
+              </a:rPr>
+              <a:t>then</a:t>
+            </a:r>
+            <a:endParaRPr lang="en-GB" sz="800" b="0">
+              <a:solidFill>
+                <a:srgbClr val="D4D4D4"/>
+              </a:solidFill>
+              <a:effectLst/>
+              <a:latin typeface="Consolas" panose="020B0609020204030204" pitchFamily="49" charset="0"/>
+            </a:endParaRPr>
+          </a:p>
+          <a:p>
+            <a:r>
+              <a:rPr lang="en-GB" sz="800" b="0">
+                <a:solidFill>
+                  <a:srgbClr val="D4D4D4"/>
+                </a:solidFill>
+                <a:effectLst/>
+                <a:latin typeface="Consolas" panose="020B0609020204030204" pitchFamily="49" charset="0"/>
+              </a:rPr>
+              <a:t>          run &lt;= </a:t>
+            </a:r>
+            <a:r>
+              <a:rPr lang="en-GB" sz="800" b="0">
+                <a:solidFill>
+                  <a:srgbClr val="CE9178"/>
+                </a:solidFill>
+                <a:effectLst/>
+                <a:latin typeface="Consolas" panose="020B0609020204030204" pitchFamily="49" charset="0"/>
+              </a:rPr>
+              <a:t>'0'</a:t>
+            </a:r>
+            <a:r>
+              <a:rPr lang="en-GB" sz="800" b="0">
+                <a:solidFill>
+                  <a:srgbClr val="D4D4D4"/>
+                </a:solidFill>
+                <a:effectLst/>
+                <a:latin typeface="Consolas" panose="020B0609020204030204" pitchFamily="49" charset="0"/>
+              </a:rPr>
+              <a:t>;</a:t>
+            </a:r>
+          </a:p>
+          <a:p>
+            <a:r>
+              <a:rPr lang="en-GB" sz="800" b="0">
+                <a:solidFill>
+                  <a:srgbClr val="D4D4D4"/>
+                </a:solidFill>
+                <a:effectLst/>
+                <a:latin typeface="Consolas" panose="020B0609020204030204" pitchFamily="49" charset="0"/>
+              </a:rPr>
+              <a:t>        </a:t>
+            </a:r>
+            <a:r>
+              <a:rPr lang="en-GB" sz="800" b="0">
+                <a:solidFill>
+                  <a:srgbClr val="569CD6"/>
+                </a:solidFill>
+                <a:effectLst/>
+                <a:latin typeface="Consolas" panose="020B0609020204030204" pitchFamily="49" charset="0"/>
+              </a:rPr>
+              <a:t>end if</a:t>
+            </a:r>
+            <a:r>
+              <a:rPr lang="en-GB" sz="800" b="0">
+                <a:solidFill>
+                  <a:srgbClr val="D4D4D4"/>
+                </a:solidFill>
+                <a:effectLst/>
+                <a:latin typeface="Consolas" panose="020B0609020204030204" pitchFamily="49" charset="0"/>
+              </a:rPr>
+              <a:t>;</a:t>
+            </a:r>
+          </a:p>
+          <a:p>
+            <a:r>
+              <a:rPr lang="en-GB" sz="800" b="0">
+                <a:solidFill>
+                  <a:srgbClr val="D4D4D4"/>
+                </a:solidFill>
+                <a:effectLst/>
+                <a:latin typeface="Consolas" panose="020B0609020204030204" pitchFamily="49" charset="0"/>
+              </a:rPr>
+              <a:t>        </a:t>
+            </a:r>
+            <a:r>
+              <a:rPr lang="en-GB" sz="800" b="0">
+                <a:solidFill>
+                  <a:srgbClr val="569CD6"/>
+                </a:solidFill>
+                <a:effectLst/>
+                <a:latin typeface="Consolas" panose="020B0609020204030204" pitchFamily="49" charset="0"/>
+              </a:rPr>
+              <a:t>if</a:t>
+            </a:r>
+            <a:r>
+              <a:rPr lang="en-GB" sz="800" b="0">
+                <a:solidFill>
+                  <a:srgbClr val="D4D4D4"/>
+                </a:solidFill>
+                <a:effectLst/>
+                <a:latin typeface="Consolas" panose="020B0609020204030204" pitchFamily="49" charset="0"/>
+              </a:rPr>
+              <a:t> run = </a:t>
+            </a:r>
+            <a:r>
+              <a:rPr lang="en-GB" sz="800" b="0">
+                <a:solidFill>
+                  <a:srgbClr val="CE9178"/>
+                </a:solidFill>
+                <a:effectLst/>
+                <a:latin typeface="Consolas" panose="020B0609020204030204" pitchFamily="49" charset="0"/>
+              </a:rPr>
+              <a:t>'1'</a:t>
+            </a:r>
+            <a:r>
+              <a:rPr lang="en-GB" sz="800" b="0">
+                <a:solidFill>
+                  <a:srgbClr val="D4D4D4"/>
+                </a:solidFill>
+                <a:effectLst/>
+                <a:latin typeface="Consolas" panose="020B0609020204030204" pitchFamily="49" charset="0"/>
+              </a:rPr>
+              <a:t> </a:t>
+            </a:r>
+            <a:r>
+              <a:rPr lang="en-GB" sz="800" b="0">
+                <a:solidFill>
+                  <a:srgbClr val="569CD6"/>
+                </a:solidFill>
+                <a:effectLst/>
+                <a:latin typeface="Consolas" panose="020B0609020204030204" pitchFamily="49" charset="0"/>
+              </a:rPr>
+              <a:t>and</a:t>
+            </a:r>
+            <a:r>
+              <a:rPr lang="en-GB" sz="800" b="0">
+                <a:solidFill>
+                  <a:srgbClr val="D4D4D4"/>
+                </a:solidFill>
+                <a:effectLst/>
+                <a:latin typeface="Consolas" panose="020B0609020204030204" pitchFamily="49" charset="0"/>
+              </a:rPr>
+              <a:t> incr = </a:t>
+            </a:r>
+            <a:r>
+              <a:rPr lang="en-GB" sz="800" b="0">
+                <a:solidFill>
+                  <a:srgbClr val="CE9178"/>
+                </a:solidFill>
+                <a:effectLst/>
+                <a:latin typeface="Consolas" panose="020B0609020204030204" pitchFamily="49" charset="0"/>
+              </a:rPr>
+              <a:t>'1'</a:t>
+            </a:r>
+            <a:r>
+              <a:rPr lang="en-GB" sz="800" b="0">
+                <a:solidFill>
+                  <a:srgbClr val="D4D4D4"/>
+                </a:solidFill>
+                <a:effectLst/>
+                <a:latin typeface="Consolas" panose="020B0609020204030204" pitchFamily="49" charset="0"/>
+              </a:rPr>
+              <a:t> </a:t>
+            </a:r>
+            <a:r>
+              <a:rPr lang="en-GB" sz="800" b="0">
+                <a:solidFill>
+                  <a:srgbClr val="569CD6"/>
+                </a:solidFill>
+                <a:effectLst/>
+                <a:latin typeface="Consolas" panose="020B0609020204030204" pitchFamily="49" charset="0"/>
+              </a:rPr>
+              <a:t>then</a:t>
+            </a:r>
+            <a:endParaRPr lang="en-GB" sz="800" b="0">
+              <a:solidFill>
+                <a:srgbClr val="D4D4D4"/>
+              </a:solidFill>
+              <a:effectLst/>
+              <a:latin typeface="Consolas" panose="020B0609020204030204" pitchFamily="49" charset="0"/>
+            </a:endParaRPr>
+          </a:p>
+          <a:p>
+            <a:r>
+              <a:rPr lang="en-GB" sz="800" b="0">
+                <a:solidFill>
+                  <a:srgbClr val="D4D4D4"/>
+                </a:solidFill>
+                <a:effectLst/>
+                <a:latin typeface="Consolas" panose="020B0609020204030204" pitchFamily="49" charset="0"/>
+              </a:rPr>
+              <a:t>          </a:t>
+            </a:r>
+            <a:r>
+              <a:rPr lang="en-GB" sz="800" b="0">
+                <a:solidFill>
+                  <a:srgbClr val="569CD6"/>
+                </a:solidFill>
+                <a:effectLst/>
+                <a:latin typeface="Consolas" panose="020B0609020204030204" pitchFamily="49" charset="0"/>
+              </a:rPr>
+              <a:t>if</a:t>
+            </a:r>
+            <a:r>
+              <a:rPr lang="en-GB" sz="800" b="0">
+                <a:solidFill>
+                  <a:srgbClr val="D4D4D4"/>
+                </a:solidFill>
+                <a:effectLst/>
+                <a:latin typeface="Consolas" panose="020B0609020204030204" pitchFamily="49" charset="0"/>
+              </a:rPr>
+              <a:t> state = </a:t>
+            </a:r>
+            <a:r>
+              <a:rPr lang="en-GB" sz="800" b="0">
+                <a:solidFill>
+                  <a:srgbClr val="B5CEA8"/>
+                </a:solidFill>
+                <a:effectLst/>
+                <a:latin typeface="Consolas" panose="020B0609020204030204" pitchFamily="49" charset="0"/>
+              </a:rPr>
+              <a:t>5</a:t>
+            </a:r>
+            <a:r>
+              <a:rPr lang="en-GB" sz="800" b="0">
+                <a:solidFill>
+                  <a:srgbClr val="D4D4D4"/>
+                </a:solidFill>
+                <a:effectLst/>
+                <a:latin typeface="Consolas" panose="020B0609020204030204" pitchFamily="49" charset="0"/>
+              </a:rPr>
+              <a:t> </a:t>
+            </a:r>
+            <a:r>
+              <a:rPr lang="en-GB" sz="800" b="0">
+                <a:solidFill>
+                  <a:srgbClr val="569CD6"/>
+                </a:solidFill>
+                <a:effectLst/>
+                <a:latin typeface="Consolas" panose="020B0609020204030204" pitchFamily="49" charset="0"/>
+              </a:rPr>
+              <a:t>then</a:t>
+            </a:r>
+            <a:endParaRPr lang="en-GB" sz="800" b="0">
+              <a:solidFill>
+                <a:srgbClr val="D4D4D4"/>
+              </a:solidFill>
+              <a:effectLst/>
+              <a:latin typeface="Consolas" panose="020B0609020204030204" pitchFamily="49" charset="0"/>
+            </a:endParaRPr>
+          </a:p>
+          <a:p>
+            <a:r>
+              <a:rPr lang="en-GB" sz="800" b="0">
+                <a:solidFill>
+                  <a:srgbClr val="D4D4D4"/>
+                </a:solidFill>
+                <a:effectLst/>
+                <a:latin typeface="Consolas" panose="020B0609020204030204" pitchFamily="49" charset="0"/>
+              </a:rPr>
+              <a:t>            state &lt;= </a:t>
+            </a:r>
+            <a:r>
+              <a:rPr lang="en-GB" sz="800" b="0">
+                <a:solidFill>
+                  <a:srgbClr val="B5CEA8"/>
+                </a:solidFill>
+                <a:effectLst/>
+                <a:latin typeface="Consolas" panose="020B0609020204030204" pitchFamily="49" charset="0"/>
+              </a:rPr>
+              <a:t>0</a:t>
+            </a:r>
+            <a:r>
+              <a:rPr lang="en-GB" sz="800" b="0">
+                <a:solidFill>
+                  <a:srgbClr val="D4D4D4"/>
+                </a:solidFill>
+                <a:effectLst/>
+                <a:latin typeface="Consolas" panose="020B0609020204030204" pitchFamily="49" charset="0"/>
+              </a:rPr>
+              <a:t>;</a:t>
+            </a:r>
+          </a:p>
+          <a:p>
+            <a:r>
+              <a:rPr lang="en-GB" sz="800" b="0">
+                <a:solidFill>
+                  <a:srgbClr val="D4D4D4"/>
+                </a:solidFill>
+                <a:effectLst/>
+                <a:latin typeface="Consolas" panose="020B0609020204030204" pitchFamily="49" charset="0"/>
+              </a:rPr>
+              <a:t>          </a:t>
+            </a:r>
+            <a:r>
+              <a:rPr lang="en-GB" sz="800" b="0">
+                <a:solidFill>
+                  <a:srgbClr val="569CD6"/>
+                </a:solidFill>
+                <a:effectLst/>
+                <a:latin typeface="Consolas" panose="020B0609020204030204" pitchFamily="49" charset="0"/>
+              </a:rPr>
+              <a:t>else</a:t>
+            </a:r>
+            <a:endParaRPr lang="en-GB" sz="800" b="0">
+              <a:solidFill>
+                <a:srgbClr val="D4D4D4"/>
+              </a:solidFill>
+              <a:effectLst/>
+              <a:latin typeface="Consolas" panose="020B0609020204030204" pitchFamily="49" charset="0"/>
+            </a:endParaRPr>
+          </a:p>
+          <a:p>
+            <a:r>
+              <a:rPr lang="en-GB" sz="800" b="0">
+                <a:solidFill>
+                  <a:srgbClr val="D4D4D4"/>
+                </a:solidFill>
+                <a:effectLst/>
+                <a:latin typeface="Consolas" panose="020B0609020204030204" pitchFamily="49" charset="0"/>
+              </a:rPr>
+              <a:t>            state &lt;= state + </a:t>
+            </a:r>
+            <a:r>
+              <a:rPr lang="en-GB" sz="800" b="0">
+                <a:solidFill>
+                  <a:srgbClr val="B5CEA8"/>
+                </a:solidFill>
+                <a:effectLst/>
+                <a:latin typeface="Consolas" panose="020B0609020204030204" pitchFamily="49" charset="0"/>
+              </a:rPr>
+              <a:t>1</a:t>
+            </a:r>
+            <a:r>
+              <a:rPr lang="en-GB" sz="800" b="0">
+                <a:solidFill>
+                  <a:srgbClr val="D4D4D4"/>
+                </a:solidFill>
+                <a:effectLst/>
+                <a:latin typeface="Consolas" panose="020B0609020204030204" pitchFamily="49" charset="0"/>
+              </a:rPr>
+              <a:t>;</a:t>
+            </a:r>
+          </a:p>
+          <a:p>
+            <a:r>
+              <a:rPr lang="en-GB" sz="800" b="0">
+                <a:solidFill>
+                  <a:srgbClr val="D4D4D4"/>
+                </a:solidFill>
+                <a:effectLst/>
+                <a:latin typeface="Consolas" panose="020B0609020204030204" pitchFamily="49" charset="0"/>
+              </a:rPr>
+              <a:t>          </a:t>
+            </a:r>
+            <a:r>
+              <a:rPr lang="en-GB" sz="800" b="0">
+                <a:solidFill>
+                  <a:srgbClr val="569CD6"/>
+                </a:solidFill>
+                <a:effectLst/>
+                <a:latin typeface="Consolas" panose="020B0609020204030204" pitchFamily="49" charset="0"/>
+              </a:rPr>
+              <a:t>end if</a:t>
+            </a:r>
+            <a:r>
+              <a:rPr lang="en-GB" sz="800" b="0">
+                <a:solidFill>
+                  <a:srgbClr val="D4D4D4"/>
+                </a:solidFill>
+                <a:effectLst/>
+                <a:latin typeface="Consolas" panose="020B0609020204030204" pitchFamily="49" charset="0"/>
+              </a:rPr>
+              <a:t>;</a:t>
+            </a:r>
+          </a:p>
+          <a:p>
+            <a:r>
+              <a:rPr lang="en-GB" sz="800" b="0">
+                <a:solidFill>
+                  <a:srgbClr val="D4D4D4"/>
+                </a:solidFill>
+                <a:effectLst/>
+                <a:latin typeface="Consolas" panose="020B0609020204030204" pitchFamily="49" charset="0"/>
+              </a:rPr>
+              <a:t>          </a:t>
+            </a:r>
+            <a:r>
+              <a:rPr lang="en-GB" sz="800" b="0">
+                <a:solidFill>
+                  <a:srgbClr val="569CD6"/>
+                </a:solidFill>
+                <a:effectLst/>
+                <a:latin typeface="Consolas" panose="020B0609020204030204" pitchFamily="49" charset="0"/>
+              </a:rPr>
+              <a:t>case</a:t>
+            </a:r>
+            <a:r>
+              <a:rPr lang="en-GB" sz="800" b="0">
+                <a:solidFill>
+                  <a:srgbClr val="D4D4D4"/>
+                </a:solidFill>
+                <a:effectLst/>
+                <a:latin typeface="Consolas" panose="020B0609020204030204" pitchFamily="49" charset="0"/>
+              </a:rPr>
+              <a:t> state </a:t>
+            </a:r>
+            <a:r>
+              <a:rPr lang="en-GB" sz="800" b="0">
+                <a:solidFill>
+                  <a:srgbClr val="569CD6"/>
+                </a:solidFill>
+                <a:effectLst/>
+                <a:latin typeface="Consolas" panose="020B0609020204030204" pitchFamily="49" charset="0"/>
+              </a:rPr>
+              <a:t>is</a:t>
+            </a:r>
+            <a:endParaRPr lang="en-GB" sz="800" b="0">
+              <a:solidFill>
+                <a:srgbClr val="D4D4D4"/>
+              </a:solidFill>
+              <a:effectLst/>
+              <a:latin typeface="Consolas" panose="020B0609020204030204" pitchFamily="49" charset="0"/>
+            </a:endParaRPr>
+          </a:p>
+          <a:p>
+            <a:r>
+              <a:rPr lang="en-GB" sz="800" b="0">
+                <a:solidFill>
+                  <a:srgbClr val="D4D4D4"/>
+                </a:solidFill>
+                <a:effectLst/>
+                <a:latin typeface="Consolas" panose="020B0609020204030204" pitchFamily="49" charset="0"/>
+              </a:rPr>
+              <a:t>            </a:t>
+            </a:r>
+            <a:r>
+              <a:rPr lang="en-GB" sz="800" b="0">
+                <a:solidFill>
+                  <a:srgbClr val="569CD6"/>
+                </a:solidFill>
+                <a:effectLst/>
+                <a:latin typeface="Consolas" panose="020B0609020204030204" pitchFamily="49" charset="0"/>
+              </a:rPr>
+              <a:t>when</a:t>
+            </a:r>
+            <a:r>
+              <a:rPr lang="en-GB" sz="800" b="0">
+                <a:solidFill>
+                  <a:srgbClr val="D4D4D4"/>
+                </a:solidFill>
+                <a:effectLst/>
+                <a:latin typeface="Consolas" panose="020B0609020204030204" pitchFamily="49" charset="0"/>
+              </a:rPr>
+              <a:t> </a:t>
+            </a:r>
+            <a:r>
+              <a:rPr lang="en-GB" sz="800" b="0">
+                <a:solidFill>
+                  <a:srgbClr val="B5CEA8"/>
+                </a:solidFill>
+                <a:effectLst/>
+                <a:latin typeface="Consolas" panose="020B0609020204030204" pitchFamily="49" charset="0"/>
+              </a:rPr>
+              <a:t>0</a:t>
+            </a:r>
+            <a:r>
+              <a:rPr lang="en-GB" sz="800" b="0">
+                <a:solidFill>
+                  <a:srgbClr val="D4D4D4"/>
+                </a:solidFill>
+                <a:effectLst/>
+                <a:latin typeface="Consolas" panose="020B0609020204030204" pitchFamily="49" charset="0"/>
+              </a:rPr>
+              <a:t> =&gt;</a:t>
+            </a:r>
+          </a:p>
+          <a:p>
+            <a:r>
+              <a:rPr lang="en-GB" sz="800" b="0">
+                <a:solidFill>
+                  <a:srgbClr val="D4D4D4"/>
+                </a:solidFill>
+                <a:effectLst/>
+                <a:latin typeface="Consolas" panose="020B0609020204030204" pitchFamily="49" charset="0"/>
+              </a:rPr>
+              <a:t>              leds &lt;= </a:t>
+            </a:r>
+            <a:r>
+              <a:rPr lang="en-GB" sz="800" b="0">
+                <a:solidFill>
+                  <a:srgbClr val="CE9178"/>
+                </a:solidFill>
+                <a:effectLst/>
+                <a:latin typeface="Consolas" panose="020B0609020204030204" pitchFamily="49" charset="0"/>
+              </a:rPr>
+              <a:t>"0001"</a:t>
+            </a:r>
+            <a:r>
+              <a:rPr lang="en-GB" sz="800" b="0">
+                <a:solidFill>
+                  <a:srgbClr val="D4D4D4"/>
+                </a:solidFill>
+                <a:effectLst/>
+                <a:latin typeface="Consolas" panose="020B0609020204030204" pitchFamily="49" charset="0"/>
+              </a:rPr>
+              <a:t>;</a:t>
+            </a:r>
+          </a:p>
+          <a:p>
+            <a:br>
+              <a:rPr lang="en-GB" sz="800" b="0">
+                <a:solidFill>
+                  <a:srgbClr val="D4D4D4"/>
+                </a:solidFill>
+                <a:effectLst/>
+                <a:latin typeface="Consolas" panose="020B0609020204030204" pitchFamily="49" charset="0"/>
+              </a:rPr>
+            </a:br>
+            <a:r>
+              <a:rPr lang="en-GB" sz="800" b="0">
+                <a:solidFill>
+                  <a:srgbClr val="D4D4D4"/>
+                </a:solidFill>
+                <a:effectLst/>
+                <a:latin typeface="Consolas" panose="020B0609020204030204" pitchFamily="49" charset="0"/>
+              </a:rPr>
+              <a:t>            </a:t>
+            </a:r>
+            <a:r>
+              <a:rPr lang="en-GB" sz="800" b="0">
+                <a:solidFill>
+                  <a:srgbClr val="569CD6"/>
+                </a:solidFill>
+                <a:effectLst/>
+                <a:latin typeface="Consolas" panose="020B0609020204030204" pitchFamily="49" charset="0"/>
+              </a:rPr>
+              <a:t>when</a:t>
+            </a:r>
+            <a:r>
+              <a:rPr lang="en-GB" sz="800" b="0">
+                <a:solidFill>
+                  <a:srgbClr val="D4D4D4"/>
+                </a:solidFill>
+                <a:effectLst/>
+                <a:latin typeface="Consolas" panose="020B0609020204030204" pitchFamily="49" charset="0"/>
+              </a:rPr>
+              <a:t> </a:t>
+            </a:r>
+            <a:r>
+              <a:rPr lang="en-GB" sz="800" b="0">
+                <a:solidFill>
+                  <a:srgbClr val="B5CEA8"/>
+                </a:solidFill>
+                <a:effectLst/>
+                <a:latin typeface="Consolas" panose="020B0609020204030204" pitchFamily="49" charset="0"/>
+              </a:rPr>
+              <a:t>1</a:t>
+            </a:r>
+            <a:r>
+              <a:rPr lang="en-GB" sz="800" b="0">
+                <a:solidFill>
+                  <a:srgbClr val="D4D4D4"/>
+                </a:solidFill>
+                <a:effectLst/>
+                <a:latin typeface="Consolas" panose="020B0609020204030204" pitchFamily="49" charset="0"/>
+              </a:rPr>
+              <a:t> =&gt;</a:t>
+            </a:r>
+          </a:p>
+          <a:p>
+            <a:r>
+              <a:rPr lang="en-GB" sz="800" b="0">
+                <a:solidFill>
+                  <a:srgbClr val="D4D4D4"/>
+                </a:solidFill>
+                <a:effectLst/>
+                <a:latin typeface="Consolas" panose="020B0609020204030204" pitchFamily="49" charset="0"/>
+              </a:rPr>
+              <a:t>              leds &lt;= </a:t>
+            </a:r>
+            <a:r>
+              <a:rPr lang="en-GB" sz="800" b="0">
+                <a:solidFill>
+                  <a:srgbClr val="CE9178"/>
+                </a:solidFill>
+                <a:effectLst/>
+                <a:latin typeface="Consolas" panose="020B0609020204030204" pitchFamily="49" charset="0"/>
+              </a:rPr>
+              <a:t>"0010"</a:t>
+            </a:r>
+            <a:r>
+              <a:rPr lang="en-GB" sz="800" b="0">
+                <a:solidFill>
+                  <a:srgbClr val="D4D4D4"/>
+                </a:solidFill>
+                <a:effectLst/>
+                <a:latin typeface="Consolas" panose="020B0609020204030204" pitchFamily="49" charset="0"/>
+              </a:rPr>
+              <a:t>;</a:t>
+            </a:r>
+          </a:p>
+          <a:p>
+            <a:r>
+              <a:rPr lang="en-GB" sz="800" b="0">
+                <a:solidFill>
+                  <a:srgbClr val="D4D4D4"/>
+                </a:solidFill>
+                <a:effectLst/>
+                <a:latin typeface="Consolas" panose="020B0609020204030204" pitchFamily="49" charset="0"/>
+              </a:rPr>
+              <a:t>                  :</a:t>
+            </a:r>
+            <a:endParaRPr lang="en-GB" sz="800" b="0" dirty="0">
+              <a:solidFill>
+                <a:srgbClr val="D4D4D4"/>
+              </a:solidFill>
+              <a:effectLst/>
+              <a:latin typeface="Consolas" panose="020B0609020204030204" pitchFamily="49" charset="0"/>
+            </a:endParaRPr>
+          </a:p>
+        </p:txBody>
+      </p:sp>
+      <p:pic>
+        <p:nvPicPr>
+          <p:cNvPr id="6" name="Picture 5">
+            <a:extLst>
+              <a:ext uri="{FF2B5EF4-FFF2-40B4-BE49-F238E27FC236}">
+                <a16:creationId xmlns:a16="http://schemas.microsoft.com/office/drawing/2014/main" id="{BCAD6A1A-8501-39F0-9C13-9F969C122772}"/>
+              </a:ext>
+            </a:extLst>
+          </p:cNvPr>
+          <p:cNvPicPr>
+            <a:picLocks noChangeAspect="1"/>
+          </p:cNvPicPr>
+          <p:nvPr/>
+        </p:nvPicPr>
+        <p:blipFill>
+          <a:blip r:embed="rId2"/>
+          <a:stretch>
+            <a:fillRect/>
+          </a:stretch>
+        </p:blipFill>
+        <p:spPr>
+          <a:xfrm>
+            <a:off x="838200" y="1900780"/>
+            <a:ext cx="5313608" cy="4553282"/>
+          </a:xfrm>
+          <a:prstGeom prst="rect">
+            <a:avLst/>
+          </a:prstGeom>
+        </p:spPr>
+      </p:pic>
+      <p:sp>
+        <p:nvSpPr>
+          <p:cNvPr id="7" name="Arrow: Right 6">
+            <a:extLst>
+              <a:ext uri="{FF2B5EF4-FFF2-40B4-BE49-F238E27FC236}">
+                <a16:creationId xmlns:a16="http://schemas.microsoft.com/office/drawing/2014/main" id="{442F7D82-2CE9-DC8F-8F49-896E852A34D1}"/>
+              </a:ext>
+            </a:extLst>
+          </p:cNvPr>
+          <p:cNvSpPr/>
+          <p:nvPr/>
+        </p:nvSpPr>
+        <p:spPr>
+          <a:xfrm>
+            <a:off x="6391249" y="3935105"/>
+            <a:ext cx="978408" cy="484632"/>
+          </a:xfrm>
+          <a:prstGeom prst="rightArrow">
+            <a:avLst/>
+          </a:prstGeom>
+          <a:solidFill>
+            <a:srgbClr val="1E1E1E"/>
+          </a:solidFill>
+          <a:ln>
+            <a:noFill/>
+          </a:ln>
+          <a:effectLst>
+            <a:outerShdw blurRad="50800" dist="38100" dir="2700000" algn="tl" rotWithShape="0">
+              <a:prstClr val="black">
+                <a:alpha val="40000"/>
+              </a:prstClr>
+            </a:outerShdw>
+          </a:effectLst>
+        </p:spPr>
+        <p:style>
+          <a:lnRef idx="2">
+            <a:schemeClr val="accent1">
+              <a:shade val="50000"/>
+            </a:schemeClr>
+          </a:lnRef>
+          <a:fillRef idx="1">
+            <a:schemeClr val="accent1"/>
+          </a:fillRef>
+          <a:effectRef idx="0">
+            <a:schemeClr val="accent1"/>
+          </a:effectRef>
+          <a:fontRef idx="minor">
+            <a:schemeClr val="lt1"/>
+          </a:fontRef>
+        </p:style>
+        <p:txBody>
+          <a:bodyPr rtlCol="0" anchor="ctr"/>
+          <a:lstStyle/>
+          <a:p>
+            <a:pPr algn="ctr"/>
+            <a:endParaRPr lang="en-GB"/>
+          </a:p>
+        </p:txBody>
+      </p:sp>
+      <p:sp>
+        <p:nvSpPr>
+          <p:cNvPr id="8" name="TextBox 7">
+            <a:extLst>
+              <a:ext uri="{FF2B5EF4-FFF2-40B4-BE49-F238E27FC236}">
+                <a16:creationId xmlns:a16="http://schemas.microsoft.com/office/drawing/2014/main" id="{47C51C3F-218A-BDBF-FA23-D65374F8B1F4}"/>
+              </a:ext>
+            </a:extLst>
+          </p:cNvPr>
+          <p:cNvSpPr txBox="1"/>
+          <p:nvPr/>
+        </p:nvSpPr>
+        <p:spPr>
+          <a:xfrm>
+            <a:off x="6257597" y="3105834"/>
+            <a:ext cx="1245714" cy="646331"/>
+          </a:xfrm>
+          <a:prstGeom prst="rect">
+            <a:avLst/>
+          </a:prstGeom>
+          <a:noFill/>
+        </p:spPr>
+        <p:txBody>
+          <a:bodyPr wrap="square" rtlCol="0">
+            <a:spAutoFit/>
+          </a:bodyPr>
+          <a:lstStyle/>
+          <a:p>
+            <a:pPr algn="ctr"/>
+            <a:r>
+              <a:rPr lang="en-GB"/>
+              <a:t>Generates VHDL</a:t>
+            </a:r>
+            <a:endParaRPr lang="en-GB" dirty="0"/>
+          </a:p>
+        </p:txBody>
+      </p:sp>
+    </p:spTree>
+    <p:extLst>
+      <p:ext uri="{BB962C8B-B14F-4D97-AF65-F5344CB8AC3E}">
+        <p14:creationId xmlns:p14="http://schemas.microsoft.com/office/powerpoint/2010/main" val="1351250001"/>
+      </p:ext>
+    </p:extLst>
+  </p:cSld>
+  <p:clrMapOvr>
+    <a:masterClrMapping/>
+  </p:clrMapOvr>
+</p:sld>
+</file>
+
+<file path=ppt/slides/slide4.xml><?xml version="1.0" encoding="utf-8"?>
+<p:sld xmlns:a="http://schemas.openxmlformats.org/drawingml/2006/main" xmlns:r="http://schemas.openxmlformats.org/officeDocument/2006/relationships" xmlns:p="http://schemas.openxmlformats.org/presentationml/2006/main">
   <p:cSld>
     <p:spTree>
       <p:nvGrpSpPr>
@@ -16873,2170 +18873,6 @@
     <p:extLst>
       <p:ext uri="{BB962C8B-B14F-4D97-AF65-F5344CB8AC3E}">
         <p14:creationId xmlns:p14="http://schemas.microsoft.com/office/powerpoint/2010/main" val="195027451"/>
-      </p:ext>
-    </p:extLst>
-  </p:cSld>
-  <p:clrMapOvr>
-    <a:masterClrMapping/>
-  </p:clrMapOvr>
-</p:sld>
-</file>
-
-<file path=ppt/slides/slide2.xml><?xml version="1.0" encoding="utf-8"?>
-<p:sld xmlns:a="http://schemas.openxmlformats.org/drawingml/2006/main" xmlns:r="http://schemas.openxmlformats.org/officeDocument/2006/relationships" xmlns:p="http://schemas.openxmlformats.org/presentationml/2006/main">
-  <p:cSld>
-    <p:bg>
-      <p:bgPr>
-        <a:solidFill>
-          <a:schemeClr val="bg1"/>
-        </a:solidFill>
-        <a:effectLst/>
-      </p:bgPr>
-    </p:bg>
-    <p:spTree>
-      <p:nvGrpSpPr>
-        <p:cNvPr id="1" name=""/>
-        <p:cNvGrpSpPr/>
-        <p:nvPr/>
-      </p:nvGrpSpPr>
-      <p:grpSpPr>
-        <a:xfrm>
-          <a:off x="0" y="0"/>
-          <a:ext cx="0" cy="0"/>
-          <a:chOff x="0" y="0"/>
-          <a:chExt cx="0" cy="0"/>
-        </a:xfrm>
-      </p:grpSpPr>
-      <p:sp>
-        <p:nvSpPr>
-          <p:cNvPr id="2" name="Title 1">
-            <a:extLst>
-              <a:ext uri="{FF2B5EF4-FFF2-40B4-BE49-F238E27FC236}">
-                <a16:creationId xmlns:a16="http://schemas.microsoft.com/office/drawing/2014/main" id="{94D6D855-6FE2-CF2C-20F3-20CFB3656DFE}"/>
-              </a:ext>
-            </a:extLst>
-          </p:cNvPr>
-          <p:cNvSpPr>
-            <a:spLocks noGrp="1"/>
-          </p:cNvSpPr>
-          <p:nvPr>
-            <p:ph type="title"/>
-          </p:nvPr>
-        </p:nvSpPr>
-        <p:spPr/>
-        <p:txBody>
-          <a:bodyPr/>
-          <a:lstStyle/>
-          <a:p>
-            <a:r>
-              <a:rPr lang="en-US"/>
-              <a:t>Design Process</a:t>
-            </a:r>
-          </a:p>
-        </p:txBody>
-      </p:sp>
-      <p:graphicFrame>
-        <p:nvGraphicFramePr>
-          <p:cNvPr id="4" name="Content Placeholder 3">
-            <a:extLst>
-              <a:ext uri="{FF2B5EF4-FFF2-40B4-BE49-F238E27FC236}">
-                <a16:creationId xmlns:a16="http://schemas.microsoft.com/office/drawing/2014/main" id="{8F3699D8-43D1-9EC4-AE8A-B1C75E56BA7B}"/>
-              </a:ext>
-            </a:extLst>
-          </p:cNvPr>
-          <p:cNvGraphicFramePr>
-            <a:graphicFrameLocks noGrp="1"/>
-          </p:cNvGraphicFramePr>
-          <p:nvPr>
-            <p:ph idx="1"/>
-            <p:extLst>
-              <p:ext uri="{D42A27DB-BD31-4B8C-83A1-F6EECF244321}">
-                <p14:modId xmlns:p14="http://schemas.microsoft.com/office/powerpoint/2010/main" val="2130687436"/>
-              </p:ext>
-            </p:extLst>
-          </p:nvPr>
-        </p:nvGraphicFramePr>
-        <p:xfrm>
-          <a:off x="838200" y="1825625"/>
-          <a:ext cx="10515600" cy="4351338"/>
-        </p:xfrm>
-        <a:graphic>
-          <a:graphicData uri="http://schemas.openxmlformats.org/drawingml/2006/diagram">
-            <dgm:relIds xmlns:dgm="http://schemas.openxmlformats.org/drawingml/2006/diagram" xmlns:r="http://schemas.openxmlformats.org/officeDocument/2006/relationships" r:dm="rId3" r:lo="rId4" r:qs="rId5" r:cs="rId6"/>
-          </a:graphicData>
-        </a:graphic>
-      </p:graphicFrame>
-      <p:sp>
-        <p:nvSpPr>
-          <p:cNvPr id="21" name="TextBox 20">
-            <a:extLst>
-              <a:ext uri="{FF2B5EF4-FFF2-40B4-BE49-F238E27FC236}">
-                <a16:creationId xmlns:a16="http://schemas.microsoft.com/office/drawing/2014/main" id="{F43CA5DC-89C8-01D1-B218-392BF9FE9004}"/>
-              </a:ext>
-            </a:extLst>
-          </p:cNvPr>
-          <p:cNvSpPr txBox="1"/>
-          <p:nvPr/>
-        </p:nvSpPr>
-        <p:spPr>
-          <a:xfrm>
-            <a:off x="1821656" y="5942568"/>
-            <a:ext cx="8548687" cy="369332"/>
-          </a:xfrm>
-          <a:prstGeom prst="rect">
-            <a:avLst/>
-          </a:prstGeom>
-          <a:noFill/>
-        </p:spPr>
-        <p:txBody>
-          <a:bodyPr wrap="none" rtlCol="0">
-            <a:spAutoFit/>
-          </a:bodyPr>
-          <a:lstStyle/>
-          <a:p>
-            <a:pPr algn="ctr"/>
-            <a:r>
-              <a:rPr lang="en-GB" b="1" dirty="0"/>
-              <a:t>Experience the end-to-end design entry and build process without having to learn VHDL</a:t>
-            </a:r>
-          </a:p>
-        </p:txBody>
-      </p:sp>
-    </p:spTree>
-    <p:extLst>
-      <p:ext uri="{BB962C8B-B14F-4D97-AF65-F5344CB8AC3E}">
-        <p14:creationId xmlns:p14="http://schemas.microsoft.com/office/powerpoint/2010/main" val="3631409919"/>
-      </p:ext>
-    </p:extLst>
-  </p:cSld>
-  <p:clrMapOvr>
-    <a:masterClrMapping/>
-  </p:clrMapOvr>
-</p:sld>
-</file>
-
-<file path=ppt/slides/slide3.xml><?xml version="1.0" encoding="utf-8"?>
-<p:sld xmlns:a="http://schemas.openxmlformats.org/drawingml/2006/main" xmlns:r="http://schemas.openxmlformats.org/officeDocument/2006/relationships" xmlns:p="http://schemas.openxmlformats.org/presentationml/2006/main">
-  <p:cSld>
-    <p:spTree>
-      <p:nvGrpSpPr>
-        <p:cNvPr id="1" name=""/>
-        <p:cNvGrpSpPr/>
-        <p:nvPr/>
-      </p:nvGrpSpPr>
-      <p:grpSpPr>
-        <a:xfrm>
-          <a:off x="0" y="0"/>
-          <a:ext cx="0" cy="0"/>
-          <a:chOff x="0" y="0"/>
-          <a:chExt cx="0" cy="0"/>
-        </a:xfrm>
-      </p:grpSpPr>
-      <p:sp>
-        <p:nvSpPr>
-          <p:cNvPr id="2" name="Title 1">
-            <a:extLst>
-              <a:ext uri="{FF2B5EF4-FFF2-40B4-BE49-F238E27FC236}">
-                <a16:creationId xmlns:a16="http://schemas.microsoft.com/office/drawing/2014/main" id="{0D6C12FA-016A-1C15-E70B-5D5E33942DE5}"/>
-              </a:ext>
-            </a:extLst>
-          </p:cNvPr>
-          <p:cNvSpPr>
-            <a:spLocks noGrp="1"/>
-          </p:cNvSpPr>
-          <p:nvPr>
-            <p:ph type="title"/>
-          </p:nvPr>
-        </p:nvSpPr>
-        <p:spPr/>
-        <p:txBody>
-          <a:bodyPr/>
-          <a:lstStyle/>
-          <a:p>
-            <a:r>
-              <a:rPr lang="en-GB"/>
-              <a:t>Design Entry – Scratch in VSCode</a:t>
-            </a:r>
-            <a:endParaRPr lang="en-GB" dirty="0"/>
-          </a:p>
-        </p:txBody>
-      </p:sp>
-      <p:sp>
-        <p:nvSpPr>
-          <p:cNvPr id="5" name="TextBox 4">
-            <a:extLst>
-              <a:ext uri="{FF2B5EF4-FFF2-40B4-BE49-F238E27FC236}">
-                <a16:creationId xmlns:a16="http://schemas.microsoft.com/office/drawing/2014/main" id="{479AD1F1-F345-916D-06E5-8FF699516323}"/>
-              </a:ext>
-            </a:extLst>
-          </p:cNvPr>
-          <p:cNvSpPr txBox="1"/>
-          <p:nvPr/>
-        </p:nvSpPr>
-        <p:spPr>
-          <a:xfrm>
-            <a:off x="7609100" y="1690688"/>
-            <a:ext cx="3744700" cy="5262979"/>
-          </a:xfrm>
-          <a:prstGeom prst="rect">
-            <a:avLst/>
-          </a:prstGeom>
-          <a:solidFill>
-            <a:srgbClr val="1E1E1E"/>
-          </a:solidFill>
-        </p:spPr>
-        <p:txBody>
-          <a:bodyPr wrap="square" rtlCol="0">
-            <a:spAutoFit/>
-          </a:bodyPr>
-          <a:lstStyle/>
-          <a:p>
-            <a:r>
-              <a:rPr lang="en-GB" sz="800" b="0">
-                <a:solidFill>
-                  <a:srgbClr val="569CD6"/>
-                </a:solidFill>
-                <a:effectLst/>
-                <a:latin typeface="Consolas" panose="020B0609020204030204" pitchFamily="49" charset="0"/>
-              </a:rPr>
-              <a:t>library</a:t>
-            </a:r>
-            <a:r>
-              <a:rPr lang="en-GB" sz="800" b="0">
-                <a:solidFill>
-                  <a:srgbClr val="D4D4D4"/>
-                </a:solidFill>
-                <a:effectLst/>
-                <a:latin typeface="Consolas" panose="020B0609020204030204" pitchFamily="49" charset="0"/>
-              </a:rPr>
-              <a:t> ieee;</a:t>
-            </a:r>
-          </a:p>
-          <a:p>
-            <a:r>
-              <a:rPr lang="en-GB" sz="800" b="0">
-                <a:solidFill>
-                  <a:srgbClr val="D4D4D4"/>
-                </a:solidFill>
-                <a:effectLst/>
-                <a:latin typeface="Consolas" panose="020B0609020204030204" pitchFamily="49" charset="0"/>
-              </a:rPr>
-              <a:t>  </a:t>
-            </a:r>
-            <a:r>
-              <a:rPr lang="en-GB" sz="800" b="0">
-                <a:solidFill>
-                  <a:srgbClr val="569CD6"/>
-                </a:solidFill>
-                <a:effectLst/>
-                <a:latin typeface="Consolas" panose="020B0609020204030204" pitchFamily="49" charset="0"/>
-              </a:rPr>
-              <a:t>use</a:t>
-            </a:r>
-            <a:r>
-              <a:rPr lang="en-GB" sz="800" b="0">
-                <a:solidFill>
-                  <a:srgbClr val="D4D4D4"/>
-                </a:solidFill>
-                <a:effectLst/>
-                <a:latin typeface="Consolas" panose="020B0609020204030204" pitchFamily="49" charset="0"/>
-              </a:rPr>
-              <a:t> ieee.std_logic_1164.</a:t>
-            </a:r>
-            <a:r>
-              <a:rPr lang="en-GB" sz="800" b="0">
-                <a:solidFill>
-                  <a:srgbClr val="569CD6"/>
-                </a:solidFill>
-                <a:effectLst/>
-                <a:latin typeface="Consolas" panose="020B0609020204030204" pitchFamily="49" charset="0"/>
-              </a:rPr>
-              <a:t>all</a:t>
-            </a:r>
-            <a:r>
-              <a:rPr lang="en-GB" sz="800" b="0">
-                <a:solidFill>
-                  <a:srgbClr val="D4D4D4"/>
-                </a:solidFill>
-                <a:effectLst/>
-                <a:latin typeface="Consolas" panose="020B0609020204030204" pitchFamily="49" charset="0"/>
-              </a:rPr>
-              <a:t>;</a:t>
-            </a:r>
-          </a:p>
-          <a:p>
-            <a:br>
-              <a:rPr lang="en-GB" sz="800" b="0">
-                <a:solidFill>
-                  <a:srgbClr val="D4D4D4"/>
-                </a:solidFill>
-                <a:effectLst/>
-                <a:latin typeface="Consolas" panose="020B0609020204030204" pitchFamily="49" charset="0"/>
-              </a:rPr>
-            </a:br>
-            <a:r>
-              <a:rPr lang="en-GB" sz="800" b="0">
-                <a:solidFill>
-                  <a:srgbClr val="569CD6"/>
-                </a:solidFill>
-                <a:effectLst/>
-                <a:latin typeface="Consolas" panose="020B0609020204030204" pitchFamily="49" charset="0"/>
-              </a:rPr>
-              <a:t>architecture</a:t>
-            </a:r>
-            <a:r>
-              <a:rPr lang="en-GB" sz="800" b="0">
-                <a:solidFill>
-                  <a:srgbClr val="D4D4D4"/>
-                </a:solidFill>
-                <a:effectLst/>
-                <a:latin typeface="Consolas" panose="020B0609020204030204" pitchFamily="49" charset="0"/>
-              </a:rPr>
-              <a:t> scratch </a:t>
-            </a:r>
-            <a:r>
-              <a:rPr lang="en-GB" sz="800" b="0">
-                <a:solidFill>
-                  <a:srgbClr val="569CD6"/>
-                </a:solidFill>
-                <a:effectLst/>
-                <a:latin typeface="Consolas" panose="020B0609020204030204" pitchFamily="49" charset="0"/>
-              </a:rPr>
-              <a:t>of</a:t>
-            </a:r>
-            <a:r>
-              <a:rPr lang="en-GB" sz="800" b="0">
-                <a:solidFill>
-                  <a:srgbClr val="D4D4D4"/>
-                </a:solidFill>
-                <a:effectLst/>
-                <a:latin typeface="Consolas" panose="020B0609020204030204" pitchFamily="49" charset="0"/>
-              </a:rPr>
-              <a:t> led4_button4 </a:t>
-            </a:r>
-            <a:r>
-              <a:rPr lang="en-GB" sz="800" b="0">
-                <a:solidFill>
-                  <a:srgbClr val="569CD6"/>
-                </a:solidFill>
-                <a:effectLst/>
-                <a:latin typeface="Consolas" panose="020B0609020204030204" pitchFamily="49" charset="0"/>
-              </a:rPr>
-              <a:t>is</a:t>
-            </a:r>
-            <a:endParaRPr lang="en-GB" sz="800" b="0">
-              <a:solidFill>
-                <a:srgbClr val="D4D4D4"/>
-              </a:solidFill>
-              <a:effectLst/>
-              <a:latin typeface="Consolas" panose="020B0609020204030204" pitchFamily="49" charset="0"/>
-            </a:endParaRPr>
-          </a:p>
-          <a:p>
-            <a:br>
-              <a:rPr lang="en-GB" sz="800" b="0">
-                <a:solidFill>
-                  <a:srgbClr val="D4D4D4"/>
-                </a:solidFill>
-                <a:effectLst/>
-                <a:latin typeface="Consolas" panose="020B0609020204030204" pitchFamily="49" charset="0"/>
-              </a:rPr>
-            </a:br>
-            <a:r>
-              <a:rPr lang="en-GB" sz="800" b="0">
-                <a:solidFill>
-                  <a:srgbClr val="D4D4D4"/>
-                </a:solidFill>
-                <a:effectLst/>
-                <a:latin typeface="Consolas" panose="020B0609020204030204" pitchFamily="49" charset="0"/>
-              </a:rPr>
-              <a:t>  </a:t>
-            </a:r>
-            <a:r>
-              <a:rPr lang="en-GB" sz="800" b="0">
-                <a:solidFill>
-                  <a:srgbClr val="569CD6"/>
-                </a:solidFill>
-                <a:effectLst/>
-                <a:latin typeface="Consolas" panose="020B0609020204030204" pitchFamily="49" charset="0"/>
-              </a:rPr>
-              <a:t>constant</a:t>
-            </a:r>
-            <a:r>
-              <a:rPr lang="en-GB" sz="800" b="0">
-                <a:solidFill>
-                  <a:srgbClr val="D4D4D4"/>
-                </a:solidFill>
-                <a:effectLst/>
-                <a:latin typeface="Consolas" panose="020B0609020204030204" pitchFamily="49" charset="0"/>
-              </a:rPr>
-              <a:t> button_tab_c : natural := </a:t>
-            </a:r>
-            <a:r>
-              <a:rPr lang="en-GB" sz="800" b="0">
-                <a:solidFill>
-                  <a:srgbClr val="B5CEA8"/>
-                </a:solidFill>
-                <a:effectLst/>
-                <a:latin typeface="Consolas" panose="020B0609020204030204" pitchFamily="49" charset="0"/>
-              </a:rPr>
-              <a:t>1</a:t>
-            </a:r>
-            <a:r>
-              <a:rPr lang="en-GB" sz="800" b="0">
-                <a:solidFill>
-                  <a:srgbClr val="D4D4D4"/>
-                </a:solidFill>
-                <a:effectLst/>
-                <a:latin typeface="Consolas" panose="020B0609020204030204" pitchFamily="49" charset="0"/>
-              </a:rPr>
-              <a:t>;</a:t>
-            </a:r>
-          </a:p>
-          <a:p>
-            <a:br>
-              <a:rPr lang="en-GB" sz="800" b="0">
-                <a:solidFill>
-                  <a:srgbClr val="D4D4D4"/>
-                </a:solidFill>
-                <a:effectLst/>
-                <a:latin typeface="Consolas" panose="020B0609020204030204" pitchFamily="49" charset="0"/>
-              </a:rPr>
-            </a:br>
-            <a:r>
-              <a:rPr lang="en-GB" sz="800" b="0">
-                <a:solidFill>
-                  <a:srgbClr val="D4D4D4"/>
-                </a:solidFill>
-                <a:effectLst/>
-                <a:latin typeface="Consolas" panose="020B0609020204030204" pitchFamily="49" charset="0"/>
-              </a:rPr>
-              <a:t>  </a:t>
-            </a:r>
-            <a:r>
-              <a:rPr lang="en-GB" sz="800" b="0">
-                <a:solidFill>
-                  <a:srgbClr val="569CD6"/>
-                </a:solidFill>
-                <a:effectLst/>
-                <a:latin typeface="Consolas" panose="020B0609020204030204" pitchFamily="49" charset="0"/>
-              </a:rPr>
-              <a:t>signal</a:t>
-            </a:r>
-            <a:r>
-              <a:rPr lang="en-GB" sz="800" b="0">
-                <a:solidFill>
-                  <a:srgbClr val="D4D4D4"/>
-                </a:solidFill>
-                <a:effectLst/>
-                <a:latin typeface="Consolas" panose="020B0609020204030204" pitchFamily="49" charset="0"/>
-              </a:rPr>
-              <a:t> run : std_logic;</a:t>
-            </a:r>
-          </a:p>
-          <a:p>
-            <a:r>
-              <a:rPr lang="en-GB" sz="800" b="0">
-                <a:solidFill>
-                  <a:srgbClr val="D4D4D4"/>
-                </a:solidFill>
-                <a:effectLst/>
-                <a:latin typeface="Consolas" panose="020B0609020204030204" pitchFamily="49" charset="0"/>
-              </a:rPr>
-              <a:t>  </a:t>
-            </a:r>
-            <a:r>
-              <a:rPr lang="en-GB" sz="800" b="0">
-                <a:solidFill>
-                  <a:srgbClr val="569CD6"/>
-                </a:solidFill>
-                <a:effectLst/>
-                <a:latin typeface="Consolas" panose="020B0609020204030204" pitchFamily="49" charset="0"/>
-              </a:rPr>
-              <a:t>signal</a:t>
-            </a:r>
-            <a:r>
-              <a:rPr lang="en-GB" sz="800" b="0">
-                <a:solidFill>
-                  <a:srgbClr val="D4D4D4"/>
-                </a:solidFill>
-                <a:effectLst/>
-                <a:latin typeface="Consolas" panose="020B0609020204030204" pitchFamily="49" charset="0"/>
-              </a:rPr>
-              <a:t> state : integer </a:t>
-            </a:r>
-            <a:r>
-              <a:rPr lang="en-GB" sz="800" b="0">
-                <a:solidFill>
-                  <a:srgbClr val="569CD6"/>
-                </a:solidFill>
-                <a:effectLst/>
-                <a:latin typeface="Consolas" panose="020B0609020204030204" pitchFamily="49" charset="0"/>
-              </a:rPr>
-              <a:t>range</a:t>
-            </a:r>
-            <a:r>
-              <a:rPr lang="en-GB" sz="800" b="0">
-                <a:solidFill>
-                  <a:srgbClr val="D4D4D4"/>
-                </a:solidFill>
-                <a:effectLst/>
-                <a:latin typeface="Consolas" panose="020B0609020204030204" pitchFamily="49" charset="0"/>
-              </a:rPr>
-              <a:t> </a:t>
-            </a:r>
-            <a:r>
-              <a:rPr lang="en-GB" sz="800" b="0">
-                <a:solidFill>
-                  <a:srgbClr val="B5CEA8"/>
-                </a:solidFill>
-                <a:effectLst/>
-                <a:latin typeface="Consolas" panose="020B0609020204030204" pitchFamily="49" charset="0"/>
-              </a:rPr>
-              <a:t>0</a:t>
-            </a:r>
-            <a:r>
-              <a:rPr lang="en-GB" sz="800" b="0">
-                <a:solidFill>
-                  <a:srgbClr val="D4D4D4"/>
-                </a:solidFill>
-                <a:effectLst/>
-                <a:latin typeface="Consolas" panose="020B0609020204030204" pitchFamily="49" charset="0"/>
-              </a:rPr>
-              <a:t> </a:t>
-            </a:r>
-            <a:r>
-              <a:rPr lang="en-GB" sz="800" b="0">
-                <a:solidFill>
-                  <a:srgbClr val="569CD6"/>
-                </a:solidFill>
-                <a:effectLst/>
-                <a:latin typeface="Consolas" panose="020B0609020204030204" pitchFamily="49" charset="0"/>
-              </a:rPr>
-              <a:t>to</a:t>
-            </a:r>
-            <a:r>
-              <a:rPr lang="en-GB" sz="800" b="0">
-                <a:solidFill>
-                  <a:srgbClr val="D4D4D4"/>
-                </a:solidFill>
-                <a:effectLst/>
-                <a:latin typeface="Consolas" panose="020B0609020204030204" pitchFamily="49" charset="0"/>
-              </a:rPr>
-              <a:t> </a:t>
-            </a:r>
-            <a:r>
-              <a:rPr lang="en-GB" sz="800" b="0">
-                <a:solidFill>
-                  <a:srgbClr val="B5CEA8"/>
-                </a:solidFill>
-                <a:effectLst/>
-                <a:latin typeface="Consolas" panose="020B0609020204030204" pitchFamily="49" charset="0"/>
-              </a:rPr>
-              <a:t>5</a:t>
-            </a:r>
-            <a:r>
-              <a:rPr lang="en-GB" sz="800" b="0">
-                <a:solidFill>
-                  <a:srgbClr val="D4D4D4"/>
-                </a:solidFill>
-                <a:effectLst/>
-                <a:latin typeface="Consolas" panose="020B0609020204030204" pitchFamily="49" charset="0"/>
-              </a:rPr>
-              <a:t> := </a:t>
-            </a:r>
-            <a:r>
-              <a:rPr lang="en-GB" sz="800" b="0">
-                <a:solidFill>
-                  <a:srgbClr val="B5CEA8"/>
-                </a:solidFill>
-                <a:effectLst/>
-                <a:latin typeface="Consolas" panose="020B0609020204030204" pitchFamily="49" charset="0"/>
-              </a:rPr>
-              <a:t>0</a:t>
-            </a:r>
-            <a:r>
-              <a:rPr lang="en-GB" sz="800" b="0">
-                <a:solidFill>
-                  <a:srgbClr val="D4D4D4"/>
-                </a:solidFill>
-                <a:effectLst/>
-                <a:latin typeface="Consolas" panose="020B0609020204030204" pitchFamily="49" charset="0"/>
-              </a:rPr>
-              <a:t>;</a:t>
-            </a:r>
-          </a:p>
-          <a:p>
-            <a:br>
-              <a:rPr lang="en-GB" sz="800" b="0">
-                <a:solidFill>
-                  <a:srgbClr val="D4D4D4"/>
-                </a:solidFill>
-                <a:effectLst/>
-                <a:latin typeface="Consolas" panose="020B0609020204030204" pitchFamily="49" charset="0"/>
-              </a:rPr>
-            </a:br>
-            <a:r>
-              <a:rPr lang="en-GB" sz="800" b="0">
-                <a:solidFill>
-                  <a:srgbClr val="D4D4D4"/>
-                </a:solidFill>
-                <a:effectLst/>
-                <a:latin typeface="Consolas" panose="020B0609020204030204" pitchFamily="49" charset="0"/>
-              </a:rPr>
-              <a:t>  </a:t>
-            </a:r>
-            <a:r>
-              <a:rPr lang="en-GB" sz="800" b="0">
-                <a:solidFill>
-                  <a:srgbClr val="569CD6"/>
-                </a:solidFill>
-                <a:effectLst/>
-                <a:latin typeface="Consolas" panose="020B0609020204030204" pitchFamily="49" charset="0"/>
-              </a:rPr>
-              <a:t>alias</a:t>
-            </a:r>
-            <a:r>
-              <a:rPr lang="en-GB" sz="800" b="0">
-                <a:solidFill>
-                  <a:srgbClr val="D4D4D4"/>
-                </a:solidFill>
-                <a:effectLst/>
-                <a:latin typeface="Consolas" panose="020B0609020204030204" pitchFamily="49" charset="0"/>
-              </a:rPr>
-              <a:t> start </a:t>
-            </a:r>
-            <a:r>
-              <a:rPr lang="en-GB" sz="800" b="0">
-                <a:solidFill>
-                  <a:srgbClr val="569CD6"/>
-                </a:solidFill>
-                <a:effectLst/>
-                <a:latin typeface="Consolas" panose="020B0609020204030204" pitchFamily="49" charset="0"/>
-              </a:rPr>
-              <a:t>is</a:t>
-            </a:r>
-            <a:r>
-              <a:rPr lang="en-GB" sz="800" b="0">
-                <a:solidFill>
-                  <a:srgbClr val="D4D4D4"/>
-                </a:solidFill>
-                <a:effectLst/>
-                <a:latin typeface="Consolas" panose="020B0609020204030204" pitchFamily="49" charset="0"/>
-              </a:rPr>
-              <a:t> buttons(</a:t>
-            </a:r>
-            <a:r>
-              <a:rPr lang="en-GB" sz="800" b="0">
-                <a:solidFill>
-                  <a:srgbClr val="B5CEA8"/>
-                </a:solidFill>
-                <a:effectLst/>
-                <a:latin typeface="Consolas" panose="020B0609020204030204" pitchFamily="49" charset="0"/>
-              </a:rPr>
-              <a:t>0</a:t>
-            </a:r>
-            <a:r>
-              <a:rPr lang="en-GB" sz="800" b="0">
-                <a:solidFill>
-                  <a:srgbClr val="D4D4D4"/>
-                </a:solidFill>
-                <a:effectLst/>
-                <a:latin typeface="Consolas" panose="020B0609020204030204" pitchFamily="49" charset="0"/>
-              </a:rPr>
-              <a:t>);</a:t>
-            </a:r>
-          </a:p>
-          <a:p>
-            <a:r>
-              <a:rPr lang="en-GB" sz="800" b="0">
-                <a:solidFill>
-                  <a:srgbClr val="D4D4D4"/>
-                </a:solidFill>
-                <a:effectLst/>
-                <a:latin typeface="Consolas" panose="020B0609020204030204" pitchFamily="49" charset="0"/>
-              </a:rPr>
-              <a:t>  </a:t>
-            </a:r>
-            <a:r>
-              <a:rPr lang="en-GB" sz="800" b="0">
-                <a:solidFill>
-                  <a:srgbClr val="569CD6"/>
-                </a:solidFill>
-                <a:effectLst/>
-                <a:latin typeface="Consolas" panose="020B0609020204030204" pitchFamily="49" charset="0"/>
-              </a:rPr>
-              <a:t>alias</a:t>
-            </a:r>
-            <a:r>
-              <a:rPr lang="en-GB" sz="800" b="0">
-                <a:solidFill>
-                  <a:srgbClr val="D4D4D4"/>
-                </a:solidFill>
-                <a:effectLst/>
-                <a:latin typeface="Consolas" panose="020B0609020204030204" pitchFamily="49" charset="0"/>
-              </a:rPr>
-              <a:t> stop </a:t>
-            </a:r>
-            <a:r>
-              <a:rPr lang="en-GB" sz="800" b="0">
-                <a:solidFill>
-                  <a:srgbClr val="569CD6"/>
-                </a:solidFill>
-                <a:effectLst/>
-                <a:latin typeface="Consolas" panose="020B0609020204030204" pitchFamily="49" charset="0"/>
-              </a:rPr>
-              <a:t>is</a:t>
-            </a:r>
-            <a:r>
-              <a:rPr lang="en-GB" sz="800" b="0">
-                <a:solidFill>
-                  <a:srgbClr val="D4D4D4"/>
-                </a:solidFill>
-                <a:effectLst/>
-                <a:latin typeface="Consolas" panose="020B0609020204030204" pitchFamily="49" charset="0"/>
-              </a:rPr>
-              <a:t> buttons(</a:t>
-            </a:r>
-            <a:r>
-              <a:rPr lang="en-GB" sz="800" b="0">
-                <a:solidFill>
-                  <a:srgbClr val="B5CEA8"/>
-                </a:solidFill>
-                <a:effectLst/>
-                <a:latin typeface="Consolas" panose="020B0609020204030204" pitchFamily="49" charset="0"/>
-              </a:rPr>
-              <a:t>1</a:t>
-            </a:r>
-            <a:r>
-              <a:rPr lang="en-GB" sz="800" b="0">
-                <a:solidFill>
-                  <a:srgbClr val="D4D4D4"/>
-                </a:solidFill>
-                <a:effectLst/>
-                <a:latin typeface="Consolas" panose="020B0609020204030204" pitchFamily="49" charset="0"/>
-              </a:rPr>
-              <a:t>);</a:t>
-            </a:r>
-          </a:p>
-          <a:p>
-            <a:br>
-              <a:rPr lang="en-GB" sz="800" b="0">
-                <a:solidFill>
-                  <a:srgbClr val="D4D4D4"/>
-                </a:solidFill>
-                <a:effectLst/>
-                <a:latin typeface="Consolas" panose="020B0609020204030204" pitchFamily="49" charset="0"/>
-              </a:rPr>
-            </a:br>
-            <a:r>
-              <a:rPr lang="en-GB" sz="800" b="0">
-                <a:solidFill>
-                  <a:srgbClr val="569CD6"/>
-                </a:solidFill>
-                <a:effectLst/>
-                <a:latin typeface="Consolas" panose="020B0609020204030204" pitchFamily="49" charset="0"/>
-              </a:rPr>
-              <a:t>begin</a:t>
-            </a:r>
-            <a:endParaRPr lang="en-GB" sz="800" b="0">
-              <a:solidFill>
-                <a:srgbClr val="D4D4D4"/>
-              </a:solidFill>
-              <a:effectLst/>
-              <a:latin typeface="Consolas" panose="020B0609020204030204" pitchFamily="49" charset="0"/>
-            </a:endParaRPr>
-          </a:p>
-          <a:p>
-            <a:br>
-              <a:rPr lang="en-GB" sz="800" b="0">
-                <a:solidFill>
-                  <a:srgbClr val="D4D4D4"/>
-                </a:solidFill>
-                <a:effectLst/>
-                <a:latin typeface="Consolas" panose="020B0609020204030204" pitchFamily="49" charset="0"/>
-              </a:rPr>
-            </a:br>
-            <a:r>
-              <a:rPr lang="en-GB" sz="800" b="0">
-                <a:solidFill>
-                  <a:srgbClr val="D4D4D4"/>
-                </a:solidFill>
-                <a:effectLst/>
-                <a:latin typeface="Consolas" panose="020B0609020204030204" pitchFamily="49" charset="0"/>
-              </a:rPr>
-              <a:t>  </a:t>
-            </a:r>
-            <a:r>
-              <a:rPr lang="en-GB" sz="800" b="0">
-                <a:solidFill>
-                  <a:srgbClr val="569CD6"/>
-                </a:solidFill>
-                <a:effectLst/>
-                <a:latin typeface="Consolas" panose="020B0609020204030204" pitchFamily="49" charset="0"/>
-              </a:rPr>
-              <a:t>process</a:t>
-            </a:r>
-            <a:r>
-              <a:rPr lang="en-GB" sz="800" b="0">
-                <a:solidFill>
-                  <a:srgbClr val="D4D4D4"/>
-                </a:solidFill>
-                <a:effectLst/>
-                <a:latin typeface="Consolas" panose="020B0609020204030204" pitchFamily="49" charset="0"/>
-              </a:rPr>
-              <a:t>(clk)</a:t>
-            </a:r>
-          </a:p>
-          <a:p>
-            <a:r>
-              <a:rPr lang="en-GB" sz="800" b="0">
-                <a:solidFill>
-                  <a:srgbClr val="D4D4D4"/>
-                </a:solidFill>
-                <a:effectLst/>
-                <a:latin typeface="Consolas" panose="020B0609020204030204" pitchFamily="49" charset="0"/>
-              </a:rPr>
-              <a:t>  </a:t>
-            </a:r>
-            <a:r>
-              <a:rPr lang="en-GB" sz="800" b="0">
-                <a:solidFill>
-                  <a:srgbClr val="569CD6"/>
-                </a:solidFill>
-                <a:effectLst/>
-                <a:latin typeface="Consolas" panose="020B0609020204030204" pitchFamily="49" charset="0"/>
-              </a:rPr>
-              <a:t>begin</a:t>
-            </a:r>
-            <a:endParaRPr lang="en-GB" sz="800" b="0">
-              <a:solidFill>
-                <a:srgbClr val="D4D4D4"/>
-              </a:solidFill>
-              <a:effectLst/>
-              <a:latin typeface="Consolas" panose="020B0609020204030204" pitchFamily="49" charset="0"/>
-            </a:endParaRPr>
-          </a:p>
-          <a:p>
-            <a:r>
-              <a:rPr lang="en-GB" sz="800" b="0">
-                <a:solidFill>
-                  <a:srgbClr val="D4D4D4"/>
-                </a:solidFill>
-                <a:effectLst/>
-                <a:latin typeface="Consolas" panose="020B0609020204030204" pitchFamily="49" charset="0"/>
-              </a:rPr>
-              <a:t>    </a:t>
-            </a:r>
-            <a:r>
-              <a:rPr lang="en-GB" sz="800" b="0">
-                <a:solidFill>
-                  <a:srgbClr val="569CD6"/>
-                </a:solidFill>
-                <a:effectLst/>
-                <a:latin typeface="Consolas" panose="020B0609020204030204" pitchFamily="49" charset="0"/>
-              </a:rPr>
-              <a:t>if</a:t>
-            </a:r>
-            <a:r>
-              <a:rPr lang="en-GB" sz="800" b="0">
-                <a:solidFill>
-                  <a:srgbClr val="D4D4D4"/>
-                </a:solidFill>
-                <a:effectLst/>
-                <a:latin typeface="Consolas" panose="020B0609020204030204" pitchFamily="49" charset="0"/>
-              </a:rPr>
-              <a:t> rising_edge(clk) </a:t>
-            </a:r>
-            <a:r>
-              <a:rPr lang="en-GB" sz="800" b="0">
-                <a:solidFill>
-                  <a:srgbClr val="569CD6"/>
-                </a:solidFill>
-                <a:effectLst/>
-                <a:latin typeface="Consolas" panose="020B0609020204030204" pitchFamily="49" charset="0"/>
-              </a:rPr>
-              <a:t>then</a:t>
-            </a:r>
-            <a:endParaRPr lang="en-GB" sz="800" b="0">
-              <a:solidFill>
-                <a:srgbClr val="D4D4D4"/>
-              </a:solidFill>
-              <a:effectLst/>
-              <a:latin typeface="Consolas" panose="020B0609020204030204" pitchFamily="49" charset="0"/>
-            </a:endParaRPr>
-          </a:p>
-          <a:p>
-            <a:r>
-              <a:rPr lang="en-GB" sz="800" b="0">
-                <a:solidFill>
-                  <a:srgbClr val="D4D4D4"/>
-                </a:solidFill>
-                <a:effectLst/>
-                <a:latin typeface="Consolas" panose="020B0609020204030204" pitchFamily="49" charset="0"/>
-              </a:rPr>
-              <a:t>      </a:t>
-            </a:r>
-            <a:r>
-              <a:rPr lang="en-GB" sz="800" b="0">
-                <a:solidFill>
-                  <a:srgbClr val="569CD6"/>
-                </a:solidFill>
-                <a:effectLst/>
-                <a:latin typeface="Consolas" panose="020B0609020204030204" pitchFamily="49" charset="0"/>
-              </a:rPr>
-              <a:t>if</a:t>
-            </a:r>
-            <a:r>
-              <a:rPr lang="en-GB" sz="800" b="0">
-                <a:solidFill>
-                  <a:srgbClr val="D4D4D4"/>
-                </a:solidFill>
-                <a:effectLst/>
-                <a:latin typeface="Consolas" panose="020B0609020204030204" pitchFamily="49" charset="0"/>
-              </a:rPr>
-              <a:t> reset = </a:t>
-            </a:r>
-            <a:r>
-              <a:rPr lang="en-GB" sz="800" b="0">
-                <a:solidFill>
-                  <a:srgbClr val="CE9178"/>
-                </a:solidFill>
-                <a:effectLst/>
-                <a:latin typeface="Consolas" panose="020B0609020204030204" pitchFamily="49" charset="0"/>
-              </a:rPr>
-              <a:t>'1'</a:t>
-            </a:r>
-            <a:r>
-              <a:rPr lang="en-GB" sz="800" b="0">
-                <a:solidFill>
-                  <a:srgbClr val="D4D4D4"/>
-                </a:solidFill>
-                <a:effectLst/>
-                <a:latin typeface="Consolas" panose="020B0609020204030204" pitchFamily="49" charset="0"/>
-              </a:rPr>
-              <a:t> </a:t>
-            </a:r>
-            <a:r>
-              <a:rPr lang="en-GB" sz="800" b="0">
-                <a:solidFill>
-                  <a:srgbClr val="569CD6"/>
-                </a:solidFill>
-                <a:effectLst/>
-                <a:latin typeface="Consolas" panose="020B0609020204030204" pitchFamily="49" charset="0"/>
-              </a:rPr>
-              <a:t>then</a:t>
-            </a:r>
-            <a:endParaRPr lang="en-GB" sz="800" b="0">
-              <a:solidFill>
-                <a:srgbClr val="D4D4D4"/>
-              </a:solidFill>
-              <a:effectLst/>
-              <a:latin typeface="Consolas" panose="020B0609020204030204" pitchFamily="49" charset="0"/>
-            </a:endParaRPr>
-          </a:p>
-          <a:p>
-            <a:r>
-              <a:rPr lang="en-GB" sz="800" b="0">
-                <a:solidFill>
-                  <a:srgbClr val="D4D4D4"/>
-                </a:solidFill>
-                <a:effectLst/>
-                <a:latin typeface="Consolas" panose="020B0609020204030204" pitchFamily="49" charset="0"/>
-              </a:rPr>
-              <a:t>        run &lt;= </a:t>
-            </a:r>
-            <a:r>
-              <a:rPr lang="en-GB" sz="800" b="0">
-                <a:solidFill>
-                  <a:srgbClr val="CE9178"/>
-                </a:solidFill>
-                <a:effectLst/>
-                <a:latin typeface="Consolas" panose="020B0609020204030204" pitchFamily="49" charset="0"/>
-              </a:rPr>
-              <a:t>'0'</a:t>
-            </a:r>
-            <a:r>
-              <a:rPr lang="en-GB" sz="800" b="0">
-                <a:solidFill>
-                  <a:srgbClr val="D4D4D4"/>
-                </a:solidFill>
-                <a:effectLst/>
-                <a:latin typeface="Consolas" panose="020B0609020204030204" pitchFamily="49" charset="0"/>
-              </a:rPr>
-              <a:t>;</a:t>
-            </a:r>
-          </a:p>
-          <a:p>
-            <a:r>
-              <a:rPr lang="en-GB" sz="800" b="0">
-                <a:solidFill>
-                  <a:srgbClr val="D4D4D4"/>
-                </a:solidFill>
-                <a:effectLst/>
-                <a:latin typeface="Consolas" panose="020B0609020204030204" pitchFamily="49" charset="0"/>
-              </a:rPr>
-              <a:t>        state &lt;= </a:t>
-            </a:r>
-            <a:r>
-              <a:rPr lang="en-GB" sz="800" b="0">
-                <a:solidFill>
-                  <a:srgbClr val="B5CEA8"/>
-                </a:solidFill>
-                <a:effectLst/>
-                <a:latin typeface="Consolas" panose="020B0609020204030204" pitchFamily="49" charset="0"/>
-              </a:rPr>
-              <a:t>0</a:t>
-            </a:r>
-            <a:r>
-              <a:rPr lang="en-GB" sz="800" b="0">
-                <a:solidFill>
-                  <a:srgbClr val="D4D4D4"/>
-                </a:solidFill>
-                <a:effectLst/>
-                <a:latin typeface="Consolas" panose="020B0609020204030204" pitchFamily="49" charset="0"/>
-              </a:rPr>
-              <a:t>;</a:t>
-            </a:r>
-          </a:p>
-          <a:p>
-            <a:r>
-              <a:rPr lang="en-GB" sz="800" b="0">
-                <a:solidFill>
-                  <a:srgbClr val="D4D4D4"/>
-                </a:solidFill>
-                <a:effectLst/>
-                <a:latin typeface="Consolas" panose="020B0609020204030204" pitchFamily="49" charset="0"/>
-              </a:rPr>
-              <a:t>        leds &lt;= </a:t>
-            </a:r>
-            <a:r>
-              <a:rPr lang="en-GB" sz="800" b="0">
-                <a:solidFill>
-                  <a:srgbClr val="CE9178"/>
-                </a:solidFill>
-                <a:effectLst/>
-                <a:latin typeface="Consolas" panose="020B0609020204030204" pitchFamily="49" charset="0"/>
-              </a:rPr>
-              <a:t>"0000"</a:t>
-            </a:r>
-            <a:r>
-              <a:rPr lang="en-GB" sz="800" b="0">
-                <a:solidFill>
-                  <a:srgbClr val="D4D4D4"/>
-                </a:solidFill>
-                <a:effectLst/>
-                <a:latin typeface="Consolas" panose="020B0609020204030204" pitchFamily="49" charset="0"/>
-              </a:rPr>
-              <a:t>;</a:t>
-            </a:r>
-          </a:p>
-          <a:p>
-            <a:r>
-              <a:rPr lang="en-GB" sz="800" b="0">
-                <a:solidFill>
-                  <a:srgbClr val="D4D4D4"/>
-                </a:solidFill>
-                <a:effectLst/>
-                <a:latin typeface="Consolas" panose="020B0609020204030204" pitchFamily="49" charset="0"/>
-              </a:rPr>
-              <a:t>      </a:t>
-            </a:r>
-            <a:r>
-              <a:rPr lang="en-GB" sz="800" b="0">
-                <a:solidFill>
-                  <a:srgbClr val="569CD6"/>
-                </a:solidFill>
-                <a:effectLst/>
-                <a:latin typeface="Consolas" panose="020B0609020204030204" pitchFamily="49" charset="0"/>
-              </a:rPr>
-              <a:t>else</a:t>
-            </a:r>
-            <a:endParaRPr lang="en-GB" sz="800" b="0">
-              <a:solidFill>
-                <a:srgbClr val="D4D4D4"/>
-              </a:solidFill>
-              <a:effectLst/>
-              <a:latin typeface="Consolas" panose="020B0609020204030204" pitchFamily="49" charset="0"/>
-            </a:endParaRPr>
-          </a:p>
-          <a:p>
-            <a:r>
-              <a:rPr lang="en-GB" sz="800" b="0">
-                <a:solidFill>
-                  <a:srgbClr val="D4D4D4"/>
-                </a:solidFill>
-                <a:effectLst/>
-                <a:latin typeface="Consolas" panose="020B0609020204030204" pitchFamily="49" charset="0"/>
-              </a:rPr>
-              <a:t>        </a:t>
-            </a:r>
-            <a:r>
-              <a:rPr lang="en-GB" sz="800" b="0">
-                <a:solidFill>
-                  <a:srgbClr val="569CD6"/>
-                </a:solidFill>
-                <a:effectLst/>
-                <a:latin typeface="Consolas" panose="020B0609020204030204" pitchFamily="49" charset="0"/>
-              </a:rPr>
-              <a:t>if</a:t>
-            </a:r>
-            <a:r>
-              <a:rPr lang="en-GB" sz="800" b="0">
-                <a:solidFill>
-                  <a:srgbClr val="D4D4D4"/>
-                </a:solidFill>
-                <a:effectLst/>
-                <a:latin typeface="Consolas" panose="020B0609020204030204" pitchFamily="49" charset="0"/>
-              </a:rPr>
-              <a:t> start = </a:t>
-            </a:r>
-            <a:r>
-              <a:rPr lang="en-GB" sz="800" b="0">
-                <a:solidFill>
-                  <a:srgbClr val="CE9178"/>
-                </a:solidFill>
-                <a:effectLst/>
-                <a:latin typeface="Consolas" panose="020B0609020204030204" pitchFamily="49" charset="0"/>
-              </a:rPr>
-              <a:t>'1'</a:t>
-            </a:r>
-            <a:r>
-              <a:rPr lang="en-GB" sz="800" b="0">
-                <a:solidFill>
-                  <a:srgbClr val="D4D4D4"/>
-                </a:solidFill>
-                <a:effectLst/>
-                <a:latin typeface="Consolas" panose="020B0609020204030204" pitchFamily="49" charset="0"/>
-              </a:rPr>
-              <a:t> </a:t>
-            </a:r>
-            <a:r>
-              <a:rPr lang="en-GB" sz="800" b="0">
-                <a:solidFill>
-                  <a:srgbClr val="569CD6"/>
-                </a:solidFill>
-                <a:effectLst/>
-                <a:latin typeface="Consolas" panose="020B0609020204030204" pitchFamily="49" charset="0"/>
-              </a:rPr>
-              <a:t>then</a:t>
-            </a:r>
-            <a:endParaRPr lang="en-GB" sz="800" b="0">
-              <a:solidFill>
-                <a:srgbClr val="D4D4D4"/>
-              </a:solidFill>
-              <a:effectLst/>
-              <a:latin typeface="Consolas" panose="020B0609020204030204" pitchFamily="49" charset="0"/>
-            </a:endParaRPr>
-          </a:p>
-          <a:p>
-            <a:r>
-              <a:rPr lang="en-GB" sz="800" b="0">
-                <a:solidFill>
-                  <a:srgbClr val="D4D4D4"/>
-                </a:solidFill>
-                <a:effectLst/>
-                <a:latin typeface="Consolas" panose="020B0609020204030204" pitchFamily="49" charset="0"/>
-              </a:rPr>
-              <a:t>          run &lt;= </a:t>
-            </a:r>
-            <a:r>
-              <a:rPr lang="en-GB" sz="800" b="0">
-                <a:solidFill>
-                  <a:srgbClr val="CE9178"/>
-                </a:solidFill>
-                <a:effectLst/>
-                <a:latin typeface="Consolas" panose="020B0609020204030204" pitchFamily="49" charset="0"/>
-              </a:rPr>
-              <a:t>'1'</a:t>
-            </a:r>
-            <a:r>
-              <a:rPr lang="en-GB" sz="800" b="0">
-                <a:solidFill>
-                  <a:srgbClr val="D4D4D4"/>
-                </a:solidFill>
-                <a:effectLst/>
-                <a:latin typeface="Consolas" panose="020B0609020204030204" pitchFamily="49" charset="0"/>
-              </a:rPr>
-              <a:t>;</a:t>
-            </a:r>
-          </a:p>
-          <a:p>
-            <a:r>
-              <a:rPr lang="en-GB" sz="800" b="0">
-                <a:solidFill>
-                  <a:srgbClr val="D4D4D4"/>
-                </a:solidFill>
-                <a:effectLst/>
-                <a:latin typeface="Consolas" panose="020B0609020204030204" pitchFamily="49" charset="0"/>
-              </a:rPr>
-              <a:t>        </a:t>
-            </a:r>
-            <a:r>
-              <a:rPr lang="en-GB" sz="800" b="0">
-                <a:solidFill>
-                  <a:srgbClr val="569CD6"/>
-                </a:solidFill>
-                <a:effectLst/>
-                <a:latin typeface="Consolas" panose="020B0609020204030204" pitchFamily="49" charset="0"/>
-              </a:rPr>
-              <a:t>elsif</a:t>
-            </a:r>
-            <a:r>
-              <a:rPr lang="en-GB" sz="800" b="0">
-                <a:solidFill>
-                  <a:srgbClr val="D4D4D4"/>
-                </a:solidFill>
-                <a:effectLst/>
-                <a:latin typeface="Consolas" panose="020B0609020204030204" pitchFamily="49" charset="0"/>
-              </a:rPr>
-              <a:t> stop = </a:t>
-            </a:r>
-            <a:r>
-              <a:rPr lang="en-GB" sz="800" b="0">
-                <a:solidFill>
-                  <a:srgbClr val="CE9178"/>
-                </a:solidFill>
-                <a:effectLst/>
-                <a:latin typeface="Consolas" panose="020B0609020204030204" pitchFamily="49" charset="0"/>
-              </a:rPr>
-              <a:t>'1'</a:t>
-            </a:r>
-            <a:r>
-              <a:rPr lang="en-GB" sz="800" b="0">
-                <a:solidFill>
-                  <a:srgbClr val="D4D4D4"/>
-                </a:solidFill>
-                <a:effectLst/>
-                <a:latin typeface="Consolas" panose="020B0609020204030204" pitchFamily="49" charset="0"/>
-              </a:rPr>
-              <a:t> </a:t>
-            </a:r>
-            <a:r>
-              <a:rPr lang="en-GB" sz="800" b="0">
-                <a:solidFill>
-                  <a:srgbClr val="569CD6"/>
-                </a:solidFill>
-                <a:effectLst/>
-                <a:latin typeface="Consolas" panose="020B0609020204030204" pitchFamily="49" charset="0"/>
-              </a:rPr>
-              <a:t>then</a:t>
-            </a:r>
-            <a:endParaRPr lang="en-GB" sz="800" b="0">
-              <a:solidFill>
-                <a:srgbClr val="D4D4D4"/>
-              </a:solidFill>
-              <a:effectLst/>
-              <a:latin typeface="Consolas" panose="020B0609020204030204" pitchFamily="49" charset="0"/>
-            </a:endParaRPr>
-          </a:p>
-          <a:p>
-            <a:r>
-              <a:rPr lang="en-GB" sz="800" b="0">
-                <a:solidFill>
-                  <a:srgbClr val="D4D4D4"/>
-                </a:solidFill>
-                <a:effectLst/>
-                <a:latin typeface="Consolas" panose="020B0609020204030204" pitchFamily="49" charset="0"/>
-              </a:rPr>
-              <a:t>          run &lt;= </a:t>
-            </a:r>
-            <a:r>
-              <a:rPr lang="en-GB" sz="800" b="0">
-                <a:solidFill>
-                  <a:srgbClr val="CE9178"/>
-                </a:solidFill>
-                <a:effectLst/>
-                <a:latin typeface="Consolas" panose="020B0609020204030204" pitchFamily="49" charset="0"/>
-              </a:rPr>
-              <a:t>'0'</a:t>
-            </a:r>
-            <a:r>
-              <a:rPr lang="en-GB" sz="800" b="0">
-                <a:solidFill>
-                  <a:srgbClr val="D4D4D4"/>
-                </a:solidFill>
-                <a:effectLst/>
-                <a:latin typeface="Consolas" panose="020B0609020204030204" pitchFamily="49" charset="0"/>
-              </a:rPr>
-              <a:t>;</a:t>
-            </a:r>
-          </a:p>
-          <a:p>
-            <a:r>
-              <a:rPr lang="en-GB" sz="800" b="0">
-                <a:solidFill>
-                  <a:srgbClr val="D4D4D4"/>
-                </a:solidFill>
-                <a:effectLst/>
-                <a:latin typeface="Consolas" panose="020B0609020204030204" pitchFamily="49" charset="0"/>
-              </a:rPr>
-              <a:t>        </a:t>
-            </a:r>
-            <a:r>
-              <a:rPr lang="en-GB" sz="800" b="0">
-                <a:solidFill>
-                  <a:srgbClr val="569CD6"/>
-                </a:solidFill>
-                <a:effectLst/>
-                <a:latin typeface="Consolas" panose="020B0609020204030204" pitchFamily="49" charset="0"/>
-              </a:rPr>
-              <a:t>end if</a:t>
-            </a:r>
-            <a:r>
-              <a:rPr lang="en-GB" sz="800" b="0">
-                <a:solidFill>
-                  <a:srgbClr val="D4D4D4"/>
-                </a:solidFill>
-                <a:effectLst/>
-                <a:latin typeface="Consolas" panose="020B0609020204030204" pitchFamily="49" charset="0"/>
-              </a:rPr>
-              <a:t>;</a:t>
-            </a:r>
-          </a:p>
-          <a:p>
-            <a:r>
-              <a:rPr lang="en-GB" sz="800" b="0">
-                <a:solidFill>
-                  <a:srgbClr val="D4D4D4"/>
-                </a:solidFill>
-                <a:effectLst/>
-                <a:latin typeface="Consolas" panose="020B0609020204030204" pitchFamily="49" charset="0"/>
-              </a:rPr>
-              <a:t>        </a:t>
-            </a:r>
-            <a:r>
-              <a:rPr lang="en-GB" sz="800" b="0">
-                <a:solidFill>
-                  <a:srgbClr val="569CD6"/>
-                </a:solidFill>
-                <a:effectLst/>
-                <a:latin typeface="Consolas" panose="020B0609020204030204" pitchFamily="49" charset="0"/>
-              </a:rPr>
-              <a:t>if</a:t>
-            </a:r>
-            <a:r>
-              <a:rPr lang="en-GB" sz="800" b="0">
-                <a:solidFill>
-                  <a:srgbClr val="D4D4D4"/>
-                </a:solidFill>
-                <a:effectLst/>
-                <a:latin typeface="Consolas" panose="020B0609020204030204" pitchFamily="49" charset="0"/>
-              </a:rPr>
-              <a:t> run = </a:t>
-            </a:r>
-            <a:r>
-              <a:rPr lang="en-GB" sz="800" b="0">
-                <a:solidFill>
-                  <a:srgbClr val="CE9178"/>
-                </a:solidFill>
-                <a:effectLst/>
-                <a:latin typeface="Consolas" panose="020B0609020204030204" pitchFamily="49" charset="0"/>
-              </a:rPr>
-              <a:t>'1'</a:t>
-            </a:r>
-            <a:r>
-              <a:rPr lang="en-GB" sz="800" b="0">
-                <a:solidFill>
-                  <a:srgbClr val="D4D4D4"/>
-                </a:solidFill>
-                <a:effectLst/>
-                <a:latin typeface="Consolas" panose="020B0609020204030204" pitchFamily="49" charset="0"/>
-              </a:rPr>
-              <a:t> </a:t>
-            </a:r>
-            <a:r>
-              <a:rPr lang="en-GB" sz="800" b="0">
-                <a:solidFill>
-                  <a:srgbClr val="569CD6"/>
-                </a:solidFill>
-                <a:effectLst/>
-                <a:latin typeface="Consolas" panose="020B0609020204030204" pitchFamily="49" charset="0"/>
-              </a:rPr>
-              <a:t>and</a:t>
-            </a:r>
-            <a:r>
-              <a:rPr lang="en-GB" sz="800" b="0">
-                <a:solidFill>
-                  <a:srgbClr val="D4D4D4"/>
-                </a:solidFill>
-                <a:effectLst/>
-                <a:latin typeface="Consolas" panose="020B0609020204030204" pitchFamily="49" charset="0"/>
-              </a:rPr>
-              <a:t> incr = </a:t>
-            </a:r>
-            <a:r>
-              <a:rPr lang="en-GB" sz="800" b="0">
-                <a:solidFill>
-                  <a:srgbClr val="CE9178"/>
-                </a:solidFill>
-                <a:effectLst/>
-                <a:latin typeface="Consolas" panose="020B0609020204030204" pitchFamily="49" charset="0"/>
-              </a:rPr>
-              <a:t>'1'</a:t>
-            </a:r>
-            <a:r>
-              <a:rPr lang="en-GB" sz="800" b="0">
-                <a:solidFill>
-                  <a:srgbClr val="D4D4D4"/>
-                </a:solidFill>
-                <a:effectLst/>
-                <a:latin typeface="Consolas" panose="020B0609020204030204" pitchFamily="49" charset="0"/>
-              </a:rPr>
-              <a:t> </a:t>
-            </a:r>
-            <a:r>
-              <a:rPr lang="en-GB" sz="800" b="0">
-                <a:solidFill>
-                  <a:srgbClr val="569CD6"/>
-                </a:solidFill>
-                <a:effectLst/>
-                <a:latin typeface="Consolas" panose="020B0609020204030204" pitchFamily="49" charset="0"/>
-              </a:rPr>
-              <a:t>then</a:t>
-            </a:r>
-            <a:endParaRPr lang="en-GB" sz="800" b="0">
-              <a:solidFill>
-                <a:srgbClr val="D4D4D4"/>
-              </a:solidFill>
-              <a:effectLst/>
-              <a:latin typeface="Consolas" panose="020B0609020204030204" pitchFamily="49" charset="0"/>
-            </a:endParaRPr>
-          </a:p>
-          <a:p>
-            <a:r>
-              <a:rPr lang="en-GB" sz="800" b="0">
-                <a:solidFill>
-                  <a:srgbClr val="D4D4D4"/>
-                </a:solidFill>
-                <a:effectLst/>
-                <a:latin typeface="Consolas" panose="020B0609020204030204" pitchFamily="49" charset="0"/>
-              </a:rPr>
-              <a:t>          </a:t>
-            </a:r>
-            <a:r>
-              <a:rPr lang="en-GB" sz="800" b="0">
-                <a:solidFill>
-                  <a:srgbClr val="569CD6"/>
-                </a:solidFill>
-                <a:effectLst/>
-                <a:latin typeface="Consolas" panose="020B0609020204030204" pitchFamily="49" charset="0"/>
-              </a:rPr>
-              <a:t>if</a:t>
-            </a:r>
-            <a:r>
-              <a:rPr lang="en-GB" sz="800" b="0">
-                <a:solidFill>
-                  <a:srgbClr val="D4D4D4"/>
-                </a:solidFill>
-                <a:effectLst/>
-                <a:latin typeface="Consolas" panose="020B0609020204030204" pitchFamily="49" charset="0"/>
-              </a:rPr>
-              <a:t> state = </a:t>
-            </a:r>
-            <a:r>
-              <a:rPr lang="en-GB" sz="800" b="0">
-                <a:solidFill>
-                  <a:srgbClr val="B5CEA8"/>
-                </a:solidFill>
-                <a:effectLst/>
-                <a:latin typeface="Consolas" panose="020B0609020204030204" pitchFamily="49" charset="0"/>
-              </a:rPr>
-              <a:t>5</a:t>
-            </a:r>
-            <a:r>
-              <a:rPr lang="en-GB" sz="800" b="0">
-                <a:solidFill>
-                  <a:srgbClr val="D4D4D4"/>
-                </a:solidFill>
-                <a:effectLst/>
-                <a:latin typeface="Consolas" panose="020B0609020204030204" pitchFamily="49" charset="0"/>
-              </a:rPr>
-              <a:t> </a:t>
-            </a:r>
-            <a:r>
-              <a:rPr lang="en-GB" sz="800" b="0">
-                <a:solidFill>
-                  <a:srgbClr val="569CD6"/>
-                </a:solidFill>
-                <a:effectLst/>
-                <a:latin typeface="Consolas" panose="020B0609020204030204" pitchFamily="49" charset="0"/>
-              </a:rPr>
-              <a:t>then</a:t>
-            </a:r>
-            <a:endParaRPr lang="en-GB" sz="800" b="0">
-              <a:solidFill>
-                <a:srgbClr val="D4D4D4"/>
-              </a:solidFill>
-              <a:effectLst/>
-              <a:latin typeface="Consolas" panose="020B0609020204030204" pitchFamily="49" charset="0"/>
-            </a:endParaRPr>
-          </a:p>
-          <a:p>
-            <a:r>
-              <a:rPr lang="en-GB" sz="800" b="0">
-                <a:solidFill>
-                  <a:srgbClr val="D4D4D4"/>
-                </a:solidFill>
-                <a:effectLst/>
-                <a:latin typeface="Consolas" panose="020B0609020204030204" pitchFamily="49" charset="0"/>
-              </a:rPr>
-              <a:t>            state &lt;= </a:t>
-            </a:r>
-            <a:r>
-              <a:rPr lang="en-GB" sz="800" b="0">
-                <a:solidFill>
-                  <a:srgbClr val="B5CEA8"/>
-                </a:solidFill>
-                <a:effectLst/>
-                <a:latin typeface="Consolas" panose="020B0609020204030204" pitchFamily="49" charset="0"/>
-              </a:rPr>
-              <a:t>0</a:t>
-            </a:r>
-            <a:r>
-              <a:rPr lang="en-GB" sz="800" b="0">
-                <a:solidFill>
-                  <a:srgbClr val="D4D4D4"/>
-                </a:solidFill>
-                <a:effectLst/>
-                <a:latin typeface="Consolas" panose="020B0609020204030204" pitchFamily="49" charset="0"/>
-              </a:rPr>
-              <a:t>;</a:t>
-            </a:r>
-          </a:p>
-          <a:p>
-            <a:r>
-              <a:rPr lang="en-GB" sz="800" b="0">
-                <a:solidFill>
-                  <a:srgbClr val="D4D4D4"/>
-                </a:solidFill>
-                <a:effectLst/>
-                <a:latin typeface="Consolas" panose="020B0609020204030204" pitchFamily="49" charset="0"/>
-              </a:rPr>
-              <a:t>          </a:t>
-            </a:r>
-            <a:r>
-              <a:rPr lang="en-GB" sz="800" b="0">
-                <a:solidFill>
-                  <a:srgbClr val="569CD6"/>
-                </a:solidFill>
-                <a:effectLst/>
-                <a:latin typeface="Consolas" panose="020B0609020204030204" pitchFamily="49" charset="0"/>
-              </a:rPr>
-              <a:t>else</a:t>
-            </a:r>
-            <a:endParaRPr lang="en-GB" sz="800" b="0">
-              <a:solidFill>
-                <a:srgbClr val="D4D4D4"/>
-              </a:solidFill>
-              <a:effectLst/>
-              <a:latin typeface="Consolas" panose="020B0609020204030204" pitchFamily="49" charset="0"/>
-            </a:endParaRPr>
-          </a:p>
-          <a:p>
-            <a:r>
-              <a:rPr lang="en-GB" sz="800" b="0">
-                <a:solidFill>
-                  <a:srgbClr val="D4D4D4"/>
-                </a:solidFill>
-                <a:effectLst/>
-                <a:latin typeface="Consolas" panose="020B0609020204030204" pitchFamily="49" charset="0"/>
-              </a:rPr>
-              <a:t>            state &lt;= state + </a:t>
-            </a:r>
-            <a:r>
-              <a:rPr lang="en-GB" sz="800" b="0">
-                <a:solidFill>
-                  <a:srgbClr val="B5CEA8"/>
-                </a:solidFill>
-                <a:effectLst/>
-                <a:latin typeface="Consolas" panose="020B0609020204030204" pitchFamily="49" charset="0"/>
-              </a:rPr>
-              <a:t>1</a:t>
-            </a:r>
-            <a:r>
-              <a:rPr lang="en-GB" sz="800" b="0">
-                <a:solidFill>
-                  <a:srgbClr val="D4D4D4"/>
-                </a:solidFill>
-                <a:effectLst/>
-                <a:latin typeface="Consolas" panose="020B0609020204030204" pitchFamily="49" charset="0"/>
-              </a:rPr>
-              <a:t>;</a:t>
-            </a:r>
-          </a:p>
-          <a:p>
-            <a:r>
-              <a:rPr lang="en-GB" sz="800" b="0">
-                <a:solidFill>
-                  <a:srgbClr val="D4D4D4"/>
-                </a:solidFill>
-                <a:effectLst/>
-                <a:latin typeface="Consolas" panose="020B0609020204030204" pitchFamily="49" charset="0"/>
-              </a:rPr>
-              <a:t>          </a:t>
-            </a:r>
-            <a:r>
-              <a:rPr lang="en-GB" sz="800" b="0">
-                <a:solidFill>
-                  <a:srgbClr val="569CD6"/>
-                </a:solidFill>
-                <a:effectLst/>
-                <a:latin typeface="Consolas" panose="020B0609020204030204" pitchFamily="49" charset="0"/>
-              </a:rPr>
-              <a:t>end if</a:t>
-            </a:r>
-            <a:r>
-              <a:rPr lang="en-GB" sz="800" b="0">
-                <a:solidFill>
-                  <a:srgbClr val="D4D4D4"/>
-                </a:solidFill>
-                <a:effectLst/>
-                <a:latin typeface="Consolas" panose="020B0609020204030204" pitchFamily="49" charset="0"/>
-              </a:rPr>
-              <a:t>;</a:t>
-            </a:r>
-          </a:p>
-          <a:p>
-            <a:r>
-              <a:rPr lang="en-GB" sz="800" b="0">
-                <a:solidFill>
-                  <a:srgbClr val="D4D4D4"/>
-                </a:solidFill>
-                <a:effectLst/>
-                <a:latin typeface="Consolas" panose="020B0609020204030204" pitchFamily="49" charset="0"/>
-              </a:rPr>
-              <a:t>          </a:t>
-            </a:r>
-            <a:r>
-              <a:rPr lang="en-GB" sz="800" b="0">
-                <a:solidFill>
-                  <a:srgbClr val="569CD6"/>
-                </a:solidFill>
-                <a:effectLst/>
-                <a:latin typeface="Consolas" panose="020B0609020204030204" pitchFamily="49" charset="0"/>
-              </a:rPr>
-              <a:t>case</a:t>
-            </a:r>
-            <a:r>
-              <a:rPr lang="en-GB" sz="800" b="0">
-                <a:solidFill>
-                  <a:srgbClr val="D4D4D4"/>
-                </a:solidFill>
-                <a:effectLst/>
-                <a:latin typeface="Consolas" panose="020B0609020204030204" pitchFamily="49" charset="0"/>
-              </a:rPr>
-              <a:t> state </a:t>
-            </a:r>
-            <a:r>
-              <a:rPr lang="en-GB" sz="800" b="0">
-                <a:solidFill>
-                  <a:srgbClr val="569CD6"/>
-                </a:solidFill>
-                <a:effectLst/>
-                <a:latin typeface="Consolas" panose="020B0609020204030204" pitchFamily="49" charset="0"/>
-              </a:rPr>
-              <a:t>is</a:t>
-            </a:r>
-            <a:endParaRPr lang="en-GB" sz="800" b="0">
-              <a:solidFill>
-                <a:srgbClr val="D4D4D4"/>
-              </a:solidFill>
-              <a:effectLst/>
-              <a:latin typeface="Consolas" panose="020B0609020204030204" pitchFamily="49" charset="0"/>
-            </a:endParaRPr>
-          </a:p>
-          <a:p>
-            <a:r>
-              <a:rPr lang="en-GB" sz="800" b="0">
-                <a:solidFill>
-                  <a:srgbClr val="D4D4D4"/>
-                </a:solidFill>
-                <a:effectLst/>
-                <a:latin typeface="Consolas" panose="020B0609020204030204" pitchFamily="49" charset="0"/>
-              </a:rPr>
-              <a:t>            </a:t>
-            </a:r>
-            <a:r>
-              <a:rPr lang="en-GB" sz="800" b="0">
-                <a:solidFill>
-                  <a:srgbClr val="569CD6"/>
-                </a:solidFill>
-                <a:effectLst/>
-                <a:latin typeface="Consolas" panose="020B0609020204030204" pitchFamily="49" charset="0"/>
-              </a:rPr>
-              <a:t>when</a:t>
-            </a:r>
-            <a:r>
-              <a:rPr lang="en-GB" sz="800" b="0">
-                <a:solidFill>
-                  <a:srgbClr val="D4D4D4"/>
-                </a:solidFill>
-                <a:effectLst/>
-                <a:latin typeface="Consolas" panose="020B0609020204030204" pitchFamily="49" charset="0"/>
-              </a:rPr>
-              <a:t> </a:t>
-            </a:r>
-            <a:r>
-              <a:rPr lang="en-GB" sz="800" b="0">
-                <a:solidFill>
-                  <a:srgbClr val="B5CEA8"/>
-                </a:solidFill>
-                <a:effectLst/>
-                <a:latin typeface="Consolas" panose="020B0609020204030204" pitchFamily="49" charset="0"/>
-              </a:rPr>
-              <a:t>0</a:t>
-            </a:r>
-            <a:r>
-              <a:rPr lang="en-GB" sz="800" b="0">
-                <a:solidFill>
-                  <a:srgbClr val="D4D4D4"/>
-                </a:solidFill>
-                <a:effectLst/>
-                <a:latin typeface="Consolas" panose="020B0609020204030204" pitchFamily="49" charset="0"/>
-              </a:rPr>
-              <a:t> =&gt;</a:t>
-            </a:r>
-          </a:p>
-          <a:p>
-            <a:r>
-              <a:rPr lang="en-GB" sz="800" b="0">
-                <a:solidFill>
-                  <a:srgbClr val="D4D4D4"/>
-                </a:solidFill>
-                <a:effectLst/>
-                <a:latin typeface="Consolas" panose="020B0609020204030204" pitchFamily="49" charset="0"/>
-              </a:rPr>
-              <a:t>              leds &lt;= </a:t>
-            </a:r>
-            <a:r>
-              <a:rPr lang="en-GB" sz="800" b="0">
-                <a:solidFill>
-                  <a:srgbClr val="CE9178"/>
-                </a:solidFill>
-                <a:effectLst/>
-                <a:latin typeface="Consolas" panose="020B0609020204030204" pitchFamily="49" charset="0"/>
-              </a:rPr>
-              <a:t>"0001"</a:t>
-            </a:r>
-            <a:r>
-              <a:rPr lang="en-GB" sz="800" b="0">
-                <a:solidFill>
-                  <a:srgbClr val="D4D4D4"/>
-                </a:solidFill>
-                <a:effectLst/>
-                <a:latin typeface="Consolas" panose="020B0609020204030204" pitchFamily="49" charset="0"/>
-              </a:rPr>
-              <a:t>;</a:t>
-            </a:r>
-          </a:p>
-          <a:p>
-            <a:br>
-              <a:rPr lang="en-GB" sz="800" b="0">
-                <a:solidFill>
-                  <a:srgbClr val="D4D4D4"/>
-                </a:solidFill>
-                <a:effectLst/>
-                <a:latin typeface="Consolas" panose="020B0609020204030204" pitchFamily="49" charset="0"/>
-              </a:rPr>
-            </a:br>
-            <a:r>
-              <a:rPr lang="en-GB" sz="800" b="0">
-                <a:solidFill>
-                  <a:srgbClr val="D4D4D4"/>
-                </a:solidFill>
-                <a:effectLst/>
-                <a:latin typeface="Consolas" panose="020B0609020204030204" pitchFamily="49" charset="0"/>
-              </a:rPr>
-              <a:t>            </a:t>
-            </a:r>
-            <a:r>
-              <a:rPr lang="en-GB" sz="800" b="0">
-                <a:solidFill>
-                  <a:srgbClr val="569CD6"/>
-                </a:solidFill>
-                <a:effectLst/>
-                <a:latin typeface="Consolas" panose="020B0609020204030204" pitchFamily="49" charset="0"/>
-              </a:rPr>
-              <a:t>when</a:t>
-            </a:r>
-            <a:r>
-              <a:rPr lang="en-GB" sz="800" b="0">
-                <a:solidFill>
-                  <a:srgbClr val="D4D4D4"/>
-                </a:solidFill>
-                <a:effectLst/>
-                <a:latin typeface="Consolas" panose="020B0609020204030204" pitchFamily="49" charset="0"/>
-              </a:rPr>
-              <a:t> </a:t>
-            </a:r>
-            <a:r>
-              <a:rPr lang="en-GB" sz="800" b="0">
-                <a:solidFill>
-                  <a:srgbClr val="B5CEA8"/>
-                </a:solidFill>
-                <a:effectLst/>
-                <a:latin typeface="Consolas" panose="020B0609020204030204" pitchFamily="49" charset="0"/>
-              </a:rPr>
-              <a:t>1</a:t>
-            </a:r>
-            <a:r>
-              <a:rPr lang="en-GB" sz="800" b="0">
-                <a:solidFill>
-                  <a:srgbClr val="D4D4D4"/>
-                </a:solidFill>
-                <a:effectLst/>
-                <a:latin typeface="Consolas" panose="020B0609020204030204" pitchFamily="49" charset="0"/>
-              </a:rPr>
-              <a:t> =&gt;</a:t>
-            </a:r>
-          </a:p>
-          <a:p>
-            <a:r>
-              <a:rPr lang="en-GB" sz="800" b="0">
-                <a:solidFill>
-                  <a:srgbClr val="D4D4D4"/>
-                </a:solidFill>
-                <a:effectLst/>
-                <a:latin typeface="Consolas" panose="020B0609020204030204" pitchFamily="49" charset="0"/>
-              </a:rPr>
-              <a:t>              leds &lt;= </a:t>
-            </a:r>
-            <a:r>
-              <a:rPr lang="en-GB" sz="800" b="0">
-                <a:solidFill>
-                  <a:srgbClr val="CE9178"/>
-                </a:solidFill>
-                <a:effectLst/>
-                <a:latin typeface="Consolas" panose="020B0609020204030204" pitchFamily="49" charset="0"/>
-              </a:rPr>
-              <a:t>"0010"</a:t>
-            </a:r>
-            <a:r>
-              <a:rPr lang="en-GB" sz="800" b="0">
-                <a:solidFill>
-                  <a:srgbClr val="D4D4D4"/>
-                </a:solidFill>
-                <a:effectLst/>
-                <a:latin typeface="Consolas" panose="020B0609020204030204" pitchFamily="49" charset="0"/>
-              </a:rPr>
-              <a:t>;</a:t>
-            </a:r>
-          </a:p>
-          <a:p>
-            <a:r>
-              <a:rPr lang="en-GB" sz="800" b="0">
-                <a:solidFill>
-                  <a:srgbClr val="D4D4D4"/>
-                </a:solidFill>
-                <a:effectLst/>
-                <a:latin typeface="Consolas" panose="020B0609020204030204" pitchFamily="49" charset="0"/>
-              </a:rPr>
-              <a:t>                  :</a:t>
-            </a:r>
-            <a:endParaRPr lang="en-GB" sz="800" b="0" dirty="0">
-              <a:solidFill>
-                <a:srgbClr val="D4D4D4"/>
-              </a:solidFill>
-              <a:effectLst/>
-              <a:latin typeface="Consolas" panose="020B0609020204030204" pitchFamily="49" charset="0"/>
-            </a:endParaRPr>
-          </a:p>
-        </p:txBody>
-      </p:sp>
-      <p:pic>
-        <p:nvPicPr>
-          <p:cNvPr id="6" name="Picture 5">
-            <a:extLst>
-              <a:ext uri="{FF2B5EF4-FFF2-40B4-BE49-F238E27FC236}">
-                <a16:creationId xmlns:a16="http://schemas.microsoft.com/office/drawing/2014/main" id="{BCAD6A1A-8501-39F0-9C13-9F969C122772}"/>
-              </a:ext>
-            </a:extLst>
-          </p:cNvPr>
-          <p:cNvPicPr>
-            <a:picLocks noChangeAspect="1"/>
-          </p:cNvPicPr>
-          <p:nvPr/>
-        </p:nvPicPr>
-        <p:blipFill>
-          <a:blip r:embed="rId2"/>
-          <a:stretch>
-            <a:fillRect/>
-          </a:stretch>
-        </p:blipFill>
-        <p:spPr>
-          <a:xfrm>
-            <a:off x="838200" y="1900780"/>
-            <a:ext cx="5313608" cy="4553282"/>
-          </a:xfrm>
-          <a:prstGeom prst="rect">
-            <a:avLst/>
-          </a:prstGeom>
-        </p:spPr>
-      </p:pic>
-      <p:sp>
-        <p:nvSpPr>
-          <p:cNvPr id="7" name="Arrow: Right 6">
-            <a:extLst>
-              <a:ext uri="{FF2B5EF4-FFF2-40B4-BE49-F238E27FC236}">
-                <a16:creationId xmlns:a16="http://schemas.microsoft.com/office/drawing/2014/main" id="{442F7D82-2CE9-DC8F-8F49-896E852A34D1}"/>
-              </a:ext>
-            </a:extLst>
-          </p:cNvPr>
-          <p:cNvSpPr/>
-          <p:nvPr/>
-        </p:nvSpPr>
-        <p:spPr>
-          <a:xfrm>
-            <a:off x="6391249" y="3935105"/>
-            <a:ext cx="978408" cy="484632"/>
-          </a:xfrm>
-          <a:prstGeom prst="rightArrow">
-            <a:avLst/>
-          </a:prstGeom>
-          <a:solidFill>
-            <a:srgbClr val="1E1E1E"/>
-          </a:solidFill>
-          <a:ln>
-            <a:noFill/>
-          </a:ln>
-          <a:effectLst>
-            <a:outerShdw blurRad="50800" dist="38100" dir="2700000" algn="tl" rotWithShape="0">
-              <a:prstClr val="black">
-                <a:alpha val="40000"/>
-              </a:prstClr>
-            </a:outerShdw>
-          </a:effectLst>
-        </p:spPr>
-        <p:style>
-          <a:lnRef idx="2">
-            <a:schemeClr val="accent1">
-              <a:shade val="50000"/>
-            </a:schemeClr>
-          </a:lnRef>
-          <a:fillRef idx="1">
-            <a:schemeClr val="accent1"/>
-          </a:fillRef>
-          <a:effectRef idx="0">
-            <a:schemeClr val="accent1"/>
-          </a:effectRef>
-          <a:fontRef idx="minor">
-            <a:schemeClr val="lt1"/>
-          </a:fontRef>
-        </p:style>
-        <p:txBody>
-          <a:bodyPr rtlCol="0" anchor="ctr"/>
-          <a:lstStyle/>
-          <a:p>
-            <a:pPr algn="ctr"/>
-            <a:endParaRPr lang="en-GB"/>
-          </a:p>
-        </p:txBody>
-      </p:sp>
-      <p:sp>
-        <p:nvSpPr>
-          <p:cNvPr id="8" name="TextBox 7">
-            <a:extLst>
-              <a:ext uri="{FF2B5EF4-FFF2-40B4-BE49-F238E27FC236}">
-                <a16:creationId xmlns:a16="http://schemas.microsoft.com/office/drawing/2014/main" id="{47C51C3F-218A-BDBF-FA23-D65374F8B1F4}"/>
-              </a:ext>
-            </a:extLst>
-          </p:cNvPr>
-          <p:cNvSpPr txBox="1"/>
-          <p:nvPr/>
-        </p:nvSpPr>
-        <p:spPr>
-          <a:xfrm>
-            <a:off x="6257597" y="3105834"/>
-            <a:ext cx="1245714" cy="646331"/>
-          </a:xfrm>
-          <a:prstGeom prst="rect">
-            <a:avLst/>
-          </a:prstGeom>
-          <a:noFill/>
-        </p:spPr>
-        <p:txBody>
-          <a:bodyPr wrap="square" rtlCol="0">
-            <a:spAutoFit/>
-          </a:bodyPr>
-          <a:lstStyle/>
-          <a:p>
-            <a:pPr algn="ctr"/>
-            <a:r>
-              <a:rPr lang="en-GB"/>
-              <a:t>Generates VHDL</a:t>
-            </a:r>
-            <a:endParaRPr lang="en-GB" dirty="0"/>
-          </a:p>
-        </p:txBody>
-      </p:sp>
-    </p:spTree>
-    <p:extLst>
-      <p:ext uri="{BB962C8B-B14F-4D97-AF65-F5344CB8AC3E}">
-        <p14:creationId xmlns:p14="http://schemas.microsoft.com/office/powerpoint/2010/main" val="1351250001"/>
-      </p:ext>
-    </p:extLst>
-  </p:cSld>
-  <p:clrMapOvr>
-    <a:masterClrMapping/>
-  </p:clrMapOvr>
-</p:sld>
-</file>
-
-<file path=ppt/slides/slide4.xml><?xml version="1.0" encoding="utf-8"?>
-<p:sld xmlns:a="http://schemas.openxmlformats.org/drawingml/2006/main" xmlns:r="http://schemas.openxmlformats.org/officeDocument/2006/relationships" xmlns:p="http://schemas.openxmlformats.org/presentationml/2006/main">
-  <p:cSld>
-    <p:spTree>
-      <p:nvGrpSpPr>
-        <p:cNvPr id="1" name=""/>
-        <p:cNvGrpSpPr/>
-        <p:nvPr/>
-      </p:nvGrpSpPr>
-      <p:grpSpPr>
-        <a:xfrm>
-          <a:off x="0" y="0"/>
-          <a:ext cx="0" cy="0"/>
-          <a:chOff x="0" y="0"/>
-          <a:chExt cx="0" cy="0"/>
-        </a:xfrm>
-      </p:grpSpPr>
-      <p:sp>
-        <p:nvSpPr>
-          <p:cNvPr id="2" name="Title 1">
-            <a:extLst>
-              <a:ext uri="{FF2B5EF4-FFF2-40B4-BE49-F238E27FC236}">
-                <a16:creationId xmlns:a16="http://schemas.microsoft.com/office/drawing/2014/main" id="{7F93B6CA-BBD4-40F8-D142-78C78909697F}"/>
-              </a:ext>
-            </a:extLst>
-          </p:cNvPr>
-          <p:cNvSpPr>
-            <a:spLocks noGrp="1"/>
-          </p:cNvSpPr>
-          <p:nvPr>
-            <p:ph type="title"/>
-          </p:nvPr>
-        </p:nvSpPr>
-        <p:spPr/>
-        <p:txBody>
-          <a:bodyPr/>
-          <a:lstStyle/>
-          <a:p>
-            <a:r>
-              <a:rPr lang="en-GB"/>
-              <a:t>VHDL Simulation - ModelSim</a:t>
-            </a:r>
-            <a:endParaRPr lang="en-GB" dirty="0"/>
-          </a:p>
-        </p:txBody>
-      </p:sp>
-      <p:pic>
-        <p:nvPicPr>
-          <p:cNvPr id="6" name="Picture 5">
-            <a:extLst>
-              <a:ext uri="{FF2B5EF4-FFF2-40B4-BE49-F238E27FC236}">
-                <a16:creationId xmlns:a16="http://schemas.microsoft.com/office/drawing/2014/main" id="{E0A4E295-A3A2-5358-89B4-F248DDD6CBF1}"/>
-              </a:ext>
-            </a:extLst>
-          </p:cNvPr>
-          <p:cNvPicPr>
-            <a:picLocks noChangeAspect="1"/>
-          </p:cNvPicPr>
-          <p:nvPr/>
-        </p:nvPicPr>
-        <p:blipFill>
-          <a:blip r:embed="rId2"/>
-          <a:stretch>
-            <a:fillRect/>
-          </a:stretch>
-        </p:blipFill>
-        <p:spPr>
-          <a:xfrm>
-            <a:off x="838200" y="1690688"/>
-            <a:ext cx="8698345" cy="4466125"/>
-          </a:xfrm>
-          <a:prstGeom prst="rect">
-            <a:avLst/>
-          </a:prstGeom>
-        </p:spPr>
-      </p:pic>
-      <p:pic>
-        <p:nvPicPr>
-          <p:cNvPr id="12" name="Picture 11">
-            <a:extLst>
-              <a:ext uri="{FF2B5EF4-FFF2-40B4-BE49-F238E27FC236}">
-                <a16:creationId xmlns:a16="http://schemas.microsoft.com/office/drawing/2014/main" id="{9A918638-E233-2540-6A43-03C8FE9E0305}"/>
-              </a:ext>
-            </a:extLst>
-          </p:cNvPr>
-          <p:cNvPicPr>
-            <a:picLocks noChangeAspect="1"/>
-          </p:cNvPicPr>
-          <p:nvPr/>
-        </p:nvPicPr>
-        <p:blipFill>
-          <a:blip r:embed="rId3"/>
-          <a:stretch>
-            <a:fillRect/>
-          </a:stretch>
-        </p:blipFill>
-        <p:spPr>
-          <a:xfrm>
-            <a:off x="7646988" y="4214161"/>
-            <a:ext cx="3706812" cy="1942652"/>
-          </a:xfrm>
-          <a:prstGeom prst="rect">
-            <a:avLst/>
-          </a:prstGeom>
-        </p:spPr>
-      </p:pic>
-      <p:cxnSp>
-        <p:nvCxnSpPr>
-          <p:cNvPr id="14" name="Straight Arrow Connector 13">
-            <a:extLst>
-              <a:ext uri="{FF2B5EF4-FFF2-40B4-BE49-F238E27FC236}">
-                <a16:creationId xmlns:a16="http://schemas.microsoft.com/office/drawing/2014/main" id="{C335B22B-A37A-FA67-53AD-C9638B372118}"/>
-              </a:ext>
-            </a:extLst>
-          </p:cNvPr>
-          <p:cNvCxnSpPr>
-            <a:cxnSpLocks/>
-          </p:cNvCxnSpPr>
-          <p:nvPr/>
-        </p:nvCxnSpPr>
-        <p:spPr>
-          <a:xfrm flipH="1" flipV="1">
-            <a:off x="6654800" y="3543300"/>
-            <a:ext cx="3048000" cy="1549400"/>
-          </a:xfrm>
-          <a:prstGeom prst="straightConnector1">
-            <a:avLst/>
-          </a:prstGeom>
-          <a:ln w="38100">
-            <a:solidFill>
-              <a:srgbClr val="FF0000"/>
-            </a:solidFill>
-            <a:tailEnd type="triangle"/>
-          </a:ln>
-        </p:spPr>
-        <p:style>
-          <a:lnRef idx="1">
-            <a:schemeClr val="accent1"/>
-          </a:lnRef>
-          <a:fillRef idx="0">
-            <a:schemeClr val="accent1"/>
-          </a:fillRef>
-          <a:effectRef idx="0">
-            <a:schemeClr val="accent1"/>
-          </a:effectRef>
-          <a:fontRef idx="minor">
-            <a:schemeClr val="tx1"/>
-          </a:fontRef>
-        </p:style>
-      </p:cxnSp>
-    </p:spTree>
-    <p:extLst>
-      <p:ext uri="{BB962C8B-B14F-4D97-AF65-F5344CB8AC3E}">
-        <p14:creationId xmlns:p14="http://schemas.microsoft.com/office/powerpoint/2010/main" val="2463422816"/>
       </p:ext>
     </p:extLst>
   </p:cSld>

--- a/docs/Training/Scratch_VHDL_Advert.pptx
+++ b/docs/Training/Scratch_VHDL_Advert.pptx
@@ -3853,7 +3853,7 @@
           <a:p>
             <a:fld id="{A793A016-C221-4297-BAF0-C7617808AEA2}" type="datetimeFigureOut">
               <a:rPr lang="en-GB" smtClean="0"/>
-              <a:t>22/08/2023</a:t>
+              <a:t>26/08/2023</a:t>
             </a:fld>
             <a:endParaRPr lang="en-GB"/>
           </a:p>
@@ -4339,7 +4339,7 @@
           <a:p>
             <a:fld id="{93631960-6401-4240-A916-0C0CD9420A18}" type="datetimeFigureOut">
               <a:rPr lang="en-GB" smtClean="0"/>
-              <a:t>22/08/2023</a:t>
+              <a:t>26/08/2023</a:t>
             </a:fld>
             <a:endParaRPr lang="en-GB"/>
           </a:p>
@@ -4509,7 +4509,7 @@
           <a:p>
             <a:fld id="{93631960-6401-4240-A916-0C0CD9420A18}" type="datetimeFigureOut">
               <a:rPr lang="en-GB" smtClean="0"/>
-              <a:t>22/08/2023</a:t>
+              <a:t>26/08/2023</a:t>
             </a:fld>
             <a:endParaRPr lang="en-GB"/>
           </a:p>
@@ -4689,7 +4689,7 @@
           <a:p>
             <a:fld id="{93631960-6401-4240-A916-0C0CD9420A18}" type="datetimeFigureOut">
               <a:rPr lang="en-GB" smtClean="0"/>
-              <a:t>22/08/2023</a:t>
+              <a:t>26/08/2023</a:t>
             </a:fld>
             <a:endParaRPr lang="en-GB"/>
           </a:p>
@@ -4859,7 +4859,7 @@
           <a:p>
             <a:fld id="{93631960-6401-4240-A916-0C0CD9420A18}" type="datetimeFigureOut">
               <a:rPr lang="en-GB" smtClean="0"/>
-              <a:t>22/08/2023</a:t>
+              <a:t>26/08/2023</a:t>
             </a:fld>
             <a:endParaRPr lang="en-GB"/>
           </a:p>
@@ -5105,7 +5105,7 @@
           <a:p>
             <a:fld id="{93631960-6401-4240-A916-0C0CD9420A18}" type="datetimeFigureOut">
               <a:rPr lang="en-GB" smtClean="0"/>
-              <a:t>22/08/2023</a:t>
+              <a:t>26/08/2023</a:t>
             </a:fld>
             <a:endParaRPr lang="en-GB"/>
           </a:p>
@@ -5336,7 +5336,7 @@
           <a:p>
             <a:fld id="{93631960-6401-4240-A916-0C0CD9420A18}" type="datetimeFigureOut">
               <a:rPr lang="en-GB" smtClean="0"/>
-              <a:t>22/08/2023</a:t>
+              <a:t>26/08/2023</a:t>
             </a:fld>
             <a:endParaRPr lang="en-GB"/>
           </a:p>
@@ -5703,7 +5703,7 @@
           <a:p>
             <a:fld id="{93631960-6401-4240-A916-0C0CD9420A18}" type="datetimeFigureOut">
               <a:rPr lang="en-GB" smtClean="0"/>
-              <a:t>22/08/2023</a:t>
+              <a:t>26/08/2023</a:t>
             </a:fld>
             <a:endParaRPr lang="en-GB"/>
           </a:p>
@@ -5821,7 +5821,7 @@
           <a:p>
             <a:fld id="{93631960-6401-4240-A916-0C0CD9420A18}" type="datetimeFigureOut">
               <a:rPr lang="en-GB" smtClean="0"/>
-              <a:t>22/08/2023</a:t>
+              <a:t>26/08/2023</a:t>
             </a:fld>
             <a:endParaRPr lang="en-GB"/>
           </a:p>
@@ -5916,7 +5916,7 @@
           <a:p>
             <a:fld id="{93631960-6401-4240-A916-0C0CD9420A18}" type="datetimeFigureOut">
               <a:rPr lang="en-GB" smtClean="0"/>
-              <a:t>22/08/2023</a:t>
+              <a:t>26/08/2023</a:t>
             </a:fld>
             <a:endParaRPr lang="en-GB"/>
           </a:p>
@@ -6193,7 +6193,7 @@
           <a:p>
             <a:fld id="{93631960-6401-4240-A916-0C0CD9420A18}" type="datetimeFigureOut">
               <a:rPr lang="en-GB" smtClean="0"/>
-              <a:t>22/08/2023</a:t>
+              <a:t>26/08/2023</a:t>
             </a:fld>
             <a:endParaRPr lang="en-GB"/>
           </a:p>
@@ -6450,7 +6450,7 @@
           <a:p>
             <a:fld id="{93631960-6401-4240-A916-0C0CD9420A18}" type="datetimeFigureOut">
               <a:rPr lang="en-GB" smtClean="0"/>
-              <a:t>22/08/2023</a:t>
+              <a:t>26/08/2023</a:t>
             </a:fld>
             <a:endParaRPr lang="en-GB"/>
           </a:p>
@@ -6732,7 +6732,7 @@
           <a:p>
             <a:fld id="{93631960-6401-4240-A916-0C0CD9420A18}" type="datetimeFigureOut">
               <a:rPr lang="en-GB" smtClean="0"/>
-              <a:t>22/08/2023</a:t>
+              <a:t>26/08/2023</a:t>
             </a:fld>
             <a:endParaRPr lang="en-GB"/>
           </a:p>
@@ -20232,7 +20232,7 @@
         <p:spPr/>
         <p:txBody>
           <a:bodyPr>
-            <a:normAutofit lnSpcReduction="10000"/>
+            <a:normAutofit fontScale="92500" lnSpcReduction="20000"/>
           </a:bodyPr>
           <a:lstStyle/>
           <a:p>
@@ -20334,7 +20334,7 @@
         <p:spPr/>
         <p:txBody>
           <a:bodyPr>
-            <a:normAutofit lnSpcReduction="10000"/>
+            <a:normAutofit fontScale="92500" lnSpcReduction="20000"/>
           </a:bodyPr>
           <a:lstStyle/>
           <a:p>
@@ -20380,6 +20380,12 @@
             <a:r>
               <a:rPr lang="en-GB" dirty="0"/>
               <a:t>Linear Feedback Shift Register</a:t>
+            </a:r>
+          </a:p>
+          <a:p>
+            <a:r>
+              <a:rPr lang="en-GB" dirty="0"/>
+              <a:t>“Crypto” Application</a:t>
             </a:r>
           </a:p>
           <a:p>
@@ -20454,7 +20460,7 @@
         </p:blipFill>
         <p:spPr bwMode="auto">
           <a:xfrm>
-            <a:off x="10013789" y="3370262"/>
+            <a:off x="10013789" y="3150806"/>
             <a:ext cx="900000" cy="1692000"/>
           </a:xfrm>
           <a:prstGeom prst="rect">
